--- a/Storygraph/docs/Appear UX + Storygraph.pptx
+++ b/Storygraph/docs/Appear UX + Storygraph.pptx
@@ -13,17 +13,27 @@
     <p:sldId id="284" r:id="rId7"/>
     <p:sldId id="286" r:id="rId8"/>
     <p:sldId id="279" r:id="rId9"/>
-    <p:sldId id="274" r:id="rId10"/>
-    <p:sldId id="261" r:id="rId11"/>
-    <p:sldId id="260" r:id="rId12"/>
-    <p:sldId id="262" r:id="rId13"/>
-    <p:sldId id="263" r:id="rId14"/>
-    <p:sldId id="266" r:id="rId15"/>
-    <p:sldId id="267" r:id="rId16"/>
-    <p:sldId id="265" r:id="rId17"/>
-    <p:sldId id="268" r:id="rId18"/>
-    <p:sldId id="269" r:id="rId19"/>
-    <p:sldId id="270" r:id="rId20"/>
+    <p:sldId id="288" r:id="rId10"/>
+    <p:sldId id="298" r:id="rId11"/>
+    <p:sldId id="296" r:id="rId12"/>
+    <p:sldId id="289" r:id="rId13"/>
+    <p:sldId id="293" r:id="rId14"/>
+    <p:sldId id="290" r:id="rId15"/>
+    <p:sldId id="291" r:id="rId16"/>
+    <p:sldId id="295" r:id="rId17"/>
+    <p:sldId id="297" r:id="rId18"/>
+    <p:sldId id="299" r:id="rId19"/>
+    <p:sldId id="274" r:id="rId20"/>
+    <p:sldId id="261" r:id="rId21"/>
+    <p:sldId id="260" r:id="rId22"/>
+    <p:sldId id="262" r:id="rId23"/>
+    <p:sldId id="263" r:id="rId24"/>
+    <p:sldId id="266" r:id="rId25"/>
+    <p:sldId id="267" r:id="rId26"/>
+    <p:sldId id="265" r:id="rId27"/>
+    <p:sldId id="268" r:id="rId28"/>
+    <p:sldId id="269" r:id="rId29"/>
+    <p:sldId id="270" r:id="rId30"/>
   </p:sldIdLst>
   <p:sldSz cx="9144000" cy="6858000" type="screen4x3"/>
   <p:notesSz cx="6858000" cy="9144000"/>
@@ -307,7 +317,7 @@
             <a:fld id="{CEB84FF0-67E9-40A1-8F5C-7FC5E49514C8}" type="datetimeFigureOut">
               <a:rPr lang="ko-KR" altLang="en-US" smtClean="0"/>
               <a:pPr/>
-              <a:t>2013-01-03</a:t>
+              <a:t>2013-01-16</a:t>
             </a:fld>
             <a:endParaRPr lang="ko-KR" altLang="en-US"/>
           </a:p>
@@ -474,7 +484,7 @@
             <a:fld id="{CEB84FF0-67E9-40A1-8F5C-7FC5E49514C8}" type="datetimeFigureOut">
               <a:rPr lang="ko-KR" altLang="en-US" smtClean="0"/>
               <a:pPr/>
-              <a:t>2013-01-03</a:t>
+              <a:t>2013-01-16</a:t>
             </a:fld>
             <a:endParaRPr lang="ko-KR" altLang="en-US"/>
           </a:p>
@@ -651,7 +661,7 @@
             <a:fld id="{CEB84FF0-67E9-40A1-8F5C-7FC5E49514C8}" type="datetimeFigureOut">
               <a:rPr lang="ko-KR" altLang="en-US" smtClean="0"/>
               <a:pPr/>
-              <a:t>2013-01-03</a:t>
+              <a:t>2013-01-16</a:t>
             </a:fld>
             <a:endParaRPr lang="ko-KR" altLang="en-US"/>
           </a:p>
@@ -818,7 +828,7 @@
             <a:fld id="{CEB84FF0-67E9-40A1-8F5C-7FC5E49514C8}" type="datetimeFigureOut">
               <a:rPr lang="ko-KR" altLang="en-US" smtClean="0"/>
               <a:pPr/>
-              <a:t>2013-01-03</a:t>
+              <a:t>2013-01-16</a:t>
             </a:fld>
             <a:endParaRPr lang="ko-KR" altLang="en-US"/>
           </a:p>
@@ -1061,7 +1071,7 @@
             <a:fld id="{CEB84FF0-67E9-40A1-8F5C-7FC5E49514C8}" type="datetimeFigureOut">
               <a:rPr lang="ko-KR" altLang="en-US" smtClean="0"/>
               <a:pPr/>
-              <a:t>2013-01-03</a:t>
+              <a:t>2013-01-16</a:t>
             </a:fld>
             <a:endParaRPr lang="ko-KR" altLang="en-US"/>
           </a:p>
@@ -1346,7 +1356,7 @@
             <a:fld id="{CEB84FF0-67E9-40A1-8F5C-7FC5E49514C8}" type="datetimeFigureOut">
               <a:rPr lang="ko-KR" altLang="en-US" smtClean="0"/>
               <a:pPr/>
-              <a:t>2013-01-03</a:t>
+              <a:t>2013-01-16</a:t>
             </a:fld>
             <a:endParaRPr lang="ko-KR" altLang="en-US"/>
           </a:p>
@@ -1765,7 +1775,7 @@
             <a:fld id="{CEB84FF0-67E9-40A1-8F5C-7FC5E49514C8}" type="datetimeFigureOut">
               <a:rPr lang="ko-KR" altLang="en-US" smtClean="0"/>
               <a:pPr/>
-              <a:t>2013-01-03</a:t>
+              <a:t>2013-01-16</a:t>
             </a:fld>
             <a:endParaRPr lang="ko-KR" altLang="en-US"/>
           </a:p>
@@ -1880,7 +1890,7 @@
             <a:fld id="{CEB84FF0-67E9-40A1-8F5C-7FC5E49514C8}" type="datetimeFigureOut">
               <a:rPr lang="ko-KR" altLang="en-US" smtClean="0"/>
               <a:pPr/>
-              <a:t>2013-01-03</a:t>
+              <a:t>2013-01-16</a:t>
             </a:fld>
             <a:endParaRPr lang="ko-KR" altLang="en-US"/>
           </a:p>
@@ -1972,7 +1982,7 @@
             <a:fld id="{CEB84FF0-67E9-40A1-8F5C-7FC5E49514C8}" type="datetimeFigureOut">
               <a:rPr lang="ko-KR" altLang="en-US" smtClean="0"/>
               <a:pPr/>
-              <a:t>2013-01-03</a:t>
+              <a:t>2013-01-16</a:t>
             </a:fld>
             <a:endParaRPr lang="ko-KR" altLang="en-US"/>
           </a:p>
@@ -2246,7 +2256,7 @@
             <a:fld id="{CEB84FF0-67E9-40A1-8F5C-7FC5E49514C8}" type="datetimeFigureOut">
               <a:rPr lang="ko-KR" altLang="en-US" smtClean="0"/>
               <a:pPr/>
-              <a:t>2013-01-03</a:t>
+              <a:t>2013-01-16</a:t>
             </a:fld>
             <a:endParaRPr lang="ko-KR" altLang="en-US"/>
           </a:p>
@@ -2496,7 +2506,7 @@
             <a:fld id="{CEB84FF0-67E9-40A1-8F5C-7FC5E49514C8}" type="datetimeFigureOut">
               <a:rPr lang="ko-KR" altLang="en-US" smtClean="0"/>
               <a:pPr/>
-              <a:t>2013-01-03</a:t>
+              <a:t>2013-01-16</a:t>
             </a:fld>
             <a:endParaRPr lang="ko-KR" altLang="en-US"/>
           </a:p>
@@ -2706,7 +2716,7 @@
             <a:fld id="{CEB84FF0-67E9-40A1-8F5C-7FC5E49514C8}" type="datetimeFigureOut">
               <a:rPr lang="ko-KR" altLang="en-US" smtClean="0"/>
               <a:pPr/>
-              <a:t>2013-01-03</a:t>
+              <a:t>2013-01-16</a:t>
             </a:fld>
             <a:endParaRPr lang="ko-KR" altLang="en-US"/>
           </a:p>
@@ -3156,6 +3166,5803 @@
 </file>
 
 <file path=ppt/slides/slide10.xml><?xml version="1.0" encoding="utf-8"?>
+<p:sld xmlns:a="http://schemas.openxmlformats.org/drawingml/2006/main" xmlns:r="http://schemas.openxmlformats.org/officeDocument/2006/relationships" xmlns:p="http://schemas.openxmlformats.org/presentationml/2006/main">
+  <p:cSld>
+    <p:spTree>
+      <p:nvGrpSpPr>
+        <p:cNvPr id="1" name=""/>
+        <p:cNvGrpSpPr/>
+        <p:nvPr/>
+      </p:nvGrpSpPr>
+      <p:grpSpPr>
+        <a:xfrm>
+          <a:off x="0" y="0"/>
+          <a:ext cx="0" cy="0"/>
+          <a:chOff x="0" y="0"/>
+          <a:chExt cx="0" cy="0"/>
+        </a:xfrm>
+      </p:grpSpPr>
+      <p:sp>
+        <p:nvSpPr>
+          <p:cNvPr id="2" name="제목 1"/>
+          <p:cNvSpPr>
+            <a:spLocks noGrp="1"/>
+          </p:cNvSpPr>
+          <p:nvPr>
+            <p:ph type="title"/>
+          </p:nvPr>
+        </p:nvSpPr>
+        <p:spPr/>
+        <p:txBody>
+          <a:bodyPr>
+            <a:normAutofit/>
+          </a:bodyPr>
+          <a:lstStyle/>
+          <a:p>
+            <a:pPr algn="l"/>
+            <a:r>
+              <a:rPr lang="en-US" altLang="ko-KR" sz="3200" dirty="0" smtClean="0"/>
+              <a:t>Appear UX</a:t>
+            </a:r>
+            <a:r>
+              <a:rPr lang="en-US" altLang="ko-KR" sz="3200" dirty="0"/>
+              <a:t> </a:t>
+            </a:r>
+            <a:r>
+              <a:rPr lang="en-US" altLang="ko-KR" sz="3200" dirty="0" smtClean="0"/>
+              <a:t>| </a:t>
+            </a:r>
+            <a:r>
+              <a:rPr lang="en-US" altLang="ko-KR" sz="3200" dirty="0" smtClean="0"/>
+              <a:t>Drag and Drop</a:t>
+            </a:r>
+            <a:endParaRPr lang="ko-KR" altLang="en-US" sz="3200" dirty="0"/>
+          </a:p>
+        </p:txBody>
+      </p:sp>
+      <p:sp>
+        <p:nvSpPr>
+          <p:cNvPr id="4" name="모서리가 둥근 직사각형 3"/>
+          <p:cNvSpPr/>
+          <p:nvPr/>
+        </p:nvSpPr>
+        <p:spPr>
+          <a:xfrm>
+            <a:off x="1403648" y="2780928"/>
+            <a:ext cx="1368152" cy="648072"/>
+          </a:xfrm>
+          <a:prstGeom prst="roundRect">
+            <a:avLst/>
+          </a:prstGeom>
+        </p:spPr>
+        <p:style>
+          <a:lnRef idx="1">
+            <a:schemeClr val="accent2"/>
+          </a:lnRef>
+          <a:fillRef idx="2">
+            <a:schemeClr val="accent2"/>
+          </a:fillRef>
+          <a:effectRef idx="1">
+            <a:schemeClr val="accent2"/>
+          </a:effectRef>
+          <a:fontRef idx="minor">
+            <a:schemeClr val="dk1"/>
+          </a:fontRef>
+        </p:style>
+        <p:txBody>
+          <a:bodyPr rtlCol="0" anchor="ctr"/>
+          <a:lstStyle/>
+          <a:p>
+            <a:pPr algn="ctr"/>
+            <a:r>
+              <a:rPr lang="en-US" altLang="ko-KR" sz="1000" dirty="0" err="1" smtClean="0"/>
+              <a:t>DnDManager</a:t>
+            </a:r>
+            <a:endParaRPr lang="ko-KR" altLang="en-US" sz="1000" dirty="0"/>
+          </a:p>
+        </p:txBody>
+      </p:sp>
+      <p:sp>
+        <p:nvSpPr>
+          <p:cNvPr id="50" name="모서리가 둥근 직사각형 49"/>
+          <p:cNvSpPr/>
+          <p:nvPr/>
+        </p:nvSpPr>
+        <p:spPr>
+          <a:xfrm>
+            <a:off x="1402378" y="1628800"/>
+            <a:ext cx="1368152" cy="648072"/>
+          </a:xfrm>
+          <a:prstGeom prst="roundRect">
+            <a:avLst/>
+          </a:prstGeom>
+        </p:spPr>
+        <p:style>
+          <a:lnRef idx="1">
+            <a:schemeClr val="accent2"/>
+          </a:lnRef>
+          <a:fillRef idx="2">
+            <a:schemeClr val="accent2"/>
+          </a:fillRef>
+          <a:effectRef idx="1">
+            <a:schemeClr val="accent2"/>
+          </a:effectRef>
+          <a:fontRef idx="minor">
+            <a:schemeClr val="dk1"/>
+          </a:fontRef>
+        </p:style>
+        <p:txBody>
+          <a:bodyPr rtlCol="0" anchor="ctr"/>
+          <a:lstStyle/>
+          <a:p>
+            <a:pPr algn="ctr"/>
+            <a:r>
+              <a:rPr lang="en-US" altLang="ko-KR" sz="1000" dirty="0" err="1" smtClean="0"/>
+              <a:t>TouchHandler</a:t>
+            </a:r>
+            <a:endParaRPr lang="ko-KR" altLang="en-US" sz="1000" dirty="0"/>
+          </a:p>
+        </p:txBody>
+      </p:sp>
+      <p:cxnSp>
+        <p:nvCxnSpPr>
+          <p:cNvPr id="6" name="꺾인 연결선 5"/>
+          <p:cNvCxnSpPr>
+            <a:stCxn id="4" idx="0"/>
+            <a:endCxn id="50" idx="2"/>
+          </p:cNvCxnSpPr>
+          <p:nvPr/>
+        </p:nvCxnSpPr>
+        <p:spPr>
+          <a:xfrm rot="16200000" flipV="1">
+            <a:off x="1835061" y="2528265"/>
+            <a:ext cx="504056" cy="1270"/>
+          </a:xfrm>
+          <a:prstGeom prst="bentConnector3">
+            <a:avLst/>
+          </a:prstGeom>
+          <a:ln>
+            <a:headEnd type="none" w="med" len="med"/>
+            <a:tailEnd type="triangle" w="med" len="med"/>
+          </a:ln>
+        </p:spPr>
+        <p:style>
+          <a:lnRef idx="1">
+            <a:schemeClr val="accent1"/>
+          </a:lnRef>
+          <a:fillRef idx="0">
+            <a:schemeClr val="accent1"/>
+          </a:fillRef>
+          <a:effectRef idx="0">
+            <a:schemeClr val="accent1"/>
+          </a:effectRef>
+          <a:fontRef idx="minor">
+            <a:schemeClr val="tx1"/>
+          </a:fontRef>
+        </p:style>
+      </p:cxnSp>
+      <p:sp>
+        <p:nvSpPr>
+          <p:cNvPr id="56" name="모서리가 둥근 직사각형 55"/>
+          <p:cNvSpPr/>
+          <p:nvPr/>
+        </p:nvSpPr>
+        <p:spPr>
+          <a:xfrm>
+            <a:off x="4427984" y="2780928"/>
+            <a:ext cx="1368152" cy="648072"/>
+          </a:xfrm>
+          <a:prstGeom prst="roundRect">
+            <a:avLst/>
+          </a:prstGeom>
+        </p:spPr>
+        <p:style>
+          <a:lnRef idx="1">
+            <a:schemeClr val="accent1"/>
+          </a:lnRef>
+          <a:fillRef idx="2">
+            <a:schemeClr val="accent1"/>
+          </a:fillRef>
+          <a:effectRef idx="1">
+            <a:schemeClr val="accent1"/>
+          </a:effectRef>
+          <a:fontRef idx="minor">
+            <a:schemeClr val="dk1"/>
+          </a:fontRef>
+        </p:style>
+        <p:txBody>
+          <a:bodyPr rtlCol="0" anchor="ctr"/>
+          <a:lstStyle/>
+          <a:p>
+            <a:pPr algn="ctr"/>
+            <a:r>
+              <a:rPr lang="en-US" altLang="ko-KR" sz="1000" dirty="0" err="1" smtClean="0"/>
+              <a:t>DnDSource</a:t>
+            </a:r>
+            <a:endParaRPr lang="ko-KR" altLang="en-US" sz="1000" dirty="0"/>
+          </a:p>
+        </p:txBody>
+      </p:sp>
+      <p:sp>
+        <p:nvSpPr>
+          <p:cNvPr id="57" name="모서리가 둥근 직사각형 56"/>
+          <p:cNvSpPr/>
+          <p:nvPr/>
+        </p:nvSpPr>
+        <p:spPr>
+          <a:xfrm>
+            <a:off x="4426714" y="1628800"/>
+            <a:ext cx="1368152" cy="648072"/>
+          </a:xfrm>
+          <a:prstGeom prst="roundRect">
+            <a:avLst/>
+          </a:prstGeom>
+        </p:spPr>
+        <p:style>
+          <a:lnRef idx="1">
+            <a:schemeClr val="accent1"/>
+          </a:lnRef>
+          <a:fillRef idx="2">
+            <a:schemeClr val="accent1"/>
+          </a:fillRef>
+          <a:effectRef idx="1">
+            <a:schemeClr val="accent1"/>
+          </a:effectRef>
+          <a:fontRef idx="minor">
+            <a:schemeClr val="dk1"/>
+          </a:fontRef>
+        </p:style>
+        <p:txBody>
+          <a:bodyPr rtlCol="0" anchor="ctr"/>
+          <a:lstStyle/>
+          <a:p>
+            <a:pPr algn="ctr"/>
+            <a:r>
+              <a:rPr lang="en-US" altLang="ko-KR" sz="1000" dirty="0" err="1" smtClean="0"/>
+              <a:t>DnDSourceAgent</a:t>
+            </a:r>
+            <a:endParaRPr lang="ko-KR" altLang="en-US" sz="1000" dirty="0"/>
+          </a:p>
+        </p:txBody>
+      </p:sp>
+      <p:cxnSp>
+        <p:nvCxnSpPr>
+          <p:cNvPr id="58" name="꺾인 연결선 57"/>
+          <p:cNvCxnSpPr>
+            <a:stCxn id="56" idx="0"/>
+            <a:endCxn id="57" idx="2"/>
+          </p:cNvCxnSpPr>
+          <p:nvPr/>
+        </p:nvCxnSpPr>
+        <p:spPr>
+          <a:xfrm rot="16200000" flipV="1">
+            <a:off x="4859397" y="2528265"/>
+            <a:ext cx="504056" cy="1270"/>
+          </a:xfrm>
+          <a:prstGeom prst="bentConnector3">
+            <a:avLst/>
+          </a:prstGeom>
+          <a:ln>
+            <a:headEnd type="none" w="med" len="med"/>
+            <a:tailEnd type="triangle" w="med" len="med"/>
+          </a:ln>
+        </p:spPr>
+        <p:style>
+          <a:lnRef idx="1">
+            <a:schemeClr val="accent1"/>
+          </a:lnRef>
+          <a:fillRef idx="2">
+            <a:schemeClr val="accent1"/>
+          </a:fillRef>
+          <a:effectRef idx="1">
+            <a:schemeClr val="accent1"/>
+          </a:effectRef>
+          <a:fontRef idx="minor">
+            <a:schemeClr val="dk1"/>
+          </a:fontRef>
+        </p:style>
+      </p:cxnSp>
+      <p:sp>
+        <p:nvSpPr>
+          <p:cNvPr id="59" name="모서리가 둥근 직사각형 58"/>
+          <p:cNvSpPr/>
+          <p:nvPr/>
+        </p:nvSpPr>
+        <p:spPr>
+          <a:xfrm>
+            <a:off x="6444208" y="2780927"/>
+            <a:ext cx="1368152" cy="648072"/>
+          </a:xfrm>
+          <a:prstGeom prst="roundRect">
+            <a:avLst/>
+          </a:prstGeom>
+        </p:spPr>
+        <p:style>
+          <a:lnRef idx="1">
+            <a:schemeClr val="accent1"/>
+          </a:lnRef>
+          <a:fillRef idx="2">
+            <a:schemeClr val="accent1"/>
+          </a:fillRef>
+          <a:effectRef idx="1">
+            <a:schemeClr val="accent1"/>
+          </a:effectRef>
+          <a:fontRef idx="minor">
+            <a:schemeClr val="dk1"/>
+          </a:fontRef>
+        </p:style>
+        <p:txBody>
+          <a:bodyPr rtlCol="0" anchor="ctr"/>
+          <a:lstStyle/>
+          <a:p>
+            <a:pPr algn="ctr"/>
+            <a:r>
+              <a:rPr lang="en-US" altLang="ko-KR" sz="1000" dirty="0" err="1" smtClean="0"/>
+              <a:t>DnDTarget</a:t>
+            </a:r>
+            <a:endParaRPr lang="ko-KR" altLang="en-US" sz="1000" dirty="0"/>
+          </a:p>
+        </p:txBody>
+      </p:sp>
+      <p:sp>
+        <p:nvSpPr>
+          <p:cNvPr id="60" name="모서리가 둥근 직사각형 59"/>
+          <p:cNvSpPr/>
+          <p:nvPr/>
+        </p:nvSpPr>
+        <p:spPr>
+          <a:xfrm>
+            <a:off x="6442938" y="1628799"/>
+            <a:ext cx="1368152" cy="648072"/>
+          </a:xfrm>
+          <a:prstGeom prst="roundRect">
+            <a:avLst/>
+          </a:prstGeom>
+        </p:spPr>
+        <p:style>
+          <a:lnRef idx="1">
+            <a:schemeClr val="accent1"/>
+          </a:lnRef>
+          <a:fillRef idx="2">
+            <a:schemeClr val="accent1"/>
+          </a:fillRef>
+          <a:effectRef idx="1">
+            <a:schemeClr val="accent1"/>
+          </a:effectRef>
+          <a:fontRef idx="minor">
+            <a:schemeClr val="dk1"/>
+          </a:fontRef>
+        </p:style>
+        <p:txBody>
+          <a:bodyPr rtlCol="0" anchor="ctr"/>
+          <a:lstStyle/>
+          <a:p>
+            <a:pPr algn="ctr"/>
+            <a:r>
+              <a:rPr lang="en-US" altLang="ko-KR" sz="1000" dirty="0" err="1" smtClean="0"/>
+              <a:t>DnDTargetAgent</a:t>
+            </a:r>
+            <a:endParaRPr lang="ko-KR" altLang="en-US" sz="1000" dirty="0"/>
+          </a:p>
+        </p:txBody>
+      </p:sp>
+      <p:cxnSp>
+        <p:nvCxnSpPr>
+          <p:cNvPr id="69" name="꺾인 연결선 68"/>
+          <p:cNvCxnSpPr>
+            <a:stCxn id="59" idx="0"/>
+            <a:endCxn id="60" idx="2"/>
+          </p:cNvCxnSpPr>
+          <p:nvPr/>
+        </p:nvCxnSpPr>
+        <p:spPr>
+          <a:xfrm rot="16200000" flipV="1">
+            <a:off x="6875621" y="2528264"/>
+            <a:ext cx="504056" cy="1270"/>
+          </a:xfrm>
+          <a:prstGeom prst="bentConnector3">
+            <a:avLst/>
+          </a:prstGeom>
+          <a:ln>
+            <a:headEnd type="none" w="med" len="med"/>
+            <a:tailEnd type="triangle" w="med" len="med"/>
+          </a:ln>
+        </p:spPr>
+        <p:style>
+          <a:lnRef idx="1">
+            <a:schemeClr val="accent1"/>
+          </a:lnRef>
+          <a:fillRef idx="2">
+            <a:schemeClr val="accent1"/>
+          </a:fillRef>
+          <a:effectRef idx="1">
+            <a:schemeClr val="accent1"/>
+          </a:effectRef>
+          <a:fontRef idx="minor">
+            <a:schemeClr val="dk1"/>
+          </a:fontRef>
+        </p:style>
+      </p:cxnSp>
+      <p:sp>
+        <p:nvSpPr>
+          <p:cNvPr id="14" name="모서리가 둥근 직사각형 13"/>
+          <p:cNvSpPr/>
+          <p:nvPr/>
+        </p:nvSpPr>
+        <p:spPr>
+          <a:xfrm>
+            <a:off x="611560" y="4653136"/>
+            <a:ext cx="1368152" cy="648072"/>
+          </a:xfrm>
+          <a:prstGeom prst="roundRect">
+            <a:avLst/>
+          </a:prstGeom>
+        </p:spPr>
+        <p:style>
+          <a:lnRef idx="1">
+            <a:schemeClr val="accent1"/>
+          </a:lnRef>
+          <a:fillRef idx="2">
+            <a:schemeClr val="accent1"/>
+          </a:fillRef>
+          <a:effectRef idx="1">
+            <a:schemeClr val="accent1"/>
+          </a:effectRef>
+          <a:fontRef idx="minor">
+            <a:schemeClr val="dk1"/>
+          </a:fontRef>
+        </p:style>
+        <p:txBody>
+          <a:bodyPr rtlCol="0" anchor="ctr"/>
+          <a:lstStyle/>
+          <a:p>
+            <a:pPr algn="ctr"/>
+            <a:r>
+              <a:rPr lang="en-US" altLang="ko-KR" sz="1000" dirty="0" err="1" smtClean="0"/>
+              <a:t>DnDSource</a:t>
+            </a:r>
+            <a:endParaRPr lang="ko-KR" altLang="en-US" sz="1000" dirty="0"/>
+          </a:p>
+        </p:txBody>
+      </p:sp>
+      <p:sp>
+        <p:nvSpPr>
+          <p:cNvPr id="15" name="모서리가 둥근 직사각형 14"/>
+          <p:cNvSpPr/>
+          <p:nvPr/>
+        </p:nvSpPr>
+        <p:spPr>
+          <a:xfrm>
+            <a:off x="1132219" y="4386240"/>
+            <a:ext cx="1368152" cy="648072"/>
+          </a:xfrm>
+          <a:prstGeom prst="roundRect">
+            <a:avLst/>
+          </a:prstGeom>
+        </p:spPr>
+        <p:style>
+          <a:lnRef idx="1">
+            <a:schemeClr val="accent1"/>
+          </a:lnRef>
+          <a:fillRef idx="2">
+            <a:schemeClr val="accent1"/>
+          </a:fillRef>
+          <a:effectRef idx="1">
+            <a:schemeClr val="accent1"/>
+          </a:effectRef>
+          <a:fontRef idx="minor">
+            <a:schemeClr val="dk1"/>
+          </a:fontRef>
+        </p:style>
+        <p:txBody>
+          <a:bodyPr rtlCol="0" anchor="ctr"/>
+          <a:lstStyle/>
+          <a:p>
+            <a:pPr algn="ctr"/>
+            <a:r>
+              <a:rPr lang="en-US" altLang="ko-KR" sz="1000" dirty="0" err="1" smtClean="0"/>
+              <a:t>DnDSource</a:t>
+            </a:r>
+            <a:endParaRPr lang="ko-KR" altLang="en-US" sz="1000" dirty="0"/>
+          </a:p>
+        </p:txBody>
+      </p:sp>
+      <p:sp>
+        <p:nvSpPr>
+          <p:cNvPr id="16" name="모서리가 둥근 직사각형 15"/>
+          <p:cNvSpPr/>
+          <p:nvPr/>
+        </p:nvSpPr>
+        <p:spPr>
+          <a:xfrm>
+            <a:off x="763960" y="4805536"/>
+            <a:ext cx="1368152" cy="648072"/>
+          </a:xfrm>
+          <a:prstGeom prst="roundRect">
+            <a:avLst/>
+          </a:prstGeom>
+        </p:spPr>
+        <p:style>
+          <a:lnRef idx="1">
+            <a:schemeClr val="accent1"/>
+          </a:lnRef>
+          <a:fillRef idx="2">
+            <a:schemeClr val="accent1"/>
+          </a:fillRef>
+          <a:effectRef idx="1">
+            <a:schemeClr val="accent1"/>
+          </a:effectRef>
+          <a:fontRef idx="minor">
+            <a:schemeClr val="dk1"/>
+          </a:fontRef>
+        </p:style>
+        <p:txBody>
+          <a:bodyPr rtlCol="0" anchor="ctr"/>
+          <a:lstStyle/>
+          <a:p>
+            <a:pPr algn="ctr"/>
+            <a:r>
+              <a:rPr lang="en-US" altLang="ko-KR" sz="1000" dirty="0" err="1" smtClean="0"/>
+              <a:t>DnDSource</a:t>
+            </a:r>
+            <a:endParaRPr lang="ko-KR" altLang="en-US" sz="1000" dirty="0"/>
+          </a:p>
+        </p:txBody>
+      </p:sp>
+      <p:sp>
+        <p:nvSpPr>
+          <p:cNvPr id="17" name="모서리가 둥근 직사각형 16"/>
+          <p:cNvSpPr/>
+          <p:nvPr/>
+        </p:nvSpPr>
+        <p:spPr>
+          <a:xfrm>
+            <a:off x="860790" y="4877544"/>
+            <a:ext cx="1368152" cy="648072"/>
+          </a:xfrm>
+          <a:prstGeom prst="roundRect">
+            <a:avLst/>
+          </a:prstGeom>
+        </p:spPr>
+        <p:style>
+          <a:lnRef idx="1">
+            <a:schemeClr val="accent1"/>
+          </a:lnRef>
+          <a:fillRef idx="2">
+            <a:schemeClr val="accent1"/>
+          </a:fillRef>
+          <a:effectRef idx="1">
+            <a:schemeClr val="accent1"/>
+          </a:effectRef>
+          <a:fontRef idx="minor">
+            <a:schemeClr val="dk1"/>
+          </a:fontRef>
+        </p:style>
+        <p:txBody>
+          <a:bodyPr rtlCol="0" anchor="ctr"/>
+          <a:lstStyle/>
+          <a:p>
+            <a:pPr algn="ctr"/>
+            <a:r>
+              <a:rPr lang="en-US" altLang="ko-KR" sz="1000" dirty="0" err="1" smtClean="0"/>
+              <a:t>DnDSource</a:t>
+            </a:r>
+            <a:endParaRPr lang="ko-KR" altLang="en-US" sz="1000" dirty="0"/>
+          </a:p>
+        </p:txBody>
+      </p:sp>
+      <p:sp>
+        <p:nvSpPr>
+          <p:cNvPr id="18" name="모서리가 둥근 직사각형 17"/>
+          <p:cNvSpPr/>
+          <p:nvPr/>
+        </p:nvSpPr>
+        <p:spPr>
+          <a:xfrm>
+            <a:off x="3275856" y="4157464"/>
+            <a:ext cx="1368152" cy="648072"/>
+          </a:xfrm>
+          <a:prstGeom prst="roundRect">
+            <a:avLst/>
+          </a:prstGeom>
+        </p:spPr>
+        <p:style>
+          <a:lnRef idx="1">
+            <a:schemeClr val="accent1"/>
+          </a:lnRef>
+          <a:fillRef idx="2">
+            <a:schemeClr val="accent1"/>
+          </a:fillRef>
+          <a:effectRef idx="1">
+            <a:schemeClr val="accent1"/>
+          </a:effectRef>
+          <a:fontRef idx="minor">
+            <a:schemeClr val="dk1"/>
+          </a:fontRef>
+        </p:style>
+        <p:txBody>
+          <a:bodyPr rtlCol="0" anchor="ctr"/>
+          <a:lstStyle/>
+          <a:p>
+            <a:pPr algn="ctr"/>
+            <a:r>
+              <a:rPr lang="en-US" altLang="ko-KR" sz="1000" dirty="0" err="1" smtClean="0"/>
+              <a:t>DnDTarget</a:t>
+            </a:r>
+            <a:endParaRPr lang="ko-KR" altLang="en-US" sz="1000" dirty="0"/>
+          </a:p>
+        </p:txBody>
+      </p:sp>
+      <p:sp>
+        <p:nvSpPr>
+          <p:cNvPr id="19" name="모서리가 둥근 직사각형 18"/>
+          <p:cNvSpPr/>
+          <p:nvPr/>
+        </p:nvSpPr>
+        <p:spPr>
+          <a:xfrm>
+            <a:off x="3380068" y="4229472"/>
+            <a:ext cx="1368152" cy="648072"/>
+          </a:xfrm>
+          <a:prstGeom prst="roundRect">
+            <a:avLst/>
+          </a:prstGeom>
+        </p:spPr>
+        <p:style>
+          <a:lnRef idx="1">
+            <a:schemeClr val="accent1"/>
+          </a:lnRef>
+          <a:fillRef idx="2">
+            <a:schemeClr val="accent1"/>
+          </a:fillRef>
+          <a:effectRef idx="1">
+            <a:schemeClr val="accent1"/>
+          </a:effectRef>
+          <a:fontRef idx="minor">
+            <a:schemeClr val="dk1"/>
+          </a:fontRef>
+        </p:style>
+        <p:txBody>
+          <a:bodyPr rtlCol="0" anchor="ctr"/>
+          <a:lstStyle/>
+          <a:p>
+            <a:pPr algn="ctr"/>
+            <a:r>
+              <a:rPr lang="en-US" altLang="ko-KR" sz="1000" dirty="0" err="1" smtClean="0"/>
+              <a:t>DnDTarget</a:t>
+            </a:r>
+            <a:endParaRPr lang="ko-KR" altLang="en-US" sz="1000" dirty="0"/>
+          </a:p>
+        </p:txBody>
+      </p:sp>
+      <p:sp>
+        <p:nvSpPr>
+          <p:cNvPr id="20" name="모서리가 둥근 직사각형 19"/>
+          <p:cNvSpPr/>
+          <p:nvPr/>
+        </p:nvSpPr>
+        <p:spPr>
+          <a:xfrm>
+            <a:off x="3428256" y="4309864"/>
+            <a:ext cx="1368152" cy="648072"/>
+          </a:xfrm>
+          <a:prstGeom prst="roundRect">
+            <a:avLst/>
+          </a:prstGeom>
+        </p:spPr>
+        <p:style>
+          <a:lnRef idx="1">
+            <a:schemeClr val="accent1"/>
+          </a:lnRef>
+          <a:fillRef idx="2">
+            <a:schemeClr val="accent1"/>
+          </a:fillRef>
+          <a:effectRef idx="1">
+            <a:schemeClr val="accent1"/>
+          </a:effectRef>
+          <a:fontRef idx="minor">
+            <a:schemeClr val="dk1"/>
+          </a:fontRef>
+        </p:style>
+        <p:txBody>
+          <a:bodyPr rtlCol="0" anchor="ctr"/>
+          <a:lstStyle/>
+          <a:p>
+            <a:pPr algn="ctr"/>
+            <a:r>
+              <a:rPr lang="en-US" altLang="ko-KR" sz="1000" dirty="0" err="1" smtClean="0"/>
+              <a:t>DnDTarget</a:t>
+            </a:r>
+            <a:endParaRPr lang="ko-KR" altLang="en-US" sz="1000" dirty="0"/>
+          </a:p>
+        </p:txBody>
+      </p:sp>
+      <p:sp>
+        <p:nvSpPr>
+          <p:cNvPr id="21" name="모서리가 둥근 직사각형 20"/>
+          <p:cNvSpPr/>
+          <p:nvPr/>
+        </p:nvSpPr>
+        <p:spPr>
+          <a:xfrm>
+            <a:off x="3532468" y="4381872"/>
+            <a:ext cx="1368152" cy="648072"/>
+          </a:xfrm>
+          <a:prstGeom prst="roundRect">
+            <a:avLst/>
+          </a:prstGeom>
+        </p:spPr>
+        <p:style>
+          <a:lnRef idx="1">
+            <a:schemeClr val="accent1"/>
+          </a:lnRef>
+          <a:fillRef idx="2">
+            <a:schemeClr val="accent1"/>
+          </a:fillRef>
+          <a:effectRef idx="1">
+            <a:schemeClr val="accent1"/>
+          </a:effectRef>
+          <a:fontRef idx="minor">
+            <a:schemeClr val="dk1"/>
+          </a:fontRef>
+        </p:style>
+        <p:txBody>
+          <a:bodyPr rtlCol="0" anchor="ctr"/>
+          <a:lstStyle/>
+          <a:p>
+            <a:pPr algn="ctr"/>
+            <a:r>
+              <a:rPr lang="en-US" altLang="ko-KR" sz="1000" dirty="0" err="1" smtClean="0"/>
+              <a:t>DnDTarget</a:t>
+            </a:r>
+            <a:endParaRPr lang="ko-KR" altLang="en-US" sz="1000" dirty="0"/>
+          </a:p>
+        </p:txBody>
+      </p:sp>
+      <p:cxnSp>
+        <p:nvCxnSpPr>
+          <p:cNvPr id="5" name="꺾인 연결선 4"/>
+          <p:cNvCxnSpPr>
+            <a:stCxn id="4" idx="2"/>
+            <a:endCxn id="18" idx="0"/>
+          </p:cNvCxnSpPr>
+          <p:nvPr/>
+        </p:nvCxnSpPr>
+        <p:spPr>
+          <a:xfrm rot="16200000" flipH="1">
+            <a:off x="2659596" y="2857128"/>
+            <a:ext cx="728464" cy="1872208"/>
+          </a:xfrm>
+          <a:prstGeom prst="bentConnector3">
+            <a:avLst/>
+          </a:prstGeom>
+        </p:spPr>
+        <p:style>
+          <a:lnRef idx="1">
+            <a:schemeClr val="accent1"/>
+          </a:lnRef>
+          <a:fillRef idx="0">
+            <a:schemeClr val="accent1"/>
+          </a:fillRef>
+          <a:effectRef idx="0">
+            <a:schemeClr val="accent1"/>
+          </a:effectRef>
+          <a:fontRef idx="minor">
+            <a:schemeClr val="tx1"/>
+          </a:fontRef>
+        </p:style>
+      </p:cxnSp>
+      <p:cxnSp>
+        <p:nvCxnSpPr>
+          <p:cNvPr id="8" name="꺾인 연결선 7"/>
+          <p:cNvCxnSpPr>
+            <a:stCxn id="4" idx="2"/>
+            <a:endCxn id="19" idx="0"/>
+          </p:cNvCxnSpPr>
+          <p:nvPr/>
+        </p:nvCxnSpPr>
+        <p:spPr>
+          <a:xfrm rot="16200000" flipH="1">
+            <a:off x="2675698" y="2841026"/>
+            <a:ext cx="800472" cy="1976420"/>
+          </a:xfrm>
+          <a:prstGeom prst="bentConnector3">
+            <a:avLst/>
+          </a:prstGeom>
+        </p:spPr>
+        <p:style>
+          <a:lnRef idx="1">
+            <a:schemeClr val="accent1"/>
+          </a:lnRef>
+          <a:fillRef idx="0">
+            <a:schemeClr val="accent1"/>
+          </a:fillRef>
+          <a:effectRef idx="0">
+            <a:schemeClr val="accent1"/>
+          </a:effectRef>
+          <a:fontRef idx="minor">
+            <a:schemeClr val="tx1"/>
+          </a:fontRef>
+        </p:style>
+      </p:cxnSp>
+      <p:cxnSp>
+        <p:nvCxnSpPr>
+          <p:cNvPr id="10" name="꺾인 연결선 9"/>
+          <p:cNvCxnSpPr>
+            <a:stCxn id="4" idx="2"/>
+            <a:endCxn id="20" idx="0"/>
+          </p:cNvCxnSpPr>
+          <p:nvPr/>
+        </p:nvCxnSpPr>
+        <p:spPr>
+          <a:xfrm rot="16200000" flipH="1">
+            <a:off x="2659596" y="2857128"/>
+            <a:ext cx="880864" cy="2024608"/>
+          </a:xfrm>
+          <a:prstGeom prst="bentConnector3">
+            <a:avLst/>
+          </a:prstGeom>
+        </p:spPr>
+        <p:style>
+          <a:lnRef idx="1">
+            <a:schemeClr val="accent1"/>
+          </a:lnRef>
+          <a:fillRef idx="0">
+            <a:schemeClr val="accent1"/>
+          </a:fillRef>
+          <a:effectRef idx="0">
+            <a:schemeClr val="accent1"/>
+          </a:effectRef>
+          <a:fontRef idx="minor">
+            <a:schemeClr val="tx1"/>
+          </a:fontRef>
+        </p:style>
+      </p:cxnSp>
+      <p:cxnSp>
+        <p:nvCxnSpPr>
+          <p:cNvPr id="12" name="꺾인 연결선 11"/>
+          <p:cNvCxnSpPr>
+            <a:stCxn id="4" idx="2"/>
+            <a:endCxn id="21" idx="0"/>
+          </p:cNvCxnSpPr>
+          <p:nvPr/>
+        </p:nvCxnSpPr>
+        <p:spPr>
+          <a:xfrm rot="16200000" flipH="1">
+            <a:off x="2675698" y="2841026"/>
+            <a:ext cx="952872" cy="2128820"/>
+          </a:xfrm>
+          <a:prstGeom prst="bentConnector3">
+            <a:avLst/>
+          </a:prstGeom>
+        </p:spPr>
+        <p:style>
+          <a:lnRef idx="1">
+            <a:schemeClr val="accent1"/>
+          </a:lnRef>
+          <a:fillRef idx="0">
+            <a:schemeClr val="accent1"/>
+          </a:fillRef>
+          <a:effectRef idx="0">
+            <a:schemeClr val="accent1"/>
+          </a:effectRef>
+          <a:fontRef idx="minor">
+            <a:schemeClr val="tx1"/>
+          </a:fontRef>
+        </p:style>
+      </p:cxnSp>
+      <p:cxnSp>
+        <p:nvCxnSpPr>
+          <p:cNvPr id="23" name="꺾인 연결선 22"/>
+          <p:cNvCxnSpPr>
+            <a:stCxn id="15" idx="0"/>
+            <a:endCxn id="4" idx="1"/>
+          </p:cNvCxnSpPr>
+          <p:nvPr/>
+        </p:nvCxnSpPr>
+        <p:spPr>
+          <a:xfrm rot="16200000" flipV="1">
+            <a:off x="969334" y="3539278"/>
+            <a:ext cx="1281276" cy="412647"/>
+          </a:xfrm>
+          <a:prstGeom prst="bentConnector4">
+            <a:avLst>
+              <a:gd name="adj1" fmla="val 37355"/>
+              <a:gd name="adj2" fmla="val 221176"/>
+            </a:avLst>
+          </a:prstGeom>
+        </p:spPr>
+        <p:style>
+          <a:lnRef idx="1">
+            <a:schemeClr val="accent1"/>
+          </a:lnRef>
+          <a:fillRef idx="0">
+            <a:schemeClr val="accent1"/>
+          </a:fillRef>
+          <a:effectRef idx="0">
+            <a:schemeClr val="accent1"/>
+          </a:effectRef>
+          <a:fontRef idx="minor">
+            <a:schemeClr val="tx1"/>
+          </a:fontRef>
+        </p:style>
+      </p:cxnSp>
+    </p:spTree>
+    <p:extLst>
+      <p:ext uri="{BB962C8B-B14F-4D97-AF65-F5344CB8AC3E}">
+        <p14:creationId xmlns:p14="http://schemas.microsoft.com/office/powerpoint/2010/main" val="2572551605"/>
+      </p:ext>
+    </p:extLst>
+  </p:cSld>
+  <p:clrMapOvr>
+    <a:masterClrMapping/>
+  </p:clrMapOvr>
+  <p:timing>
+    <p:tnLst>
+      <p:par>
+        <p:cTn id="1" dur="indefinite" restart="never" nodeType="tmRoot"/>
+      </p:par>
+    </p:tnLst>
+  </p:timing>
+</p:sld>
+</file>
+
+<file path=ppt/slides/slide11.xml><?xml version="1.0" encoding="utf-8"?>
+<p:sld xmlns:a="http://schemas.openxmlformats.org/drawingml/2006/main" xmlns:r="http://schemas.openxmlformats.org/officeDocument/2006/relationships" xmlns:p="http://schemas.openxmlformats.org/presentationml/2006/main">
+  <p:cSld>
+    <p:spTree>
+      <p:nvGrpSpPr>
+        <p:cNvPr id="1" name=""/>
+        <p:cNvGrpSpPr/>
+        <p:nvPr/>
+      </p:nvGrpSpPr>
+      <p:grpSpPr>
+        <a:xfrm>
+          <a:off x="0" y="0"/>
+          <a:ext cx="0" cy="0"/>
+          <a:chOff x="0" y="0"/>
+          <a:chExt cx="0" cy="0"/>
+        </a:xfrm>
+      </p:grpSpPr>
+      <p:sp>
+        <p:nvSpPr>
+          <p:cNvPr id="7" name="모서리가 둥근 직사각형 6"/>
+          <p:cNvSpPr/>
+          <p:nvPr/>
+        </p:nvSpPr>
+        <p:spPr>
+          <a:xfrm>
+            <a:off x="827584" y="2594140"/>
+            <a:ext cx="2790309" cy="3643172"/>
+          </a:xfrm>
+          <a:prstGeom prst="roundRect">
+            <a:avLst>
+              <a:gd name="adj" fmla="val 7597"/>
+            </a:avLst>
+          </a:prstGeom>
+        </p:spPr>
+        <p:style>
+          <a:lnRef idx="1">
+            <a:schemeClr val="accent4"/>
+          </a:lnRef>
+          <a:fillRef idx="2">
+            <a:schemeClr val="accent4"/>
+          </a:fillRef>
+          <a:effectRef idx="1">
+            <a:schemeClr val="accent4"/>
+          </a:effectRef>
+          <a:fontRef idx="minor">
+            <a:schemeClr val="dk1"/>
+          </a:fontRef>
+        </p:style>
+        <p:txBody>
+          <a:bodyPr rtlCol="0" anchor="t"/>
+          <a:lstStyle/>
+          <a:p>
+            <a:pPr algn="ctr"/>
+            <a:r>
+              <a:rPr lang="en-US" altLang="ko-KR" sz="1000" dirty="0" err="1" smtClean="0"/>
+              <a:t>TouchHandler</a:t>
+            </a:r>
+            <a:endParaRPr lang="ko-KR" altLang="en-US" sz="1000" dirty="0"/>
+          </a:p>
+        </p:txBody>
+      </p:sp>
+      <p:sp>
+        <p:nvSpPr>
+          <p:cNvPr id="2" name="제목 1"/>
+          <p:cNvSpPr>
+            <a:spLocks noGrp="1"/>
+          </p:cNvSpPr>
+          <p:nvPr>
+            <p:ph type="title"/>
+          </p:nvPr>
+        </p:nvSpPr>
+        <p:spPr/>
+        <p:txBody>
+          <a:bodyPr>
+            <a:normAutofit/>
+          </a:bodyPr>
+          <a:lstStyle/>
+          <a:p>
+            <a:pPr algn="l"/>
+            <a:r>
+              <a:rPr lang="en-US" altLang="ko-KR" sz="3200" dirty="0" smtClean="0"/>
+              <a:t>Appear UX</a:t>
+            </a:r>
+            <a:r>
+              <a:rPr lang="en-US" altLang="ko-KR" sz="3200" dirty="0"/>
+              <a:t> </a:t>
+            </a:r>
+            <a:r>
+              <a:rPr lang="en-US" altLang="ko-KR" sz="3200" dirty="0" smtClean="0"/>
+              <a:t>| </a:t>
+            </a:r>
+            <a:r>
+              <a:rPr lang="en-US" altLang="ko-KR" sz="3200" dirty="0" smtClean="0"/>
+              <a:t>Drag and Drop</a:t>
+            </a:r>
+            <a:endParaRPr lang="ko-KR" altLang="en-US" sz="3200" dirty="0"/>
+          </a:p>
+        </p:txBody>
+      </p:sp>
+      <p:sp>
+        <p:nvSpPr>
+          <p:cNvPr id="4" name="모서리가 둥근 직사각형 3"/>
+          <p:cNvSpPr/>
+          <p:nvPr/>
+        </p:nvSpPr>
+        <p:spPr>
+          <a:xfrm>
+            <a:off x="3059832" y="1592796"/>
+            <a:ext cx="1368152" cy="648072"/>
+          </a:xfrm>
+          <a:prstGeom prst="roundRect">
+            <a:avLst/>
+          </a:prstGeom>
+        </p:spPr>
+        <p:style>
+          <a:lnRef idx="1">
+            <a:schemeClr val="accent2"/>
+          </a:lnRef>
+          <a:fillRef idx="2">
+            <a:schemeClr val="accent2"/>
+          </a:fillRef>
+          <a:effectRef idx="1">
+            <a:schemeClr val="accent2"/>
+          </a:effectRef>
+          <a:fontRef idx="minor">
+            <a:schemeClr val="dk1"/>
+          </a:fontRef>
+        </p:style>
+        <p:txBody>
+          <a:bodyPr rtlCol="0" anchor="ctr"/>
+          <a:lstStyle/>
+          <a:p>
+            <a:pPr algn="ctr"/>
+            <a:r>
+              <a:rPr lang="en-US" altLang="ko-KR" sz="1000" dirty="0" err="1" smtClean="0"/>
+              <a:t>DnDManager</a:t>
+            </a:r>
+            <a:endParaRPr lang="ko-KR" altLang="en-US" sz="1000" dirty="0"/>
+          </a:p>
+        </p:txBody>
+      </p:sp>
+      <p:sp>
+        <p:nvSpPr>
+          <p:cNvPr id="48" name="모서리가 둥근 직사각형 47"/>
+          <p:cNvSpPr/>
+          <p:nvPr/>
+        </p:nvSpPr>
+        <p:spPr>
+          <a:xfrm>
+            <a:off x="971600" y="3068960"/>
+            <a:ext cx="2520280" cy="3024336"/>
+          </a:xfrm>
+          <a:prstGeom prst="roundRect">
+            <a:avLst>
+              <a:gd name="adj" fmla="val 7597"/>
+            </a:avLst>
+          </a:prstGeom>
+        </p:spPr>
+        <p:style>
+          <a:lnRef idx="1">
+            <a:schemeClr val="accent1"/>
+          </a:lnRef>
+          <a:fillRef idx="2">
+            <a:schemeClr val="accent1"/>
+          </a:fillRef>
+          <a:effectRef idx="1">
+            <a:schemeClr val="accent1"/>
+          </a:effectRef>
+          <a:fontRef idx="minor">
+            <a:schemeClr val="dk1"/>
+          </a:fontRef>
+        </p:style>
+        <p:txBody>
+          <a:bodyPr rtlCol="0" anchor="ctr"/>
+          <a:lstStyle/>
+          <a:p>
+            <a:pPr algn="ctr"/>
+            <a:r>
+              <a:rPr lang="en-US" altLang="ko-KR" sz="1000" dirty="0" err="1" smtClean="0"/>
+              <a:t>DndTarget</a:t>
+            </a:r>
+            <a:endParaRPr lang="ko-KR" altLang="en-US" sz="1000" dirty="0"/>
+          </a:p>
+        </p:txBody>
+      </p:sp>
+      <p:sp>
+        <p:nvSpPr>
+          <p:cNvPr id="49" name="모서리가 둥근 직사각형 48"/>
+          <p:cNvSpPr/>
+          <p:nvPr/>
+        </p:nvSpPr>
+        <p:spPr>
+          <a:xfrm>
+            <a:off x="3923928" y="3068960"/>
+            <a:ext cx="2520280" cy="3024336"/>
+          </a:xfrm>
+          <a:prstGeom prst="roundRect">
+            <a:avLst>
+              <a:gd name="adj" fmla="val 7597"/>
+            </a:avLst>
+          </a:prstGeom>
+        </p:spPr>
+        <p:style>
+          <a:lnRef idx="1">
+            <a:schemeClr val="accent3"/>
+          </a:lnRef>
+          <a:fillRef idx="2">
+            <a:schemeClr val="accent3"/>
+          </a:fillRef>
+          <a:effectRef idx="1">
+            <a:schemeClr val="accent3"/>
+          </a:effectRef>
+          <a:fontRef idx="minor">
+            <a:schemeClr val="dk1"/>
+          </a:fontRef>
+        </p:style>
+        <p:txBody>
+          <a:bodyPr rtlCol="0" anchor="ctr"/>
+          <a:lstStyle/>
+          <a:p>
+            <a:pPr algn="ctr"/>
+            <a:r>
+              <a:rPr lang="en-US" altLang="ko-KR" sz="1000" dirty="0" err="1" smtClean="0"/>
+              <a:t>DndTarget</a:t>
+            </a:r>
+            <a:endParaRPr lang="ko-KR" altLang="en-US" sz="1000" dirty="0"/>
+          </a:p>
+        </p:txBody>
+      </p:sp>
+      <p:sp>
+        <p:nvSpPr>
+          <p:cNvPr id="47" name="모서리가 둥근 직사각형 46"/>
+          <p:cNvSpPr/>
+          <p:nvPr/>
+        </p:nvSpPr>
+        <p:spPr>
+          <a:xfrm>
+            <a:off x="1187624" y="3271448"/>
+            <a:ext cx="1368152" cy="648072"/>
+          </a:xfrm>
+          <a:prstGeom prst="roundRect">
+            <a:avLst/>
+          </a:prstGeom>
+        </p:spPr>
+        <p:style>
+          <a:lnRef idx="1">
+            <a:schemeClr val="accent1"/>
+          </a:lnRef>
+          <a:fillRef idx="2">
+            <a:schemeClr val="accent1"/>
+          </a:fillRef>
+          <a:effectRef idx="1">
+            <a:schemeClr val="accent1"/>
+          </a:effectRef>
+          <a:fontRef idx="minor">
+            <a:schemeClr val="dk1"/>
+          </a:fontRef>
+        </p:style>
+        <p:txBody>
+          <a:bodyPr rtlCol="0" anchor="ctr"/>
+          <a:lstStyle/>
+          <a:p>
+            <a:pPr algn="ctr"/>
+            <a:r>
+              <a:rPr lang="en-US" altLang="ko-KR" sz="1000" dirty="0" err="1" smtClean="0"/>
+              <a:t>DnDSource</a:t>
+            </a:r>
+            <a:endParaRPr lang="ko-KR" altLang="en-US" sz="1000" dirty="0"/>
+          </a:p>
+        </p:txBody>
+      </p:sp>
+    </p:spTree>
+    <p:extLst>
+      <p:ext uri="{BB962C8B-B14F-4D97-AF65-F5344CB8AC3E}">
+        <p14:creationId xmlns:p14="http://schemas.microsoft.com/office/powerpoint/2010/main" val="3475872144"/>
+      </p:ext>
+    </p:extLst>
+  </p:cSld>
+  <p:clrMapOvr>
+    <a:masterClrMapping/>
+  </p:clrMapOvr>
+  <p:timing>
+    <p:tnLst>
+      <p:par>
+        <p:cTn id="1" dur="indefinite" restart="never" nodeType="tmRoot"/>
+      </p:par>
+    </p:tnLst>
+  </p:timing>
+</p:sld>
+</file>
+
+<file path=ppt/slides/slide12.xml><?xml version="1.0" encoding="utf-8"?>
+<p:sld xmlns:a="http://schemas.openxmlformats.org/drawingml/2006/main" xmlns:r="http://schemas.openxmlformats.org/officeDocument/2006/relationships" xmlns:p="http://schemas.openxmlformats.org/presentationml/2006/main">
+  <p:cSld>
+    <p:spTree>
+      <p:nvGrpSpPr>
+        <p:cNvPr id="1" name=""/>
+        <p:cNvGrpSpPr/>
+        <p:nvPr/>
+      </p:nvGrpSpPr>
+      <p:grpSpPr>
+        <a:xfrm>
+          <a:off x="0" y="0"/>
+          <a:ext cx="0" cy="0"/>
+          <a:chOff x="0" y="0"/>
+          <a:chExt cx="0" cy="0"/>
+        </a:xfrm>
+      </p:grpSpPr>
+      <p:sp>
+        <p:nvSpPr>
+          <p:cNvPr id="17" name="모서리가 둥근 직사각형 16"/>
+          <p:cNvSpPr/>
+          <p:nvPr/>
+        </p:nvSpPr>
+        <p:spPr>
+          <a:xfrm>
+            <a:off x="827584" y="2594140"/>
+            <a:ext cx="2790309" cy="3643172"/>
+          </a:xfrm>
+          <a:prstGeom prst="roundRect">
+            <a:avLst>
+              <a:gd name="adj" fmla="val 7597"/>
+            </a:avLst>
+          </a:prstGeom>
+        </p:spPr>
+        <p:style>
+          <a:lnRef idx="1">
+            <a:schemeClr val="accent4"/>
+          </a:lnRef>
+          <a:fillRef idx="2">
+            <a:schemeClr val="accent4"/>
+          </a:fillRef>
+          <a:effectRef idx="1">
+            <a:schemeClr val="accent4"/>
+          </a:effectRef>
+          <a:fontRef idx="minor">
+            <a:schemeClr val="dk1"/>
+          </a:fontRef>
+        </p:style>
+        <p:txBody>
+          <a:bodyPr rtlCol="0" anchor="t"/>
+          <a:lstStyle/>
+          <a:p>
+            <a:pPr algn="ctr"/>
+            <a:r>
+              <a:rPr lang="en-US" altLang="ko-KR" sz="1000" dirty="0" err="1" smtClean="0"/>
+              <a:t>TouchHandler</a:t>
+            </a:r>
+            <a:endParaRPr lang="ko-KR" altLang="en-US" sz="1000" dirty="0"/>
+          </a:p>
+        </p:txBody>
+      </p:sp>
+      <p:sp>
+        <p:nvSpPr>
+          <p:cNvPr id="2" name="제목 1"/>
+          <p:cNvSpPr>
+            <a:spLocks noGrp="1"/>
+          </p:cNvSpPr>
+          <p:nvPr>
+            <p:ph type="title"/>
+          </p:nvPr>
+        </p:nvSpPr>
+        <p:spPr/>
+        <p:txBody>
+          <a:bodyPr>
+            <a:normAutofit/>
+          </a:bodyPr>
+          <a:lstStyle/>
+          <a:p>
+            <a:pPr algn="l"/>
+            <a:r>
+              <a:rPr lang="en-US" altLang="ko-KR" sz="3200" dirty="0" smtClean="0"/>
+              <a:t>Appear UX</a:t>
+            </a:r>
+            <a:r>
+              <a:rPr lang="en-US" altLang="ko-KR" sz="3200" dirty="0"/>
+              <a:t> </a:t>
+            </a:r>
+            <a:r>
+              <a:rPr lang="en-US" altLang="ko-KR" sz="3200" dirty="0" smtClean="0"/>
+              <a:t>| </a:t>
+            </a:r>
+            <a:r>
+              <a:rPr lang="en-US" altLang="ko-KR" sz="3200" dirty="0" err="1" smtClean="0"/>
+              <a:t>DragStart</a:t>
+            </a:r>
+            <a:r>
+              <a:rPr lang="en-US" altLang="ko-KR" sz="3200" dirty="0" smtClean="0"/>
+              <a:t> &amp; </a:t>
+            </a:r>
+            <a:r>
+              <a:rPr lang="en-US" altLang="ko-KR" sz="3200" dirty="0" err="1" smtClean="0"/>
+              <a:t>DragEntered</a:t>
+            </a:r>
+            <a:endParaRPr lang="ko-KR" altLang="en-US" sz="3200" dirty="0"/>
+          </a:p>
+        </p:txBody>
+      </p:sp>
+      <p:sp>
+        <p:nvSpPr>
+          <p:cNvPr id="4" name="모서리가 둥근 직사각형 3"/>
+          <p:cNvSpPr/>
+          <p:nvPr/>
+        </p:nvSpPr>
+        <p:spPr>
+          <a:xfrm>
+            <a:off x="3059832" y="1592796"/>
+            <a:ext cx="1368152" cy="648072"/>
+          </a:xfrm>
+          <a:prstGeom prst="roundRect">
+            <a:avLst/>
+          </a:prstGeom>
+        </p:spPr>
+        <p:style>
+          <a:lnRef idx="1">
+            <a:schemeClr val="accent2"/>
+          </a:lnRef>
+          <a:fillRef idx="2">
+            <a:schemeClr val="accent2"/>
+          </a:fillRef>
+          <a:effectRef idx="1">
+            <a:schemeClr val="accent2"/>
+          </a:effectRef>
+          <a:fontRef idx="minor">
+            <a:schemeClr val="dk1"/>
+          </a:fontRef>
+        </p:style>
+        <p:txBody>
+          <a:bodyPr rtlCol="0" anchor="ctr"/>
+          <a:lstStyle/>
+          <a:p>
+            <a:pPr algn="ctr"/>
+            <a:r>
+              <a:rPr lang="en-US" altLang="ko-KR" sz="1000" dirty="0" err="1" smtClean="0"/>
+              <a:t>DnDManager</a:t>
+            </a:r>
+            <a:endParaRPr lang="ko-KR" altLang="en-US" sz="1000" dirty="0"/>
+          </a:p>
+        </p:txBody>
+      </p:sp>
+      <p:sp>
+        <p:nvSpPr>
+          <p:cNvPr id="48" name="모서리가 둥근 직사각형 47"/>
+          <p:cNvSpPr/>
+          <p:nvPr/>
+        </p:nvSpPr>
+        <p:spPr>
+          <a:xfrm>
+            <a:off x="971600" y="3068960"/>
+            <a:ext cx="2520280" cy="3024336"/>
+          </a:xfrm>
+          <a:prstGeom prst="roundRect">
+            <a:avLst>
+              <a:gd name="adj" fmla="val 7597"/>
+            </a:avLst>
+          </a:prstGeom>
+        </p:spPr>
+        <p:style>
+          <a:lnRef idx="1">
+            <a:schemeClr val="accent1"/>
+          </a:lnRef>
+          <a:fillRef idx="2">
+            <a:schemeClr val="accent1"/>
+          </a:fillRef>
+          <a:effectRef idx="1">
+            <a:schemeClr val="accent1"/>
+          </a:effectRef>
+          <a:fontRef idx="minor">
+            <a:schemeClr val="dk1"/>
+          </a:fontRef>
+        </p:style>
+        <p:txBody>
+          <a:bodyPr rtlCol="0" anchor="ctr"/>
+          <a:lstStyle/>
+          <a:p>
+            <a:pPr algn="ctr"/>
+            <a:r>
+              <a:rPr lang="en-US" altLang="ko-KR" sz="1000" dirty="0" err="1" smtClean="0"/>
+              <a:t>DndTarget</a:t>
+            </a:r>
+            <a:endParaRPr lang="ko-KR" altLang="en-US" sz="1000" dirty="0"/>
+          </a:p>
+        </p:txBody>
+      </p:sp>
+      <p:sp>
+        <p:nvSpPr>
+          <p:cNvPr id="49" name="모서리가 둥근 직사각형 48"/>
+          <p:cNvSpPr/>
+          <p:nvPr/>
+        </p:nvSpPr>
+        <p:spPr>
+          <a:xfrm>
+            <a:off x="3923928" y="3068960"/>
+            <a:ext cx="2520280" cy="3024336"/>
+          </a:xfrm>
+          <a:prstGeom prst="roundRect">
+            <a:avLst>
+              <a:gd name="adj" fmla="val 7597"/>
+            </a:avLst>
+          </a:prstGeom>
+        </p:spPr>
+        <p:style>
+          <a:lnRef idx="1">
+            <a:schemeClr val="accent3"/>
+          </a:lnRef>
+          <a:fillRef idx="2">
+            <a:schemeClr val="accent3"/>
+          </a:fillRef>
+          <a:effectRef idx="1">
+            <a:schemeClr val="accent3"/>
+          </a:effectRef>
+          <a:fontRef idx="minor">
+            <a:schemeClr val="dk1"/>
+          </a:fontRef>
+        </p:style>
+        <p:txBody>
+          <a:bodyPr rtlCol="0" anchor="ctr"/>
+          <a:lstStyle/>
+          <a:p>
+            <a:pPr algn="ctr"/>
+            <a:r>
+              <a:rPr lang="en-US" altLang="ko-KR" sz="1000" dirty="0" err="1" smtClean="0"/>
+              <a:t>DndTarget</a:t>
+            </a:r>
+            <a:endParaRPr lang="ko-KR" altLang="en-US" sz="1000" dirty="0"/>
+          </a:p>
+        </p:txBody>
+      </p:sp>
+      <p:sp>
+        <p:nvSpPr>
+          <p:cNvPr id="47" name="모서리가 둥근 직사각형 46"/>
+          <p:cNvSpPr/>
+          <p:nvPr/>
+        </p:nvSpPr>
+        <p:spPr>
+          <a:xfrm>
+            <a:off x="1187624" y="3271448"/>
+            <a:ext cx="1368152" cy="648072"/>
+          </a:xfrm>
+          <a:prstGeom prst="roundRect">
+            <a:avLst/>
+          </a:prstGeom>
+        </p:spPr>
+        <p:style>
+          <a:lnRef idx="1">
+            <a:schemeClr val="accent2"/>
+          </a:lnRef>
+          <a:fillRef idx="2">
+            <a:schemeClr val="accent2"/>
+          </a:fillRef>
+          <a:effectRef idx="1">
+            <a:schemeClr val="accent2"/>
+          </a:effectRef>
+          <a:fontRef idx="minor">
+            <a:schemeClr val="dk1"/>
+          </a:fontRef>
+        </p:style>
+        <p:txBody>
+          <a:bodyPr rtlCol="0" anchor="ctr"/>
+          <a:lstStyle/>
+          <a:p>
+            <a:pPr algn="ctr"/>
+            <a:r>
+              <a:rPr lang="en-US" altLang="ko-KR" sz="1000" dirty="0" err="1" smtClean="0"/>
+              <a:t>DnDSource</a:t>
+            </a:r>
+            <a:endParaRPr lang="ko-KR" altLang="en-US" sz="1000" dirty="0"/>
+          </a:p>
+        </p:txBody>
+      </p:sp>
+      <p:cxnSp>
+        <p:nvCxnSpPr>
+          <p:cNvPr id="5" name="구부러진 연결선 4"/>
+          <p:cNvCxnSpPr>
+            <a:stCxn id="47" idx="0"/>
+            <a:endCxn id="4" idx="1"/>
+          </p:cNvCxnSpPr>
+          <p:nvPr/>
+        </p:nvCxnSpPr>
+        <p:spPr>
+          <a:xfrm rot="5400000" flipH="1" flipV="1">
+            <a:off x="1788458" y="2000074"/>
+            <a:ext cx="1354616" cy="1188132"/>
+          </a:xfrm>
+          <a:prstGeom prst="curvedConnector2">
+            <a:avLst/>
+          </a:prstGeom>
+          <a:ln>
+            <a:headEnd type="none" w="med" len="med"/>
+            <a:tailEnd type="triangle" w="med" len="med"/>
+          </a:ln>
+        </p:spPr>
+        <p:style>
+          <a:lnRef idx="1">
+            <a:schemeClr val="accent1"/>
+          </a:lnRef>
+          <a:fillRef idx="0">
+            <a:schemeClr val="accent1"/>
+          </a:fillRef>
+          <a:effectRef idx="0">
+            <a:schemeClr val="accent1"/>
+          </a:effectRef>
+          <a:fontRef idx="minor">
+            <a:schemeClr val="tx1"/>
+          </a:fontRef>
+        </p:style>
+      </p:cxnSp>
+      <p:sp>
+        <p:nvSpPr>
+          <p:cNvPr id="6" name="TextBox 5"/>
+          <p:cNvSpPr txBox="1"/>
+          <p:nvPr/>
+        </p:nvSpPr>
+        <p:spPr>
+          <a:xfrm>
+            <a:off x="606770" y="1916832"/>
+            <a:ext cx="2529860" cy="246221"/>
+          </a:xfrm>
+          <a:prstGeom prst="rect">
+            <a:avLst/>
+          </a:prstGeom>
+          <a:noFill/>
+        </p:spPr>
+        <p:txBody>
+          <a:bodyPr wrap="none" rtlCol="0">
+            <a:spAutoFit/>
+          </a:bodyPr>
+          <a:lstStyle/>
+          <a:p>
+            <a:r>
+              <a:rPr lang="en-US" altLang="ko-KR" sz="1000" dirty="0" smtClean="0"/>
+              <a:t>2. </a:t>
+            </a:r>
+            <a:r>
+              <a:rPr lang="en-US" altLang="ko-KR" sz="1000" dirty="0" err="1" smtClean="0"/>
+              <a:t>DnDManager.DragStart</a:t>
+            </a:r>
+            <a:r>
+              <a:rPr lang="en-US" altLang="ko-KR" sz="1000" dirty="0" smtClean="0"/>
+              <a:t> ( </a:t>
+            </a:r>
+            <a:r>
+              <a:rPr lang="en-US" altLang="ko-KR" sz="1000" dirty="0" err="1" smtClean="0"/>
+              <a:t>DndSource</a:t>
+            </a:r>
+            <a:r>
+              <a:rPr lang="en-US" altLang="ko-KR" sz="1000" dirty="0" smtClean="0"/>
+              <a:t> )</a:t>
+            </a:r>
+            <a:endParaRPr lang="ko-KR" altLang="en-US" sz="1000" dirty="0"/>
+          </a:p>
+        </p:txBody>
+      </p:sp>
+      <p:cxnSp>
+        <p:nvCxnSpPr>
+          <p:cNvPr id="11" name="구부러진 연결선 10"/>
+          <p:cNvCxnSpPr>
+            <a:stCxn id="4" idx="2"/>
+            <a:endCxn id="48" idx="3"/>
+          </p:cNvCxnSpPr>
+          <p:nvPr/>
+        </p:nvCxnSpPr>
+        <p:spPr>
+          <a:xfrm rot="5400000">
+            <a:off x="2447764" y="3284984"/>
+            <a:ext cx="2340260" cy="252028"/>
+          </a:xfrm>
+          <a:prstGeom prst="curvedConnector2">
+            <a:avLst/>
+          </a:prstGeom>
+          <a:ln>
+            <a:headEnd type="none" w="med" len="med"/>
+            <a:tailEnd type="triangle" w="med" len="med"/>
+          </a:ln>
+        </p:spPr>
+        <p:style>
+          <a:lnRef idx="1">
+            <a:schemeClr val="accent1"/>
+          </a:lnRef>
+          <a:fillRef idx="0">
+            <a:schemeClr val="accent1"/>
+          </a:fillRef>
+          <a:effectRef idx="0">
+            <a:schemeClr val="accent1"/>
+          </a:effectRef>
+          <a:fontRef idx="minor">
+            <a:schemeClr val="tx1"/>
+          </a:fontRef>
+        </p:style>
+      </p:cxnSp>
+      <p:sp>
+        <p:nvSpPr>
+          <p:cNvPr id="14" name="TextBox 13"/>
+          <p:cNvSpPr txBox="1"/>
+          <p:nvPr/>
+        </p:nvSpPr>
+        <p:spPr>
+          <a:xfrm>
+            <a:off x="1951216" y="4077072"/>
+            <a:ext cx="3470822" cy="246221"/>
+          </a:xfrm>
+          <a:prstGeom prst="rect">
+            <a:avLst/>
+          </a:prstGeom>
+          <a:noFill/>
+        </p:spPr>
+        <p:txBody>
+          <a:bodyPr wrap="none" rtlCol="0">
+            <a:spAutoFit/>
+          </a:bodyPr>
+          <a:lstStyle/>
+          <a:p>
+            <a:r>
+              <a:rPr lang="en-US" altLang="ko-KR" sz="1000" dirty="0" smtClean="0"/>
+              <a:t>3. </a:t>
+            </a:r>
+            <a:r>
+              <a:rPr lang="en-US" altLang="ko-KR" sz="1000" dirty="0" err="1" smtClean="0"/>
+              <a:t>DnDTarget.OnDragEntered</a:t>
+            </a:r>
+            <a:r>
+              <a:rPr lang="en-US" altLang="ko-KR" sz="1000" dirty="0" smtClean="0"/>
+              <a:t> ( </a:t>
+            </a:r>
+            <a:r>
+              <a:rPr lang="en-US" altLang="ko-KR" sz="1000" dirty="0" err="1" smtClean="0"/>
+              <a:t>DnDSourceAgent</a:t>
+            </a:r>
+            <a:r>
+              <a:rPr lang="en-US" altLang="ko-KR" sz="1000" dirty="0" smtClean="0"/>
+              <a:t>, Point )</a:t>
+            </a:r>
+          </a:p>
+        </p:txBody>
+      </p:sp>
+      <p:sp>
+        <p:nvSpPr>
+          <p:cNvPr id="18" name="TextBox 17"/>
+          <p:cNvSpPr txBox="1"/>
+          <p:nvPr/>
+        </p:nvSpPr>
+        <p:spPr>
+          <a:xfrm>
+            <a:off x="33204" y="2594140"/>
+            <a:ext cx="1747594" cy="400110"/>
+          </a:xfrm>
+          <a:prstGeom prst="rect">
+            <a:avLst/>
+          </a:prstGeom>
+          <a:noFill/>
+        </p:spPr>
+        <p:txBody>
+          <a:bodyPr wrap="none" rtlCol="0">
+            <a:spAutoFit/>
+          </a:bodyPr>
+          <a:lstStyle/>
+          <a:p>
+            <a:pPr marL="228600" indent="-228600">
+              <a:buAutoNum type="arabicPeriod"/>
+            </a:pPr>
+            <a:r>
+              <a:rPr lang="en-US" altLang="ko-KR" sz="1000" dirty="0" err="1" smtClean="0"/>
+              <a:t>TouchHandler</a:t>
+            </a:r>
+            <a:r>
+              <a:rPr lang="en-US" altLang="ko-KR" sz="1000" dirty="0" smtClean="0"/>
+              <a:t>.</a:t>
+            </a:r>
+          </a:p>
+          <a:p>
+            <a:r>
+              <a:rPr lang="en-US" altLang="ko-KR" sz="1000" dirty="0"/>
+              <a:t> </a:t>
+            </a:r>
+            <a:r>
+              <a:rPr lang="en-US" altLang="ko-KR" sz="1000" dirty="0" smtClean="0"/>
+              <a:t>    </a:t>
+            </a:r>
+            <a:r>
+              <a:rPr lang="en-US" altLang="ko-KR" sz="1000" dirty="0" err="1" smtClean="0"/>
+              <a:t>OnTouchLongPressed</a:t>
+            </a:r>
+            <a:r>
+              <a:rPr lang="en-US" altLang="ko-KR" sz="1000" dirty="0" smtClean="0"/>
+              <a:t>()</a:t>
+            </a:r>
+            <a:endParaRPr lang="ko-KR" altLang="en-US" sz="1000" dirty="0"/>
+          </a:p>
+        </p:txBody>
+      </p:sp>
+      <p:cxnSp>
+        <p:nvCxnSpPr>
+          <p:cNvPr id="19" name="구부러진 연결선 18"/>
+          <p:cNvCxnSpPr>
+            <a:endCxn id="17" idx="1"/>
+          </p:cNvCxnSpPr>
+          <p:nvPr/>
+        </p:nvCxnSpPr>
+        <p:spPr>
+          <a:xfrm rot="16200000" flipH="1">
+            <a:off x="-437410" y="3150732"/>
+            <a:ext cx="1953924" cy="576064"/>
+          </a:xfrm>
+          <a:prstGeom prst="curvedConnector2">
+            <a:avLst/>
+          </a:prstGeom>
+          <a:ln>
+            <a:headEnd type="none" w="med" len="med"/>
+            <a:tailEnd type="triangle" w="med" len="med"/>
+          </a:ln>
+        </p:spPr>
+        <p:style>
+          <a:lnRef idx="1">
+            <a:schemeClr val="accent1"/>
+          </a:lnRef>
+          <a:fillRef idx="0">
+            <a:schemeClr val="accent1"/>
+          </a:fillRef>
+          <a:effectRef idx="0">
+            <a:schemeClr val="accent1"/>
+          </a:effectRef>
+          <a:fontRef idx="minor">
+            <a:schemeClr val="tx1"/>
+          </a:fontRef>
+        </p:style>
+      </p:cxnSp>
+      <p:cxnSp>
+        <p:nvCxnSpPr>
+          <p:cNvPr id="22" name="구부러진 연결선 21"/>
+          <p:cNvCxnSpPr>
+            <a:stCxn id="4" idx="2"/>
+            <a:endCxn id="47" idx="3"/>
+          </p:cNvCxnSpPr>
+          <p:nvPr/>
+        </p:nvCxnSpPr>
+        <p:spPr>
+          <a:xfrm rot="5400000">
+            <a:off x="2472534" y="2324110"/>
+            <a:ext cx="1354616" cy="1188132"/>
+          </a:xfrm>
+          <a:prstGeom prst="curvedConnector2">
+            <a:avLst/>
+          </a:prstGeom>
+          <a:ln>
+            <a:headEnd type="none" w="med" len="med"/>
+            <a:tailEnd type="triangle" w="med" len="med"/>
+          </a:ln>
+        </p:spPr>
+        <p:style>
+          <a:lnRef idx="1">
+            <a:schemeClr val="accent1"/>
+          </a:lnRef>
+          <a:fillRef idx="0">
+            <a:schemeClr val="accent1"/>
+          </a:fillRef>
+          <a:effectRef idx="0">
+            <a:schemeClr val="accent1"/>
+          </a:effectRef>
+          <a:fontRef idx="minor">
+            <a:schemeClr val="tx1"/>
+          </a:fontRef>
+        </p:style>
+      </p:cxnSp>
+      <p:sp>
+        <p:nvSpPr>
+          <p:cNvPr id="25" name="TextBox 24"/>
+          <p:cNvSpPr txBox="1"/>
+          <p:nvPr/>
+        </p:nvSpPr>
+        <p:spPr>
+          <a:xfrm>
+            <a:off x="2915816" y="2671084"/>
+            <a:ext cx="3297698" cy="246221"/>
+          </a:xfrm>
+          <a:prstGeom prst="rect">
+            <a:avLst/>
+          </a:prstGeom>
+          <a:noFill/>
+        </p:spPr>
+        <p:txBody>
+          <a:bodyPr wrap="none" rtlCol="0">
+            <a:spAutoFit/>
+          </a:bodyPr>
+          <a:lstStyle/>
+          <a:p>
+            <a:r>
+              <a:rPr lang="en-US" altLang="ko-KR" sz="1000" dirty="0" smtClean="0"/>
+              <a:t>4. </a:t>
+            </a:r>
+            <a:r>
+              <a:rPr lang="en-US" altLang="ko-KR" sz="1000" dirty="0" err="1" smtClean="0"/>
+              <a:t>DnDSource.OnDragStart</a:t>
+            </a:r>
+            <a:r>
+              <a:rPr lang="en-US" altLang="ko-KR" sz="1000" dirty="0" smtClean="0"/>
+              <a:t> ( </a:t>
+            </a:r>
+            <a:r>
+              <a:rPr lang="en-US" altLang="ko-KR" sz="1000" dirty="0" err="1" smtClean="0"/>
+              <a:t>DnDTargetAgent</a:t>
+            </a:r>
+            <a:r>
+              <a:rPr lang="en-US" altLang="ko-KR" sz="1000" dirty="0" smtClean="0"/>
+              <a:t>, Point )</a:t>
+            </a:r>
+            <a:endParaRPr lang="ko-KR" altLang="en-US" sz="1000" dirty="0"/>
+          </a:p>
+        </p:txBody>
+      </p:sp>
+    </p:spTree>
+    <p:extLst>
+      <p:ext uri="{BB962C8B-B14F-4D97-AF65-F5344CB8AC3E}">
+        <p14:creationId xmlns:p14="http://schemas.microsoft.com/office/powerpoint/2010/main" val="2751218191"/>
+      </p:ext>
+    </p:extLst>
+  </p:cSld>
+  <p:clrMapOvr>
+    <a:masterClrMapping/>
+  </p:clrMapOvr>
+  <p:timing>
+    <p:tnLst>
+      <p:par>
+        <p:cTn id="1" dur="indefinite" restart="never" nodeType="tmRoot"/>
+      </p:par>
+    </p:tnLst>
+  </p:timing>
+</p:sld>
+</file>
+
+<file path=ppt/slides/slide13.xml><?xml version="1.0" encoding="utf-8"?>
+<p:sld xmlns:a="http://schemas.openxmlformats.org/drawingml/2006/main" xmlns:r="http://schemas.openxmlformats.org/officeDocument/2006/relationships" xmlns:p="http://schemas.openxmlformats.org/presentationml/2006/main">
+  <p:cSld>
+    <p:spTree>
+      <p:nvGrpSpPr>
+        <p:cNvPr id="1" name=""/>
+        <p:cNvGrpSpPr/>
+        <p:nvPr/>
+      </p:nvGrpSpPr>
+      <p:grpSpPr>
+        <a:xfrm>
+          <a:off x="0" y="0"/>
+          <a:ext cx="0" cy="0"/>
+          <a:chOff x="0" y="0"/>
+          <a:chExt cx="0" cy="0"/>
+        </a:xfrm>
+      </p:grpSpPr>
+      <p:sp>
+        <p:nvSpPr>
+          <p:cNvPr id="2" name="제목 1"/>
+          <p:cNvSpPr>
+            <a:spLocks noGrp="1"/>
+          </p:cNvSpPr>
+          <p:nvPr>
+            <p:ph type="title"/>
+          </p:nvPr>
+        </p:nvSpPr>
+        <p:spPr/>
+        <p:txBody>
+          <a:bodyPr>
+            <a:normAutofit/>
+          </a:bodyPr>
+          <a:lstStyle/>
+          <a:p>
+            <a:pPr algn="l"/>
+            <a:r>
+              <a:rPr lang="en-US" altLang="ko-KR" sz="3200" dirty="0" smtClean="0"/>
+              <a:t>Appear UX</a:t>
+            </a:r>
+            <a:r>
+              <a:rPr lang="en-US" altLang="ko-KR" sz="3200" dirty="0"/>
+              <a:t> </a:t>
+            </a:r>
+            <a:r>
+              <a:rPr lang="en-US" altLang="ko-KR" sz="3200" dirty="0" smtClean="0"/>
+              <a:t>| </a:t>
+            </a:r>
+            <a:r>
+              <a:rPr lang="en-US" altLang="ko-KR" sz="3200" dirty="0" err="1" smtClean="0"/>
+              <a:t>DragOver</a:t>
+            </a:r>
+            <a:r>
+              <a:rPr lang="en-US" altLang="ko-KR" sz="3200" dirty="0" smtClean="0"/>
+              <a:t> &amp; </a:t>
+            </a:r>
+            <a:r>
+              <a:rPr lang="en-US" altLang="ko-KR" sz="3200" dirty="0" err="1" smtClean="0"/>
+              <a:t>DragMoved</a:t>
+            </a:r>
+            <a:endParaRPr lang="ko-KR" altLang="en-US" sz="3200" dirty="0"/>
+          </a:p>
+        </p:txBody>
+      </p:sp>
+      <p:sp>
+        <p:nvSpPr>
+          <p:cNvPr id="4" name="모서리가 둥근 직사각형 3"/>
+          <p:cNvSpPr/>
+          <p:nvPr/>
+        </p:nvSpPr>
+        <p:spPr>
+          <a:xfrm>
+            <a:off x="3059832" y="1592796"/>
+            <a:ext cx="1368152" cy="648072"/>
+          </a:xfrm>
+          <a:prstGeom prst="roundRect">
+            <a:avLst/>
+          </a:prstGeom>
+        </p:spPr>
+        <p:style>
+          <a:lnRef idx="1">
+            <a:schemeClr val="accent2"/>
+          </a:lnRef>
+          <a:fillRef idx="2">
+            <a:schemeClr val="accent2"/>
+          </a:fillRef>
+          <a:effectRef idx="1">
+            <a:schemeClr val="accent2"/>
+          </a:effectRef>
+          <a:fontRef idx="minor">
+            <a:schemeClr val="dk1"/>
+          </a:fontRef>
+        </p:style>
+        <p:txBody>
+          <a:bodyPr rtlCol="0" anchor="ctr"/>
+          <a:lstStyle/>
+          <a:p>
+            <a:pPr algn="ctr"/>
+            <a:r>
+              <a:rPr lang="en-US" altLang="ko-KR" sz="1000" dirty="0" err="1" smtClean="0"/>
+              <a:t>DnDManager</a:t>
+            </a:r>
+            <a:endParaRPr lang="ko-KR" altLang="en-US" sz="1000" dirty="0"/>
+          </a:p>
+        </p:txBody>
+      </p:sp>
+      <p:sp>
+        <p:nvSpPr>
+          <p:cNvPr id="48" name="모서리가 둥근 직사각형 47"/>
+          <p:cNvSpPr/>
+          <p:nvPr/>
+        </p:nvSpPr>
+        <p:spPr>
+          <a:xfrm>
+            <a:off x="971600" y="3068960"/>
+            <a:ext cx="2520280" cy="3024336"/>
+          </a:xfrm>
+          <a:prstGeom prst="roundRect">
+            <a:avLst>
+              <a:gd name="adj" fmla="val 7597"/>
+            </a:avLst>
+          </a:prstGeom>
+        </p:spPr>
+        <p:style>
+          <a:lnRef idx="1">
+            <a:schemeClr val="accent1"/>
+          </a:lnRef>
+          <a:fillRef idx="2">
+            <a:schemeClr val="accent1"/>
+          </a:fillRef>
+          <a:effectRef idx="1">
+            <a:schemeClr val="accent1"/>
+          </a:effectRef>
+          <a:fontRef idx="minor">
+            <a:schemeClr val="dk1"/>
+          </a:fontRef>
+        </p:style>
+        <p:txBody>
+          <a:bodyPr rtlCol="0" anchor="ctr"/>
+          <a:lstStyle/>
+          <a:p>
+            <a:pPr algn="ctr"/>
+            <a:r>
+              <a:rPr lang="en-US" altLang="ko-KR" sz="1000" dirty="0" err="1" smtClean="0"/>
+              <a:t>DndTarget</a:t>
+            </a:r>
+            <a:endParaRPr lang="ko-KR" altLang="en-US" sz="1000" dirty="0"/>
+          </a:p>
+        </p:txBody>
+      </p:sp>
+      <p:sp>
+        <p:nvSpPr>
+          <p:cNvPr id="49" name="모서리가 둥근 직사각형 48"/>
+          <p:cNvSpPr/>
+          <p:nvPr/>
+        </p:nvSpPr>
+        <p:spPr>
+          <a:xfrm>
+            <a:off x="3923928" y="3068960"/>
+            <a:ext cx="2520280" cy="3024336"/>
+          </a:xfrm>
+          <a:prstGeom prst="roundRect">
+            <a:avLst>
+              <a:gd name="adj" fmla="val 7597"/>
+            </a:avLst>
+          </a:prstGeom>
+        </p:spPr>
+        <p:style>
+          <a:lnRef idx="1">
+            <a:schemeClr val="accent3"/>
+          </a:lnRef>
+          <a:fillRef idx="2">
+            <a:schemeClr val="accent3"/>
+          </a:fillRef>
+          <a:effectRef idx="1">
+            <a:schemeClr val="accent3"/>
+          </a:effectRef>
+          <a:fontRef idx="minor">
+            <a:schemeClr val="dk1"/>
+          </a:fontRef>
+        </p:style>
+        <p:txBody>
+          <a:bodyPr rtlCol="0" anchor="ctr"/>
+          <a:lstStyle/>
+          <a:p>
+            <a:pPr algn="ctr"/>
+            <a:r>
+              <a:rPr lang="en-US" altLang="ko-KR" sz="1000" dirty="0" err="1" smtClean="0"/>
+              <a:t>DndTarget</a:t>
+            </a:r>
+            <a:endParaRPr lang="ko-KR" altLang="en-US" sz="1000" dirty="0"/>
+          </a:p>
+        </p:txBody>
+      </p:sp>
+      <p:sp>
+        <p:nvSpPr>
+          <p:cNvPr id="47" name="모서리가 둥근 직사각형 46"/>
+          <p:cNvSpPr/>
+          <p:nvPr/>
+        </p:nvSpPr>
+        <p:spPr>
+          <a:xfrm>
+            <a:off x="1979712" y="3281908"/>
+            <a:ext cx="1368152" cy="648072"/>
+          </a:xfrm>
+          <a:prstGeom prst="roundRect">
+            <a:avLst/>
+          </a:prstGeom>
+        </p:spPr>
+        <p:style>
+          <a:lnRef idx="1">
+            <a:schemeClr val="accent2"/>
+          </a:lnRef>
+          <a:fillRef idx="2">
+            <a:schemeClr val="accent2"/>
+          </a:fillRef>
+          <a:effectRef idx="1">
+            <a:schemeClr val="accent2"/>
+          </a:effectRef>
+          <a:fontRef idx="minor">
+            <a:schemeClr val="dk1"/>
+          </a:fontRef>
+        </p:style>
+        <p:txBody>
+          <a:bodyPr rtlCol="0" anchor="ctr"/>
+          <a:lstStyle/>
+          <a:p>
+            <a:pPr algn="ctr"/>
+            <a:r>
+              <a:rPr lang="en-US" altLang="ko-KR" sz="1000" dirty="0" err="1" smtClean="0"/>
+              <a:t>DnDSource</a:t>
+            </a:r>
+            <a:endParaRPr lang="ko-KR" altLang="en-US" sz="1000" dirty="0"/>
+          </a:p>
+        </p:txBody>
+      </p:sp>
+      <p:cxnSp>
+        <p:nvCxnSpPr>
+          <p:cNvPr id="7" name="구부러진 연결선 6"/>
+          <p:cNvCxnSpPr>
+            <a:stCxn id="4" idx="2"/>
+            <a:endCxn id="48" idx="0"/>
+          </p:cNvCxnSpPr>
+          <p:nvPr/>
+        </p:nvCxnSpPr>
+        <p:spPr>
+          <a:xfrm rot="5400000">
+            <a:off x="2573778" y="1898830"/>
+            <a:ext cx="828092" cy="1512168"/>
+          </a:xfrm>
+          <a:prstGeom prst="curvedConnector3">
+            <a:avLst>
+              <a:gd name="adj1" fmla="val 50000"/>
+            </a:avLst>
+          </a:prstGeom>
+          <a:ln>
+            <a:headEnd type="none" w="med" len="med"/>
+            <a:tailEnd type="triangle" w="med" len="med"/>
+          </a:ln>
+        </p:spPr>
+        <p:style>
+          <a:lnRef idx="1">
+            <a:schemeClr val="accent1"/>
+          </a:lnRef>
+          <a:fillRef idx="0">
+            <a:schemeClr val="accent1"/>
+          </a:fillRef>
+          <a:effectRef idx="0">
+            <a:schemeClr val="accent1"/>
+          </a:effectRef>
+          <a:fontRef idx="minor">
+            <a:schemeClr val="tx1"/>
+          </a:fontRef>
+        </p:style>
+      </p:cxnSp>
+      <p:sp>
+        <p:nvSpPr>
+          <p:cNvPr id="8" name="TextBox 7"/>
+          <p:cNvSpPr txBox="1"/>
+          <p:nvPr/>
+        </p:nvSpPr>
+        <p:spPr>
+          <a:xfrm>
+            <a:off x="1232146" y="2593299"/>
+            <a:ext cx="3212739" cy="246221"/>
+          </a:xfrm>
+          <a:prstGeom prst="rect">
+            <a:avLst/>
+          </a:prstGeom>
+          <a:noFill/>
+        </p:spPr>
+        <p:txBody>
+          <a:bodyPr wrap="none" rtlCol="0">
+            <a:spAutoFit/>
+          </a:bodyPr>
+          <a:lstStyle/>
+          <a:p>
+            <a:r>
+              <a:rPr lang="en-US" altLang="ko-KR" sz="1000" dirty="0" smtClean="0"/>
+              <a:t>2. </a:t>
+            </a:r>
+            <a:r>
+              <a:rPr lang="en-US" altLang="ko-KR" sz="1000" dirty="0" err="1" smtClean="0"/>
+              <a:t>DnDTarget.OnDragOver</a:t>
+            </a:r>
+            <a:r>
+              <a:rPr lang="en-US" altLang="ko-KR" sz="1000" dirty="0" smtClean="0"/>
+              <a:t> (</a:t>
+            </a:r>
+            <a:r>
+              <a:rPr lang="en-US" altLang="ko-KR" sz="1000" dirty="0" err="1" smtClean="0"/>
+              <a:t>DnDSourceAgent</a:t>
+            </a:r>
+            <a:r>
+              <a:rPr lang="en-US" altLang="ko-KR" sz="1000" dirty="0" smtClean="0"/>
+              <a:t>, Point)</a:t>
+            </a:r>
+            <a:endParaRPr lang="ko-KR" altLang="en-US" sz="1000" dirty="0"/>
+          </a:p>
+        </p:txBody>
+      </p:sp>
+      <p:sp>
+        <p:nvSpPr>
+          <p:cNvPr id="9" name="TextBox 8"/>
+          <p:cNvSpPr txBox="1"/>
+          <p:nvPr/>
+        </p:nvSpPr>
+        <p:spPr>
+          <a:xfrm>
+            <a:off x="467544" y="1793721"/>
+            <a:ext cx="2483372" cy="246221"/>
+          </a:xfrm>
+          <a:prstGeom prst="rect">
+            <a:avLst/>
+          </a:prstGeom>
+          <a:noFill/>
+        </p:spPr>
+        <p:txBody>
+          <a:bodyPr wrap="none" rtlCol="0">
+            <a:spAutoFit/>
+          </a:bodyPr>
+          <a:lstStyle/>
+          <a:p>
+            <a:r>
+              <a:rPr lang="en-US" altLang="ko-KR" sz="1000" dirty="0" smtClean="0"/>
+              <a:t>1. </a:t>
+            </a:r>
+            <a:r>
+              <a:rPr lang="en-US" altLang="ko-KR" sz="1000" dirty="0" err="1" smtClean="0"/>
+              <a:t>DnDManager.OnTouchMoved</a:t>
+            </a:r>
+            <a:r>
+              <a:rPr lang="en-US" altLang="ko-KR" sz="1000" dirty="0" smtClean="0"/>
+              <a:t> (Point)</a:t>
+            </a:r>
+            <a:endParaRPr lang="ko-KR" altLang="en-US" sz="1000" dirty="0"/>
+          </a:p>
+        </p:txBody>
+      </p:sp>
+      <p:cxnSp>
+        <p:nvCxnSpPr>
+          <p:cNvPr id="10" name="구부러진 연결선 9"/>
+          <p:cNvCxnSpPr>
+            <a:endCxn id="4" idx="1"/>
+          </p:cNvCxnSpPr>
+          <p:nvPr/>
+        </p:nvCxnSpPr>
+        <p:spPr>
+          <a:xfrm flipV="1">
+            <a:off x="755576" y="1916832"/>
+            <a:ext cx="2304256" cy="648072"/>
+          </a:xfrm>
+          <a:prstGeom prst="curvedConnector3">
+            <a:avLst>
+              <a:gd name="adj1" fmla="val 50000"/>
+            </a:avLst>
+          </a:prstGeom>
+          <a:ln>
+            <a:headEnd type="none" w="med" len="med"/>
+            <a:tailEnd type="triangle" w="med" len="med"/>
+          </a:ln>
+        </p:spPr>
+        <p:style>
+          <a:lnRef idx="1">
+            <a:schemeClr val="accent1"/>
+          </a:lnRef>
+          <a:fillRef idx="0">
+            <a:schemeClr val="accent1"/>
+          </a:fillRef>
+          <a:effectRef idx="0">
+            <a:schemeClr val="accent1"/>
+          </a:effectRef>
+          <a:fontRef idx="minor">
+            <a:schemeClr val="tx1"/>
+          </a:fontRef>
+        </p:style>
+      </p:cxnSp>
+      <p:sp>
+        <p:nvSpPr>
+          <p:cNvPr id="16" name="TextBox 15"/>
+          <p:cNvSpPr txBox="1"/>
+          <p:nvPr/>
+        </p:nvSpPr>
+        <p:spPr>
+          <a:xfrm>
+            <a:off x="2972996" y="2945849"/>
+            <a:ext cx="3339376" cy="246221"/>
+          </a:xfrm>
+          <a:prstGeom prst="rect">
+            <a:avLst/>
+          </a:prstGeom>
+          <a:noFill/>
+        </p:spPr>
+        <p:txBody>
+          <a:bodyPr wrap="none" rtlCol="0">
+            <a:spAutoFit/>
+          </a:bodyPr>
+          <a:lstStyle/>
+          <a:p>
+            <a:r>
+              <a:rPr lang="en-US" altLang="ko-KR" sz="1000" dirty="0" smtClean="0"/>
+              <a:t>3. </a:t>
+            </a:r>
+            <a:r>
+              <a:rPr lang="en-US" altLang="ko-KR" sz="1000" dirty="0" err="1" smtClean="0"/>
+              <a:t>DnDSource.OnDragMoved</a:t>
+            </a:r>
+            <a:r>
+              <a:rPr lang="en-US" altLang="ko-KR" sz="1000" dirty="0" smtClean="0"/>
+              <a:t> (</a:t>
+            </a:r>
+            <a:r>
+              <a:rPr lang="en-US" altLang="ko-KR" sz="1000" dirty="0" err="1" smtClean="0"/>
+              <a:t>DnDTargetAgent</a:t>
+            </a:r>
+            <a:r>
+              <a:rPr lang="en-US" altLang="ko-KR" sz="1000" dirty="0" smtClean="0"/>
+              <a:t>, Point)</a:t>
+            </a:r>
+            <a:endParaRPr lang="ko-KR" altLang="en-US" sz="1000" dirty="0"/>
+          </a:p>
+        </p:txBody>
+      </p:sp>
+      <p:cxnSp>
+        <p:nvCxnSpPr>
+          <p:cNvPr id="17" name="구부러진 연결선 16"/>
+          <p:cNvCxnSpPr>
+            <a:stCxn id="4" idx="2"/>
+            <a:endCxn id="47" idx="3"/>
+          </p:cNvCxnSpPr>
+          <p:nvPr/>
+        </p:nvCxnSpPr>
+        <p:spPr>
+          <a:xfrm rot="5400000">
+            <a:off x="2863348" y="2725384"/>
+            <a:ext cx="1365076" cy="396044"/>
+          </a:xfrm>
+          <a:prstGeom prst="curvedConnector2">
+            <a:avLst/>
+          </a:prstGeom>
+          <a:ln>
+            <a:headEnd type="none" w="med" len="med"/>
+            <a:tailEnd type="triangle" w="med" len="med"/>
+          </a:ln>
+        </p:spPr>
+        <p:style>
+          <a:lnRef idx="1">
+            <a:schemeClr val="accent1"/>
+          </a:lnRef>
+          <a:fillRef idx="0">
+            <a:schemeClr val="accent1"/>
+          </a:fillRef>
+          <a:effectRef idx="0">
+            <a:schemeClr val="accent1"/>
+          </a:effectRef>
+          <a:fontRef idx="minor">
+            <a:schemeClr val="tx1"/>
+          </a:fontRef>
+        </p:style>
+      </p:cxnSp>
+    </p:spTree>
+    <p:extLst>
+      <p:ext uri="{BB962C8B-B14F-4D97-AF65-F5344CB8AC3E}">
+        <p14:creationId xmlns:p14="http://schemas.microsoft.com/office/powerpoint/2010/main" val="1286625291"/>
+      </p:ext>
+    </p:extLst>
+  </p:cSld>
+  <p:clrMapOvr>
+    <a:masterClrMapping/>
+  </p:clrMapOvr>
+  <p:timing>
+    <p:tnLst>
+      <p:par>
+        <p:cTn id="1" dur="indefinite" restart="never" nodeType="tmRoot"/>
+      </p:par>
+    </p:tnLst>
+  </p:timing>
+</p:sld>
+</file>
+
+<file path=ppt/slides/slide14.xml><?xml version="1.0" encoding="utf-8"?>
+<p:sld xmlns:a="http://schemas.openxmlformats.org/drawingml/2006/main" xmlns:r="http://schemas.openxmlformats.org/officeDocument/2006/relationships" xmlns:p="http://schemas.openxmlformats.org/presentationml/2006/main">
+  <p:cSld>
+    <p:spTree>
+      <p:nvGrpSpPr>
+        <p:cNvPr id="1" name=""/>
+        <p:cNvGrpSpPr/>
+        <p:nvPr/>
+      </p:nvGrpSpPr>
+      <p:grpSpPr>
+        <a:xfrm>
+          <a:off x="0" y="0"/>
+          <a:ext cx="0" cy="0"/>
+          <a:chOff x="0" y="0"/>
+          <a:chExt cx="0" cy="0"/>
+        </a:xfrm>
+      </p:grpSpPr>
+      <p:sp>
+        <p:nvSpPr>
+          <p:cNvPr id="2" name="제목 1"/>
+          <p:cNvSpPr>
+            <a:spLocks noGrp="1"/>
+          </p:cNvSpPr>
+          <p:nvPr>
+            <p:ph type="title"/>
+          </p:nvPr>
+        </p:nvSpPr>
+        <p:spPr/>
+        <p:txBody>
+          <a:bodyPr>
+            <a:normAutofit/>
+          </a:bodyPr>
+          <a:lstStyle/>
+          <a:p>
+            <a:pPr algn="l"/>
+            <a:r>
+              <a:rPr lang="en-US" altLang="ko-KR" sz="3200" dirty="0" smtClean="0"/>
+              <a:t>Appear UX</a:t>
+            </a:r>
+            <a:r>
+              <a:rPr lang="en-US" altLang="ko-KR" sz="3200" dirty="0"/>
+              <a:t> </a:t>
+            </a:r>
+            <a:r>
+              <a:rPr lang="en-US" altLang="ko-KR" sz="3200" dirty="0" smtClean="0"/>
+              <a:t>| </a:t>
+            </a:r>
+            <a:r>
+              <a:rPr lang="en-US" altLang="ko-KR" sz="3200" dirty="0" err="1" smtClean="0"/>
+              <a:t>DragLeaved</a:t>
+            </a:r>
+            <a:r>
+              <a:rPr lang="en-US" altLang="ko-KR" sz="3200" dirty="0" smtClean="0"/>
+              <a:t> &amp; </a:t>
+            </a:r>
+            <a:r>
+              <a:rPr lang="en-US" altLang="ko-KR" sz="3200" dirty="0" err="1" smtClean="0"/>
+              <a:t>TargetChanged</a:t>
+            </a:r>
+            <a:endParaRPr lang="ko-KR" altLang="en-US" sz="3200" dirty="0"/>
+          </a:p>
+        </p:txBody>
+      </p:sp>
+      <p:sp>
+        <p:nvSpPr>
+          <p:cNvPr id="4" name="모서리가 둥근 직사각형 3"/>
+          <p:cNvSpPr/>
+          <p:nvPr/>
+        </p:nvSpPr>
+        <p:spPr>
+          <a:xfrm>
+            <a:off x="3059832" y="1592796"/>
+            <a:ext cx="1368152" cy="648072"/>
+          </a:xfrm>
+          <a:prstGeom prst="roundRect">
+            <a:avLst/>
+          </a:prstGeom>
+        </p:spPr>
+        <p:style>
+          <a:lnRef idx="1">
+            <a:schemeClr val="accent2"/>
+          </a:lnRef>
+          <a:fillRef idx="2">
+            <a:schemeClr val="accent2"/>
+          </a:fillRef>
+          <a:effectRef idx="1">
+            <a:schemeClr val="accent2"/>
+          </a:effectRef>
+          <a:fontRef idx="minor">
+            <a:schemeClr val="dk1"/>
+          </a:fontRef>
+        </p:style>
+        <p:txBody>
+          <a:bodyPr rtlCol="0" anchor="ctr"/>
+          <a:lstStyle/>
+          <a:p>
+            <a:pPr algn="ctr"/>
+            <a:r>
+              <a:rPr lang="en-US" altLang="ko-KR" sz="1000" dirty="0" err="1" smtClean="0"/>
+              <a:t>DnDManager</a:t>
+            </a:r>
+            <a:endParaRPr lang="ko-KR" altLang="en-US" sz="1000" dirty="0"/>
+          </a:p>
+        </p:txBody>
+      </p:sp>
+      <p:sp>
+        <p:nvSpPr>
+          <p:cNvPr id="48" name="모서리가 둥근 직사각형 47"/>
+          <p:cNvSpPr/>
+          <p:nvPr/>
+        </p:nvSpPr>
+        <p:spPr>
+          <a:xfrm>
+            <a:off x="971600" y="3068960"/>
+            <a:ext cx="2520280" cy="3024336"/>
+          </a:xfrm>
+          <a:prstGeom prst="roundRect">
+            <a:avLst>
+              <a:gd name="adj" fmla="val 7597"/>
+            </a:avLst>
+          </a:prstGeom>
+        </p:spPr>
+        <p:style>
+          <a:lnRef idx="1">
+            <a:schemeClr val="accent1"/>
+          </a:lnRef>
+          <a:fillRef idx="2">
+            <a:schemeClr val="accent1"/>
+          </a:fillRef>
+          <a:effectRef idx="1">
+            <a:schemeClr val="accent1"/>
+          </a:effectRef>
+          <a:fontRef idx="minor">
+            <a:schemeClr val="dk1"/>
+          </a:fontRef>
+        </p:style>
+        <p:txBody>
+          <a:bodyPr rtlCol="0" anchor="ctr"/>
+          <a:lstStyle/>
+          <a:p>
+            <a:pPr algn="ctr"/>
+            <a:r>
+              <a:rPr lang="en-US" altLang="ko-KR" sz="1000" dirty="0" err="1" smtClean="0"/>
+              <a:t>DndTarget</a:t>
+            </a:r>
+            <a:endParaRPr lang="ko-KR" altLang="en-US" sz="1000" dirty="0"/>
+          </a:p>
+        </p:txBody>
+      </p:sp>
+      <p:sp>
+        <p:nvSpPr>
+          <p:cNvPr id="49" name="모서리가 둥근 직사각형 48"/>
+          <p:cNvSpPr/>
+          <p:nvPr/>
+        </p:nvSpPr>
+        <p:spPr>
+          <a:xfrm>
+            <a:off x="3923928" y="3068960"/>
+            <a:ext cx="2520280" cy="3024336"/>
+          </a:xfrm>
+          <a:prstGeom prst="roundRect">
+            <a:avLst>
+              <a:gd name="adj" fmla="val 7597"/>
+            </a:avLst>
+          </a:prstGeom>
+        </p:spPr>
+        <p:style>
+          <a:lnRef idx="1">
+            <a:schemeClr val="accent3"/>
+          </a:lnRef>
+          <a:fillRef idx="2">
+            <a:schemeClr val="accent3"/>
+          </a:fillRef>
+          <a:effectRef idx="1">
+            <a:schemeClr val="accent3"/>
+          </a:effectRef>
+          <a:fontRef idx="minor">
+            <a:schemeClr val="dk1"/>
+          </a:fontRef>
+        </p:style>
+        <p:txBody>
+          <a:bodyPr rtlCol="0" anchor="ctr"/>
+          <a:lstStyle/>
+          <a:p>
+            <a:pPr algn="ctr"/>
+            <a:r>
+              <a:rPr lang="en-US" altLang="ko-KR" sz="1000" dirty="0" err="1" smtClean="0"/>
+              <a:t>DndTarget</a:t>
+            </a:r>
+            <a:endParaRPr lang="ko-KR" altLang="en-US" sz="1000" dirty="0"/>
+          </a:p>
+        </p:txBody>
+      </p:sp>
+      <p:sp>
+        <p:nvSpPr>
+          <p:cNvPr id="47" name="모서리가 둥근 직사각형 46"/>
+          <p:cNvSpPr/>
+          <p:nvPr/>
+        </p:nvSpPr>
+        <p:spPr>
+          <a:xfrm>
+            <a:off x="3055660" y="3274288"/>
+            <a:ext cx="1368152" cy="648072"/>
+          </a:xfrm>
+          <a:prstGeom prst="roundRect">
+            <a:avLst/>
+          </a:prstGeom>
+        </p:spPr>
+        <p:style>
+          <a:lnRef idx="1">
+            <a:schemeClr val="accent2"/>
+          </a:lnRef>
+          <a:fillRef idx="2">
+            <a:schemeClr val="accent2"/>
+          </a:fillRef>
+          <a:effectRef idx="1">
+            <a:schemeClr val="accent2"/>
+          </a:effectRef>
+          <a:fontRef idx="minor">
+            <a:schemeClr val="dk1"/>
+          </a:fontRef>
+        </p:style>
+        <p:txBody>
+          <a:bodyPr rtlCol="0" anchor="ctr"/>
+          <a:lstStyle/>
+          <a:p>
+            <a:pPr algn="ctr"/>
+            <a:r>
+              <a:rPr lang="en-US" altLang="ko-KR" sz="1000" dirty="0" err="1" smtClean="0"/>
+              <a:t>DnDSource</a:t>
+            </a:r>
+            <a:endParaRPr lang="ko-KR" altLang="en-US" sz="1000" dirty="0"/>
+          </a:p>
+        </p:txBody>
+      </p:sp>
+      <p:cxnSp>
+        <p:nvCxnSpPr>
+          <p:cNvPr id="11" name="구부러진 연결선 10"/>
+          <p:cNvCxnSpPr/>
+          <p:nvPr/>
+        </p:nvCxnSpPr>
+        <p:spPr>
+          <a:xfrm rot="5400000">
+            <a:off x="2573778" y="1898830"/>
+            <a:ext cx="828092" cy="1512168"/>
+          </a:xfrm>
+          <a:prstGeom prst="curvedConnector3">
+            <a:avLst>
+              <a:gd name="adj1" fmla="val 50000"/>
+            </a:avLst>
+          </a:prstGeom>
+          <a:ln>
+            <a:headEnd type="none" w="med" len="med"/>
+            <a:tailEnd type="triangle" w="med" len="med"/>
+          </a:ln>
+        </p:spPr>
+        <p:style>
+          <a:lnRef idx="1">
+            <a:schemeClr val="accent1"/>
+          </a:lnRef>
+          <a:fillRef idx="0">
+            <a:schemeClr val="accent1"/>
+          </a:fillRef>
+          <a:effectRef idx="0">
+            <a:schemeClr val="accent1"/>
+          </a:effectRef>
+          <a:fontRef idx="minor">
+            <a:schemeClr val="tx1"/>
+          </a:fontRef>
+        </p:style>
+      </p:cxnSp>
+      <p:sp>
+        <p:nvSpPr>
+          <p:cNvPr id="12" name="TextBox 11"/>
+          <p:cNvSpPr txBox="1"/>
+          <p:nvPr/>
+        </p:nvSpPr>
+        <p:spPr>
+          <a:xfrm>
+            <a:off x="1232146" y="2593299"/>
+            <a:ext cx="3342582" cy="246221"/>
+          </a:xfrm>
+          <a:prstGeom prst="rect">
+            <a:avLst/>
+          </a:prstGeom>
+          <a:noFill/>
+        </p:spPr>
+        <p:txBody>
+          <a:bodyPr wrap="none" rtlCol="0">
+            <a:spAutoFit/>
+          </a:bodyPr>
+          <a:lstStyle/>
+          <a:p>
+            <a:r>
+              <a:rPr lang="en-US" altLang="ko-KR" sz="1000" dirty="0" smtClean="0"/>
+              <a:t>2. </a:t>
+            </a:r>
+            <a:r>
+              <a:rPr lang="en-US" altLang="ko-KR" sz="1000" dirty="0" err="1" smtClean="0"/>
+              <a:t>DnDTarget.OnDragLeaved</a:t>
+            </a:r>
+            <a:r>
+              <a:rPr lang="en-US" altLang="ko-KR" sz="1000" dirty="0" smtClean="0"/>
+              <a:t> (</a:t>
+            </a:r>
+            <a:r>
+              <a:rPr lang="en-US" altLang="ko-KR" sz="1000" dirty="0" err="1"/>
+              <a:t>DnDSourceAgent</a:t>
+            </a:r>
+            <a:r>
+              <a:rPr lang="en-US" altLang="ko-KR" sz="1000" dirty="0" smtClean="0"/>
+              <a:t>, Point)</a:t>
+            </a:r>
+            <a:endParaRPr lang="ko-KR" altLang="en-US" sz="1000" dirty="0"/>
+          </a:p>
+        </p:txBody>
+      </p:sp>
+      <p:sp>
+        <p:nvSpPr>
+          <p:cNvPr id="13" name="TextBox 12"/>
+          <p:cNvSpPr txBox="1"/>
+          <p:nvPr/>
+        </p:nvSpPr>
+        <p:spPr>
+          <a:xfrm>
+            <a:off x="467544" y="1793721"/>
+            <a:ext cx="2483372" cy="246221"/>
+          </a:xfrm>
+          <a:prstGeom prst="rect">
+            <a:avLst/>
+          </a:prstGeom>
+          <a:noFill/>
+        </p:spPr>
+        <p:txBody>
+          <a:bodyPr wrap="none" rtlCol="0">
+            <a:spAutoFit/>
+          </a:bodyPr>
+          <a:lstStyle/>
+          <a:p>
+            <a:r>
+              <a:rPr lang="en-US" altLang="ko-KR" sz="1000" dirty="0" smtClean="0"/>
+              <a:t>1. </a:t>
+            </a:r>
+            <a:r>
+              <a:rPr lang="en-US" altLang="ko-KR" sz="1000" dirty="0" err="1" smtClean="0"/>
+              <a:t>DnDManager.OnTouchMoved</a:t>
+            </a:r>
+            <a:r>
+              <a:rPr lang="en-US" altLang="ko-KR" sz="1000" dirty="0" smtClean="0"/>
+              <a:t> (Point)</a:t>
+            </a:r>
+            <a:endParaRPr lang="ko-KR" altLang="en-US" sz="1000" dirty="0"/>
+          </a:p>
+        </p:txBody>
+      </p:sp>
+      <p:cxnSp>
+        <p:nvCxnSpPr>
+          <p:cNvPr id="14" name="구부러진 연결선 13"/>
+          <p:cNvCxnSpPr/>
+          <p:nvPr/>
+        </p:nvCxnSpPr>
+        <p:spPr>
+          <a:xfrm flipV="1">
+            <a:off x="755576" y="1916832"/>
+            <a:ext cx="2304256" cy="648072"/>
+          </a:xfrm>
+          <a:prstGeom prst="curvedConnector3">
+            <a:avLst>
+              <a:gd name="adj1" fmla="val 50000"/>
+            </a:avLst>
+          </a:prstGeom>
+          <a:ln>
+            <a:headEnd type="none" w="med" len="med"/>
+            <a:tailEnd type="triangle" w="med" len="med"/>
+          </a:ln>
+        </p:spPr>
+        <p:style>
+          <a:lnRef idx="1">
+            <a:schemeClr val="accent1"/>
+          </a:lnRef>
+          <a:fillRef idx="0">
+            <a:schemeClr val="accent1"/>
+          </a:fillRef>
+          <a:effectRef idx="0">
+            <a:schemeClr val="accent1"/>
+          </a:effectRef>
+          <a:fontRef idx="minor">
+            <a:schemeClr val="tx1"/>
+          </a:fontRef>
+        </p:style>
+      </p:cxnSp>
+      <p:cxnSp>
+        <p:nvCxnSpPr>
+          <p:cNvPr id="15" name="구부러진 연결선 14"/>
+          <p:cNvCxnSpPr>
+            <a:stCxn id="4" idx="2"/>
+            <a:endCxn id="49" idx="0"/>
+          </p:cNvCxnSpPr>
+          <p:nvPr/>
+        </p:nvCxnSpPr>
+        <p:spPr>
+          <a:xfrm rot="16200000" flipH="1">
+            <a:off x="4049942" y="1934834"/>
+            <a:ext cx="828092" cy="1440160"/>
+          </a:xfrm>
+          <a:prstGeom prst="curvedConnector3">
+            <a:avLst>
+              <a:gd name="adj1" fmla="val 50000"/>
+            </a:avLst>
+          </a:prstGeom>
+          <a:ln>
+            <a:headEnd type="none" w="med" len="med"/>
+            <a:tailEnd type="triangle" w="med" len="med"/>
+          </a:ln>
+        </p:spPr>
+        <p:style>
+          <a:lnRef idx="1">
+            <a:schemeClr val="accent1"/>
+          </a:lnRef>
+          <a:fillRef idx="0">
+            <a:schemeClr val="accent1"/>
+          </a:fillRef>
+          <a:effectRef idx="0">
+            <a:schemeClr val="accent1"/>
+          </a:effectRef>
+          <a:fontRef idx="minor">
+            <a:schemeClr val="tx1"/>
+          </a:fontRef>
+        </p:style>
+      </p:cxnSp>
+      <p:sp>
+        <p:nvSpPr>
+          <p:cNvPr id="18" name="TextBox 17"/>
+          <p:cNvSpPr txBox="1"/>
+          <p:nvPr/>
+        </p:nvSpPr>
+        <p:spPr>
+          <a:xfrm>
+            <a:off x="4423812" y="2590559"/>
+            <a:ext cx="3381054" cy="246221"/>
+          </a:xfrm>
+          <a:prstGeom prst="rect">
+            <a:avLst/>
+          </a:prstGeom>
+          <a:noFill/>
+        </p:spPr>
+        <p:txBody>
+          <a:bodyPr wrap="none" rtlCol="0">
+            <a:spAutoFit/>
+          </a:bodyPr>
+          <a:lstStyle/>
+          <a:p>
+            <a:r>
+              <a:rPr lang="en-US" altLang="ko-KR" sz="1000" dirty="0" smtClean="0"/>
+              <a:t>3. </a:t>
+            </a:r>
+            <a:r>
+              <a:rPr lang="en-US" altLang="ko-KR" sz="1000" dirty="0" err="1" smtClean="0"/>
+              <a:t>DnDTarget.OnDragEntered</a:t>
+            </a:r>
+            <a:r>
+              <a:rPr lang="en-US" altLang="ko-KR" sz="1000" dirty="0" smtClean="0"/>
+              <a:t> (</a:t>
+            </a:r>
+            <a:r>
+              <a:rPr lang="en-US" altLang="ko-KR" sz="1000" dirty="0" err="1"/>
+              <a:t>DnDSourceAgent</a:t>
+            </a:r>
+            <a:r>
+              <a:rPr lang="en-US" altLang="ko-KR" sz="1000" dirty="0" smtClean="0"/>
+              <a:t>, Point)</a:t>
+            </a:r>
+            <a:endParaRPr lang="ko-KR" altLang="en-US" sz="1000" dirty="0"/>
+          </a:p>
+        </p:txBody>
+      </p:sp>
+      <p:sp>
+        <p:nvSpPr>
+          <p:cNvPr id="19" name="TextBox 18"/>
+          <p:cNvSpPr txBox="1"/>
+          <p:nvPr/>
+        </p:nvSpPr>
+        <p:spPr>
+          <a:xfrm>
+            <a:off x="2980949" y="3075459"/>
+            <a:ext cx="3828292" cy="246221"/>
+          </a:xfrm>
+          <a:prstGeom prst="rect">
+            <a:avLst/>
+          </a:prstGeom>
+          <a:noFill/>
+        </p:spPr>
+        <p:txBody>
+          <a:bodyPr wrap="none" rtlCol="0">
+            <a:spAutoFit/>
+          </a:bodyPr>
+          <a:lstStyle/>
+          <a:p>
+            <a:r>
+              <a:rPr lang="en-US" altLang="ko-KR" sz="1000" dirty="0" smtClean="0"/>
+              <a:t>4. </a:t>
+            </a:r>
+            <a:r>
+              <a:rPr lang="en-US" altLang="ko-KR" sz="1000" dirty="0" err="1" smtClean="0"/>
+              <a:t>DnDSource.OnDragTargetChanged</a:t>
+            </a:r>
+            <a:r>
+              <a:rPr lang="en-US" altLang="ko-KR" sz="1000" dirty="0" smtClean="0"/>
+              <a:t> (</a:t>
+            </a:r>
+            <a:r>
+              <a:rPr lang="en-US" altLang="ko-KR" sz="1000" dirty="0" err="1"/>
+              <a:t>DnDTargetAgent</a:t>
+            </a:r>
+            <a:r>
+              <a:rPr lang="en-US" altLang="ko-KR" sz="1000" dirty="0" smtClean="0"/>
+              <a:t>, Point)</a:t>
+            </a:r>
+            <a:endParaRPr lang="ko-KR" altLang="en-US" sz="1000" dirty="0"/>
+          </a:p>
+        </p:txBody>
+      </p:sp>
+      <p:cxnSp>
+        <p:nvCxnSpPr>
+          <p:cNvPr id="20" name="구부러진 연결선 19"/>
+          <p:cNvCxnSpPr>
+            <a:stCxn id="4" idx="2"/>
+          </p:cNvCxnSpPr>
+          <p:nvPr/>
+        </p:nvCxnSpPr>
+        <p:spPr>
+          <a:xfrm rot="5400000">
+            <a:off x="3173192" y="2703572"/>
+            <a:ext cx="1033420" cy="108012"/>
+          </a:xfrm>
+          <a:prstGeom prst="curvedConnector3">
+            <a:avLst>
+              <a:gd name="adj1" fmla="val 50000"/>
+            </a:avLst>
+          </a:prstGeom>
+          <a:ln>
+            <a:headEnd type="none" w="med" len="med"/>
+            <a:tailEnd type="triangle" w="med" len="med"/>
+          </a:ln>
+        </p:spPr>
+        <p:style>
+          <a:lnRef idx="1">
+            <a:schemeClr val="accent1"/>
+          </a:lnRef>
+          <a:fillRef idx="0">
+            <a:schemeClr val="accent1"/>
+          </a:fillRef>
+          <a:effectRef idx="0">
+            <a:schemeClr val="accent1"/>
+          </a:effectRef>
+          <a:fontRef idx="minor">
+            <a:schemeClr val="tx1"/>
+          </a:fontRef>
+        </p:style>
+      </p:cxnSp>
+    </p:spTree>
+    <p:extLst>
+      <p:ext uri="{BB962C8B-B14F-4D97-AF65-F5344CB8AC3E}">
+        <p14:creationId xmlns:p14="http://schemas.microsoft.com/office/powerpoint/2010/main" val="3652698171"/>
+      </p:ext>
+    </p:extLst>
+  </p:cSld>
+  <p:clrMapOvr>
+    <a:masterClrMapping/>
+  </p:clrMapOvr>
+  <p:timing>
+    <p:tnLst>
+      <p:par>
+        <p:cTn id="1" dur="indefinite" restart="never" nodeType="tmRoot"/>
+      </p:par>
+    </p:tnLst>
+  </p:timing>
+</p:sld>
+</file>
+
+<file path=ppt/slides/slide15.xml><?xml version="1.0" encoding="utf-8"?>
+<p:sld xmlns:a="http://schemas.openxmlformats.org/drawingml/2006/main" xmlns:r="http://schemas.openxmlformats.org/officeDocument/2006/relationships" xmlns:p="http://schemas.openxmlformats.org/presentationml/2006/main">
+  <p:cSld>
+    <p:spTree>
+      <p:nvGrpSpPr>
+        <p:cNvPr id="1" name=""/>
+        <p:cNvGrpSpPr/>
+        <p:nvPr/>
+      </p:nvGrpSpPr>
+      <p:grpSpPr>
+        <a:xfrm>
+          <a:off x="0" y="0"/>
+          <a:ext cx="0" cy="0"/>
+          <a:chOff x="0" y="0"/>
+          <a:chExt cx="0" cy="0"/>
+        </a:xfrm>
+      </p:grpSpPr>
+      <p:sp>
+        <p:nvSpPr>
+          <p:cNvPr id="2" name="제목 1"/>
+          <p:cNvSpPr>
+            <a:spLocks noGrp="1"/>
+          </p:cNvSpPr>
+          <p:nvPr>
+            <p:ph type="title"/>
+          </p:nvPr>
+        </p:nvSpPr>
+        <p:spPr/>
+        <p:txBody>
+          <a:bodyPr>
+            <a:normAutofit/>
+          </a:bodyPr>
+          <a:lstStyle/>
+          <a:p>
+            <a:pPr algn="l"/>
+            <a:r>
+              <a:rPr lang="en-US" altLang="ko-KR" sz="3200" dirty="0" smtClean="0"/>
+              <a:t>Appear UX</a:t>
+            </a:r>
+            <a:r>
+              <a:rPr lang="en-US" altLang="ko-KR" sz="3200" dirty="0"/>
+              <a:t> </a:t>
+            </a:r>
+            <a:r>
+              <a:rPr lang="en-US" altLang="ko-KR" sz="3200" dirty="0" smtClean="0"/>
+              <a:t>| </a:t>
+            </a:r>
+            <a:r>
+              <a:rPr lang="en-US" altLang="ko-KR" sz="3200" dirty="0" err="1" smtClean="0"/>
+              <a:t>DragOver</a:t>
+            </a:r>
+            <a:r>
+              <a:rPr lang="en-US" altLang="ko-KR" sz="3200" dirty="0" smtClean="0"/>
+              <a:t> on new Target</a:t>
+            </a:r>
+            <a:endParaRPr lang="ko-KR" altLang="en-US" sz="3200" dirty="0"/>
+          </a:p>
+        </p:txBody>
+      </p:sp>
+      <p:sp>
+        <p:nvSpPr>
+          <p:cNvPr id="4" name="모서리가 둥근 직사각형 3"/>
+          <p:cNvSpPr/>
+          <p:nvPr/>
+        </p:nvSpPr>
+        <p:spPr>
+          <a:xfrm>
+            <a:off x="3059832" y="1592796"/>
+            <a:ext cx="1368152" cy="648072"/>
+          </a:xfrm>
+          <a:prstGeom prst="roundRect">
+            <a:avLst/>
+          </a:prstGeom>
+        </p:spPr>
+        <p:style>
+          <a:lnRef idx="1">
+            <a:schemeClr val="accent2"/>
+          </a:lnRef>
+          <a:fillRef idx="2">
+            <a:schemeClr val="accent2"/>
+          </a:fillRef>
+          <a:effectRef idx="1">
+            <a:schemeClr val="accent2"/>
+          </a:effectRef>
+          <a:fontRef idx="minor">
+            <a:schemeClr val="dk1"/>
+          </a:fontRef>
+        </p:style>
+        <p:txBody>
+          <a:bodyPr rtlCol="0" anchor="ctr"/>
+          <a:lstStyle/>
+          <a:p>
+            <a:pPr algn="ctr"/>
+            <a:r>
+              <a:rPr lang="en-US" altLang="ko-KR" sz="1000" dirty="0" err="1" smtClean="0"/>
+              <a:t>DnDManager</a:t>
+            </a:r>
+            <a:endParaRPr lang="ko-KR" altLang="en-US" sz="1000" dirty="0"/>
+          </a:p>
+        </p:txBody>
+      </p:sp>
+      <p:sp>
+        <p:nvSpPr>
+          <p:cNvPr id="48" name="모서리가 둥근 직사각형 47"/>
+          <p:cNvSpPr/>
+          <p:nvPr/>
+        </p:nvSpPr>
+        <p:spPr>
+          <a:xfrm>
+            <a:off x="971600" y="3068960"/>
+            <a:ext cx="2520280" cy="3024336"/>
+          </a:xfrm>
+          <a:prstGeom prst="roundRect">
+            <a:avLst>
+              <a:gd name="adj" fmla="val 7597"/>
+            </a:avLst>
+          </a:prstGeom>
+        </p:spPr>
+        <p:style>
+          <a:lnRef idx="1">
+            <a:schemeClr val="accent1"/>
+          </a:lnRef>
+          <a:fillRef idx="2">
+            <a:schemeClr val="accent1"/>
+          </a:fillRef>
+          <a:effectRef idx="1">
+            <a:schemeClr val="accent1"/>
+          </a:effectRef>
+          <a:fontRef idx="minor">
+            <a:schemeClr val="dk1"/>
+          </a:fontRef>
+        </p:style>
+        <p:txBody>
+          <a:bodyPr rtlCol="0" anchor="ctr"/>
+          <a:lstStyle/>
+          <a:p>
+            <a:pPr algn="ctr"/>
+            <a:r>
+              <a:rPr lang="en-US" altLang="ko-KR" sz="1000" dirty="0" err="1" smtClean="0"/>
+              <a:t>DndTarget</a:t>
+            </a:r>
+            <a:endParaRPr lang="ko-KR" altLang="en-US" sz="1000" dirty="0"/>
+          </a:p>
+        </p:txBody>
+      </p:sp>
+      <p:sp>
+        <p:nvSpPr>
+          <p:cNvPr id="49" name="모서리가 둥근 직사각형 48"/>
+          <p:cNvSpPr/>
+          <p:nvPr/>
+        </p:nvSpPr>
+        <p:spPr>
+          <a:xfrm>
+            <a:off x="3923928" y="3068960"/>
+            <a:ext cx="2520280" cy="3024336"/>
+          </a:xfrm>
+          <a:prstGeom prst="roundRect">
+            <a:avLst>
+              <a:gd name="adj" fmla="val 7597"/>
+            </a:avLst>
+          </a:prstGeom>
+        </p:spPr>
+        <p:style>
+          <a:lnRef idx="1">
+            <a:schemeClr val="accent3"/>
+          </a:lnRef>
+          <a:fillRef idx="2">
+            <a:schemeClr val="accent3"/>
+          </a:fillRef>
+          <a:effectRef idx="1">
+            <a:schemeClr val="accent3"/>
+          </a:effectRef>
+          <a:fontRef idx="minor">
+            <a:schemeClr val="dk1"/>
+          </a:fontRef>
+        </p:style>
+        <p:txBody>
+          <a:bodyPr rtlCol="0" anchor="ctr"/>
+          <a:lstStyle/>
+          <a:p>
+            <a:pPr algn="ctr"/>
+            <a:r>
+              <a:rPr lang="en-US" altLang="ko-KR" sz="1000" dirty="0" err="1" smtClean="0"/>
+              <a:t>DndTarget</a:t>
+            </a:r>
+            <a:endParaRPr lang="ko-KR" altLang="en-US" sz="1000" dirty="0"/>
+          </a:p>
+        </p:txBody>
+      </p:sp>
+      <p:sp>
+        <p:nvSpPr>
+          <p:cNvPr id="47" name="모서리가 둥근 직사각형 46"/>
+          <p:cNvSpPr/>
+          <p:nvPr/>
+        </p:nvSpPr>
+        <p:spPr>
+          <a:xfrm>
+            <a:off x="4139952" y="3264728"/>
+            <a:ext cx="1368152" cy="648072"/>
+          </a:xfrm>
+          <a:prstGeom prst="roundRect">
+            <a:avLst/>
+          </a:prstGeom>
+        </p:spPr>
+        <p:style>
+          <a:lnRef idx="1">
+            <a:schemeClr val="accent2"/>
+          </a:lnRef>
+          <a:fillRef idx="2">
+            <a:schemeClr val="accent2"/>
+          </a:fillRef>
+          <a:effectRef idx="1">
+            <a:schemeClr val="accent2"/>
+          </a:effectRef>
+          <a:fontRef idx="minor">
+            <a:schemeClr val="dk1"/>
+          </a:fontRef>
+        </p:style>
+        <p:txBody>
+          <a:bodyPr rtlCol="0" anchor="ctr"/>
+          <a:lstStyle/>
+          <a:p>
+            <a:pPr algn="ctr"/>
+            <a:r>
+              <a:rPr lang="en-US" altLang="ko-KR" sz="1000" dirty="0" err="1" smtClean="0"/>
+              <a:t>DnDSource</a:t>
+            </a:r>
+            <a:endParaRPr lang="ko-KR" altLang="en-US" sz="1000" dirty="0"/>
+          </a:p>
+        </p:txBody>
+      </p:sp>
+      <p:sp>
+        <p:nvSpPr>
+          <p:cNvPr id="7" name="TextBox 6"/>
+          <p:cNvSpPr txBox="1"/>
+          <p:nvPr/>
+        </p:nvSpPr>
+        <p:spPr>
+          <a:xfrm>
+            <a:off x="467544" y="1793721"/>
+            <a:ext cx="2483372" cy="246221"/>
+          </a:xfrm>
+          <a:prstGeom prst="rect">
+            <a:avLst/>
+          </a:prstGeom>
+          <a:noFill/>
+        </p:spPr>
+        <p:txBody>
+          <a:bodyPr wrap="none" rtlCol="0">
+            <a:spAutoFit/>
+          </a:bodyPr>
+          <a:lstStyle/>
+          <a:p>
+            <a:r>
+              <a:rPr lang="en-US" altLang="ko-KR" sz="1000" dirty="0" smtClean="0"/>
+              <a:t>1. </a:t>
+            </a:r>
+            <a:r>
+              <a:rPr lang="en-US" altLang="ko-KR" sz="1000" dirty="0" err="1" smtClean="0"/>
+              <a:t>DnDManager.OnTouchMoved</a:t>
+            </a:r>
+            <a:r>
+              <a:rPr lang="en-US" altLang="ko-KR" sz="1000" dirty="0" smtClean="0"/>
+              <a:t> (Point)</a:t>
+            </a:r>
+            <a:endParaRPr lang="ko-KR" altLang="en-US" sz="1000" dirty="0"/>
+          </a:p>
+        </p:txBody>
+      </p:sp>
+      <p:cxnSp>
+        <p:nvCxnSpPr>
+          <p:cNvPr id="8" name="구부러진 연결선 7"/>
+          <p:cNvCxnSpPr/>
+          <p:nvPr/>
+        </p:nvCxnSpPr>
+        <p:spPr>
+          <a:xfrm flipV="1">
+            <a:off x="755576" y="1916832"/>
+            <a:ext cx="2304256" cy="648072"/>
+          </a:xfrm>
+          <a:prstGeom prst="curvedConnector3">
+            <a:avLst>
+              <a:gd name="adj1" fmla="val 50000"/>
+            </a:avLst>
+          </a:prstGeom>
+          <a:ln>
+            <a:headEnd type="none" w="med" len="med"/>
+            <a:tailEnd type="triangle" w="med" len="med"/>
+          </a:ln>
+        </p:spPr>
+        <p:style>
+          <a:lnRef idx="1">
+            <a:schemeClr val="accent1"/>
+          </a:lnRef>
+          <a:fillRef idx="0">
+            <a:schemeClr val="accent1"/>
+          </a:fillRef>
+          <a:effectRef idx="0">
+            <a:schemeClr val="accent1"/>
+          </a:effectRef>
+          <a:fontRef idx="minor">
+            <a:schemeClr val="tx1"/>
+          </a:fontRef>
+        </p:style>
+      </p:cxnSp>
+      <p:cxnSp>
+        <p:nvCxnSpPr>
+          <p:cNvPr id="9" name="구부러진 연결선 8"/>
+          <p:cNvCxnSpPr/>
+          <p:nvPr/>
+        </p:nvCxnSpPr>
+        <p:spPr>
+          <a:xfrm rot="16200000" flipH="1">
+            <a:off x="4049942" y="1934834"/>
+            <a:ext cx="828092" cy="1440160"/>
+          </a:xfrm>
+          <a:prstGeom prst="curvedConnector3">
+            <a:avLst>
+              <a:gd name="adj1" fmla="val 50000"/>
+            </a:avLst>
+          </a:prstGeom>
+          <a:ln>
+            <a:headEnd type="none" w="med" len="med"/>
+            <a:tailEnd type="triangle" w="med" len="med"/>
+          </a:ln>
+        </p:spPr>
+        <p:style>
+          <a:lnRef idx="1">
+            <a:schemeClr val="accent1"/>
+          </a:lnRef>
+          <a:fillRef idx="0">
+            <a:schemeClr val="accent1"/>
+          </a:fillRef>
+          <a:effectRef idx="0">
+            <a:schemeClr val="accent1"/>
+          </a:effectRef>
+          <a:fontRef idx="minor">
+            <a:schemeClr val="tx1"/>
+          </a:fontRef>
+        </p:style>
+      </p:cxnSp>
+      <p:sp>
+        <p:nvSpPr>
+          <p:cNvPr id="10" name="TextBox 9"/>
+          <p:cNvSpPr txBox="1"/>
+          <p:nvPr/>
+        </p:nvSpPr>
+        <p:spPr>
+          <a:xfrm>
+            <a:off x="4423812" y="2590559"/>
+            <a:ext cx="3212739" cy="246221"/>
+          </a:xfrm>
+          <a:prstGeom prst="rect">
+            <a:avLst/>
+          </a:prstGeom>
+          <a:noFill/>
+        </p:spPr>
+        <p:txBody>
+          <a:bodyPr wrap="none" rtlCol="0">
+            <a:spAutoFit/>
+          </a:bodyPr>
+          <a:lstStyle/>
+          <a:p>
+            <a:r>
+              <a:rPr lang="en-US" altLang="ko-KR" sz="1000" dirty="0" smtClean="0"/>
+              <a:t>2. </a:t>
+            </a:r>
+            <a:r>
+              <a:rPr lang="en-US" altLang="ko-KR" sz="1000" dirty="0" err="1" smtClean="0"/>
+              <a:t>DnDTarget.OnDragOver</a:t>
+            </a:r>
+            <a:r>
+              <a:rPr lang="en-US" altLang="ko-KR" sz="1000" dirty="0" smtClean="0"/>
+              <a:t> (</a:t>
+            </a:r>
+            <a:r>
+              <a:rPr lang="en-US" altLang="ko-KR" sz="1000" dirty="0" err="1"/>
+              <a:t>DnDSourceAgent</a:t>
+            </a:r>
+            <a:r>
+              <a:rPr lang="en-US" altLang="ko-KR" sz="1000" dirty="0" smtClean="0"/>
+              <a:t>, Point)</a:t>
+            </a:r>
+            <a:endParaRPr lang="ko-KR" altLang="en-US" sz="1000" dirty="0"/>
+          </a:p>
+        </p:txBody>
+      </p:sp>
+      <p:sp>
+        <p:nvSpPr>
+          <p:cNvPr id="11" name="TextBox 10"/>
+          <p:cNvSpPr txBox="1"/>
+          <p:nvPr/>
+        </p:nvSpPr>
+        <p:spPr>
+          <a:xfrm>
+            <a:off x="2980949" y="3075459"/>
+            <a:ext cx="3339376" cy="246221"/>
+          </a:xfrm>
+          <a:prstGeom prst="rect">
+            <a:avLst/>
+          </a:prstGeom>
+          <a:noFill/>
+        </p:spPr>
+        <p:txBody>
+          <a:bodyPr wrap="none" rtlCol="0">
+            <a:spAutoFit/>
+          </a:bodyPr>
+          <a:lstStyle/>
+          <a:p>
+            <a:r>
+              <a:rPr lang="en-US" altLang="ko-KR" sz="1000" dirty="0"/>
+              <a:t>3</a:t>
+            </a:r>
+            <a:r>
+              <a:rPr lang="en-US" altLang="ko-KR" sz="1000" dirty="0" smtClean="0"/>
+              <a:t>. </a:t>
+            </a:r>
+            <a:r>
+              <a:rPr lang="en-US" altLang="ko-KR" sz="1000" dirty="0" err="1" smtClean="0"/>
+              <a:t>DnDSource.OnDragMoved</a:t>
+            </a:r>
+            <a:r>
+              <a:rPr lang="en-US" altLang="ko-KR" sz="1000" dirty="0" smtClean="0"/>
+              <a:t> (</a:t>
+            </a:r>
+            <a:r>
+              <a:rPr lang="en-US" altLang="ko-KR" sz="1000" dirty="0" err="1" smtClean="0"/>
+              <a:t>DnDTargetAgent</a:t>
+            </a:r>
+            <a:r>
+              <a:rPr lang="en-US" altLang="ko-KR" sz="1000" dirty="0" smtClean="0"/>
+              <a:t>, Point)</a:t>
+            </a:r>
+            <a:endParaRPr lang="ko-KR" altLang="en-US" sz="1000" dirty="0"/>
+          </a:p>
+        </p:txBody>
+      </p:sp>
+      <p:cxnSp>
+        <p:nvCxnSpPr>
+          <p:cNvPr id="12" name="구부러진 연결선 11"/>
+          <p:cNvCxnSpPr>
+            <a:endCxn id="47" idx="1"/>
+          </p:cNvCxnSpPr>
+          <p:nvPr/>
+        </p:nvCxnSpPr>
+        <p:spPr>
+          <a:xfrm rot="16200000" flipH="1">
+            <a:off x="3267982" y="2716794"/>
+            <a:ext cx="1347896" cy="396044"/>
+          </a:xfrm>
+          <a:prstGeom prst="curvedConnector2">
+            <a:avLst/>
+          </a:prstGeom>
+          <a:ln>
+            <a:headEnd type="none" w="med" len="med"/>
+            <a:tailEnd type="triangle" w="med" len="med"/>
+          </a:ln>
+        </p:spPr>
+        <p:style>
+          <a:lnRef idx="1">
+            <a:schemeClr val="accent1"/>
+          </a:lnRef>
+          <a:fillRef idx="0">
+            <a:schemeClr val="accent1"/>
+          </a:fillRef>
+          <a:effectRef idx="0">
+            <a:schemeClr val="accent1"/>
+          </a:effectRef>
+          <a:fontRef idx="minor">
+            <a:schemeClr val="tx1"/>
+          </a:fontRef>
+        </p:style>
+      </p:cxnSp>
+    </p:spTree>
+    <p:extLst>
+      <p:ext uri="{BB962C8B-B14F-4D97-AF65-F5344CB8AC3E}">
+        <p14:creationId xmlns:p14="http://schemas.microsoft.com/office/powerpoint/2010/main" val="694817630"/>
+      </p:ext>
+    </p:extLst>
+  </p:cSld>
+  <p:clrMapOvr>
+    <a:masterClrMapping/>
+  </p:clrMapOvr>
+  <p:timing>
+    <p:tnLst>
+      <p:par>
+        <p:cTn id="1" dur="indefinite" restart="never" nodeType="tmRoot"/>
+      </p:par>
+    </p:tnLst>
+  </p:timing>
+</p:sld>
+</file>
+
+<file path=ppt/slides/slide16.xml><?xml version="1.0" encoding="utf-8"?>
+<p:sld xmlns:a="http://schemas.openxmlformats.org/drawingml/2006/main" xmlns:r="http://schemas.openxmlformats.org/officeDocument/2006/relationships" xmlns:p="http://schemas.openxmlformats.org/presentationml/2006/main">
+  <p:cSld>
+    <p:spTree>
+      <p:nvGrpSpPr>
+        <p:cNvPr id="1" name=""/>
+        <p:cNvGrpSpPr/>
+        <p:nvPr/>
+      </p:nvGrpSpPr>
+      <p:grpSpPr>
+        <a:xfrm>
+          <a:off x="0" y="0"/>
+          <a:ext cx="0" cy="0"/>
+          <a:chOff x="0" y="0"/>
+          <a:chExt cx="0" cy="0"/>
+        </a:xfrm>
+      </p:grpSpPr>
+      <p:sp>
+        <p:nvSpPr>
+          <p:cNvPr id="2" name="제목 1"/>
+          <p:cNvSpPr>
+            <a:spLocks noGrp="1"/>
+          </p:cNvSpPr>
+          <p:nvPr>
+            <p:ph type="title"/>
+          </p:nvPr>
+        </p:nvSpPr>
+        <p:spPr/>
+        <p:txBody>
+          <a:bodyPr>
+            <a:normAutofit/>
+          </a:bodyPr>
+          <a:lstStyle/>
+          <a:p>
+            <a:pPr algn="l"/>
+            <a:r>
+              <a:rPr lang="en-US" altLang="ko-KR" sz="3200" dirty="0" smtClean="0"/>
+              <a:t>Appear UX</a:t>
+            </a:r>
+            <a:r>
+              <a:rPr lang="en-US" altLang="ko-KR" sz="3200" dirty="0"/>
+              <a:t> </a:t>
+            </a:r>
+            <a:r>
+              <a:rPr lang="en-US" altLang="ko-KR" sz="3200" dirty="0" smtClean="0"/>
+              <a:t>| </a:t>
+            </a:r>
+            <a:r>
+              <a:rPr lang="en-US" altLang="ko-KR" sz="3200" dirty="0" smtClean="0"/>
+              <a:t>Dropped &amp; </a:t>
+            </a:r>
+            <a:r>
+              <a:rPr lang="en-US" altLang="ko-KR" sz="3200" dirty="0" err="1" smtClean="0"/>
+              <a:t>DragEnd</a:t>
+            </a:r>
+            <a:endParaRPr lang="ko-KR" altLang="en-US" sz="3200" dirty="0"/>
+          </a:p>
+        </p:txBody>
+      </p:sp>
+      <p:sp>
+        <p:nvSpPr>
+          <p:cNvPr id="4" name="모서리가 둥근 직사각형 3"/>
+          <p:cNvSpPr/>
+          <p:nvPr/>
+        </p:nvSpPr>
+        <p:spPr>
+          <a:xfrm>
+            <a:off x="3059832" y="1592796"/>
+            <a:ext cx="1368152" cy="648072"/>
+          </a:xfrm>
+          <a:prstGeom prst="roundRect">
+            <a:avLst/>
+          </a:prstGeom>
+        </p:spPr>
+        <p:style>
+          <a:lnRef idx="1">
+            <a:schemeClr val="accent2"/>
+          </a:lnRef>
+          <a:fillRef idx="2">
+            <a:schemeClr val="accent2"/>
+          </a:fillRef>
+          <a:effectRef idx="1">
+            <a:schemeClr val="accent2"/>
+          </a:effectRef>
+          <a:fontRef idx="minor">
+            <a:schemeClr val="dk1"/>
+          </a:fontRef>
+        </p:style>
+        <p:txBody>
+          <a:bodyPr rtlCol="0" anchor="ctr"/>
+          <a:lstStyle/>
+          <a:p>
+            <a:pPr algn="ctr"/>
+            <a:r>
+              <a:rPr lang="en-US" altLang="ko-KR" sz="1000" dirty="0" err="1" smtClean="0"/>
+              <a:t>DnDManager</a:t>
+            </a:r>
+            <a:endParaRPr lang="ko-KR" altLang="en-US" sz="1000" dirty="0"/>
+          </a:p>
+        </p:txBody>
+      </p:sp>
+      <p:sp>
+        <p:nvSpPr>
+          <p:cNvPr id="48" name="모서리가 둥근 직사각형 47"/>
+          <p:cNvSpPr/>
+          <p:nvPr/>
+        </p:nvSpPr>
+        <p:spPr>
+          <a:xfrm>
+            <a:off x="971600" y="3068960"/>
+            <a:ext cx="2520280" cy="3024336"/>
+          </a:xfrm>
+          <a:prstGeom prst="roundRect">
+            <a:avLst>
+              <a:gd name="adj" fmla="val 7597"/>
+            </a:avLst>
+          </a:prstGeom>
+        </p:spPr>
+        <p:style>
+          <a:lnRef idx="1">
+            <a:schemeClr val="accent1"/>
+          </a:lnRef>
+          <a:fillRef idx="2">
+            <a:schemeClr val="accent1"/>
+          </a:fillRef>
+          <a:effectRef idx="1">
+            <a:schemeClr val="accent1"/>
+          </a:effectRef>
+          <a:fontRef idx="minor">
+            <a:schemeClr val="dk1"/>
+          </a:fontRef>
+        </p:style>
+        <p:txBody>
+          <a:bodyPr rtlCol="0" anchor="ctr"/>
+          <a:lstStyle/>
+          <a:p>
+            <a:pPr algn="ctr"/>
+            <a:r>
+              <a:rPr lang="en-US" altLang="ko-KR" sz="1000" dirty="0" err="1" smtClean="0"/>
+              <a:t>DndTarget</a:t>
+            </a:r>
+            <a:endParaRPr lang="ko-KR" altLang="en-US" sz="1000" dirty="0"/>
+          </a:p>
+        </p:txBody>
+      </p:sp>
+      <p:sp>
+        <p:nvSpPr>
+          <p:cNvPr id="49" name="모서리가 둥근 직사각형 48"/>
+          <p:cNvSpPr/>
+          <p:nvPr/>
+        </p:nvSpPr>
+        <p:spPr>
+          <a:xfrm>
+            <a:off x="3923928" y="3068960"/>
+            <a:ext cx="2520280" cy="3024336"/>
+          </a:xfrm>
+          <a:prstGeom prst="roundRect">
+            <a:avLst>
+              <a:gd name="adj" fmla="val 7597"/>
+            </a:avLst>
+          </a:prstGeom>
+        </p:spPr>
+        <p:style>
+          <a:lnRef idx="1">
+            <a:schemeClr val="accent3"/>
+          </a:lnRef>
+          <a:fillRef idx="2">
+            <a:schemeClr val="accent3"/>
+          </a:fillRef>
+          <a:effectRef idx="1">
+            <a:schemeClr val="accent3"/>
+          </a:effectRef>
+          <a:fontRef idx="minor">
+            <a:schemeClr val="dk1"/>
+          </a:fontRef>
+        </p:style>
+        <p:txBody>
+          <a:bodyPr rtlCol="0" anchor="ctr"/>
+          <a:lstStyle/>
+          <a:p>
+            <a:pPr algn="ctr"/>
+            <a:r>
+              <a:rPr lang="en-US" altLang="ko-KR" sz="1000" dirty="0" err="1" smtClean="0"/>
+              <a:t>DndTarget</a:t>
+            </a:r>
+            <a:endParaRPr lang="ko-KR" altLang="en-US" sz="1000" dirty="0"/>
+          </a:p>
+        </p:txBody>
+      </p:sp>
+      <p:sp>
+        <p:nvSpPr>
+          <p:cNvPr id="47" name="모서리가 둥근 직사각형 46"/>
+          <p:cNvSpPr/>
+          <p:nvPr/>
+        </p:nvSpPr>
+        <p:spPr>
+          <a:xfrm>
+            <a:off x="4824028" y="3264728"/>
+            <a:ext cx="1368152" cy="648072"/>
+          </a:xfrm>
+          <a:prstGeom prst="roundRect">
+            <a:avLst/>
+          </a:prstGeom>
+        </p:spPr>
+        <p:style>
+          <a:lnRef idx="1">
+            <a:schemeClr val="accent3"/>
+          </a:lnRef>
+          <a:fillRef idx="2">
+            <a:schemeClr val="accent3"/>
+          </a:fillRef>
+          <a:effectRef idx="1">
+            <a:schemeClr val="accent3"/>
+          </a:effectRef>
+          <a:fontRef idx="minor">
+            <a:schemeClr val="dk1"/>
+          </a:fontRef>
+        </p:style>
+        <p:txBody>
+          <a:bodyPr rtlCol="0" anchor="ctr"/>
+          <a:lstStyle/>
+          <a:p>
+            <a:pPr algn="ctr"/>
+            <a:r>
+              <a:rPr lang="en-US" altLang="ko-KR" sz="1000" dirty="0" err="1" smtClean="0"/>
+              <a:t>DnDSource</a:t>
+            </a:r>
+            <a:endParaRPr lang="ko-KR" altLang="en-US" sz="1000" dirty="0"/>
+          </a:p>
+        </p:txBody>
+      </p:sp>
+      <p:sp>
+        <p:nvSpPr>
+          <p:cNvPr id="7" name="TextBox 6"/>
+          <p:cNvSpPr txBox="1"/>
+          <p:nvPr/>
+        </p:nvSpPr>
+        <p:spPr>
+          <a:xfrm>
+            <a:off x="467544" y="1793721"/>
+            <a:ext cx="2598788" cy="246221"/>
+          </a:xfrm>
+          <a:prstGeom prst="rect">
+            <a:avLst/>
+          </a:prstGeom>
+          <a:noFill/>
+        </p:spPr>
+        <p:txBody>
+          <a:bodyPr wrap="none" rtlCol="0">
+            <a:spAutoFit/>
+          </a:bodyPr>
+          <a:lstStyle/>
+          <a:p>
+            <a:r>
+              <a:rPr lang="en-US" altLang="ko-KR" sz="1000" dirty="0" smtClean="0"/>
+              <a:t>1. </a:t>
+            </a:r>
+            <a:r>
+              <a:rPr lang="en-US" altLang="ko-KR" sz="1000" dirty="0" err="1" smtClean="0"/>
+              <a:t>DnDManager.OnTouchReleased</a:t>
+            </a:r>
+            <a:r>
+              <a:rPr lang="en-US" altLang="ko-KR" sz="1000" dirty="0" smtClean="0"/>
+              <a:t> (Point)</a:t>
+            </a:r>
+            <a:endParaRPr lang="ko-KR" altLang="en-US" sz="1000" dirty="0"/>
+          </a:p>
+        </p:txBody>
+      </p:sp>
+      <p:cxnSp>
+        <p:nvCxnSpPr>
+          <p:cNvPr id="8" name="구부러진 연결선 7"/>
+          <p:cNvCxnSpPr/>
+          <p:nvPr/>
+        </p:nvCxnSpPr>
+        <p:spPr>
+          <a:xfrm flipV="1">
+            <a:off x="755576" y="1916832"/>
+            <a:ext cx="2304256" cy="648072"/>
+          </a:xfrm>
+          <a:prstGeom prst="curvedConnector3">
+            <a:avLst>
+              <a:gd name="adj1" fmla="val 50000"/>
+            </a:avLst>
+          </a:prstGeom>
+          <a:ln>
+            <a:headEnd type="none" w="med" len="med"/>
+            <a:tailEnd type="triangle" w="med" len="med"/>
+          </a:ln>
+        </p:spPr>
+        <p:style>
+          <a:lnRef idx="1">
+            <a:schemeClr val="accent1"/>
+          </a:lnRef>
+          <a:fillRef idx="0">
+            <a:schemeClr val="accent1"/>
+          </a:fillRef>
+          <a:effectRef idx="0">
+            <a:schemeClr val="accent1"/>
+          </a:effectRef>
+          <a:fontRef idx="minor">
+            <a:schemeClr val="tx1"/>
+          </a:fontRef>
+        </p:style>
+      </p:cxnSp>
+      <p:cxnSp>
+        <p:nvCxnSpPr>
+          <p:cNvPr id="9" name="구부러진 연결선 8"/>
+          <p:cNvCxnSpPr/>
+          <p:nvPr/>
+        </p:nvCxnSpPr>
+        <p:spPr>
+          <a:xfrm rot="16200000" flipH="1">
+            <a:off x="4049942" y="1934834"/>
+            <a:ext cx="828092" cy="1440160"/>
+          </a:xfrm>
+          <a:prstGeom prst="curvedConnector3">
+            <a:avLst>
+              <a:gd name="adj1" fmla="val 50000"/>
+            </a:avLst>
+          </a:prstGeom>
+          <a:ln>
+            <a:headEnd type="none" w="med" len="med"/>
+            <a:tailEnd type="triangle" w="med" len="med"/>
+          </a:ln>
+        </p:spPr>
+        <p:style>
+          <a:lnRef idx="1">
+            <a:schemeClr val="accent1"/>
+          </a:lnRef>
+          <a:fillRef idx="0">
+            <a:schemeClr val="accent1"/>
+          </a:fillRef>
+          <a:effectRef idx="0">
+            <a:schemeClr val="accent1"/>
+          </a:effectRef>
+          <a:fontRef idx="minor">
+            <a:schemeClr val="tx1"/>
+          </a:fontRef>
+        </p:style>
+      </p:cxnSp>
+      <p:sp>
+        <p:nvSpPr>
+          <p:cNvPr id="10" name="TextBox 9"/>
+          <p:cNvSpPr txBox="1"/>
+          <p:nvPr/>
+        </p:nvSpPr>
+        <p:spPr>
+          <a:xfrm>
+            <a:off x="4423812" y="2590559"/>
+            <a:ext cx="3169457" cy="246221"/>
+          </a:xfrm>
+          <a:prstGeom prst="rect">
+            <a:avLst/>
+          </a:prstGeom>
+          <a:noFill/>
+        </p:spPr>
+        <p:txBody>
+          <a:bodyPr wrap="none" rtlCol="0">
+            <a:spAutoFit/>
+          </a:bodyPr>
+          <a:lstStyle/>
+          <a:p>
+            <a:r>
+              <a:rPr lang="en-US" altLang="ko-KR" sz="1000" dirty="0" smtClean="0"/>
+              <a:t>2. </a:t>
+            </a:r>
+            <a:r>
+              <a:rPr lang="en-US" altLang="ko-KR" sz="1000" dirty="0" err="1" smtClean="0"/>
+              <a:t>DnDTarget.OnDropped</a:t>
+            </a:r>
+            <a:r>
+              <a:rPr lang="en-US" altLang="ko-KR" sz="1000" dirty="0" smtClean="0"/>
+              <a:t> (</a:t>
+            </a:r>
+            <a:r>
+              <a:rPr lang="en-US" altLang="ko-KR" sz="1000" dirty="0" err="1"/>
+              <a:t>DnDSourceAgent</a:t>
+            </a:r>
+            <a:r>
+              <a:rPr lang="en-US" altLang="ko-KR" sz="1000" dirty="0" smtClean="0"/>
+              <a:t>, Point)</a:t>
+            </a:r>
+            <a:endParaRPr lang="ko-KR" altLang="en-US" sz="1000" dirty="0"/>
+          </a:p>
+        </p:txBody>
+      </p:sp>
+      <p:sp>
+        <p:nvSpPr>
+          <p:cNvPr id="11" name="TextBox 10"/>
+          <p:cNvSpPr txBox="1"/>
+          <p:nvPr/>
+        </p:nvSpPr>
+        <p:spPr>
+          <a:xfrm>
+            <a:off x="2980949" y="3075459"/>
+            <a:ext cx="3153427" cy="246221"/>
+          </a:xfrm>
+          <a:prstGeom prst="rect">
+            <a:avLst/>
+          </a:prstGeom>
+          <a:noFill/>
+        </p:spPr>
+        <p:txBody>
+          <a:bodyPr wrap="none" rtlCol="0">
+            <a:spAutoFit/>
+          </a:bodyPr>
+          <a:lstStyle/>
+          <a:p>
+            <a:r>
+              <a:rPr lang="en-US" altLang="ko-KR" sz="1000" dirty="0"/>
+              <a:t>3</a:t>
+            </a:r>
+            <a:r>
+              <a:rPr lang="en-US" altLang="ko-KR" sz="1000" dirty="0" smtClean="0"/>
+              <a:t>. </a:t>
+            </a:r>
+            <a:r>
+              <a:rPr lang="en-US" altLang="ko-KR" sz="1000" dirty="0" err="1" smtClean="0"/>
+              <a:t>DnDSource.OnDragEnd</a:t>
+            </a:r>
+            <a:r>
+              <a:rPr lang="en-US" altLang="ko-KR" sz="1000" dirty="0" smtClean="0"/>
+              <a:t> (</a:t>
+            </a:r>
+            <a:r>
+              <a:rPr lang="en-US" altLang="ko-KR" sz="1000" dirty="0" err="1"/>
+              <a:t>DnDTargetAgent</a:t>
+            </a:r>
+            <a:r>
+              <a:rPr lang="en-US" altLang="ko-KR" sz="1000" dirty="0" smtClean="0"/>
+              <a:t>, Point)</a:t>
+            </a:r>
+            <a:endParaRPr lang="ko-KR" altLang="en-US" sz="1000" dirty="0"/>
+          </a:p>
+        </p:txBody>
+      </p:sp>
+      <p:cxnSp>
+        <p:nvCxnSpPr>
+          <p:cNvPr id="12" name="구부러진 연결선 11"/>
+          <p:cNvCxnSpPr>
+            <a:endCxn id="47" idx="1"/>
+          </p:cNvCxnSpPr>
+          <p:nvPr/>
+        </p:nvCxnSpPr>
+        <p:spPr>
+          <a:xfrm rot="16200000" flipH="1">
+            <a:off x="3610020" y="2374756"/>
+            <a:ext cx="1347896" cy="1080120"/>
+          </a:xfrm>
+          <a:prstGeom prst="curvedConnector2">
+            <a:avLst/>
+          </a:prstGeom>
+          <a:ln>
+            <a:headEnd type="none" w="med" len="med"/>
+            <a:tailEnd type="triangle" w="med" len="med"/>
+          </a:ln>
+        </p:spPr>
+        <p:style>
+          <a:lnRef idx="1">
+            <a:schemeClr val="accent1"/>
+          </a:lnRef>
+          <a:fillRef idx="0">
+            <a:schemeClr val="accent1"/>
+          </a:fillRef>
+          <a:effectRef idx="0">
+            <a:schemeClr val="accent1"/>
+          </a:effectRef>
+          <a:fontRef idx="minor">
+            <a:schemeClr val="tx1"/>
+          </a:fontRef>
+        </p:style>
+      </p:cxnSp>
+    </p:spTree>
+    <p:extLst>
+      <p:ext uri="{BB962C8B-B14F-4D97-AF65-F5344CB8AC3E}">
+        <p14:creationId xmlns:p14="http://schemas.microsoft.com/office/powerpoint/2010/main" val="119187541"/>
+      </p:ext>
+    </p:extLst>
+  </p:cSld>
+  <p:clrMapOvr>
+    <a:masterClrMapping/>
+  </p:clrMapOvr>
+  <p:timing>
+    <p:tnLst>
+      <p:par>
+        <p:cTn id="1" dur="indefinite" restart="never" nodeType="tmRoot"/>
+      </p:par>
+    </p:tnLst>
+  </p:timing>
+</p:sld>
+</file>
+
+<file path=ppt/slides/slide17.xml><?xml version="1.0" encoding="utf-8"?>
+<p:sld xmlns:a="http://schemas.openxmlformats.org/drawingml/2006/main" xmlns:r="http://schemas.openxmlformats.org/officeDocument/2006/relationships" xmlns:p="http://schemas.openxmlformats.org/presentationml/2006/main">
+  <p:cSld>
+    <p:spTree>
+      <p:nvGrpSpPr>
+        <p:cNvPr id="1" name=""/>
+        <p:cNvGrpSpPr/>
+        <p:nvPr/>
+      </p:nvGrpSpPr>
+      <p:grpSpPr>
+        <a:xfrm>
+          <a:off x="0" y="0"/>
+          <a:ext cx="0" cy="0"/>
+          <a:chOff x="0" y="0"/>
+          <a:chExt cx="0" cy="0"/>
+        </a:xfrm>
+      </p:grpSpPr>
+      <p:sp>
+        <p:nvSpPr>
+          <p:cNvPr id="2" name="제목 1"/>
+          <p:cNvSpPr>
+            <a:spLocks noGrp="1"/>
+          </p:cNvSpPr>
+          <p:nvPr>
+            <p:ph type="title"/>
+          </p:nvPr>
+        </p:nvSpPr>
+        <p:spPr/>
+        <p:txBody>
+          <a:bodyPr>
+            <a:normAutofit/>
+          </a:bodyPr>
+          <a:lstStyle/>
+          <a:p>
+            <a:pPr algn="l"/>
+            <a:r>
+              <a:rPr lang="en-US" altLang="ko-KR" sz="3200" dirty="0" smtClean="0"/>
+              <a:t>Appear UX</a:t>
+            </a:r>
+            <a:r>
+              <a:rPr lang="en-US" altLang="ko-KR" sz="3200" dirty="0"/>
+              <a:t> </a:t>
+            </a:r>
+            <a:r>
+              <a:rPr lang="en-US" altLang="ko-KR" sz="3200" dirty="0" smtClean="0"/>
+              <a:t>| </a:t>
+            </a:r>
+            <a:r>
+              <a:rPr lang="en-US" altLang="ko-KR" sz="3200" dirty="0" err="1" smtClean="0"/>
+              <a:t>DragCancel</a:t>
+            </a:r>
+            <a:endParaRPr lang="ko-KR" altLang="en-US" sz="3200" dirty="0"/>
+          </a:p>
+        </p:txBody>
+      </p:sp>
+      <p:sp>
+        <p:nvSpPr>
+          <p:cNvPr id="4" name="모서리가 둥근 직사각형 3"/>
+          <p:cNvSpPr/>
+          <p:nvPr/>
+        </p:nvSpPr>
+        <p:spPr>
+          <a:xfrm>
+            <a:off x="3059832" y="1592796"/>
+            <a:ext cx="1368152" cy="648072"/>
+          </a:xfrm>
+          <a:prstGeom prst="roundRect">
+            <a:avLst/>
+          </a:prstGeom>
+        </p:spPr>
+        <p:style>
+          <a:lnRef idx="1">
+            <a:schemeClr val="accent2"/>
+          </a:lnRef>
+          <a:fillRef idx="2">
+            <a:schemeClr val="accent2"/>
+          </a:fillRef>
+          <a:effectRef idx="1">
+            <a:schemeClr val="accent2"/>
+          </a:effectRef>
+          <a:fontRef idx="minor">
+            <a:schemeClr val="dk1"/>
+          </a:fontRef>
+        </p:style>
+        <p:txBody>
+          <a:bodyPr rtlCol="0" anchor="ctr"/>
+          <a:lstStyle/>
+          <a:p>
+            <a:pPr algn="ctr"/>
+            <a:r>
+              <a:rPr lang="en-US" altLang="ko-KR" sz="1000" dirty="0" err="1" smtClean="0"/>
+              <a:t>DnDManager</a:t>
+            </a:r>
+            <a:endParaRPr lang="ko-KR" altLang="en-US" sz="1000" dirty="0"/>
+          </a:p>
+        </p:txBody>
+      </p:sp>
+      <p:sp>
+        <p:nvSpPr>
+          <p:cNvPr id="48" name="모서리가 둥근 직사각형 47"/>
+          <p:cNvSpPr/>
+          <p:nvPr/>
+        </p:nvSpPr>
+        <p:spPr>
+          <a:xfrm>
+            <a:off x="971600" y="3068960"/>
+            <a:ext cx="2520280" cy="3024336"/>
+          </a:xfrm>
+          <a:prstGeom prst="roundRect">
+            <a:avLst>
+              <a:gd name="adj" fmla="val 7597"/>
+            </a:avLst>
+          </a:prstGeom>
+        </p:spPr>
+        <p:style>
+          <a:lnRef idx="1">
+            <a:schemeClr val="accent1"/>
+          </a:lnRef>
+          <a:fillRef idx="2">
+            <a:schemeClr val="accent1"/>
+          </a:fillRef>
+          <a:effectRef idx="1">
+            <a:schemeClr val="accent1"/>
+          </a:effectRef>
+          <a:fontRef idx="minor">
+            <a:schemeClr val="dk1"/>
+          </a:fontRef>
+        </p:style>
+        <p:txBody>
+          <a:bodyPr rtlCol="0" anchor="ctr"/>
+          <a:lstStyle/>
+          <a:p>
+            <a:pPr algn="ctr"/>
+            <a:r>
+              <a:rPr lang="en-US" altLang="ko-KR" sz="1000" dirty="0" err="1" smtClean="0"/>
+              <a:t>DndTarget</a:t>
+            </a:r>
+            <a:endParaRPr lang="ko-KR" altLang="en-US" sz="1000" dirty="0"/>
+          </a:p>
+        </p:txBody>
+      </p:sp>
+      <p:sp>
+        <p:nvSpPr>
+          <p:cNvPr id="49" name="모서리가 둥근 직사각형 48"/>
+          <p:cNvSpPr/>
+          <p:nvPr/>
+        </p:nvSpPr>
+        <p:spPr>
+          <a:xfrm>
+            <a:off x="3923928" y="3068960"/>
+            <a:ext cx="2520280" cy="3024336"/>
+          </a:xfrm>
+          <a:prstGeom prst="roundRect">
+            <a:avLst>
+              <a:gd name="adj" fmla="val 7597"/>
+            </a:avLst>
+          </a:prstGeom>
+        </p:spPr>
+        <p:style>
+          <a:lnRef idx="1">
+            <a:schemeClr val="accent3"/>
+          </a:lnRef>
+          <a:fillRef idx="2">
+            <a:schemeClr val="accent3"/>
+          </a:fillRef>
+          <a:effectRef idx="1">
+            <a:schemeClr val="accent3"/>
+          </a:effectRef>
+          <a:fontRef idx="minor">
+            <a:schemeClr val="dk1"/>
+          </a:fontRef>
+        </p:style>
+        <p:txBody>
+          <a:bodyPr rtlCol="0" anchor="ctr"/>
+          <a:lstStyle/>
+          <a:p>
+            <a:pPr algn="ctr"/>
+            <a:r>
+              <a:rPr lang="en-US" altLang="ko-KR" sz="1000" dirty="0" err="1" smtClean="0"/>
+              <a:t>DndTarget</a:t>
+            </a:r>
+            <a:endParaRPr lang="ko-KR" altLang="en-US" sz="1000" dirty="0"/>
+          </a:p>
+        </p:txBody>
+      </p:sp>
+      <p:sp>
+        <p:nvSpPr>
+          <p:cNvPr id="47" name="모서리가 둥근 직사각형 46"/>
+          <p:cNvSpPr/>
+          <p:nvPr/>
+        </p:nvSpPr>
+        <p:spPr>
+          <a:xfrm>
+            <a:off x="4824028" y="3264728"/>
+            <a:ext cx="1368152" cy="648072"/>
+          </a:xfrm>
+          <a:prstGeom prst="roundRect">
+            <a:avLst/>
+          </a:prstGeom>
+        </p:spPr>
+        <p:style>
+          <a:lnRef idx="1">
+            <a:schemeClr val="accent3"/>
+          </a:lnRef>
+          <a:fillRef idx="2">
+            <a:schemeClr val="accent3"/>
+          </a:fillRef>
+          <a:effectRef idx="1">
+            <a:schemeClr val="accent3"/>
+          </a:effectRef>
+          <a:fontRef idx="minor">
+            <a:schemeClr val="dk1"/>
+          </a:fontRef>
+        </p:style>
+        <p:txBody>
+          <a:bodyPr rtlCol="0" anchor="ctr"/>
+          <a:lstStyle/>
+          <a:p>
+            <a:pPr algn="ctr"/>
+            <a:r>
+              <a:rPr lang="en-US" altLang="ko-KR" sz="1000" dirty="0" err="1" smtClean="0"/>
+              <a:t>DnDSource</a:t>
+            </a:r>
+            <a:endParaRPr lang="ko-KR" altLang="en-US" sz="1000" dirty="0"/>
+          </a:p>
+        </p:txBody>
+      </p:sp>
+      <p:sp>
+        <p:nvSpPr>
+          <p:cNvPr id="7" name="TextBox 6"/>
+          <p:cNvSpPr txBox="1"/>
+          <p:nvPr/>
+        </p:nvSpPr>
+        <p:spPr>
+          <a:xfrm>
+            <a:off x="467544" y="1793721"/>
+            <a:ext cx="2611612" cy="246221"/>
+          </a:xfrm>
+          <a:prstGeom prst="rect">
+            <a:avLst/>
+          </a:prstGeom>
+          <a:noFill/>
+        </p:spPr>
+        <p:txBody>
+          <a:bodyPr wrap="none" rtlCol="0">
+            <a:spAutoFit/>
+          </a:bodyPr>
+          <a:lstStyle/>
+          <a:p>
+            <a:r>
+              <a:rPr lang="en-US" altLang="ko-KR" sz="1000" dirty="0" smtClean="0"/>
+              <a:t>1. </a:t>
+            </a:r>
+            <a:r>
+              <a:rPr lang="en-US" altLang="ko-KR" sz="1000" dirty="0" err="1" smtClean="0"/>
+              <a:t>DnDManager.OnTouchCanceled</a:t>
+            </a:r>
+            <a:r>
+              <a:rPr lang="en-US" altLang="ko-KR" sz="1000" dirty="0" smtClean="0"/>
+              <a:t> (Point)</a:t>
+            </a:r>
+            <a:endParaRPr lang="ko-KR" altLang="en-US" sz="1000" dirty="0"/>
+          </a:p>
+        </p:txBody>
+      </p:sp>
+      <p:cxnSp>
+        <p:nvCxnSpPr>
+          <p:cNvPr id="8" name="구부러진 연결선 7"/>
+          <p:cNvCxnSpPr/>
+          <p:nvPr/>
+        </p:nvCxnSpPr>
+        <p:spPr>
+          <a:xfrm flipV="1">
+            <a:off x="755576" y="1916832"/>
+            <a:ext cx="2304256" cy="648072"/>
+          </a:xfrm>
+          <a:prstGeom prst="curvedConnector3">
+            <a:avLst>
+              <a:gd name="adj1" fmla="val 50000"/>
+            </a:avLst>
+          </a:prstGeom>
+          <a:ln>
+            <a:headEnd type="none" w="med" len="med"/>
+            <a:tailEnd type="triangle" w="med" len="med"/>
+          </a:ln>
+        </p:spPr>
+        <p:style>
+          <a:lnRef idx="1">
+            <a:schemeClr val="accent1"/>
+          </a:lnRef>
+          <a:fillRef idx="0">
+            <a:schemeClr val="accent1"/>
+          </a:fillRef>
+          <a:effectRef idx="0">
+            <a:schemeClr val="accent1"/>
+          </a:effectRef>
+          <a:fontRef idx="minor">
+            <a:schemeClr val="tx1"/>
+          </a:fontRef>
+        </p:style>
+      </p:cxnSp>
+      <p:cxnSp>
+        <p:nvCxnSpPr>
+          <p:cNvPr id="9" name="구부러진 연결선 8"/>
+          <p:cNvCxnSpPr/>
+          <p:nvPr/>
+        </p:nvCxnSpPr>
+        <p:spPr>
+          <a:xfrm rot="16200000" flipH="1">
+            <a:off x="4049942" y="1934834"/>
+            <a:ext cx="828092" cy="1440160"/>
+          </a:xfrm>
+          <a:prstGeom prst="curvedConnector3">
+            <a:avLst>
+              <a:gd name="adj1" fmla="val 50000"/>
+            </a:avLst>
+          </a:prstGeom>
+          <a:ln>
+            <a:headEnd type="none" w="med" len="med"/>
+            <a:tailEnd type="triangle" w="med" len="med"/>
+          </a:ln>
+        </p:spPr>
+        <p:style>
+          <a:lnRef idx="1">
+            <a:schemeClr val="accent1"/>
+          </a:lnRef>
+          <a:fillRef idx="0">
+            <a:schemeClr val="accent1"/>
+          </a:fillRef>
+          <a:effectRef idx="0">
+            <a:schemeClr val="accent1"/>
+          </a:effectRef>
+          <a:fontRef idx="minor">
+            <a:schemeClr val="tx1"/>
+          </a:fontRef>
+        </p:style>
+      </p:cxnSp>
+      <p:sp>
+        <p:nvSpPr>
+          <p:cNvPr id="10" name="TextBox 9"/>
+          <p:cNvSpPr txBox="1"/>
+          <p:nvPr/>
+        </p:nvSpPr>
+        <p:spPr>
+          <a:xfrm>
+            <a:off x="4423812" y="2590559"/>
+            <a:ext cx="3512500" cy="246221"/>
+          </a:xfrm>
+          <a:prstGeom prst="rect">
+            <a:avLst/>
+          </a:prstGeom>
+          <a:noFill/>
+        </p:spPr>
+        <p:txBody>
+          <a:bodyPr wrap="none" rtlCol="0">
+            <a:spAutoFit/>
+          </a:bodyPr>
+          <a:lstStyle/>
+          <a:p>
+            <a:r>
+              <a:rPr lang="en-US" altLang="ko-KR" sz="1000" dirty="0" smtClean="0"/>
+              <a:t>2. </a:t>
+            </a:r>
+            <a:r>
+              <a:rPr lang="en-US" altLang="ko-KR" sz="1000" dirty="0" err="1" smtClean="0"/>
+              <a:t>DnDTarget.OnDragCanceled</a:t>
+            </a:r>
+            <a:r>
+              <a:rPr lang="en-US" altLang="ko-KR" sz="1000" dirty="0" smtClean="0"/>
+              <a:t> (</a:t>
+            </a:r>
+            <a:r>
+              <a:rPr lang="en-US" altLang="ko-KR" sz="1000" dirty="0" err="1" smtClean="0"/>
+              <a:t>DnDSourceAgent</a:t>
+            </a:r>
+            <a:r>
+              <a:rPr lang="en-US" altLang="ko-KR" sz="1000" dirty="0" smtClean="0"/>
+              <a:t>, Point)</a:t>
+            </a:r>
+            <a:endParaRPr lang="ko-KR" altLang="en-US" sz="1000" dirty="0"/>
+          </a:p>
+        </p:txBody>
+      </p:sp>
+      <p:sp>
+        <p:nvSpPr>
+          <p:cNvPr id="11" name="TextBox 10"/>
+          <p:cNvSpPr txBox="1"/>
+          <p:nvPr/>
+        </p:nvSpPr>
+        <p:spPr>
+          <a:xfrm>
+            <a:off x="2980949" y="3075459"/>
+            <a:ext cx="3467616" cy="246221"/>
+          </a:xfrm>
+          <a:prstGeom prst="rect">
+            <a:avLst/>
+          </a:prstGeom>
+          <a:noFill/>
+        </p:spPr>
+        <p:txBody>
+          <a:bodyPr wrap="none" rtlCol="0">
+            <a:spAutoFit/>
+          </a:bodyPr>
+          <a:lstStyle/>
+          <a:p>
+            <a:r>
+              <a:rPr lang="en-US" altLang="ko-KR" sz="1000" dirty="0"/>
+              <a:t>3</a:t>
+            </a:r>
+            <a:r>
+              <a:rPr lang="en-US" altLang="ko-KR" sz="1000" dirty="0" smtClean="0"/>
+              <a:t>. </a:t>
+            </a:r>
+            <a:r>
+              <a:rPr lang="en-US" altLang="ko-KR" sz="1000" dirty="0" err="1" smtClean="0"/>
+              <a:t>DnDSource.OnDragCanceled</a:t>
+            </a:r>
+            <a:r>
+              <a:rPr lang="en-US" altLang="ko-KR" sz="1000" dirty="0" smtClean="0"/>
+              <a:t> (</a:t>
+            </a:r>
+            <a:r>
+              <a:rPr lang="en-US" altLang="ko-KR" sz="1000" dirty="0" err="1"/>
+              <a:t>DnDTargetAgent</a:t>
+            </a:r>
+            <a:r>
+              <a:rPr lang="en-US" altLang="ko-KR" sz="1000" dirty="0" smtClean="0"/>
+              <a:t>, Point)</a:t>
+            </a:r>
+            <a:endParaRPr lang="ko-KR" altLang="en-US" sz="1000" dirty="0"/>
+          </a:p>
+        </p:txBody>
+      </p:sp>
+      <p:cxnSp>
+        <p:nvCxnSpPr>
+          <p:cNvPr id="12" name="구부러진 연결선 11"/>
+          <p:cNvCxnSpPr>
+            <a:endCxn id="47" idx="1"/>
+          </p:cNvCxnSpPr>
+          <p:nvPr/>
+        </p:nvCxnSpPr>
+        <p:spPr>
+          <a:xfrm rot="16200000" flipH="1">
+            <a:off x="3610020" y="2374756"/>
+            <a:ext cx="1347896" cy="1080120"/>
+          </a:xfrm>
+          <a:prstGeom prst="curvedConnector2">
+            <a:avLst/>
+          </a:prstGeom>
+          <a:ln>
+            <a:headEnd type="none" w="med" len="med"/>
+            <a:tailEnd type="triangle" w="med" len="med"/>
+          </a:ln>
+        </p:spPr>
+        <p:style>
+          <a:lnRef idx="1">
+            <a:schemeClr val="accent1"/>
+          </a:lnRef>
+          <a:fillRef idx="0">
+            <a:schemeClr val="accent1"/>
+          </a:fillRef>
+          <a:effectRef idx="0">
+            <a:schemeClr val="accent1"/>
+          </a:effectRef>
+          <a:fontRef idx="minor">
+            <a:schemeClr val="tx1"/>
+          </a:fontRef>
+        </p:style>
+      </p:cxnSp>
+    </p:spTree>
+    <p:extLst>
+      <p:ext uri="{BB962C8B-B14F-4D97-AF65-F5344CB8AC3E}">
+        <p14:creationId xmlns:p14="http://schemas.microsoft.com/office/powerpoint/2010/main" val="279653920"/>
+      </p:ext>
+    </p:extLst>
+  </p:cSld>
+  <p:clrMapOvr>
+    <a:masterClrMapping/>
+  </p:clrMapOvr>
+  <p:timing>
+    <p:tnLst>
+      <p:par>
+        <p:cTn id="1" dur="indefinite" restart="never" nodeType="tmRoot"/>
+      </p:par>
+    </p:tnLst>
+  </p:timing>
+</p:sld>
+</file>
+
+<file path=ppt/slides/slide18.xml><?xml version="1.0" encoding="utf-8"?>
+<p:sld xmlns:a="http://schemas.openxmlformats.org/drawingml/2006/main" xmlns:r="http://schemas.openxmlformats.org/officeDocument/2006/relationships" xmlns:p="http://schemas.openxmlformats.org/presentationml/2006/main">
+  <p:cSld>
+    <p:spTree>
+      <p:nvGrpSpPr>
+        <p:cNvPr id="1" name=""/>
+        <p:cNvGrpSpPr/>
+        <p:nvPr/>
+      </p:nvGrpSpPr>
+      <p:grpSpPr>
+        <a:xfrm>
+          <a:off x="0" y="0"/>
+          <a:ext cx="0" cy="0"/>
+          <a:chOff x="0" y="0"/>
+          <a:chExt cx="0" cy="0"/>
+        </a:xfrm>
+      </p:grpSpPr>
+      <p:sp>
+        <p:nvSpPr>
+          <p:cNvPr id="16" name="모서리가 둥근 직사각형 15"/>
+          <p:cNvSpPr/>
+          <p:nvPr/>
+        </p:nvSpPr>
+        <p:spPr>
+          <a:xfrm>
+            <a:off x="1187624" y="3284984"/>
+            <a:ext cx="6408712" cy="1224136"/>
+          </a:xfrm>
+          <a:prstGeom prst="roundRect">
+            <a:avLst/>
+          </a:prstGeom>
+        </p:spPr>
+        <p:style>
+          <a:lnRef idx="1">
+            <a:schemeClr val="accent2"/>
+          </a:lnRef>
+          <a:fillRef idx="2">
+            <a:schemeClr val="accent2"/>
+          </a:fillRef>
+          <a:effectRef idx="1">
+            <a:schemeClr val="accent2"/>
+          </a:effectRef>
+          <a:fontRef idx="minor">
+            <a:schemeClr val="dk1"/>
+          </a:fontRef>
+        </p:style>
+        <p:txBody>
+          <a:bodyPr rtlCol="0" anchor="t"/>
+          <a:lstStyle/>
+          <a:p>
+            <a:pPr algn="ctr"/>
+            <a:r>
+              <a:rPr lang="en-US" altLang="ko-KR" sz="1000" dirty="0" err="1" smtClean="0"/>
+              <a:t>AppearSimpleControl</a:t>
+            </a:r>
+            <a:endParaRPr lang="ko-KR" altLang="en-US" sz="1000" dirty="0"/>
+          </a:p>
+        </p:txBody>
+      </p:sp>
+      <p:sp>
+        <p:nvSpPr>
+          <p:cNvPr id="2" name="제목 1"/>
+          <p:cNvSpPr>
+            <a:spLocks noGrp="1"/>
+          </p:cNvSpPr>
+          <p:nvPr>
+            <p:ph type="title"/>
+          </p:nvPr>
+        </p:nvSpPr>
+        <p:spPr/>
+        <p:txBody>
+          <a:bodyPr>
+            <a:normAutofit/>
+          </a:bodyPr>
+          <a:lstStyle/>
+          <a:p>
+            <a:pPr algn="l"/>
+            <a:r>
+              <a:rPr lang="en-US" altLang="ko-KR" sz="3200" dirty="0" smtClean="0"/>
+              <a:t>Appear UX</a:t>
+            </a:r>
+            <a:r>
+              <a:rPr lang="en-US" altLang="ko-KR" sz="3200" dirty="0"/>
+              <a:t> </a:t>
+            </a:r>
+            <a:r>
+              <a:rPr lang="en-US" altLang="ko-KR" sz="3200" dirty="0" smtClean="0"/>
+              <a:t>| </a:t>
+            </a:r>
+            <a:r>
+              <a:rPr lang="en-US" altLang="ko-KR" sz="3200" dirty="0" err="1" smtClean="0"/>
+              <a:t>AppearSimple</a:t>
+            </a:r>
+            <a:r>
+              <a:rPr lang="en-US" altLang="ko-KR" sz="3200" dirty="0" err="1" smtClean="0"/>
+              <a:t>Control</a:t>
+            </a:r>
+            <a:endParaRPr lang="ko-KR" altLang="en-US" sz="3200" dirty="0"/>
+          </a:p>
+        </p:txBody>
+      </p:sp>
+      <p:sp>
+        <p:nvSpPr>
+          <p:cNvPr id="70" name="모서리가 둥근 직사각형 69"/>
+          <p:cNvSpPr/>
+          <p:nvPr/>
+        </p:nvSpPr>
+        <p:spPr>
+          <a:xfrm>
+            <a:off x="3703319" y="1916832"/>
+            <a:ext cx="1368152" cy="648072"/>
+          </a:xfrm>
+          <a:prstGeom prst="roundRect">
+            <a:avLst/>
+          </a:prstGeom>
+        </p:spPr>
+        <p:style>
+          <a:lnRef idx="1">
+            <a:schemeClr val="accent1"/>
+          </a:lnRef>
+          <a:fillRef idx="2">
+            <a:schemeClr val="accent1"/>
+          </a:fillRef>
+          <a:effectRef idx="1">
+            <a:schemeClr val="accent1"/>
+          </a:effectRef>
+          <a:fontRef idx="minor">
+            <a:schemeClr val="dk1"/>
+          </a:fontRef>
+        </p:style>
+        <p:txBody>
+          <a:bodyPr rtlCol="0" anchor="ctr"/>
+          <a:lstStyle/>
+          <a:p>
+            <a:pPr algn="ctr"/>
+            <a:r>
+              <a:rPr lang="en-US" altLang="ko-KR" sz="1000" dirty="0" err="1" smtClean="0"/>
+              <a:t>AppearControl</a:t>
+            </a:r>
+            <a:endParaRPr lang="ko-KR" altLang="en-US" sz="1000" dirty="0"/>
+          </a:p>
+        </p:txBody>
+      </p:sp>
+      <p:sp>
+        <p:nvSpPr>
+          <p:cNvPr id="13" name="모서리가 둥근 직사각형 12"/>
+          <p:cNvSpPr/>
+          <p:nvPr/>
+        </p:nvSpPr>
+        <p:spPr>
+          <a:xfrm>
+            <a:off x="2852192" y="3650372"/>
+            <a:ext cx="1368152" cy="648072"/>
+          </a:xfrm>
+          <a:prstGeom prst="roundRect">
+            <a:avLst/>
+          </a:prstGeom>
+        </p:spPr>
+        <p:style>
+          <a:lnRef idx="1">
+            <a:schemeClr val="accent1"/>
+          </a:lnRef>
+          <a:fillRef idx="2">
+            <a:schemeClr val="accent1"/>
+          </a:fillRef>
+          <a:effectRef idx="1">
+            <a:schemeClr val="accent1"/>
+          </a:effectRef>
+          <a:fontRef idx="minor">
+            <a:schemeClr val="dk1"/>
+          </a:fontRef>
+        </p:style>
+        <p:txBody>
+          <a:bodyPr rtlCol="0" anchor="ctr"/>
+          <a:lstStyle/>
+          <a:p>
+            <a:pPr algn="ctr"/>
+            <a:r>
+              <a:rPr lang="en-US" altLang="ko-KR" sz="1000" dirty="0" err="1" smtClean="0"/>
+              <a:t>GestureHandler</a:t>
+            </a:r>
+            <a:endParaRPr lang="ko-KR" altLang="en-US" sz="1000" dirty="0"/>
+          </a:p>
+        </p:txBody>
+      </p:sp>
+      <p:sp>
+        <p:nvSpPr>
+          <p:cNvPr id="14" name="모서리가 둥근 직사각형 13"/>
+          <p:cNvSpPr/>
+          <p:nvPr/>
+        </p:nvSpPr>
+        <p:spPr>
+          <a:xfrm>
+            <a:off x="4543832" y="3645024"/>
+            <a:ext cx="1368152" cy="648072"/>
+          </a:xfrm>
+          <a:prstGeom prst="roundRect">
+            <a:avLst/>
+          </a:prstGeom>
+        </p:spPr>
+        <p:style>
+          <a:lnRef idx="1">
+            <a:schemeClr val="accent1"/>
+          </a:lnRef>
+          <a:fillRef idx="2">
+            <a:schemeClr val="accent1"/>
+          </a:fillRef>
+          <a:effectRef idx="1">
+            <a:schemeClr val="accent1"/>
+          </a:effectRef>
+          <a:fontRef idx="minor">
+            <a:schemeClr val="dk1"/>
+          </a:fontRef>
+        </p:style>
+        <p:txBody>
+          <a:bodyPr rtlCol="0" anchor="ctr"/>
+          <a:lstStyle/>
+          <a:p>
+            <a:pPr algn="ctr"/>
+            <a:r>
+              <a:rPr lang="en-US" altLang="ko-KR" sz="1000" dirty="0" err="1" smtClean="0"/>
+              <a:t>DnDSource</a:t>
+            </a:r>
+            <a:endParaRPr lang="ko-KR" altLang="en-US" sz="1000" dirty="0"/>
+          </a:p>
+        </p:txBody>
+      </p:sp>
+      <p:sp>
+        <p:nvSpPr>
+          <p:cNvPr id="15" name="모서리가 둥근 직사각형 14"/>
+          <p:cNvSpPr/>
+          <p:nvPr/>
+        </p:nvSpPr>
+        <p:spPr>
+          <a:xfrm>
+            <a:off x="6064384" y="3645024"/>
+            <a:ext cx="1368152" cy="648072"/>
+          </a:xfrm>
+          <a:prstGeom prst="roundRect">
+            <a:avLst/>
+          </a:prstGeom>
+        </p:spPr>
+        <p:style>
+          <a:lnRef idx="1">
+            <a:schemeClr val="accent1"/>
+          </a:lnRef>
+          <a:fillRef idx="2">
+            <a:schemeClr val="accent1"/>
+          </a:fillRef>
+          <a:effectRef idx="1">
+            <a:schemeClr val="accent1"/>
+          </a:effectRef>
+          <a:fontRef idx="minor">
+            <a:schemeClr val="dk1"/>
+          </a:fontRef>
+        </p:style>
+        <p:txBody>
+          <a:bodyPr rtlCol="0" anchor="ctr"/>
+          <a:lstStyle/>
+          <a:p>
+            <a:pPr algn="ctr"/>
+            <a:r>
+              <a:rPr lang="en-US" altLang="ko-KR" sz="1000" dirty="0" err="1" smtClean="0"/>
+              <a:t>DnDTarget</a:t>
+            </a:r>
+            <a:endParaRPr lang="ko-KR" altLang="en-US" sz="1000" dirty="0"/>
+          </a:p>
+        </p:txBody>
+      </p:sp>
+      <p:cxnSp>
+        <p:nvCxnSpPr>
+          <p:cNvPr id="5" name="꺾인 연결선 4"/>
+          <p:cNvCxnSpPr>
+            <a:stCxn id="16" idx="0"/>
+            <a:endCxn id="70" idx="2"/>
+          </p:cNvCxnSpPr>
+          <p:nvPr/>
+        </p:nvCxnSpPr>
+        <p:spPr>
+          <a:xfrm rot="16200000" flipV="1">
+            <a:off x="4029648" y="2922651"/>
+            <a:ext cx="720080" cy="4585"/>
+          </a:xfrm>
+          <a:prstGeom prst="bentConnector3">
+            <a:avLst/>
+          </a:prstGeom>
+          <a:ln>
+            <a:headEnd type="none" w="med" len="med"/>
+            <a:tailEnd type="triangle" w="med" len="med"/>
+          </a:ln>
+        </p:spPr>
+        <p:style>
+          <a:lnRef idx="1">
+            <a:schemeClr val="accent1"/>
+          </a:lnRef>
+          <a:fillRef idx="0">
+            <a:schemeClr val="accent1"/>
+          </a:fillRef>
+          <a:effectRef idx="0">
+            <a:schemeClr val="accent1"/>
+          </a:effectRef>
+          <a:fontRef idx="minor">
+            <a:schemeClr val="tx1"/>
+          </a:fontRef>
+        </p:style>
+      </p:cxnSp>
+      <p:sp>
+        <p:nvSpPr>
+          <p:cNvPr id="20" name="모서리가 둥근 직사각형 19"/>
+          <p:cNvSpPr/>
+          <p:nvPr/>
+        </p:nvSpPr>
+        <p:spPr>
+          <a:xfrm>
+            <a:off x="1331640" y="3650372"/>
+            <a:ext cx="1368152" cy="648072"/>
+          </a:xfrm>
+          <a:prstGeom prst="roundRect">
+            <a:avLst/>
+          </a:prstGeom>
+        </p:spPr>
+        <p:style>
+          <a:lnRef idx="1">
+            <a:schemeClr val="accent1"/>
+          </a:lnRef>
+          <a:fillRef idx="2">
+            <a:schemeClr val="accent1"/>
+          </a:fillRef>
+          <a:effectRef idx="1">
+            <a:schemeClr val="accent1"/>
+          </a:effectRef>
+          <a:fontRef idx="minor">
+            <a:schemeClr val="dk1"/>
+          </a:fontRef>
+        </p:style>
+        <p:txBody>
+          <a:bodyPr rtlCol="0" anchor="ctr"/>
+          <a:lstStyle/>
+          <a:p>
+            <a:pPr algn="ctr"/>
+            <a:r>
+              <a:rPr lang="en-US" altLang="ko-KR" sz="1000" dirty="0" err="1" smtClean="0"/>
+              <a:t>TouchHandler</a:t>
+            </a:r>
+            <a:endParaRPr lang="ko-KR" altLang="en-US" sz="1000" dirty="0"/>
+          </a:p>
+        </p:txBody>
+      </p:sp>
+      <p:sp>
+        <p:nvSpPr>
+          <p:cNvPr id="22" name="모서리가 둥근 직사각형 21"/>
+          <p:cNvSpPr/>
+          <p:nvPr/>
+        </p:nvSpPr>
+        <p:spPr>
+          <a:xfrm>
+            <a:off x="2935051" y="3717032"/>
+            <a:ext cx="1368152" cy="648072"/>
+          </a:xfrm>
+          <a:prstGeom prst="roundRect">
+            <a:avLst/>
+          </a:prstGeom>
+        </p:spPr>
+        <p:style>
+          <a:lnRef idx="1">
+            <a:schemeClr val="accent1"/>
+          </a:lnRef>
+          <a:fillRef idx="2">
+            <a:schemeClr val="accent1"/>
+          </a:fillRef>
+          <a:effectRef idx="1">
+            <a:schemeClr val="accent1"/>
+          </a:effectRef>
+          <a:fontRef idx="minor">
+            <a:schemeClr val="dk1"/>
+          </a:fontRef>
+        </p:style>
+        <p:txBody>
+          <a:bodyPr rtlCol="0" anchor="ctr"/>
+          <a:lstStyle/>
+          <a:p>
+            <a:pPr algn="ctr"/>
+            <a:r>
+              <a:rPr lang="en-US" altLang="ko-KR" sz="1000" dirty="0" err="1" smtClean="0"/>
+              <a:t>GestureHandler</a:t>
+            </a:r>
+            <a:endParaRPr lang="ko-KR" altLang="en-US" sz="1000" dirty="0"/>
+          </a:p>
+        </p:txBody>
+      </p:sp>
+      <p:sp>
+        <p:nvSpPr>
+          <p:cNvPr id="23" name="모서리가 둥근 직사각형 22"/>
+          <p:cNvSpPr/>
+          <p:nvPr/>
+        </p:nvSpPr>
+        <p:spPr>
+          <a:xfrm>
+            <a:off x="3023280" y="3789040"/>
+            <a:ext cx="1368152" cy="648072"/>
+          </a:xfrm>
+          <a:prstGeom prst="roundRect">
+            <a:avLst/>
+          </a:prstGeom>
+        </p:spPr>
+        <p:style>
+          <a:lnRef idx="1">
+            <a:schemeClr val="accent1"/>
+          </a:lnRef>
+          <a:fillRef idx="2">
+            <a:schemeClr val="accent1"/>
+          </a:fillRef>
+          <a:effectRef idx="1">
+            <a:schemeClr val="accent1"/>
+          </a:effectRef>
+          <a:fontRef idx="minor">
+            <a:schemeClr val="dk1"/>
+          </a:fontRef>
+        </p:style>
+        <p:txBody>
+          <a:bodyPr rtlCol="0" anchor="ctr"/>
+          <a:lstStyle/>
+          <a:p>
+            <a:pPr algn="ctr"/>
+            <a:r>
+              <a:rPr lang="en-US" altLang="ko-KR" sz="1000" dirty="0" err="1" smtClean="0"/>
+              <a:t>GestureHandler</a:t>
+            </a:r>
+            <a:endParaRPr lang="ko-KR" altLang="en-US" sz="1000" dirty="0"/>
+          </a:p>
+        </p:txBody>
+      </p:sp>
+    </p:spTree>
+    <p:extLst>
+      <p:ext uri="{BB962C8B-B14F-4D97-AF65-F5344CB8AC3E}">
+        <p14:creationId xmlns:p14="http://schemas.microsoft.com/office/powerpoint/2010/main" val="353387718"/>
+      </p:ext>
+    </p:extLst>
+  </p:cSld>
+  <p:clrMapOvr>
+    <a:masterClrMapping/>
+  </p:clrMapOvr>
+  <p:timing>
+    <p:tnLst>
+      <p:par>
+        <p:cTn id="1" dur="indefinite" restart="never" nodeType="tmRoot"/>
+      </p:par>
+    </p:tnLst>
+  </p:timing>
+</p:sld>
+</file>
+
+<file path=ppt/slides/slide19.xml><?xml version="1.0" encoding="utf-8"?>
+<p:sld xmlns:a="http://schemas.openxmlformats.org/drawingml/2006/main" xmlns:r="http://schemas.openxmlformats.org/officeDocument/2006/relationships" xmlns:p="http://schemas.openxmlformats.org/presentationml/2006/main">
+  <p:cSld>
+    <p:spTree>
+      <p:nvGrpSpPr>
+        <p:cNvPr id="1" name=""/>
+        <p:cNvGrpSpPr/>
+        <p:nvPr/>
+      </p:nvGrpSpPr>
+      <p:grpSpPr>
+        <a:xfrm>
+          <a:off x="0" y="0"/>
+          <a:ext cx="0" cy="0"/>
+          <a:chOff x="0" y="0"/>
+          <a:chExt cx="0" cy="0"/>
+        </a:xfrm>
+      </p:grpSpPr>
+      <p:sp>
+        <p:nvSpPr>
+          <p:cNvPr id="2" name="제목 1"/>
+          <p:cNvSpPr>
+            <a:spLocks noGrp="1"/>
+          </p:cNvSpPr>
+          <p:nvPr>
+            <p:ph type="title"/>
+          </p:nvPr>
+        </p:nvSpPr>
+        <p:spPr/>
+        <p:txBody>
+          <a:bodyPr>
+            <a:normAutofit/>
+          </a:bodyPr>
+          <a:lstStyle/>
+          <a:p>
+            <a:pPr algn="l"/>
+            <a:r>
+              <a:rPr lang="en-US" altLang="ko-KR" sz="3200" dirty="0" smtClean="0"/>
+              <a:t>Appear UX</a:t>
+            </a:r>
+            <a:r>
+              <a:rPr lang="en-US" altLang="ko-KR" sz="3200" dirty="0"/>
+              <a:t> </a:t>
+            </a:r>
+            <a:r>
+              <a:rPr lang="en-US" altLang="ko-KR" sz="3200" dirty="0" smtClean="0"/>
+              <a:t>| Plug-in Concept</a:t>
+            </a:r>
+            <a:endParaRPr lang="ko-KR" altLang="en-US" sz="3200" dirty="0"/>
+          </a:p>
+        </p:txBody>
+      </p:sp>
+      <p:sp>
+        <p:nvSpPr>
+          <p:cNvPr id="3" name="내용 개체 틀 2"/>
+          <p:cNvSpPr>
+            <a:spLocks noGrp="1"/>
+          </p:cNvSpPr>
+          <p:nvPr>
+            <p:ph idx="1"/>
+          </p:nvPr>
+        </p:nvSpPr>
+        <p:spPr/>
+        <p:txBody>
+          <a:bodyPr>
+            <a:noAutofit/>
+          </a:bodyPr>
+          <a:lstStyle/>
+          <a:p>
+            <a:r>
+              <a:rPr lang="en-US" altLang="ko-KR" sz="1800" dirty="0" err="1" smtClean="0"/>
+              <a:t>MainView</a:t>
+            </a:r>
+            <a:endParaRPr lang="en-US" altLang="ko-KR" sz="1800" dirty="0" smtClean="0"/>
+          </a:p>
+          <a:p>
+            <a:pPr lvl="1"/>
+            <a:r>
+              <a:rPr lang="en-US" altLang="ko-KR" sz="1400" dirty="0" err="1" smtClean="0"/>
+              <a:t>PlugPanel</a:t>
+            </a:r>
+            <a:r>
+              <a:rPr lang="ko-KR" altLang="en-US" sz="1400" dirty="0" smtClean="0"/>
+              <a:t>과 각 </a:t>
+            </a:r>
+            <a:r>
+              <a:rPr lang="en-US" altLang="ko-KR" sz="1400" dirty="0"/>
+              <a:t>P</a:t>
+            </a:r>
+            <a:r>
+              <a:rPr lang="en-US" altLang="ko-KR" sz="1400" dirty="0" smtClean="0"/>
+              <a:t>lug</a:t>
+            </a:r>
+            <a:r>
+              <a:rPr lang="ko-KR" altLang="en-US" sz="1400" dirty="0" smtClean="0"/>
+              <a:t>에 대한 </a:t>
+            </a:r>
+            <a:r>
+              <a:rPr lang="en-US" altLang="ko-KR" sz="1400" dirty="0" smtClean="0"/>
+              <a:t>UX</a:t>
+            </a:r>
+            <a:r>
+              <a:rPr lang="ko-KR" altLang="en-US" sz="1400" dirty="0"/>
+              <a:t> </a:t>
+            </a:r>
+            <a:r>
+              <a:rPr lang="ko-KR" altLang="en-US" sz="1400" dirty="0" smtClean="0"/>
+              <a:t>관리 및 중계</a:t>
+            </a:r>
+            <a:endParaRPr lang="en-US" altLang="ko-KR" sz="1400" dirty="0" smtClean="0"/>
+          </a:p>
+          <a:p>
+            <a:endParaRPr lang="en-US" altLang="ko-KR" sz="1800" dirty="0" smtClean="0"/>
+          </a:p>
+          <a:p>
+            <a:r>
+              <a:rPr lang="en-US" altLang="ko-KR" sz="1800" dirty="0" err="1" smtClean="0"/>
+              <a:t>PlugPanel</a:t>
+            </a:r>
+            <a:endParaRPr lang="en-US" altLang="ko-KR" sz="1800" dirty="0" smtClean="0"/>
+          </a:p>
+          <a:p>
+            <a:pPr lvl="1"/>
+            <a:r>
+              <a:rPr lang="en-US" altLang="ko-KR" sz="1400" dirty="0" smtClean="0"/>
+              <a:t>Plug </a:t>
+            </a:r>
+            <a:r>
+              <a:rPr lang="ko-KR" altLang="en-US" sz="1400" dirty="0" smtClean="0"/>
+              <a:t>추가</a:t>
+            </a:r>
+            <a:r>
+              <a:rPr lang="en-US" altLang="ko-KR" sz="1400" dirty="0" smtClean="0"/>
+              <a:t>, </a:t>
+            </a:r>
+            <a:r>
+              <a:rPr lang="ko-KR" altLang="en-US" sz="1400" dirty="0" smtClean="0"/>
+              <a:t>삭제</a:t>
+            </a:r>
+            <a:r>
+              <a:rPr lang="en-US" altLang="ko-KR" sz="1400" dirty="0" smtClean="0"/>
+              <a:t>, </a:t>
+            </a:r>
+            <a:r>
+              <a:rPr lang="ko-KR" altLang="en-US" sz="1400" dirty="0" smtClean="0"/>
+              <a:t>실행</a:t>
+            </a:r>
+            <a:r>
+              <a:rPr lang="en-US" altLang="ko-KR" sz="1400" dirty="0" smtClean="0"/>
+              <a:t>, </a:t>
+            </a:r>
+            <a:r>
+              <a:rPr lang="ko-KR" altLang="en-US" sz="1400" dirty="0" smtClean="0"/>
+              <a:t>중지할 수 있는 </a:t>
+            </a:r>
+            <a:r>
+              <a:rPr lang="en-US" altLang="ko-KR" sz="1400" dirty="0"/>
+              <a:t>P</a:t>
+            </a:r>
+            <a:r>
+              <a:rPr lang="en-US" altLang="ko-KR" sz="1400" dirty="0" smtClean="0"/>
+              <a:t>lug container</a:t>
+            </a:r>
+          </a:p>
+          <a:p>
+            <a:pPr lvl="1"/>
+            <a:r>
+              <a:rPr lang="ko-KR" altLang="en-US" sz="1400" dirty="0" smtClean="0"/>
+              <a:t>특정 </a:t>
+            </a:r>
+            <a:r>
+              <a:rPr lang="en-US" altLang="ko-KR" sz="1400" dirty="0" smtClean="0"/>
+              <a:t>Plug</a:t>
+            </a:r>
+            <a:r>
+              <a:rPr lang="ko-KR" altLang="en-US" sz="1400" dirty="0" smtClean="0"/>
+              <a:t>에 의해 가공된 </a:t>
+            </a:r>
+            <a:r>
+              <a:rPr lang="en-US" altLang="ko-KR" sz="1400" dirty="0" smtClean="0"/>
+              <a:t>contents</a:t>
+            </a:r>
+            <a:r>
+              <a:rPr lang="ko-KR" altLang="en-US" sz="1400" dirty="0" smtClean="0"/>
+              <a:t>도 하나의 </a:t>
+            </a:r>
+            <a:r>
+              <a:rPr lang="en-US" altLang="ko-KR" sz="1400" dirty="0" smtClean="0"/>
+              <a:t>Plug</a:t>
+            </a:r>
+            <a:r>
+              <a:rPr lang="ko-KR" altLang="en-US" sz="1400" dirty="0" smtClean="0"/>
+              <a:t>형태로 관리할 수 있음</a:t>
+            </a:r>
+            <a:r>
+              <a:rPr lang="en-US" altLang="ko-KR" sz="1400" dirty="0" smtClean="0"/>
+              <a:t>(short-cut file </a:t>
+            </a:r>
+            <a:r>
+              <a:rPr lang="ko-KR" altLang="en-US" sz="1400" dirty="0" smtClean="0"/>
+              <a:t>개념</a:t>
+            </a:r>
+            <a:r>
+              <a:rPr lang="en-US" altLang="ko-KR" sz="1400" dirty="0" smtClean="0"/>
+              <a:t>)</a:t>
+            </a:r>
+          </a:p>
+          <a:p>
+            <a:endParaRPr lang="en-US" altLang="ko-KR" sz="1800" dirty="0" smtClean="0"/>
+          </a:p>
+          <a:p>
+            <a:r>
+              <a:rPr lang="en-US" altLang="ko-KR" sz="1800" dirty="0" smtClean="0"/>
+              <a:t>Plug</a:t>
+            </a:r>
+            <a:endParaRPr lang="en-US" altLang="ko-KR" sz="1400" dirty="0" smtClean="0"/>
+          </a:p>
+          <a:p>
+            <a:pPr lvl="1"/>
+            <a:r>
+              <a:rPr lang="ko-KR" altLang="en-US" sz="1400" dirty="0" smtClean="0"/>
+              <a:t>유연하고 확장이 쉬운 사용자 환경을 지원하기 위해 정해진 </a:t>
+            </a:r>
+            <a:r>
+              <a:rPr lang="en-US" altLang="ko-KR" sz="1400" dirty="0" smtClean="0"/>
+              <a:t>plug interface</a:t>
+            </a:r>
+            <a:r>
+              <a:rPr lang="ko-KR" altLang="en-US" sz="1400" dirty="0" smtClean="0"/>
+              <a:t>로 구현된 </a:t>
+            </a:r>
+            <a:r>
+              <a:rPr lang="en-US" altLang="ko-KR" sz="1400" dirty="0" smtClean="0"/>
+              <a:t>UX module(</a:t>
+            </a:r>
+            <a:r>
+              <a:rPr lang="ko-KR" altLang="en-US" sz="1400" dirty="0" smtClean="0"/>
+              <a:t>가능하면 별도의 </a:t>
+            </a:r>
+            <a:r>
+              <a:rPr lang="en-US" altLang="ko-KR" sz="1400" dirty="0" err="1" smtClean="0"/>
+              <a:t>apk</a:t>
+            </a:r>
+            <a:r>
+              <a:rPr lang="ko-KR" altLang="en-US" sz="1400" dirty="0" smtClean="0"/>
+              <a:t>형태</a:t>
+            </a:r>
+            <a:r>
+              <a:rPr lang="en-US" altLang="ko-KR" sz="1400" dirty="0" smtClean="0"/>
+              <a:t>)</a:t>
+            </a:r>
+          </a:p>
+          <a:p>
+            <a:pPr lvl="1"/>
+            <a:r>
+              <a:rPr lang="ko-KR" altLang="en-US" sz="1400" dirty="0" smtClean="0"/>
+              <a:t> </a:t>
+            </a:r>
+            <a:r>
+              <a:rPr lang="en-US" altLang="ko-KR" sz="1400" dirty="0" smtClean="0"/>
+              <a:t>Plug interface</a:t>
+            </a:r>
+            <a:r>
+              <a:rPr lang="ko-KR" altLang="en-US" sz="1400" dirty="0" smtClean="0"/>
+              <a:t>를 공개하여 일반개발자들로 하여금 다양한 </a:t>
+            </a:r>
+            <a:r>
+              <a:rPr lang="en-US" altLang="ko-KR" sz="1400" dirty="0" smtClean="0"/>
+              <a:t>UX plug</a:t>
+            </a:r>
+            <a:r>
+              <a:rPr lang="ko-KR" altLang="en-US" sz="1400" dirty="0" smtClean="0"/>
+              <a:t>를 개발할 수 있도록 지원</a:t>
+            </a:r>
+            <a:r>
+              <a:rPr lang="en-US" altLang="ko-KR" sz="1400" dirty="0" smtClean="0"/>
+              <a:t>.</a:t>
+            </a:r>
+          </a:p>
+          <a:p>
+            <a:endParaRPr lang="ko-KR" altLang="en-US" sz="1800" dirty="0"/>
+          </a:p>
+        </p:txBody>
+      </p:sp>
+    </p:spTree>
+    <p:extLst>
+      <p:ext uri="{BB962C8B-B14F-4D97-AF65-F5344CB8AC3E}">
+        <p14:creationId xmlns:p14="http://schemas.microsoft.com/office/powerpoint/2010/main" val="579352315"/>
+      </p:ext>
+    </p:extLst>
+  </p:cSld>
+  <p:clrMapOvr>
+    <a:masterClrMapping/>
+  </p:clrMapOvr>
+  <p:timing>
+    <p:tnLst>
+      <p:par>
+        <p:cTn id="1" dur="indefinite" restart="never" nodeType="tmRoot"/>
+      </p:par>
+    </p:tnLst>
+  </p:timing>
+</p:sld>
+</file>
+
+<file path=ppt/slides/slide2.xml><?xml version="1.0" encoding="utf-8"?>
+<p:sld xmlns:a="http://schemas.openxmlformats.org/drawingml/2006/main" xmlns:r="http://schemas.openxmlformats.org/officeDocument/2006/relationships" xmlns:p="http://schemas.openxmlformats.org/presentationml/2006/main">
+  <p:cSld>
+    <p:spTree>
+      <p:nvGrpSpPr>
+        <p:cNvPr id="1" name=""/>
+        <p:cNvGrpSpPr/>
+        <p:nvPr/>
+      </p:nvGrpSpPr>
+      <p:grpSpPr>
+        <a:xfrm>
+          <a:off x="0" y="0"/>
+          <a:ext cx="0" cy="0"/>
+          <a:chOff x="0" y="0"/>
+          <a:chExt cx="0" cy="0"/>
+        </a:xfrm>
+      </p:grpSpPr>
+      <p:sp>
+        <p:nvSpPr>
+          <p:cNvPr id="2" name="제목 1"/>
+          <p:cNvSpPr>
+            <a:spLocks noGrp="1"/>
+          </p:cNvSpPr>
+          <p:nvPr>
+            <p:ph type="title"/>
+          </p:nvPr>
+        </p:nvSpPr>
+        <p:spPr/>
+        <p:txBody>
+          <a:bodyPr>
+            <a:normAutofit/>
+          </a:bodyPr>
+          <a:lstStyle/>
+          <a:p>
+            <a:pPr algn="l"/>
+            <a:r>
+              <a:rPr lang="en-US" altLang="ko-KR" sz="3200" dirty="0" smtClean="0"/>
+              <a:t>History</a:t>
+            </a:r>
+            <a:endParaRPr lang="ko-KR" altLang="en-US" sz="3200" dirty="0"/>
+          </a:p>
+        </p:txBody>
+      </p:sp>
+      <p:graphicFrame>
+        <p:nvGraphicFramePr>
+          <p:cNvPr id="6" name="표 5"/>
+          <p:cNvGraphicFramePr>
+            <a:graphicFrameLocks noGrp="1"/>
+          </p:cNvGraphicFramePr>
+          <p:nvPr>
+            <p:extLst>
+              <p:ext uri="{D42A27DB-BD31-4B8C-83A1-F6EECF244321}">
+                <p14:modId xmlns:p14="http://schemas.microsoft.com/office/powerpoint/2010/main" val="571448918"/>
+              </p:ext>
+            </p:extLst>
+          </p:nvPr>
+        </p:nvGraphicFramePr>
+        <p:xfrm>
+          <a:off x="539552" y="1628798"/>
+          <a:ext cx="8064897" cy="2177010"/>
+        </p:xfrm>
+        <a:graphic>
+          <a:graphicData uri="http://schemas.openxmlformats.org/drawingml/2006/table">
+            <a:tbl>
+              <a:tblPr firstRow="1" bandRow="1">
+                <a:tableStyleId>{5C22544A-7EE6-4342-B048-85BDC9FD1C3A}</a:tableStyleId>
+              </a:tblPr>
+              <a:tblGrid>
+                <a:gridCol w="1368152"/>
+                <a:gridCol w="4008446"/>
+                <a:gridCol w="2688299"/>
+              </a:tblGrid>
+              <a:tr h="288034">
+                <a:tc>
+                  <a:txBody>
+                    <a:bodyPr/>
+                    <a:lstStyle/>
+                    <a:p>
+                      <a:pPr algn="ctr" latinLnBrk="1"/>
+                      <a:r>
+                        <a:rPr lang="ko-KR" altLang="en-US" sz="1000" dirty="0" smtClean="0">
+                          <a:latin typeface="+mn-lt"/>
+                        </a:rPr>
+                        <a:t>날짜</a:t>
+                      </a:r>
+                      <a:endParaRPr lang="ko-KR" altLang="en-US" sz="1000" dirty="0">
+                        <a:latin typeface="+mn-lt"/>
+                      </a:endParaRPr>
+                    </a:p>
+                  </a:txBody>
+                  <a:tcPr/>
+                </a:tc>
+                <a:tc>
+                  <a:txBody>
+                    <a:bodyPr/>
+                    <a:lstStyle/>
+                    <a:p>
+                      <a:pPr algn="ctr" latinLnBrk="1"/>
+                      <a:r>
+                        <a:rPr lang="ko-KR" altLang="en-US" sz="1000" dirty="0" smtClean="0">
+                          <a:latin typeface="+mn-lt"/>
+                        </a:rPr>
+                        <a:t>내용</a:t>
+                      </a:r>
+                      <a:endParaRPr lang="ko-KR" altLang="en-US" sz="1000" dirty="0">
+                        <a:latin typeface="+mn-lt"/>
+                      </a:endParaRPr>
+                    </a:p>
+                  </a:txBody>
+                  <a:tcPr/>
+                </a:tc>
+                <a:tc>
+                  <a:txBody>
+                    <a:bodyPr/>
+                    <a:lstStyle/>
+                    <a:p>
+                      <a:pPr algn="ctr" latinLnBrk="1"/>
+                      <a:r>
+                        <a:rPr lang="ko-KR" altLang="en-US" sz="1000" dirty="0" smtClean="0">
+                          <a:latin typeface="+mn-lt"/>
+                        </a:rPr>
+                        <a:t>작성자</a:t>
+                      </a:r>
+                      <a:endParaRPr lang="ko-KR" altLang="en-US" sz="1000" dirty="0">
+                        <a:latin typeface="+mn-lt"/>
+                      </a:endParaRPr>
+                    </a:p>
+                  </a:txBody>
+                  <a:tcPr/>
+                </a:tc>
+              </a:tr>
+              <a:tr h="288032">
+                <a:tc>
+                  <a:txBody>
+                    <a:bodyPr/>
+                    <a:lstStyle/>
+                    <a:p>
+                      <a:pPr latinLnBrk="1"/>
+                      <a:r>
+                        <a:rPr lang="en-US" altLang="ko-KR" sz="1000" dirty="0" smtClean="0">
+                          <a:latin typeface="+mn-lt"/>
+                        </a:rPr>
+                        <a:t>2012.12.21</a:t>
+                      </a:r>
+                      <a:endParaRPr lang="ko-KR" altLang="en-US" sz="1000" dirty="0">
+                        <a:latin typeface="+mn-lt"/>
+                      </a:endParaRPr>
+                    </a:p>
+                  </a:txBody>
+                  <a:tcPr/>
+                </a:tc>
+                <a:tc>
+                  <a:txBody>
+                    <a:bodyPr/>
+                    <a:lstStyle/>
+                    <a:p>
+                      <a:pPr latinLnBrk="1"/>
+                      <a:r>
+                        <a:rPr lang="ko-KR" altLang="en-US" sz="1000" dirty="0" smtClean="0">
+                          <a:latin typeface="+mn-lt"/>
+                        </a:rPr>
+                        <a:t>초안 작성</a:t>
+                      </a:r>
+                      <a:endParaRPr lang="ko-KR" altLang="en-US" sz="1000" dirty="0">
+                        <a:latin typeface="+mn-lt"/>
+                      </a:endParaRPr>
+                    </a:p>
+                  </a:txBody>
+                  <a:tcPr/>
+                </a:tc>
+                <a:tc>
+                  <a:txBody>
+                    <a:bodyPr/>
+                    <a:lstStyle/>
+                    <a:p>
+                      <a:pPr latinLnBrk="1"/>
+                      <a:r>
+                        <a:rPr lang="ko-KR" altLang="en-US" sz="1000" dirty="0" smtClean="0">
+                          <a:latin typeface="+mn-lt"/>
+                        </a:rPr>
+                        <a:t>김태훈</a:t>
+                      </a:r>
+                      <a:endParaRPr lang="ko-KR" altLang="en-US" sz="1000" dirty="0">
+                        <a:latin typeface="+mn-lt"/>
+                      </a:endParaRPr>
+                    </a:p>
+                  </a:txBody>
+                  <a:tcPr/>
+                </a:tc>
+              </a:tr>
+              <a:tr h="288032">
+                <a:tc>
+                  <a:txBody>
+                    <a:bodyPr/>
+                    <a:lstStyle/>
+                    <a:p>
+                      <a:pPr latinLnBrk="1"/>
+                      <a:r>
+                        <a:rPr lang="en-US" altLang="ko-KR" sz="1000" dirty="0" smtClean="0">
+                          <a:latin typeface="+mn-lt"/>
+                        </a:rPr>
+                        <a:t>2012.12.27</a:t>
+                      </a:r>
+                      <a:endParaRPr lang="ko-KR" altLang="en-US" sz="1000" dirty="0">
+                        <a:latin typeface="+mn-lt"/>
+                      </a:endParaRPr>
+                    </a:p>
+                  </a:txBody>
+                  <a:tcPr/>
+                </a:tc>
+                <a:tc>
+                  <a:txBody>
+                    <a:bodyPr/>
+                    <a:lstStyle/>
+                    <a:p>
+                      <a:pPr latinLnBrk="1"/>
+                      <a:r>
+                        <a:rPr lang="en-US" altLang="ko-KR" sz="1000" dirty="0" smtClean="0">
+                          <a:latin typeface="+mn-lt"/>
+                        </a:rPr>
+                        <a:t>Appear UX Overview </a:t>
+                      </a:r>
+                      <a:r>
+                        <a:rPr lang="ko-KR" altLang="en-US" sz="1000" dirty="0" smtClean="0">
+                          <a:latin typeface="+mn-lt"/>
+                        </a:rPr>
+                        <a:t>추가</a:t>
+                      </a:r>
+                      <a:endParaRPr lang="ko-KR" altLang="en-US" sz="1000" dirty="0">
+                        <a:latin typeface="+mn-lt"/>
+                      </a:endParaRPr>
+                    </a:p>
+                  </a:txBody>
+                  <a:tcPr/>
+                </a:tc>
+                <a:tc>
+                  <a:txBody>
+                    <a:bodyPr/>
+                    <a:lstStyle/>
+                    <a:p>
+                      <a:pPr latinLnBrk="1"/>
+                      <a:r>
+                        <a:rPr lang="ko-KR" altLang="en-US" sz="1000" dirty="0" smtClean="0">
+                          <a:latin typeface="+mn-lt"/>
+                        </a:rPr>
+                        <a:t>김태훈</a:t>
+                      </a:r>
+                      <a:endParaRPr lang="ko-KR" altLang="en-US" sz="1000" dirty="0">
+                        <a:latin typeface="+mn-lt"/>
+                      </a:endParaRPr>
+                    </a:p>
+                  </a:txBody>
+                  <a:tcPr/>
+                </a:tc>
+              </a:tr>
+              <a:tr h="216024">
+                <a:tc>
+                  <a:txBody>
+                    <a:bodyPr/>
+                    <a:lstStyle/>
+                    <a:p>
+                      <a:pPr latinLnBrk="1"/>
+                      <a:r>
+                        <a:rPr lang="en-US" altLang="ko-KR" sz="1000" dirty="0" smtClean="0">
+                          <a:latin typeface="+mn-lt"/>
+                        </a:rPr>
+                        <a:t>2012.12.30</a:t>
+                      </a:r>
+                      <a:endParaRPr lang="ko-KR" altLang="en-US" sz="1000" dirty="0">
+                        <a:latin typeface="+mn-lt"/>
+                      </a:endParaRPr>
+                    </a:p>
+                  </a:txBody>
+                  <a:tcPr/>
+                </a:tc>
+                <a:tc>
+                  <a:txBody>
+                    <a:bodyPr/>
+                    <a:lstStyle/>
+                    <a:p>
+                      <a:pPr latinLnBrk="1"/>
+                      <a:r>
+                        <a:rPr lang="en-US" altLang="ko-KR" sz="1000" dirty="0" smtClean="0">
+                          <a:latin typeface="+mn-lt"/>
+                        </a:rPr>
+                        <a:t>Appear UX Overview </a:t>
+                      </a:r>
+                      <a:r>
+                        <a:rPr lang="ko-KR" altLang="en-US" sz="1000" dirty="0" smtClean="0">
+                          <a:latin typeface="+mn-lt"/>
+                        </a:rPr>
+                        <a:t>수정</a:t>
+                      </a:r>
+                      <a:endParaRPr lang="en-US" altLang="ko-KR" sz="1000" dirty="0" smtClean="0">
+                        <a:latin typeface="+mn-lt"/>
+                      </a:endParaRPr>
+                    </a:p>
+                    <a:p>
+                      <a:pPr latinLnBrk="1"/>
+                      <a:r>
+                        <a:rPr lang="en-US" altLang="ko-KR" sz="1000" dirty="0" smtClean="0">
+                          <a:latin typeface="+mn-lt"/>
+                        </a:rPr>
+                        <a:t> - </a:t>
+                      </a:r>
+                      <a:r>
+                        <a:rPr lang="en-US" altLang="ko-KR" sz="1000" dirty="0" err="1" smtClean="0">
+                          <a:latin typeface="+mn-lt"/>
+                        </a:rPr>
+                        <a:t>AppearUX</a:t>
+                      </a:r>
+                      <a:r>
+                        <a:rPr lang="en-US" altLang="ko-KR" sz="1000" dirty="0" smtClean="0">
+                          <a:latin typeface="+mn-lt"/>
+                        </a:rPr>
+                        <a:t>,</a:t>
+                      </a:r>
+                      <a:r>
+                        <a:rPr lang="en-US" altLang="ko-KR" sz="1000" baseline="0" dirty="0" smtClean="0">
+                          <a:latin typeface="+mn-lt"/>
+                        </a:rPr>
+                        <a:t> Controls, Touch </a:t>
+                      </a:r>
+                      <a:r>
+                        <a:rPr lang="ko-KR" altLang="en-US" sz="1000" baseline="0" dirty="0" smtClean="0">
+                          <a:latin typeface="+mn-lt"/>
+                        </a:rPr>
+                        <a:t>추가</a:t>
+                      </a:r>
+                      <a:endParaRPr lang="en-US" altLang="ko-KR" sz="1000" baseline="0" dirty="0" smtClean="0">
+                        <a:latin typeface="+mn-lt"/>
+                      </a:endParaRPr>
+                    </a:p>
+                    <a:p>
+                      <a:pPr latinLnBrk="1"/>
+                      <a:r>
+                        <a:rPr lang="en-US" altLang="ko-KR" sz="1000" baseline="0" dirty="0" smtClean="0">
+                          <a:latin typeface="+mn-lt"/>
+                        </a:rPr>
+                        <a:t> - Graphics</a:t>
+                      </a:r>
+                      <a:r>
+                        <a:rPr lang="ko-KR" altLang="en-US" sz="1000" baseline="0" dirty="0" smtClean="0">
+                          <a:latin typeface="+mn-lt"/>
+                        </a:rPr>
+                        <a:t>에 </a:t>
+                      </a:r>
+                      <a:r>
+                        <a:rPr lang="en-US" altLang="ko-KR" sz="1000" baseline="0" dirty="0" err="1" smtClean="0">
+                          <a:latin typeface="+mn-lt"/>
+                        </a:rPr>
+                        <a:t>RenderGraph</a:t>
+                      </a:r>
+                      <a:r>
+                        <a:rPr lang="en-US" altLang="ko-KR" sz="1000" baseline="0" dirty="0" smtClean="0">
+                          <a:latin typeface="+mn-lt"/>
+                        </a:rPr>
+                        <a:t> </a:t>
+                      </a:r>
+                      <a:r>
+                        <a:rPr lang="ko-KR" altLang="en-US" sz="1000" baseline="0" dirty="0" smtClean="0">
+                          <a:latin typeface="+mn-lt"/>
+                        </a:rPr>
+                        <a:t>추가</a:t>
+                      </a:r>
+                      <a:endParaRPr lang="en-US" altLang="ko-KR" sz="1000" dirty="0" smtClean="0">
+                        <a:latin typeface="+mn-lt"/>
+                      </a:endParaRPr>
+                    </a:p>
+                  </a:txBody>
+                  <a:tcPr/>
+                </a:tc>
+                <a:tc>
+                  <a:txBody>
+                    <a:bodyPr/>
+                    <a:lstStyle/>
+                    <a:p>
+                      <a:pPr latinLnBrk="1"/>
+                      <a:r>
+                        <a:rPr lang="ko-KR" altLang="en-US" sz="1000" dirty="0" smtClean="0">
+                          <a:latin typeface="+mn-lt"/>
+                        </a:rPr>
+                        <a:t>김태훈</a:t>
+                      </a:r>
+                      <a:endParaRPr lang="ko-KR" altLang="en-US" sz="1000" dirty="0">
+                        <a:latin typeface="+mn-lt"/>
+                      </a:endParaRPr>
+                    </a:p>
+                  </a:txBody>
+                  <a:tcPr/>
+                </a:tc>
+              </a:tr>
+              <a:tr h="260216">
+                <a:tc>
+                  <a:txBody>
+                    <a:bodyPr/>
+                    <a:lstStyle/>
+                    <a:p>
+                      <a:pPr latinLnBrk="1"/>
+                      <a:r>
+                        <a:rPr lang="en-US" altLang="ko-KR" sz="1000" dirty="0" smtClean="0">
+                          <a:latin typeface="+mn-lt"/>
+                        </a:rPr>
+                        <a:t>2012.01.03</a:t>
+                      </a:r>
+                      <a:endParaRPr lang="ko-KR" altLang="en-US" sz="1000" dirty="0">
+                        <a:latin typeface="+mn-lt"/>
+                      </a:endParaRPr>
+                    </a:p>
+                  </a:txBody>
+                  <a:tcPr/>
+                </a:tc>
+                <a:tc>
+                  <a:txBody>
+                    <a:bodyPr/>
+                    <a:lstStyle/>
+                    <a:p>
+                      <a:pPr latinLnBrk="1"/>
+                      <a:r>
+                        <a:rPr lang="en-US" altLang="ko-KR" sz="1000" dirty="0" err="1" smtClean="0">
+                          <a:latin typeface="+mn-lt"/>
+                        </a:rPr>
+                        <a:t>TouchGraph</a:t>
+                      </a:r>
+                      <a:r>
+                        <a:rPr lang="en-US" altLang="ko-KR" sz="1000" baseline="0" dirty="0" smtClean="0">
+                          <a:latin typeface="+mn-lt"/>
+                        </a:rPr>
+                        <a:t> concept </a:t>
+                      </a:r>
+                      <a:r>
+                        <a:rPr lang="ko-KR" altLang="en-US" sz="1000" baseline="0" dirty="0" smtClean="0">
+                          <a:latin typeface="+mn-lt"/>
+                        </a:rPr>
+                        <a:t>추가</a:t>
+                      </a:r>
+                      <a:endParaRPr lang="ko-KR" altLang="en-US" sz="1000" dirty="0">
+                        <a:latin typeface="+mn-lt"/>
+                      </a:endParaRPr>
+                    </a:p>
+                  </a:txBody>
+                  <a:tcPr/>
+                </a:tc>
+                <a:tc>
+                  <a:txBody>
+                    <a:bodyPr/>
+                    <a:lstStyle/>
+                    <a:p>
+                      <a:pPr latinLnBrk="1"/>
+                      <a:r>
+                        <a:rPr lang="ko-KR" altLang="en-US" sz="1000" dirty="0" smtClean="0">
+                          <a:latin typeface="+mn-lt"/>
+                        </a:rPr>
+                        <a:t>김태훈</a:t>
+                      </a:r>
+                      <a:endParaRPr lang="ko-KR" altLang="en-US" sz="1000" dirty="0">
+                        <a:latin typeface="+mn-lt"/>
+                      </a:endParaRPr>
+                    </a:p>
+                  </a:txBody>
+                  <a:tcPr/>
+                </a:tc>
+              </a:tr>
+              <a:tr h="216024">
+                <a:tc>
+                  <a:txBody>
+                    <a:bodyPr/>
+                    <a:lstStyle/>
+                    <a:p>
+                      <a:pPr latinLnBrk="1"/>
+                      <a:r>
+                        <a:rPr lang="en-US" altLang="ko-KR" sz="1000" dirty="0" smtClean="0">
+                          <a:latin typeface="+mn-lt"/>
+                        </a:rPr>
+                        <a:t>2012.01.16</a:t>
+                      </a:r>
+                      <a:endParaRPr lang="ko-KR" altLang="en-US" sz="1000" dirty="0">
+                        <a:latin typeface="+mn-lt"/>
+                      </a:endParaRPr>
+                    </a:p>
+                  </a:txBody>
+                  <a:tcPr/>
+                </a:tc>
+                <a:tc>
+                  <a:txBody>
+                    <a:bodyPr/>
+                    <a:lstStyle/>
+                    <a:p>
+                      <a:pPr latinLnBrk="1"/>
+                      <a:r>
+                        <a:rPr lang="en-US" altLang="ko-KR" sz="1000" dirty="0" smtClean="0">
+                          <a:latin typeface="+mn-lt"/>
+                        </a:rPr>
+                        <a:t>Touch/</a:t>
+                      </a:r>
+                      <a:r>
+                        <a:rPr lang="en-US" altLang="ko-KR" sz="1000" dirty="0" err="1" smtClean="0">
+                          <a:latin typeface="+mn-lt"/>
+                        </a:rPr>
+                        <a:t>GestureHandler</a:t>
+                      </a:r>
+                      <a:r>
+                        <a:rPr lang="en-US" altLang="ko-KR" sz="1000" baseline="0" dirty="0" smtClean="0">
+                          <a:latin typeface="+mn-lt"/>
+                        </a:rPr>
+                        <a:t> </a:t>
+                      </a:r>
+                      <a:r>
+                        <a:rPr lang="ko-KR" altLang="en-US" sz="1000" baseline="0" dirty="0" smtClean="0">
+                          <a:latin typeface="+mn-lt"/>
+                        </a:rPr>
+                        <a:t>및 </a:t>
+                      </a:r>
+                      <a:r>
+                        <a:rPr lang="en-US" altLang="ko-KR" sz="1000" baseline="0" dirty="0" smtClean="0">
+                          <a:latin typeface="+mn-lt"/>
+                        </a:rPr>
+                        <a:t>Drag and Drop </a:t>
+                      </a:r>
+                      <a:r>
+                        <a:rPr lang="ko-KR" altLang="en-US" sz="1000" baseline="0" dirty="0" smtClean="0">
+                          <a:latin typeface="+mn-lt"/>
+                        </a:rPr>
+                        <a:t>초안 추가</a:t>
+                      </a:r>
+                      <a:endParaRPr lang="ko-KR" altLang="en-US" sz="1000" dirty="0">
+                        <a:latin typeface="+mn-lt"/>
+                      </a:endParaRPr>
+                    </a:p>
+                  </a:txBody>
+                  <a:tcPr/>
+                </a:tc>
+                <a:tc>
+                  <a:txBody>
+                    <a:bodyPr/>
+                    <a:lstStyle/>
+                    <a:p>
+                      <a:pPr latinLnBrk="1"/>
+                      <a:r>
+                        <a:rPr lang="ko-KR" altLang="en-US" sz="1000" dirty="0" smtClean="0">
+                          <a:latin typeface="+mn-lt"/>
+                        </a:rPr>
+                        <a:t>김태훈</a:t>
+                      </a:r>
+                      <a:endParaRPr lang="ko-KR" altLang="en-US" sz="1000" dirty="0">
+                        <a:latin typeface="+mn-lt"/>
+                      </a:endParaRPr>
+                    </a:p>
+                  </a:txBody>
+                  <a:tcPr/>
+                </a:tc>
+              </a:tr>
+              <a:tr h="260216">
+                <a:tc>
+                  <a:txBody>
+                    <a:bodyPr/>
+                    <a:lstStyle/>
+                    <a:p>
+                      <a:pPr latinLnBrk="1"/>
+                      <a:endParaRPr lang="ko-KR" altLang="en-US" sz="1000">
+                        <a:latin typeface="+mn-lt"/>
+                      </a:endParaRPr>
+                    </a:p>
+                  </a:txBody>
+                  <a:tcPr/>
+                </a:tc>
+                <a:tc>
+                  <a:txBody>
+                    <a:bodyPr/>
+                    <a:lstStyle/>
+                    <a:p>
+                      <a:pPr latinLnBrk="1"/>
+                      <a:endParaRPr lang="ko-KR" altLang="en-US" sz="1000">
+                        <a:latin typeface="+mn-lt"/>
+                      </a:endParaRPr>
+                    </a:p>
+                  </a:txBody>
+                  <a:tcPr/>
+                </a:tc>
+                <a:tc>
+                  <a:txBody>
+                    <a:bodyPr/>
+                    <a:lstStyle/>
+                    <a:p>
+                      <a:pPr latinLnBrk="1"/>
+                      <a:endParaRPr lang="ko-KR" altLang="en-US" sz="1000" dirty="0">
+                        <a:latin typeface="+mn-lt"/>
+                      </a:endParaRPr>
+                    </a:p>
+                  </a:txBody>
+                  <a:tcPr/>
+                </a:tc>
+              </a:tr>
+            </a:tbl>
+          </a:graphicData>
+        </a:graphic>
+      </p:graphicFrame>
+    </p:spTree>
+    <p:extLst>
+      <p:ext uri="{BB962C8B-B14F-4D97-AF65-F5344CB8AC3E}">
+        <p14:creationId xmlns:p14="http://schemas.microsoft.com/office/powerpoint/2010/main" val="765761660"/>
+      </p:ext>
+    </p:extLst>
+  </p:cSld>
+  <p:clrMapOvr>
+    <a:masterClrMapping/>
+  </p:clrMapOvr>
+  <p:timing>
+    <p:tnLst>
+      <p:par>
+        <p:cTn id="1" dur="indefinite" restart="never" nodeType="tmRoot"/>
+      </p:par>
+    </p:tnLst>
+  </p:timing>
+</p:sld>
+</file>
+
+<file path=ppt/slides/slide20.xml><?xml version="1.0" encoding="utf-8"?>
 <p:sld xmlns:a="http://schemas.openxmlformats.org/drawingml/2006/main" xmlns:r="http://schemas.openxmlformats.org/officeDocument/2006/relationships" xmlns:p="http://schemas.openxmlformats.org/presentationml/2006/main">
   <p:cSld>
     <p:spTree>
@@ -3976,7 +9783,7 @@
 </p:sld>
 </file>
 
-<file path=ppt/slides/slide11.xml><?xml version="1.0" encoding="utf-8"?>
+<file path=ppt/slides/slide21.xml><?xml version="1.0" encoding="utf-8"?>
 <p:sld xmlns:a="http://schemas.openxmlformats.org/drawingml/2006/main" xmlns:r="http://schemas.openxmlformats.org/officeDocument/2006/relationships" xmlns:p="http://schemas.openxmlformats.org/presentationml/2006/main">
   <p:cSld>
     <p:spTree>
@@ -4915,7 +10722,7 @@
 </p:sld>
 </file>
 
-<file path=ppt/slides/slide12.xml><?xml version="1.0" encoding="utf-8"?>
+<file path=ppt/slides/slide22.xml><?xml version="1.0" encoding="utf-8"?>
 <p:sld xmlns:a="http://schemas.openxmlformats.org/drawingml/2006/main" xmlns:r="http://schemas.openxmlformats.org/officeDocument/2006/relationships" xmlns:p="http://schemas.openxmlformats.org/presentationml/2006/main">
   <p:cSld>
     <p:spTree>
@@ -5951,7 +11758,7 @@
 </p:sld>
 </file>
 
-<file path=ppt/slides/slide13.xml><?xml version="1.0" encoding="utf-8"?>
+<file path=ppt/slides/slide23.xml><?xml version="1.0" encoding="utf-8"?>
 <p:sld xmlns:a="http://schemas.openxmlformats.org/drawingml/2006/main" xmlns:r="http://schemas.openxmlformats.org/officeDocument/2006/relationships" xmlns:p="http://schemas.openxmlformats.org/presentationml/2006/main">
   <p:cSld>
     <p:spTree>
@@ -7228,7 +13035,7 @@
 </p:sld>
 </file>
 
-<file path=ppt/slides/slide14.xml><?xml version="1.0" encoding="utf-8"?>
+<file path=ppt/slides/slide24.xml><?xml version="1.0" encoding="utf-8"?>
 <p:sld xmlns:a="http://schemas.openxmlformats.org/drawingml/2006/main" xmlns:r="http://schemas.openxmlformats.org/officeDocument/2006/relationships" xmlns:p="http://schemas.openxmlformats.org/presentationml/2006/main">
   <p:cSld>
     <p:spTree>
@@ -7409,7 +13216,7 @@
 </p:sld>
 </file>
 
-<file path=ppt/slides/slide15.xml><?xml version="1.0" encoding="utf-8"?>
+<file path=ppt/slides/slide25.xml><?xml version="1.0" encoding="utf-8"?>
 <p:sld xmlns:a="http://schemas.openxmlformats.org/drawingml/2006/main" xmlns:r="http://schemas.openxmlformats.org/officeDocument/2006/relationships" xmlns:p="http://schemas.openxmlformats.org/presentationml/2006/main">
   <p:cSld>
     <p:spTree>
@@ -7711,7 +13518,7 @@
 </p:sld>
 </file>
 
-<file path=ppt/slides/slide16.xml><?xml version="1.0" encoding="utf-8"?>
+<file path=ppt/slides/slide26.xml><?xml version="1.0" encoding="utf-8"?>
 <p:sld xmlns:a="http://schemas.openxmlformats.org/drawingml/2006/main" xmlns:r="http://schemas.openxmlformats.org/officeDocument/2006/relationships" xmlns:p="http://schemas.openxmlformats.org/presentationml/2006/main">
   <p:cSld>
     <p:spTree>
@@ -8885,7 +14692,7 @@
 </p:sld>
 </file>
 
-<file path=ppt/slides/slide17.xml><?xml version="1.0" encoding="utf-8"?>
+<file path=ppt/slides/slide27.xml><?xml version="1.0" encoding="utf-8"?>
 <p:sld xmlns:a="http://schemas.openxmlformats.org/drawingml/2006/main" xmlns:r="http://schemas.openxmlformats.org/officeDocument/2006/relationships" xmlns:p="http://schemas.openxmlformats.org/presentationml/2006/main">
   <p:cSld>
     <p:spTree>
@@ -9990,7 +15797,7 @@
 </p:sld>
 </file>
 
-<file path=ppt/slides/slide18.xml><?xml version="1.0" encoding="utf-8"?>
+<file path=ppt/slides/slide28.xml><?xml version="1.0" encoding="utf-8"?>
 <p:sld xmlns:a="http://schemas.openxmlformats.org/drawingml/2006/main" xmlns:r="http://schemas.openxmlformats.org/officeDocument/2006/relationships" xmlns:p="http://schemas.openxmlformats.org/presentationml/2006/main">
   <p:cSld>
     <p:spTree>
@@ -10933,7 +16740,7 @@
 </p:sld>
 </file>
 
-<file path=ppt/slides/slide19.xml><?xml version="1.0" encoding="utf-8"?>
+<file path=ppt/slides/slide29.xml><?xml version="1.0" encoding="utf-8"?>
 <p:sld xmlns:a="http://schemas.openxmlformats.org/drawingml/2006/main" xmlns:r="http://schemas.openxmlformats.org/officeDocument/2006/relationships" xmlns:p="http://schemas.openxmlformats.org/presentationml/2006/main">
   <p:cSld>
     <p:spTree>
@@ -12962,575 +18769,6 @@
         </p:txBody>
       </p:sp>
     </p:spTree>
-  </p:cSld>
-  <p:clrMapOvr>
-    <a:masterClrMapping/>
-  </p:clrMapOvr>
-  <p:timing>
-    <p:tnLst>
-      <p:par>
-        <p:cTn id="1" dur="indefinite" restart="never" nodeType="tmRoot"/>
-      </p:par>
-    </p:tnLst>
-  </p:timing>
-</p:sld>
-</file>
-
-<file path=ppt/slides/slide2.xml><?xml version="1.0" encoding="utf-8"?>
-<p:sld xmlns:a="http://schemas.openxmlformats.org/drawingml/2006/main" xmlns:r="http://schemas.openxmlformats.org/officeDocument/2006/relationships" xmlns:p="http://schemas.openxmlformats.org/presentationml/2006/main">
-  <p:cSld>
-    <p:spTree>
-      <p:nvGrpSpPr>
-        <p:cNvPr id="1" name=""/>
-        <p:cNvGrpSpPr/>
-        <p:nvPr/>
-      </p:nvGrpSpPr>
-      <p:grpSpPr>
-        <a:xfrm>
-          <a:off x="0" y="0"/>
-          <a:ext cx="0" cy="0"/>
-          <a:chOff x="0" y="0"/>
-          <a:chExt cx="0" cy="0"/>
-        </a:xfrm>
-      </p:grpSpPr>
-      <p:sp>
-        <p:nvSpPr>
-          <p:cNvPr id="2" name="제목 1"/>
-          <p:cNvSpPr>
-            <a:spLocks noGrp="1"/>
-          </p:cNvSpPr>
-          <p:nvPr>
-            <p:ph type="title"/>
-          </p:nvPr>
-        </p:nvSpPr>
-        <p:spPr/>
-        <p:txBody>
-          <a:bodyPr>
-            <a:normAutofit/>
-          </a:bodyPr>
-          <a:lstStyle/>
-          <a:p>
-            <a:pPr algn="l"/>
-            <a:r>
-              <a:rPr lang="en-US" altLang="ko-KR" sz="3200" dirty="0" smtClean="0"/>
-              <a:t>History</a:t>
-            </a:r>
-            <a:endParaRPr lang="ko-KR" altLang="en-US" sz="3200" dirty="0"/>
-          </a:p>
-        </p:txBody>
-      </p:sp>
-      <p:graphicFrame>
-        <p:nvGraphicFramePr>
-          <p:cNvPr id="6" name="표 5"/>
-          <p:cNvGraphicFramePr>
-            <a:graphicFrameLocks noGrp="1"/>
-          </p:cNvGraphicFramePr>
-          <p:nvPr>
-            <p:extLst>
-              <p:ext uri="{D42A27DB-BD31-4B8C-83A1-F6EECF244321}">
-                <p14:modId xmlns:p14="http://schemas.microsoft.com/office/powerpoint/2010/main" val="2836657944"/>
-              </p:ext>
-            </p:extLst>
-          </p:nvPr>
-        </p:nvGraphicFramePr>
-        <p:xfrm>
-          <a:off x="539552" y="1628798"/>
-          <a:ext cx="8064897" cy="2177010"/>
-        </p:xfrm>
-        <a:graphic>
-          <a:graphicData uri="http://schemas.openxmlformats.org/drawingml/2006/table">
-            <a:tbl>
-              <a:tblPr firstRow="1" bandRow="1">
-                <a:tableStyleId>{5C22544A-7EE6-4342-B048-85BDC9FD1C3A}</a:tableStyleId>
-              </a:tblPr>
-              <a:tblGrid>
-                <a:gridCol w="1368152"/>
-                <a:gridCol w="4008446"/>
-                <a:gridCol w="2688299"/>
-              </a:tblGrid>
-              <a:tr h="288034">
-                <a:tc>
-                  <a:txBody>
-                    <a:bodyPr/>
-                    <a:lstStyle/>
-                    <a:p>
-                      <a:pPr algn="ctr" latinLnBrk="1"/>
-                      <a:r>
-                        <a:rPr lang="ko-KR" altLang="en-US" sz="1000" dirty="0" smtClean="0">
-                          <a:latin typeface="+mn-lt"/>
-                        </a:rPr>
-                        <a:t>날짜</a:t>
-                      </a:r>
-                      <a:endParaRPr lang="ko-KR" altLang="en-US" sz="1000" dirty="0">
-                        <a:latin typeface="+mn-lt"/>
-                      </a:endParaRPr>
-                    </a:p>
-                  </a:txBody>
-                  <a:tcPr/>
-                </a:tc>
-                <a:tc>
-                  <a:txBody>
-                    <a:bodyPr/>
-                    <a:lstStyle/>
-                    <a:p>
-                      <a:pPr algn="ctr" latinLnBrk="1"/>
-                      <a:r>
-                        <a:rPr lang="ko-KR" altLang="en-US" sz="1000" dirty="0" smtClean="0">
-                          <a:latin typeface="+mn-lt"/>
-                        </a:rPr>
-                        <a:t>내용</a:t>
-                      </a:r>
-                      <a:endParaRPr lang="ko-KR" altLang="en-US" sz="1000" dirty="0">
-                        <a:latin typeface="+mn-lt"/>
-                      </a:endParaRPr>
-                    </a:p>
-                  </a:txBody>
-                  <a:tcPr/>
-                </a:tc>
-                <a:tc>
-                  <a:txBody>
-                    <a:bodyPr/>
-                    <a:lstStyle/>
-                    <a:p>
-                      <a:pPr algn="ctr" latinLnBrk="1"/>
-                      <a:r>
-                        <a:rPr lang="ko-KR" altLang="en-US" sz="1000" dirty="0" smtClean="0">
-                          <a:latin typeface="+mn-lt"/>
-                        </a:rPr>
-                        <a:t>작성자</a:t>
-                      </a:r>
-                      <a:endParaRPr lang="ko-KR" altLang="en-US" sz="1000" dirty="0">
-                        <a:latin typeface="+mn-lt"/>
-                      </a:endParaRPr>
-                    </a:p>
-                  </a:txBody>
-                  <a:tcPr/>
-                </a:tc>
-              </a:tr>
-              <a:tr h="288032">
-                <a:tc>
-                  <a:txBody>
-                    <a:bodyPr/>
-                    <a:lstStyle/>
-                    <a:p>
-                      <a:pPr latinLnBrk="1"/>
-                      <a:r>
-                        <a:rPr lang="en-US" altLang="ko-KR" sz="1000" dirty="0" smtClean="0">
-                          <a:latin typeface="+mn-lt"/>
-                        </a:rPr>
-                        <a:t>2012.12.21</a:t>
-                      </a:r>
-                      <a:endParaRPr lang="ko-KR" altLang="en-US" sz="1000" dirty="0">
-                        <a:latin typeface="+mn-lt"/>
-                      </a:endParaRPr>
-                    </a:p>
-                  </a:txBody>
-                  <a:tcPr/>
-                </a:tc>
-                <a:tc>
-                  <a:txBody>
-                    <a:bodyPr/>
-                    <a:lstStyle/>
-                    <a:p>
-                      <a:pPr latinLnBrk="1"/>
-                      <a:r>
-                        <a:rPr lang="ko-KR" altLang="en-US" sz="1000" dirty="0" smtClean="0">
-                          <a:latin typeface="+mn-lt"/>
-                        </a:rPr>
-                        <a:t>초안 작성</a:t>
-                      </a:r>
-                      <a:endParaRPr lang="ko-KR" altLang="en-US" sz="1000" dirty="0">
-                        <a:latin typeface="+mn-lt"/>
-                      </a:endParaRPr>
-                    </a:p>
-                  </a:txBody>
-                  <a:tcPr/>
-                </a:tc>
-                <a:tc>
-                  <a:txBody>
-                    <a:bodyPr/>
-                    <a:lstStyle/>
-                    <a:p>
-                      <a:pPr latinLnBrk="1"/>
-                      <a:r>
-                        <a:rPr lang="ko-KR" altLang="en-US" sz="1000" dirty="0" smtClean="0">
-                          <a:latin typeface="+mn-lt"/>
-                        </a:rPr>
-                        <a:t>김태훈</a:t>
-                      </a:r>
-                      <a:endParaRPr lang="ko-KR" altLang="en-US" sz="1000" dirty="0">
-                        <a:latin typeface="+mn-lt"/>
-                      </a:endParaRPr>
-                    </a:p>
-                  </a:txBody>
-                  <a:tcPr/>
-                </a:tc>
-              </a:tr>
-              <a:tr h="288032">
-                <a:tc>
-                  <a:txBody>
-                    <a:bodyPr/>
-                    <a:lstStyle/>
-                    <a:p>
-                      <a:pPr latinLnBrk="1"/>
-                      <a:r>
-                        <a:rPr lang="en-US" altLang="ko-KR" sz="1000" dirty="0" smtClean="0">
-                          <a:latin typeface="+mn-lt"/>
-                        </a:rPr>
-                        <a:t>2012.12.27</a:t>
-                      </a:r>
-                      <a:endParaRPr lang="ko-KR" altLang="en-US" sz="1000" dirty="0">
-                        <a:latin typeface="+mn-lt"/>
-                      </a:endParaRPr>
-                    </a:p>
-                  </a:txBody>
-                  <a:tcPr/>
-                </a:tc>
-                <a:tc>
-                  <a:txBody>
-                    <a:bodyPr/>
-                    <a:lstStyle/>
-                    <a:p>
-                      <a:pPr latinLnBrk="1"/>
-                      <a:r>
-                        <a:rPr lang="en-US" altLang="ko-KR" sz="1000" dirty="0" smtClean="0">
-                          <a:latin typeface="+mn-lt"/>
-                        </a:rPr>
-                        <a:t>Appear UX Overview </a:t>
-                      </a:r>
-                      <a:r>
-                        <a:rPr lang="ko-KR" altLang="en-US" sz="1000" dirty="0" smtClean="0">
-                          <a:latin typeface="+mn-lt"/>
-                        </a:rPr>
-                        <a:t>추가</a:t>
-                      </a:r>
-                      <a:endParaRPr lang="ko-KR" altLang="en-US" sz="1000" dirty="0">
-                        <a:latin typeface="+mn-lt"/>
-                      </a:endParaRPr>
-                    </a:p>
-                  </a:txBody>
-                  <a:tcPr/>
-                </a:tc>
-                <a:tc>
-                  <a:txBody>
-                    <a:bodyPr/>
-                    <a:lstStyle/>
-                    <a:p>
-                      <a:pPr latinLnBrk="1"/>
-                      <a:r>
-                        <a:rPr lang="ko-KR" altLang="en-US" sz="1000" dirty="0" smtClean="0">
-                          <a:latin typeface="+mn-lt"/>
-                        </a:rPr>
-                        <a:t>김태훈</a:t>
-                      </a:r>
-                      <a:endParaRPr lang="ko-KR" altLang="en-US" sz="1000" dirty="0">
-                        <a:latin typeface="+mn-lt"/>
-                      </a:endParaRPr>
-                    </a:p>
-                  </a:txBody>
-                  <a:tcPr/>
-                </a:tc>
-              </a:tr>
-              <a:tr h="216024">
-                <a:tc>
-                  <a:txBody>
-                    <a:bodyPr/>
-                    <a:lstStyle/>
-                    <a:p>
-                      <a:pPr latinLnBrk="1"/>
-                      <a:r>
-                        <a:rPr lang="en-US" altLang="ko-KR" sz="1000" dirty="0" smtClean="0">
-                          <a:latin typeface="+mn-lt"/>
-                        </a:rPr>
-                        <a:t>2012.12.30</a:t>
-                      </a:r>
-                      <a:endParaRPr lang="ko-KR" altLang="en-US" sz="1000" dirty="0">
-                        <a:latin typeface="+mn-lt"/>
-                      </a:endParaRPr>
-                    </a:p>
-                  </a:txBody>
-                  <a:tcPr/>
-                </a:tc>
-                <a:tc>
-                  <a:txBody>
-                    <a:bodyPr/>
-                    <a:lstStyle/>
-                    <a:p>
-                      <a:pPr latinLnBrk="1"/>
-                      <a:r>
-                        <a:rPr lang="en-US" altLang="ko-KR" sz="1000" dirty="0" smtClean="0">
-                          <a:latin typeface="+mn-lt"/>
-                        </a:rPr>
-                        <a:t>Appear UX Overview </a:t>
-                      </a:r>
-                      <a:r>
-                        <a:rPr lang="ko-KR" altLang="en-US" sz="1000" dirty="0" smtClean="0">
-                          <a:latin typeface="+mn-lt"/>
-                        </a:rPr>
-                        <a:t>수정</a:t>
-                      </a:r>
-                      <a:endParaRPr lang="en-US" altLang="ko-KR" sz="1000" dirty="0" smtClean="0">
-                        <a:latin typeface="+mn-lt"/>
-                      </a:endParaRPr>
-                    </a:p>
-                    <a:p>
-                      <a:pPr latinLnBrk="1"/>
-                      <a:r>
-                        <a:rPr lang="en-US" altLang="ko-KR" sz="1000" dirty="0" smtClean="0">
-                          <a:latin typeface="+mn-lt"/>
-                        </a:rPr>
-                        <a:t> - </a:t>
-                      </a:r>
-                      <a:r>
-                        <a:rPr lang="en-US" altLang="ko-KR" sz="1000" dirty="0" err="1" smtClean="0">
-                          <a:latin typeface="+mn-lt"/>
-                        </a:rPr>
-                        <a:t>AppearUX</a:t>
-                      </a:r>
-                      <a:r>
-                        <a:rPr lang="en-US" altLang="ko-KR" sz="1000" dirty="0" smtClean="0">
-                          <a:latin typeface="+mn-lt"/>
-                        </a:rPr>
-                        <a:t>,</a:t>
-                      </a:r>
-                      <a:r>
-                        <a:rPr lang="en-US" altLang="ko-KR" sz="1000" baseline="0" dirty="0" smtClean="0">
-                          <a:latin typeface="+mn-lt"/>
-                        </a:rPr>
-                        <a:t> Controls, Touch </a:t>
-                      </a:r>
-                      <a:r>
-                        <a:rPr lang="ko-KR" altLang="en-US" sz="1000" baseline="0" dirty="0" smtClean="0">
-                          <a:latin typeface="+mn-lt"/>
-                        </a:rPr>
-                        <a:t>추가</a:t>
-                      </a:r>
-                      <a:endParaRPr lang="en-US" altLang="ko-KR" sz="1000" baseline="0" dirty="0" smtClean="0">
-                        <a:latin typeface="+mn-lt"/>
-                      </a:endParaRPr>
-                    </a:p>
-                    <a:p>
-                      <a:pPr latinLnBrk="1"/>
-                      <a:r>
-                        <a:rPr lang="en-US" altLang="ko-KR" sz="1000" baseline="0" dirty="0" smtClean="0">
-                          <a:latin typeface="+mn-lt"/>
-                        </a:rPr>
-                        <a:t> - Graphics</a:t>
-                      </a:r>
-                      <a:r>
-                        <a:rPr lang="ko-KR" altLang="en-US" sz="1000" baseline="0" dirty="0" smtClean="0">
-                          <a:latin typeface="+mn-lt"/>
-                        </a:rPr>
-                        <a:t>에 </a:t>
-                      </a:r>
-                      <a:r>
-                        <a:rPr lang="en-US" altLang="ko-KR" sz="1000" baseline="0" dirty="0" err="1" smtClean="0">
-                          <a:latin typeface="+mn-lt"/>
-                        </a:rPr>
-                        <a:t>RenderGraph</a:t>
-                      </a:r>
-                      <a:r>
-                        <a:rPr lang="en-US" altLang="ko-KR" sz="1000" baseline="0" dirty="0" smtClean="0">
-                          <a:latin typeface="+mn-lt"/>
-                        </a:rPr>
-                        <a:t> </a:t>
-                      </a:r>
-                      <a:r>
-                        <a:rPr lang="ko-KR" altLang="en-US" sz="1000" baseline="0" dirty="0" smtClean="0">
-                          <a:latin typeface="+mn-lt"/>
-                        </a:rPr>
-                        <a:t>추가</a:t>
-                      </a:r>
-                      <a:endParaRPr lang="en-US" altLang="ko-KR" sz="1000" dirty="0" smtClean="0">
-                        <a:latin typeface="+mn-lt"/>
-                      </a:endParaRPr>
-                    </a:p>
-                  </a:txBody>
-                  <a:tcPr/>
-                </a:tc>
-                <a:tc>
-                  <a:txBody>
-                    <a:bodyPr/>
-                    <a:lstStyle/>
-                    <a:p>
-                      <a:pPr latinLnBrk="1"/>
-                      <a:r>
-                        <a:rPr lang="ko-KR" altLang="en-US" sz="1000" dirty="0" smtClean="0">
-                          <a:latin typeface="+mn-lt"/>
-                        </a:rPr>
-                        <a:t>김태훈</a:t>
-                      </a:r>
-                      <a:endParaRPr lang="ko-KR" altLang="en-US" sz="1000" dirty="0">
-                        <a:latin typeface="+mn-lt"/>
-                      </a:endParaRPr>
-                    </a:p>
-                  </a:txBody>
-                  <a:tcPr/>
-                </a:tc>
-              </a:tr>
-              <a:tr h="260216">
-                <a:tc>
-                  <a:txBody>
-                    <a:bodyPr/>
-                    <a:lstStyle/>
-                    <a:p>
-                      <a:pPr latinLnBrk="1"/>
-                      <a:r>
-                        <a:rPr lang="en-US" altLang="ko-KR" sz="1000" dirty="0" smtClean="0">
-                          <a:latin typeface="+mn-lt"/>
-                        </a:rPr>
-                        <a:t>2012.01.03</a:t>
-                      </a:r>
-                      <a:endParaRPr lang="ko-KR" altLang="en-US" sz="1000" dirty="0">
-                        <a:latin typeface="+mn-lt"/>
-                      </a:endParaRPr>
-                    </a:p>
-                  </a:txBody>
-                  <a:tcPr/>
-                </a:tc>
-                <a:tc>
-                  <a:txBody>
-                    <a:bodyPr/>
-                    <a:lstStyle/>
-                    <a:p>
-                      <a:pPr latinLnBrk="1"/>
-                      <a:r>
-                        <a:rPr lang="en-US" altLang="ko-KR" sz="1000" dirty="0" err="1" smtClean="0">
-                          <a:latin typeface="+mn-lt"/>
-                        </a:rPr>
-                        <a:t>TouchGraph</a:t>
-                      </a:r>
-                      <a:r>
-                        <a:rPr lang="en-US" altLang="ko-KR" sz="1000" baseline="0" dirty="0" smtClean="0">
-                          <a:latin typeface="+mn-lt"/>
-                        </a:rPr>
-                        <a:t> concept </a:t>
-                      </a:r>
-                      <a:r>
-                        <a:rPr lang="ko-KR" altLang="en-US" sz="1000" baseline="0" dirty="0" smtClean="0">
-                          <a:latin typeface="+mn-lt"/>
-                        </a:rPr>
-                        <a:t>추가</a:t>
-                      </a:r>
-                      <a:endParaRPr lang="ko-KR" altLang="en-US" sz="1000" dirty="0">
-                        <a:latin typeface="+mn-lt"/>
-                      </a:endParaRPr>
-                    </a:p>
-                  </a:txBody>
-                  <a:tcPr/>
-                </a:tc>
-                <a:tc>
-                  <a:txBody>
-                    <a:bodyPr/>
-                    <a:lstStyle/>
-                    <a:p>
-                      <a:pPr latinLnBrk="1"/>
-                      <a:r>
-                        <a:rPr lang="ko-KR" altLang="en-US" sz="1000" dirty="0" smtClean="0">
-                          <a:latin typeface="+mn-lt"/>
-                        </a:rPr>
-                        <a:t>김태훈</a:t>
-                      </a:r>
-                      <a:endParaRPr lang="ko-KR" altLang="en-US" sz="1000" dirty="0">
-                        <a:latin typeface="+mn-lt"/>
-                      </a:endParaRPr>
-                    </a:p>
-                  </a:txBody>
-                  <a:tcPr/>
-                </a:tc>
-              </a:tr>
-              <a:tr h="216024">
-                <a:tc>
-                  <a:txBody>
-                    <a:bodyPr/>
-                    <a:lstStyle/>
-                    <a:p>
-                      <a:pPr latinLnBrk="1"/>
-                      <a:endParaRPr lang="ko-KR" altLang="en-US" sz="1000">
-                        <a:latin typeface="+mn-lt"/>
-                      </a:endParaRPr>
-                    </a:p>
-                  </a:txBody>
-                  <a:tcPr/>
-                </a:tc>
-                <a:tc>
-                  <a:txBody>
-                    <a:bodyPr/>
-                    <a:lstStyle/>
-                    <a:p>
-                      <a:pPr latinLnBrk="1"/>
-                      <a:endParaRPr lang="ko-KR" altLang="en-US" sz="1000">
-                        <a:latin typeface="+mn-lt"/>
-                      </a:endParaRPr>
-                    </a:p>
-                  </a:txBody>
-                  <a:tcPr/>
-                </a:tc>
-                <a:tc>
-                  <a:txBody>
-                    <a:bodyPr/>
-                    <a:lstStyle/>
-                    <a:p>
-                      <a:pPr latinLnBrk="1"/>
-                      <a:endParaRPr lang="ko-KR" altLang="en-US" sz="1000">
-                        <a:latin typeface="+mn-lt"/>
-                      </a:endParaRPr>
-                    </a:p>
-                  </a:txBody>
-                  <a:tcPr/>
-                </a:tc>
-              </a:tr>
-              <a:tr h="260216">
-                <a:tc>
-                  <a:txBody>
-                    <a:bodyPr/>
-                    <a:lstStyle/>
-                    <a:p>
-                      <a:pPr latinLnBrk="1"/>
-                      <a:endParaRPr lang="ko-KR" altLang="en-US" sz="1000">
-                        <a:latin typeface="+mn-lt"/>
-                      </a:endParaRPr>
-                    </a:p>
-                  </a:txBody>
-                  <a:tcPr/>
-                </a:tc>
-                <a:tc>
-                  <a:txBody>
-                    <a:bodyPr/>
-                    <a:lstStyle/>
-                    <a:p>
-                      <a:pPr latinLnBrk="1"/>
-                      <a:endParaRPr lang="ko-KR" altLang="en-US" sz="1000">
-                        <a:latin typeface="+mn-lt"/>
-                      </a:endParaRPr>
-                    </a:p>
-                  </a:txBody>
-                  <a:tcPr/>
-                </a:tc>
-                <a:tc>
-                  <a:txBody>
-                    <a:bodyPr/>
-                    <a:lstStyle/>
-                    <a:p>
-                      <a:pPr latinLnBrk="1"/>
-                      <a:endParaRPr lang="ko-KR" altLang="en-US" sz="1000" dirty="0">
-                        <a:latin typeface="+mn-lt"/>
-                      </a:endParaRPr>
-                    </a:p>
-                  </a:txBody>
-                  <a:tcPr/>
-                </a:tc>
-              </a:tr>
-            </a:tbl>
-          </a:graphicData>
-        </a:graphic>
-      </p:graphicFrame>
-    </p:spTree>
-    <p:extLst>
-      <p:ext uri="{BB962C8B-B14F-4D97-AF65-F5344CB8AC3E}">
-        <p14:creationId xmlns:p14="http://schemas.microsoft.com/office/powerpoint/2010/main" val="765761660"/>
-      </p:ext>
-    </p:extLst>
   </p:cSld>
   <p:clrMapOvr>
     <a:masterClrMapping/>
@@ -18308,11 +23546,7 @@
             </a:r>
             <a:r>
               <a:rPr lang="en-US" altLang="ko-KR" sz="3200" dirty="0" smtClean="0"/>
-              <a:t>| </a:t>
-            </a:r>
-            <a:r>
-              <a:rPr lang="en-US" altLang="ko-KR" sz="3200" dirty="0" smtClean="0"/>
-              <a:t>Default </a:t>
+              <a:t>| Default </a:t>
             </a:r>
             <a:r>
               <a:rPr lang="en-US" altLang="ko-KR" sz="3200" dirty="0" err="1" smtClean="0"/>
@@ -20056,11 +25290,7 @@
             </a:r>
             <a:r>
               <a:rPr lang="en-US" altLang="ko-KR" sz="3200" dirty="0" smtClean="0"/>
-              <a:t>| </a:t>
-            </a:r>
-            <a:r>
-              <a:rPr lang="en-US" altLang="ko-KR" sz="3200" dirty="0" smtClean="0"/>
-              <a:t>Additional </a:t>
+              <a:t>| Additional </a:t>
             </a:r>
             <a:r>
               <a:rPr lang="en-US" altLang="ko-KR" sz="3200" dirty="0" err="1" smtClean="0"/>
@@ -21962,15 +27192,7 @@
             </a:r>
             <a:r>
               <a:rPr lang="en-US" altLang="ko-KR" sz="3200" dirty="0" smtClean="0"/>
-              <a:t>| </a:t>
-            </a:r>
-            <a:r>
-              <a:rPr lang="en-US" altLang="ko-KR" sz="3200" dirty="0" smtClean="0"/>
-              <a:t>I</a:t>
-            </a:r>
-            <a:r>
-              <a:rPr lang="en-US" altLang="ko-KR" sz="3200" dirty="0" smtClean="0"/>
-              <a:t>ntercepted </a:t>
+              <a:t>| Intercepted </a:t>
             </a:r>
             <a:r>
               <a:rPr lang="en-US" altLang="ko-KR" sz="3200" dirty="0" err="1" smtClean="0"/>
@@ -24064,11 +29286,7 @@
             </a:r>
             <a:r>
               <a:rPr lang="en-US" altLang="ko-KR" sz="3200" dirty="0" smtClean="0"/>
-              <a:t>| </a:t>
-            </a:r>
-            <a:r>
-              <a:rPr lang="en-US" altLang="ko-KR" sz="3200" dirty="0" smtClean="0"/>
-              <a:t>Multiple </a:t>
+              <a:t>| Multiple </a:t>
             </a:r>
             <a:r>
               <a:rPr lang="en-US" altLang="ko-KR" sz="3200" dirty="0" err="1" smtClean="0"/>
@@ -26286,7 +31504,15 @@
             </a:r>
             <a:r>
               <a:rPr lang="en-US" altLang="ko-KR" sz="3200" dirty="0" smtClean="0"/>
-              <a:t>| Plug-in Concept</a:t>
+              <a:t>| </a:t>
+            </a:r>
+            <a:r>
+              <a:rPr lang="en-US" altLang="ko-KR" sz="3200" dirty="0" smtClean="0"/>
+              <a:t>Touch/</a:t>
+            </a:r>
+            <a:r>
+              <a:rPr lang="en-US" altLang="ko-KR" sz="3200" dirty="0" err="1" smtClean="0"/>
+              <a:t>GestureHandler</a:t>
             </a:r>
             <a:endParaRPr lang="ko-KR" altLang="en-US" sz="3200" dirty="0"/>
           </a:p>
@@ -26294,240 +31520,674 @@
       </p:sp>
       <p:sp>
         <p:nvSpPr>
-          <p:cNvPr id="3" name="내용 개체 틀 2"/>
-          <p:cNvSpPr>
-            <a:spLocks noGrp="1"/>
-          </p:cNvSpPr>
-          <p:nvPr>
-            <p:ph idx="1"/>
-          </p:nvPr>
-        </p:nvSpPr>
-        <p:spPr/>
-        <p:txBody>
-          <a:bodyPr>
-            <a:noAutofit/>
-          </a:bodyPr>
-          <a:lstStyle/>
-          <a:p>
-            <a:r>
-              <a:rPr lang="en-US" altLang="ko-KR" sz="1800" dirty="0" err="1" smtClean="0"/>
-              <a:t>MainView</a:t>
-            </a:r>
-            <a:endParaRPr lang="en-US" altLang="ko-KR" sz="1800" dirty="0" smtClean="0"/>
-          </a:p>
-          <a:p>
-            <a:pPr lvl="1"/>
-            <a:r>
-              <a:rPr lang="en-US" altLang="ko-KR" sz="1400" dirty="0" err="1" smtClean="0"/>
-              <a:t>PlugPanel</a:t>
-            </a:r>
-            <a:r>
-              <a:rPr lang="ko-KR" altLang="en-US" sz="1400" dirty="0" smtClean="0"/>
-              <a:t>과 각 </a:t>
-            </a:r>
-            <a:r>
-              <a:rPr lang="en-US" altLang="ko-KR" sz="1400" dirty="0"/>
-              <a:t>P</a:t>
-            </a:r>
-            <a:r>
-              <a:rPr lang="en-US" altLang="ko-KR" sz="1400" dirty="0" smtClean="0"/>
-              <a:t>lug</a:t>
-            </a:r>
-            <a:r>
-              <a:rPr lang="ko-KR" altLang="en-US" sz="1400" dirty="0" smtClean="0"/>
-              <a:t>에 대한 </a:t>
-            </a:r>
-            <a:r>
-              <a:rPr lang="en-US" altLang="ko-KR" sz="1400" dirty="0" smtClean="0"/>
-              <a:t>UX</a:t>
-            </a:r>
-            <a:r>
-              <a:rPr lang="ko-KR" altLang="en-US" sz="1400" dirty="0"/>
+          <p:cNvPr id="4" name="모서리가 둥근 직사각형 3"/>
+          <p:cNvSpPr/>
+          <p:nvPr/>
+        </p:nvSpPr>
+        <p:spPr>
+          <a:xfrm>
+            <a:off x="3923928" y="3645024"/>
+            <a:ext cx="1368152" cy="648072"/>
+          </a:xfrm>
+          <a:prstGeom prst="roundRect">
+            <a:avLst/>
+          </a:prstGeom>
+        </p:spPr>
+        <p:style>
+          <a:lnRef idx="1">
+            <a:schemeClr val="accent2"/>
+          </a:lnRef>
+          <a:fillRef idx="2">
+            <a:schemeClr val="accent2"/>
+          </a:fillRef>
+          <a:effectRef idx="1">
+            <a:schemeClr val="accent2"/>
+          </a:effectRef>
+          <a:fontRef idx="minor">
+            <a:schemeClr val="dk1"/>
+          </a:fontRef>
+        </p:style>
+        <p:txBody>
+          <a:bodyPr rtlCol="0" anchor="ctr"/>
+          <a:lstStyle/>
+          <a:p>
+            <a:pPr algn="ctr"/>
+            <a:r>
+              <a:rPr lang="en-US" altLang="ko-KR" sz="1000" dirty="0" err="1" smtClean="0"/>
+              <a:t>GestureHandler</a:t>
+            </a:r>
+            <a:endParaRPr lang="ko-KR" altLang="en-US" sz="1000" dirty="0"/>
+          </a:p>
+        </p:txBody>
+      </p:sp>
+      <p:sp>
+        <p:nvSpPr>
+          <p:cNvPr id="50" name="모서리가 둥근 직사각형 49"/>
+          <p:cNvSpPr/>
+          <p:nvPr/>
+        </p:nvSpPr>
+        <p:spPr>
+          <a:xfrm>
+            <a:off x="3743908" y="1772816"/>
+            <a:ext cx="1747076" cy="1368152"/>
+          </a:xfrm>
+          <a:prstGeom prst="roundRect">
+            <a:avLst>
+              <a:gd name="adj" fmla="val 9984"/>
+            </a:avLst>
+          </a:prstGeom>
+        </p:spPr>
+        <p:style>
+          <a:lnRef idx="1">
+            <a:schemeClr val="accent1"/>
+          </a:lnRef>
+          <a:fillRef idx="2">
+            <a:schemeClr val="accent1"/>
+          </a:fillRef>
+          <a:effectRef idx="1">
+            <a:schemeClr val="accent1"/>
+          </a:effectRef>
+          <a:fontRef idx="minor">
+            <a:schemeClr val="dk1"/>
+          </a:fontRef>
+        </p:style>
+        <p:txBody>
+          <a:bodyPr rtlCol="0" anchor="ctr"/>
+          <a:lstStyle/>
+          <a:p>
+            <a:pPr algn="ctr"/>
+            <a:r>
+              <a:rPr lang="en-US" altLang="ko-KR" sz="1000" dirty="0" err="1" smtClean="0"/>
+              <a:t>TouchHandler</a:t>
+            </a:r>
+            <a:endParaRPr lang="en-US" altLang="ko-KR" sz="1000" dirty="0" smtClean="0"/>
+          </a:p>
+          <a:p>
+            <a:endParaRPr lang="en-US" altLang="ko-KR" sz="1000" dirty="0" smtClean="0"/>
+          </a:p>
+          <a:p>
+            <a:r>
+              <a:rPr lang="en-US" altLang="ko-KR" sz="1000" dirty="0" err="1" smtClean="0"/>
+              <a:t>OnTouchPressed</a:t>
+            </a:r>
+            <a:r>
+              <a:rPr lang="en-US" altLang="ko-KR" sz="1000" dirty="0" smtClean="0"/>
               <a:t> </a:t>
             </a:r>
             <a:r>
-              <a:rPr lang="ko-KR" altLang="en-US" sz="1400" dirty="0" smtClean="0"/>
-              <a:t>관리 및 중계</a:t>
-            </a:r>
-            <a:endParaRPr lang="en-US" altLang="ko-KR" sz="1400" dirty="0" smtClean="0"/>
-          </a:p>
-          <a:p>
-            <a:endParaRPr lang="en-US" altLang="ko-KR" sz="1800" dirty="0" smtClean="0"/>
-          </a:p>
-          <a:p>
-            <a:r>
-              <a:rPr lang="en-US" altLang="ko-KR" sz="1800" dirty="0" err="1" smtClean="0"/>
-              <a:t>PlugPanel</a:t>
-            </a:r>
-            <a:endParaRPr lang="en-US" altLang="ko-KR" sz="1800" dirty="0" smtClean="0"/>
-          </a:p>
-          <a:p>
-            <a:pPr lvl="1"/>
-            <a:r>
-              <a:rPr lang="en-US" altLang="ko-KR" sz="1400" dirty="0" smtClean="0"/>
-              <a:t>Plug </a:t>
-            </a:r>
-            <a:r>
-              <a:rPr lang="ko-KR" altLang="en-US" sz="1400" dirty="0" smtClean="0"/>
-              <a:t>추가</a:t>
-            </a:r>
-            <a:r>
-              <a:rPr lang="en-US" altLang="ko-KR" sz="1400" dirty="0" smtClean="0"/>
-              <a:t>, </a:t>
-            </a:r>
-            <a:r>
-              <a:rPr lang="ko-KR" altLang="en-US" sz="1400" dirty="0" smtClean="0"/>
-              <a:t>삭제</a:t>
-            </a:r>
-            <a:r>
-              <a:rPr lang="en-US" altLang="ko-KR" sz="1400" dirty="0" smtClean="0"/>
-              <a:t>, </a:t>
-            </a:r>
-            <a:r>
-              <a:rPr lang="ko-KR" altLang="en-US" sz="1400" dirty="0" smtClean="0"/>
-              <a:t>실행</a:t>
-            </a:r>
-            <a:r>
-              <a:rPr lang="en-US" altLang="ko-KR" sz="1400" dirty="0" smtClean="0"/>
-              <a:t>, </a:t>
-            </a:r>
-            <a:r>
-              <a:rPr lang="ko-KR" altLang="en-US" sz="1400" dirty="0" smtClean="0"/>
-              <a:t>중지할 수 있는 </a:t>
-            </a:r>
-            <a:r>
-              <a:rPr lang="en-US" altLang="ko-KR" sz="1400" dirty="0"/>
-              <a:t>P</a:t>
-            </a:r>
-            <a:r>
-              <a:rPr lang="en-US" altLang="ko-KR" sz="1400" dirty="0" smtClean="0"/>
-              <a:t>lug container</a:t>
-            </a:r>
-          </a:p>
-          <a:p>
-            <a:pPr lvl="1"/>
-            <a:r>
-              <a:rPr lang="ko-KR" altLang="en-US" sz="1400" dirty="0" smtClean="0"/>
-              <a:t>특정 </a:t>
-            </a:r>
-            <a:r>
-              <a:rPr lang="en-US" altLang="ko-KR" sz="1400" dirty="0" smtClean="0"/>
-              <a:t>Plug</a:t>
-            </a:r>
-            <a:r>
-              <a:rPr lang="ko-KR" altLang="en-US" sz="1400" dirty="0" smtClean="0"/>
-              <a:t>에 의해 가공된 </a:t>
-            </a:r>
-            <a:r>
-              <a:rPr lang="en-US" altLang="ko-KR" sz="1400" dirty="0" smtClean="0"/>
-              <a:t>contents</a:t>
-            </a:r>
-            <a:r>
-              <a:rPr lang="ko-KR" altLang="en-US" sz="1400" dirty="0" smtClean="0"/>
-              <a:t>도 하나의 </a:t>
-            </a:r>
-            <a:r>
-              <a:rPr lang="en-US" altLang="ko-KR" sz="1400" dirty="0" smtClean="0"/>
-              <a:t>Plug</a:t>
-            </a:r>
-            <a:r>
-              <a:rPr lang="ko-KR" altLang="en-US" sz="1400" dirty="0" smtClean="0"/>
-              <a:t>형태로 관리할 수 있음</a:t>
-            </a:r>
-            <a:r>
-              <a:rPr lang="en-US" altLang="ko-KR" sz="1400" dirty="0" smtClean="0"/>
-              <a:t>(short-cut file </a:t>
-            </a:r>
-            <a:r>
-              <a:rPr lang="ko-KR" altLang="en-US" sz="1400" dirty="0" smtClean="0"/>
-              <a:t>개념</a:t>
-            </a:r>
-            <a:r>
-              <a:rPr lang="en-US" altLang="ko-KR" sz="1400" dirty="0" smtClean="0"/>
-              <a:t>)</a:t>
-            </a:r>
-          </a:p>
-          <a:p>
-            <a:endParaRPr lang="en-US" altLang="ko-KR" sz="1800" dirty="0" smtClean="0"/>
-          </a:p>
-          <a:p>
-            <a:r>
-              <a:rPr lang="en-US" altLang="ko-KR" sz="1800" dirty="0" smtClean="0"/>
-              <a:t>Plug</a:t>
-            </a:r>
-            <a:endParaRPr lang="en-US" altLang="ko-KR" sz="1400" dirty="0" smtClean="0"/>
-          </a:p>
-          <a:p>
-            <a:pPr lvl="1"/>
-            <a:r>
-              <a:rPr lang="ko-KR" altLang="en-US" sz="1400" dirty="0" smtClean="0"/>
-              <a:t>유연하고 확장이 쉬운 사용자 환경을 지원하기 위해 정해진 </a:t>
-            </a:r>
-            <a:r>
-              <a:rPr lang="en-US" altLang="ko-KR" sz="1400" dirty="0" smtClean="0"/>
-              <a:t>plug interface</a:t>
-            </a:r>
-            <a:r>
-              <a:rPr lang="ko-KR" altLang="en-US" sz="1400" dirty="0" smtClean="0"/>
-              <a:t>로 구현된 </a:t>
-            </a:r>
-            <a:r>
-              <a:rPr lang="en-US" altLang="ko-KR" sz="1400" dirty="0" smtClean="0"/>
-              <a:t>UX module(</a:t>
-            </a:r>
-            <a:r>
-              <a:rPr lang="ko-KR" altLang="en-US" sz="1400" dirty="0" smtClean="0"/>
-              <a:t>가능하면 별도의 </a:t>
-            </a:r>
-            <a:r>
-              <a:rPr lang="en-US" altLang="ko-KR" sz="1400" dirty="0" err="1" smtClean="0"/>
-              <a:t>apk</a:t>
-            </a:r>
-            <a:r>
-              <a:rPr lang="ko-KR" altLang="en-US" sz="1400" dirty="0" smtClean="0"/>
-              <a:t>형태</a:t>
-            </a:r>
-            <a:r>
-              <a:rPr lang="en-US" altLang="ko-KR" sz="1400" dirty="0" smtClean="0"/>
-              <a:t>)</a:t>
-            </a:r>
-          </a:p>
-          <a:p>
-            <a:pPr lvl="1"/>
-            <a:r>
-              <a:rPr lang="ko-KR" altLang="en-US" sz="1400" dirty="0" smtClean="0"/>
-              <a:t> </a:t>
-            </a:r>
-            <a:r>
-              <a:rPr lang="en-US" altLang="ko-KR" sz="1400" dirty="0" smtClean="0"/>
-              <a:t>Plug interface</a:t>
-            </a:r>
-            <a:r>
-              <a:rPr lang="ko-KR" altLang="en-US" sz="1400" dirty="0" smtClean="0"/>
-              <a:t>를 공개하여 일반개발자들로 하여금 다양한 </a:t>
-            </a:r>
-            <a:r>
-              <a:rPr lang="en-US" altLang="ko-KR" sz="1400" dirty="0" smtClean="0"/>
-              <a:t>UX plug</a:t>
-            </a:r>
-            <a:r>
-              <a:rPr lang="ko-KR" altLang="en-US" sz="1400" dirty="0" smtClean="0"/>
-              <a:t>를 개발할 수 있도록 지원</a:t>
-            </a:r>
-            <a:r>
-              <a:rPr lang="en-US" altLang="ko-KR" sz="1400" dirty="0" smtClean="0"/>
-              <a:t>.</a:t>
-            </a:r>
-          </a:p>
-          <a:p>
-            <a:endParaRPr lang="ko-KR" altLang="en-US" sz="1800" dirty="0"/>
+              <a:rPr lang="en-US" altLang="ko-KR" sz="1000" dirty="0"/>
+              <a:t>()</a:t>
+            </a:r>
+            <a:endParaRPr lang="en-US" altLang="ko-KR" sz="1000" dirty="0" smtClean="0"/>
+          </a:p>
+          <a:p>
+            <a:r>
+              <a:rPr lang="en-US" altLang="ko-KR" sz="1000" dirty="0" err="1" smtClean="0"/>
+              <a:t>OnTouchMoved</a:t>
+            </a:r>
+            <a:r>
+              <a:rPr lang="en-US" altLang="ko-KR" sz="1000" dirty="0"/>
+              <a:t> ()</a:t>
+            </a:r>
+            <a:endParaRPr lang="en-US" altLang="ko-KR" sz="1000" dirty="0" smtClean="0"/>
+          </a:p>
+          <a:p>
+            <a:r>
+              <a:rPr lang="en-US" altLang="ko-KR" sz="1000" dirty="0" err="1" smtClean="0"/>
+              <a:t>OnTouchReleased</a:t>
+            </a:r>
+            <a:r>
+              <a:rPr lang="en-US" altLang="ko-KR" sz="1000" dirty="0"/>
+              <a:t> ()</a:t>
+            </a:r>
+            <a:endParaRPr lang="en-US" altLang="ko-KR" sz="1000" dirty="0" smtClean="0"/>
+          </a:p>
+          <a:p>
+            <a:r>
+              <a:rPr lang="en-US" altLang="ko-KR" sz="1000" dirty="0" err="1" smtClean="0"/>
+              <a:t>OnTouchCanceled</a:t>
+            </a:r>
+            <a:r>
+              <a:rPr lang="en-US" altLang="ko-KR" sz="1000" dirty="0" smtClean="0"/>
+              <a:t>()</a:t>
+            </a:r>
+            <a:endParaRPr lang="ko-KR" altLang="en-US" sz="1000" dirty="0"/>
+          </a:p>
+        </p:txBody>
+      </p:sp>
+      <p:cxnSp>
+        <p:nvCxnSpPr>
+          <p:cNvPr id="6" name="꺾인 연결선 5"/>
+          <p:cNvCxnSpPr>
+            <a:stCxn id="4" idx="0"/>
+            <a:endCxn id="50" idx="2"/>
+          </p:cNvCxnSpPr>
+          <p:nvPr/>
+        </p:nvCxnSpPr>
+        <p:spPr>
+          <a:xfrm rot="5400000" flipH="1" flipV="1">
+            <a:off x="4360697" y="3388275"/>
+            <a:ext cx="504056" cy="9442"/>
+          </a:xfrm>
+          <a:prstGeom prst="bentConnector3">
+            <a:avLst/>
+          </a:prstGeom>
+          <a:ln>
+            <a:headEnd type="none" w="med" len="med"/>
+            <a:tailEnd type="triangle" w="med" len="med"/>
+          </a:ln>
+        </p:spPr>
+        <p:style>
+          <a:lnRef idx="1">
+            <a:schemeClr val="accent1"/>
+          </a:lnRef>
+          <a:fillRef idx="2">
+            <a:schemeClr val="accent1"/>
+          </a:fillRef>
+          <a:effectRef idx="1">
+            <a:schemeClr val="accent1"/>
+          </a:effectRef>
+          <a:fontRef idx="minor">
+            <a:schemeClr val="dk1"/>
+          </a:fontRef>
+        </p:style>
+      </p:cxnSp>
+      <p:sp>
+        <p:nvSpPr>
+          <p:cNvPr id="73" name="모서리가 둥근 직사각형 72"/>
+          <p:cNvSpPr/>
+          <p:nvPr/>
+        </p:nvSpPr>
+        <p:spPr>
+          <a:xfrm>
+            <a:off x="1188894" y="5085184"/>
+            <a:ext cx="1368152" cy="720080"/>
+          </a:xfrm>
+          <a:prstGeom prst="roundRect">
+            <a:avLst/>
+          </a:prstGeom>
+        </p:spPr>
+        <p:style>
+          <a:lnRef idx="1">
+            <a:schemeClr val="accent2"/>
+          </a:lnRef>
+          <a:fillRef idx="2">
+            <a:schemeClr val="accent2"/>
+          </a:fillRef>
+          <a:effectRef idx="1">
+            <a:schemeClr val="accent2"/>
+          </a:effectRef>
+          <a:fontRef idx="minor">
+            <a:schemeClr val="dk1"/>
+          </a:fontRef>
+        </p:style>
+        <p:txBody>
+          <a:bodyPr rtlCol="0" anchor="t"/>
+          <a:lstStyle/>
+          <a:p>
+            <a:pPr algn="ctr"/>
+            <a:r>
+              <a:rPr lang="en-US" altLang="ko-KR" sz="1000" dirty="0" err="1" smtClean="0"/>
+              <a:t>LongPressed</a:t>
+            </a:r>
+            <a:endParaRPr lang="ko-KR" altLang="en-US" sz="1000" dirty="0"/>
+          </a:p>
+        </p:txBody>
+      </p:sp>
+      <p:sp>
+        <p:nvSpPr>
+          <p:cNvPr id="74" name="모서리가 둥근 직사각형 73"/>
+          <p:cNvSpPr/>
+          <p:nvPr/>
+        </p:nvSpPr>
+        <p:spPr>
+          <a:xfrm>
+            <a:off x="3059832" y="5085184"/>
+            <a:ext cx="1368152" cy="720080"/>
+          </a:xfrm>
+          <a:prstGeom prst="roundRect">
+            <a:avLst/>
+          </a:prstGeom>
+        </p:spPr>
+        <p:style>
+          <a:lnRef idx="1">
+            <a:schemeClr val="accent2"/>
+          </a:lnRef>
+          <a:fillRef idx="2">
+            <a:schemeClr val="accent2"/>
+          </a:fillRef>
+          <a:effectRef idx="1">
+            <a:schemeClr val="accent2"/>
+          </a:effectRef>
+          <a:fontRef idx="minor">
+            <a:schemeClr val="dk1"/>
+          </a:fontRef>
+        </p:style>
+        <p:txBody>
+          <a:bodyPr rtlCol="0" anchor="t"/>
+          <a:lstStyle/>
+          <a:p>
+            <a:pPr algn="ctr"/>
+            <a:r>
+              <a:rPr lang="en-US" altLang="ko-KR" sz="1000" dirty="0" smtClean="0"/>
+              <a:t>Pinch</a:t>
+            </a:r>
+            <a:endParaRPr lang="ko-KR" altLang="en-US" sz="1000" dirty="0"/>
+          </a:p>
+        </p:txBody>
+      </p:sp>
+      <p:sp>
+        <p:nvSpPr>
+          <p:cNvPr id="75" name="모서리가 둥근 직사각형 74"/>
+          <p:cNvSpPr/>
+          <p:nvPr/>
+        </p:nvSpPr>
+        <p:spPr>
+          <a:xfrm>
+            <a:off x="4860032" y="5085184"/>
+            <a:ext cx="1368152" cy="720080"/>
+          </a:xfrm>
+          <a:prstGeom prst="roundRect">
+            <a:avLst/>
+          </a:prstGeom>
+        </p:spPr>
+        <p:style>
+          <a:lnRef idx="1">
+            <a:schemeClr val="accent2"/>
+          </a:lnRef>
+          <a:fillRef idx="2">
+            <a:schemeClr val="accent2"/>
+          </a:fillRef>
+          <a:effectRef idx="1">
+            <a:schemeClr val="accent2"/>
+          </a:effectRef>
+          <a:fontRef idx="minor">
+            <a:schemeClr val="dk1"/>
+          </a:fontRef>
+        </p:style>
+        <p:txBody>
+          <a:bodyPr rtlCol="0" anchor="t"/>
+          <a:lstStyle/>
+          <a:p>
+            <a:pPr algn="ctr"/>
+            <a:r>
+              <a:rPr lang="en-US" altLang="ko-KR" sz="1000" dirty="0" smtClean="0"/>
+              <a:t>Flick</a:t>
+            </a:r>
+            <a:endParaRPr lang="ko-KR" altLang="en-US" sz="1000" dirty="0"/>
+          </a:p>
+        </p:txBody>
+      </p:sp>
+      <p:sp>
+        <p:nvSpPr>
+          <p:cNvPr id="76" name="모서리가 둥근 직사각형 75"/>
+          <p:cNvSpPr/>
+          <p:nvPr/>
+        </p:nvSpPr>
+        <p:spPr>
+          <a:xfrm>
+            <a:off x="6588224" y="5085184"/>
+            <a:ext cx="1368152" cy="720080"/>
+          </a:xfrm>
+          <a:prstGeom prst="roundRect">
+            <a:avLst/>
+          </a:prstGeom>
+        </p:spPr>
+        <p:style>
+          <a:lnRef idx="1">
+            <a:schemeClr val="accent2"/>
+          </a:lnRef>
+          <a:fillRef idx="2">
+            <a:schemeClr val="accent2"/>
+          </a:fillRef>
+          <a:effectRef idx="1">
+            <a:schemeClr val="accent2"/>
+          </a:effectRef>
+          <a:fontRef idx="minor">
+            <a:schemeClr val="dk1"/>
+          </a:fontRef>
+        </p:style>
+        <p:txBody>
+          <a:bodyPr rtlCol="0" anchor="t"/>
+          <a:lstStyle/>
+          <a:p>
+            <a:pPr algn="ctr"/>
+            <a:r>
+              <a:rPr lang="en-US" altLang="ko-KR" sz="1000" dirty="0" smtClean="0"/>
+              <a:t>Tap</a:t>
+            </a:r>
+            <a:endParaRPr lang="ko-KR" altLang="en-US" sz="1000" dirty="0"/>
+          </a:p>
+        </p:txBody>
+      </p:sp>
+      <p:cxnSp>
+        <p:nvCxnSpPr>
+          <p:cNvPr id="81" name="꺾인 연결선 80"/>
+          <p:cNvCxnSpPr>
+            <a:stCxn id="73" idx="0"/>
+            <a:endCxn id="4" idx="2"/>
+          </p:cNvCxnSpPr>
+          <p:nvPr/>
+        </p:nvCxnSpPr>
+        <p:spPr>
+          <a:xfrm rot="5400000" flipH="1" flipV="1">
+            <a:off x="2844443" y="3321623"/>
+            <a:ext cx="792088" cy="2735034"/>
+          </a:xfrm>
+          <a:prstGeom prst="bentConnector3">
+            <a:avLst>
+              <a:gd name="adj1" fmla="val 50000"/>
+            </a:avLst>
+          </a:prstGeom>
+          <a:ln>
+            <a:headEnd type="none" w="med" len="med"/>
+            <a:tailEnd type="triangle" w="med" len="med"/>
+          </a:ln>
+        </p:spPr>
+        <p:style>
+          <a:lnRef idx="1">
+            <a:schemeClr val="accent1"/>
+          </a:lnRef>
+          <a:fillRef idx="2">
+            <a:schemeClr val="accent1"/>
+          </a:fillRef>
+          <a:effectRef idx="1">
+            <a:schemeClr val="accent1"/>
+          </a:effectRef>
+          <a:fontRef idx="minor">
+            <a:schemeClr val="dk1"/>
+          </a:fontRef>
+        </p:style>
+      </p:cxnSp>
+      <p:cxnSp>
+        <p:nvCxnSpPr>
+          <p:cNvPr id="84" name="꺾인 연결선 83"/>
+          <p:cNvCxnSpPr>
+            <a:stCxn id="74" idx="0"/>
+            <a:endCxn id="4" idx="2"/>
+          </p:cNvCxnSpPr>
+          <p:nvPr/>
+        </p:nvCxnSpPr>
+        <p:spPr>
+          <a:xfrm rot="5400000" flipH="1" flipV="1">
+            <a:off x="3779912" y="4257092"/>
+            <a:ext cx="792088" cy="864096"/>
+          </a:xfrm>
+          <a:prstGeom prst="bentConnector3">
+            <a:avLst>
+              <a:gd name="adj1" fmla="val 50000"/>
+            </a:avLst>
+          </a:prstGeom>
+          <a:ln>
+            <a:headEnd type="none" w="med" len="med"/>
+            <a:tailEnd type="triangle" w="med" len="med"/>
+          </a:ln>
+        </p:spPr>
+        <p:style>
+          <a:lnRef idx="1">
+            <a:schemeClr val="accent1"/>
+          </a:lnRef>
+          <a:fillRef idx="2">
+            <a:schemeClr val="accent1"/>
+          </a:fillRef>
+          <a:effectRef idx="1">
+            <a:schemeClr val="accent1"/>
+          </a:effectRef>
+          <a:fontRef idx="minor">
+            <a:schemeClr val="dk1"/>
+          </a:fontRef>
+        </p:style>
+      </p:cxnSp>
+      <p:cxnSp>
+        <p:nvCxnSpPr>
+          <p:cNvPr id="85" name="꺾인 연결선 84"/>
+          <p:cNvCxnSpPr>
+            <a:stCxn id="75" idx="0"/>
+            <a:endCxn id="4" idx="2"/>
+          </p:cNvCxnSpPr>
+          <p:nvPr/>
+        </p:nvCxnSpPr>
+        <p:spPr>
+          <a:xfrm rot="16200000" flipV="1">
+            <a:off x="4680012" y="4221088"/>
+            <a:ext cx="792088" cy="936104"/>
+          </a:xfrm>
+          <a:prstGeom prst="bentConnector3">
+            <a:avLst>
+              <a:gd name="adj1" fmla="val 50000"/>
+            </a:avLst>
+          </a:prstGeom>
+          <a:ln>
+            <a:headEnd type="none" w="med" len="med"/>
+            <a:tailEnd type="triangle" w="med" len="med"/>
+          </a:ln>
+        </p:spPr>
+        <p:style>
+          <a:lnRef idx="1">
+            <a:schemeClr val="accent1"/>
+          </a:lnRef>
+          <a:fillRef idx="2">
+            <a:schemeClr val="accent1"/>
+          </a:fillRef>
+          <a:effectRef idx="1">
+            <a:schemeClr val="accent1"/>
+          </a:effectRef>
+          <a:fontRef idx="minor">
+            <a:schemeClr val="dk1"/>
+          </a:fontRef>
+        </p:style>
+      </p:cxnSp>
+      <p:cxnSp>
+        <p:nvCxnSpPr>
+          <p:cNvPr id="86" name="꺾인 연결선 85"/>
+          <p:cNvCxnSpPr>
+            <a:stCxn id="76" idx="0"/>
+            <a:endCxn id="4" idx="2"/>
+          </p:cNvCxnSpPr>
+          <p:nvPr/>
+        </p:nvCxnSpPr>
+        <p:spPr>
+          <a:xfrm rot="16200000" flipV="1">
+            <a:off x="5544108" y="3356992"/>
+            <a:ext cx="792088" cy="2664296"/>
+          </a:xfrm>
+          <a:prstGeom prst="bentConnector3">
+            <a:avLst>
+              <a:gd name="adj1" fmla="val 50000"/>
+            </a:avLst>
+          </a:prstGeom>
+          <a:ln>
+            <a:headEnd type="none" w="med" len="med"/>
+            <a:tailEnd type="triangle" w="med" len="med"/>
+          </a:ln>
+        </p:spPr>
+        <p:style>
+          <a:lnRef idx="1">
+            <a:schemeClr val="accent1"/>
+          </a:lnRef>
+          <a:fillRef idx="2">
+            <a:schemeClr val="accent1"/>
+          </a:fillRef>
+          <a:effectRef idx="1">
+            <a:schemeClr val="accent1"/>
+          </a:effectRef>
+          <a:fontRef idx="minor">
+            <a:schemeClr val="dk1"/>
+          </a:fontRef>
+        </p:style>
+      </p:cxnSp>
+      <p:sp>
+        <p:nvSpPr>
+          <p:cNvPr id="89" name="모서리가 둥근 직사각형 88"/>
+          <p:cNvSpPr/>
+          <p:nvPr/>
+        </p:nvSpPr>
+        <p:spPr>
+          <a:xfrm>
+            <a:off x="3131840" y="5409220"/>
+            <a:ext cx="1224136" cy="324036"/>
+          </a:xfrm>
+          <a:prstGeom prst="roundRect">
+            <a:avLst/>
+          </a:prstGeom>
+        </p:spPr>
+        <p:style>
+          <a:lnRef idx="1">
+            <a:schemeClr val="accent1"/>
+          </a:lnRef>
+          <a:fillRef idx="2">
+            <a:schemeClr val="accent1"/>
+          </a:fillRef>
+          <a:effectRef idx="1">
+            <a:schemeClr val="accent1"/>
+          </a:effectRef>
+          <a:fontRef idx="minor">
+            <a:schemeClr val="dk1"/>
+          </a:fontRef>
+        </p:style>
+        <p:txBody>
+          <a:bodyPr rtlCol="0" anchor="ctr"/>
+          <a:lstStyle/>
+          <a:p>
+            <a:pPr algn="ctr"/>
+            <a:r>
+              <a:rPr lang="en-US" altLang="ko-KR" sz="1000" dirty="0" smtClean="0"/>
+              <a:t>Multi touch events</a:t>
+            </a:r>
+            <a:endParaRPr lang="ko-KR" altLang="en-US" sz="1000" dirty="0"/>
+          </a:p>
+        </p:txBody>
+      </p:sp>
+      <p:sp>
+        <p:nvSpPr>
+          <p:cNvPr id="90" name="모서리가 둥근 직사각형 89"/>
+          <p:cNvSpPr/>
+          <p:nvPr/>
+        </p:nvSpPr>
+        <p:spPr>
+          <a:xfrm>
+            <a:off x="1260902" y="5409220"/>
+            <a:ext cx="1224136" cy="324036"/>
+          </a:xfrm>
+          <a:prstGeom prst="roundRect">
+            <a:avLst/>
+          </a:prstGeom>
+        </p:spPr>
+        <p:style>
+          <a:lnRef idx="1">
+            <a:schemeClr val="accent1"/>
+          </a:lnRef>
+          <a:fillRef idx="2">
+            <a:schemeClr val="accent1"/>
+          </a:fillRef>
+          <a:effectRef idx="1">
+            <a:schemeClr val="accent1"/>
+          </a:effectRef>
+          <a:fontRef idx="minor">
+            <a:schemeClr val="dk1"/>
+          </a:fontRef>
+        </p:style>
+        <p:txBody>
+          <a:bodyPr rtlCol="0" anchor="ctr"/>
+          <a:lstStyle/>
+          <a:p>
+            <a:pPr algn="ctr"/>
+            <a:r>
+              <a:rPr lang="en-US" altLang="ko-KR" sz="1000" dirty="0" smtClean="0"/>
+              <a:t>Timer</a:t>
+            </a:r>
+            <a:endParaRPr lang="ko-KR" altLang="en-US" sz="1000" dirty="0"/>
+          </a:p>
+        </p:txBody>
+      </p:sp>
+      <p:sp>
+        <p:nvSpPr>
+          <p:cNvPr id="92" name="모서리가 둥근 직사각형 91"/>
+          <p:cNvSpPr/>
+          <p:nvPr/>
+        </p:nvSpPr>
+        <p:spPr>
+          <a:xfrm>
+            <a:off x="4932040" y="5391962"/>
+            <a:ext cx="1224136" cy="324036"/>
+          </a:xfrm>
+          <a:prstGeom prst="roundRect">
+            <a:avLst/>
+          </a:prstGeom>
+        </p:spPr>
+        <p:style>
+          <a:lnRef idx="1">
+            <a:schemeClr val="accent1"/>
+          </a:lnRef>
+          <a:fillRef idx="2">
+            <a:schemeClr val="accent1"/>
+          </a:fillRef>
+          <a:effectRef idx="1">
+            <a:schemeClr val="accent1"/>
+          </a:effectRef>
+          <a:fontRef idx="minor">
+            <a:schemeClr val="dk1"/>
+          </a:fontRef>
+        </p:style>
+        <p:txBody>
+          <a:bodyPr rtlCol="0" anchor="ctr"/>
+          <a:lstStyle/>
+          <a:p>
+            <a:pPr algn="ctr"/>
+            <a:r>
+              <a:rPr lang="en-US" altLang="ko-KR" sz="1000" dirty="0" smtClean="0"/>
+              <a:t>Move/Release event</a:t>
+            </a:r>
+            <a:endParaRPr lang="ko-KR" altLang="en-US" sz="1000" dirty="0"/>
+          </a:p>
+        </p:txBody>
+      </p:sp>
+      <p:sp>
+        <p:nvSpPr>
+          <p:cNvPr id="93" name="모서리가 둥근 직사각형 92"/>
+          <p:cNvSpPr/>
+          <p:nvPr/>
+        </p:nvSpPr>
+        <p:spPr>
+          <a:xfrm>
+            <a:off x="6660232" y="5382344"/>
+            <a:ext cx="1224136" cy="324036"/>
+          </a:xfrm>
+          <a:prstGeom prst="roundRect">
+            <a:avLst/>
+          </a:prstGeom>
+        </p:spPr>
+        <p:style>
+          <a:lnRef idx="1">
+            <a:schemeClr val="accent1"/>
+          </a:lnRef>
+          <a:fillRef idx="2">
+            <a:schemeClr val="accent1"/>
+          </a:fillRef>
+          <a:effectRef idx="1">
+            <a:schemeClr val="accent1"/>
+          </a:effectRef>
+          <a:fontRef idx="minor">
+            <a:schemeClr val="dk1"/>
+          </a:fontRef>
+        </p:style>
+        <p:txBody>
+          <a:bodyPr rtlCol="0" anchor="ctr"/>
+          <a:lstStyle/>
+          <a:p>
+            <a:pPr algn="ctr"/>
+            <a:r>
+              <a:rPr lang="en-US" altLang="ko-KR" sz="1000" dirty="0" smtClean="0"/>
+              <a:t>Press/Release event</a:t>
+            </a:r>
+            <a:endParaRPr lang="ko-KR" altLang="en-US" sz="1000" dirty="0"/>
           </a:p>
         </p:txBody>
       </p:sp>
     </p:spTree>
     <p:extLst>
       <p:ext uri="{BB962C8B-B14F-4D97-AF65-F5344CB8AC3E}">
-        <p14:creationId xmlns:p14="http://schemas.microsoft.com/office/powerpoint/2010/main" val="579352315"/>
+        <p14:creationId xmlns:p14="http://schemas.microsoft.com/office/powerpoint/2010/main" val="2385140140"/>
       </p:ext>
     </p:extLst>
   </p:cSld>

--- a/Storygraph/docs/Appear UX + Storygraph.pptx
+++ b/Storygraph/docs/Appear UX + Storygraph.pptx
@@ -22,18 +22,19 @@
     <p:sldId id="291" r:id="rId16"/>
     <p:sldId id="295" r:id="rId17"/>
     <p:sldId id="297" r:id="rId18"/>
-    <p:sldId id="299" r:id="rId19"/>
-    <p:sldId id="274" r:id="rId20"/>
-    <p:sldId id="261" r:id="rId21"/>
-    <p:sldId id="260" r:id="rId22"/>
-    <p:sldId id="262" r:id="rId23"/>
-    <p:sldId id="263" r:id="rId24"/>
-    <p:sldId id="266" r:id="rId25"/>
-    <p:sldId id="267" r:id="rId26"/>
-    <p:sldId id="265" r:id="rId27"/>
-    <p:sldId id="268" r:id="rId28"/>
-    <p:sldId id="269" r:id="rId29"/>
-    <p:sldId id="270" r:id="rId30"/>
+    <p:sldId id="300" r:id="rId19"/>
+    <p:sldId id="299" r:id="rId20"/>
+    <p:sldId id="274" r:id="rId21"/>
+    <p:sldId id="261" r:id="rId22"/>
+    <p:sldId id="260" r:id="rId23"/>
+    <p:sldId id="262" r:id="rId24"/>
+    <p:sldId id="263" r:id="rId25"/>
+    <p:sldId id="266" r:id="rId26"/>
+    <p:sldId id="267" r:id="rId27"/>
+    <p:sldId id="265" r:id="rId28"/>
+    <p:sldId id="268" r:id="rId29"/>
+    <p:sldId id="269" r:id="rId30"/>
+    <p:sldId id="270" r:id="rId31"/>
   </p:sldIdLst>
   <p:sldSz cx="9144000" cy="6858000" type="screen4x3"/>
   <p:notesSz cx="6858000" cy="9144000"/>
@@ -317,7 +318,7 @@
             <a:fld id="{CEB84FF0-67E9-40A1-8F5C-7FC5E49514C8}" type="datetimeFigureOut">
               <a:rPr lang="ko-KR" altLang="en-US" smtClean="0"/>
               <a:pPr/>
-              <a:t>2013-01-16</a:t>
+              <a:t>2013-01-27</a:t>
             </a:fld>
             <a:endParaRPr lang="ko-KR" altLang="en-US"/>
           </a:p>
@@ -484,7 +485,7 @@
             <a:fld id="{CEB84FF0-67E9-40A1-8F5C-7FC5E49514C8}" type="datetimeFigureOut">
               <a:rPr lang="ko-KR" altLang="en-US" smtClean="0"/>
               <a:pPr/>
-              <a:t>2013-01-16</a:t>
+              <a:t>2013-01-27</a:t>
             </a:fld>
             <a:endParaRPr lang="ko-KR" altLang="en-US"/>
           </a:p>
@@ -661,7 +662,7 @@
             <a:fld id="{CEB84FF0-67E9-40A1-8F5C-7FC5E49514C8}" type="datetimeFigureOut">
               <a:rPr lang="ko-KR" altLang="en-US" smtClean="0"/>
               <a:pPr/>
-              <a:t>2013-01-16</a:t>
+              <a:t>2013-01-27</a:t>
             </a:fld>
             <a:endParaRPr lang="ko-KR" altLang="en-US"/>
           </a:p>
@@ -828,7 +829,7 @@
             <a:fld id="{CEB84FF0-67E9-40A1-8F5C-7FC5E49514C8}" type="datetimeFigureOut">
               <a:rPr lang="ko-KR" altLang="en-US" smtClean="0"/>
               <a:pPr/>
-              <a:t>2013-01-16</a:t>
+              <a:t>2013-01-27</a:t>
             </a:fld>
             <a:endParaRPr lang="ko-KR" altLang="en-US"/>
           </a:p>
@@ -1071,7 +1072,7 @@
             <a:fld id="{CEB84FF0-67E9-40A1-8F5C-7FC5E49514C8}" type="datetimeFigureOut">
               <a:rPr lang="ko-KR" altLang="en-US" smtClean="0"/>
               <a:pPr/>
-              <a:t>2013-01-16</a:t>
+              <a:t>2013-01-27</a:t>
             </a:fld>
             <a:endParaRPr lang="ko-KR" altLang="en-US"/>
           </a:p>
@@ -1356,7 +1357,7 @@
             <a:fld id="{CEB84FF0-67E9-40A1-8F5C-7FC5E49514C8}" type="datetimeFigureOut">
               <a:rPr lang="ko-KR" altLang="en-US" smtClean="0"/>
               <a:pPr/>
-              <a:t>2013-01-16</a:t>
+              <a:t>2013-01-27</a:t>
             </a:fld>
             <a:endParaRPr lang="ko-KR" altLang="en-US"/>
           </a:p>
@@ -1775,7 +1776,7 @@
             <a:fld id="{CEB84FF0-67E9-40A1-8F5C-7FC5E49514C8}" type="datetimeFigureOut">
               <a:rPr lang="ko-KR" altLang="en-US" smtClean="0"/>
               <a:pPr/>
-              <a:t>2013-01-16</a:t>
+              <a:t>2013-01-27</a:t>
             </a:fld>
             <a:endParaRPr lang="ko-KR" altLang="en-US"/>
           </a:p>
@@ -1890,7 +1891,7 @@
             <a:fld id="{CEB84FF0-67E9-40A1-8F5C-7FC5E49514C8}" type="datetimeFigureOut">
               <a:rPr lang="ko-KR" altLang="en-US" smtClean="0"/>
               <a:pPr/>
-              <a:t>2013-01-16</a:t>
+              <a:t>2013-01-27</a:t>
             </a:fld>
             <a:endParaRPr lang="ko-KR" altLang="en-US"/>
           </a:p>
@@ -1982,7 +1983,7 @@
             <a:fld id="{CEB84FF0-67E9-40A1-8F5C-7FC5E49514C8}" type="datetimeFigureOut">
               <a:rPr lang="ko-KR" altLang="en-US" smtClean="0"/>
               <a:pPr/>
-              <a:t>2013-01-16</a:t>
+              <a:t>2013-01-27</a:t>
             </a:fld>
             <a:endParaRPr lang="ko-KR" altLang="en-US"/>
           </a:p>
@@ -2256,7 +2257,7 @@
             <a:fld id="{CEB84FF0-67E9-40A1-8F5C-7FC5E49514C8}" type="datetimeFigureOut">
               <a:rPr lang="ko-KR" altLang="en-US" smtClean="0"/>
               <a:pPr/>
-              <a:t>2013-01-16</a:t>
+              <a:t>2013-01-27</a:t>
             </a:fld>
             <a:endParaRPr lang="ko-KR" altLang="en-US"/>
           </a:p>
@@ -2506,7 +2507,7 @@
             <a:fld id="{CEB84FF0-67E9-40A1-8F5C-7FC5E49514C8}" type="datetimeFigureOut">
               <a:rPr lang="ko-KR" altLang="en-US" smtClean="0"/>
               <a:pPr/>
-              <a:t>2013-01-16</a:t>
+              <a:t>2013-01-27</a:t>
             </a:fld>
             <a:endParaRPr lang="ko-KR" altLang="en-US"/>
           </a:p>
@@ -2716,7 +2717,7 @@
             <a:fld id="{CEB84FF0-67E9-40A1-8F5C-7FC5E49514C8}" type="datetimeFigureOut">
               <a:rPr lang="ko-KR" altLang="en-US" smtClean="0"/>
               <a:pPr/>
-              <a:t>2013-01-16</a:t>
+              <a:t>2013-01-27</a:t>
             </a:fld>
             <a:endParaRPr lang="ko-KR" altLang="en-US"/>
           </a:p>
@@ -3210,11 +3211,7 @@
             </a:r>
             <a:r>
               <a:rPr lang="en-US" altLang="ko-KR" sz="3200" dirty="0" smtClean="0"/>
-              <a:t>| </a:t>
-            </a:r>
-            <a:r>
-              <a:rPr lang="en-US" altLang="ko-KR" sz="3200" dirty="0" smtClean="0"/>
-              <a:t>Drag and Drop</a:t>
+              <a:t>| Drag and Drop</a:t>
             </a:r>
             <a:endParaRPr lang="ko-KR" altLang="en-US" sz="3200" dirty="0"/>
           </a:p>
@@ -4196,11 +4193,7 @@
             </a:r>
             <a:r>
               <a:rPr lang="en-US" altLang="ko-KR" sz="3200" dirty="0" smtClean="0"/>
-              <a:t>| </a:t>
-            </a:r>
-            <a:r>
-              <a:rPr lang="en-US" altLang="ko-KR" sz="3200" dirty="0" smtClean="0"/>
-              <a:t>Drag and Drop</a:t>
+              <a:t>| Drag and Drop</a:t>
             </a:r>
             <a:endParaRPr lang="ko-KR" altLang="en-US" sz="3200" dirty="0"/>
           </a:p>
@@ -6653,11 +6646,7 @@
             </a:r>
             <a:r>
               <a:rPr lang="en-US" altLang="ko-KR" sz="3200" dirty="0" smtClean="0"/>
-              <a:t>| </a:t>
-            </a:r>
-            <a:r>
-              <a:rPr lang="en-US" altLang="ko-KR" sz="3200" dirty="0" smtClean="0"/>
-              <a:t>Dropped &amp; </a:t>
+              <a:t>| Dropped &amp; </a:t>
             </a:r>
             <a:r>
               <a:rPr lang="en-US" altLang="ko-KR" sz="3200" dirty="0" err="1" smtClean="0"/>
@@ -7609,48 +7598,6 @@
       </p:grpSpPr>
       <p:sp>
         <p:nvSpPr>
-          <p:cNvPr id="16" name="모서리가 둥근 직사각형 15"/>
-          <p:cNvSpPr/>
-          <p:nvPr/>
-        </p:nvSpPr>
-        <p:spPr>
-          <a:xfrm>
-            <a:off x="1187624" y="3284984"/>
-            <a:ext cx="6408712" cy="1224136"/>
-          </a:xfrm>
-          <a:prstGeom prst="roundRect">
-            <a:avLst/>
-          </a:prstGeom>
-        </p:spPr>
-        <p:style>
-          <a:lnRef idx="1">
-            <a:schemeClr val="accent2"/>
-          </a:lnRef>
-          <a:fillRef idx="2">
-            <a:schemeClr val="accent2"/>
-          </a:fillRef>
-          <a:effectRef idx="1">
-            <a:schemeClr val="accent2"/>
-          </a:effectRef>
-          <a:fontRef idx="minor">
-            <a:schemeClr val="dk1"/>
-          </a:fontRef>
-        </p:style>
-        <p:txBody>
-          <a:bodyPr rtlCol="0" anchor="t"/>
-          <a:lstStyle/>
-          <a:p>
-            <a:pPr algn="ctr"/>
-            <a:r>
-              <a:rPr lang="en-US" altLang="ko-KR" sz="1000" dirty="0" err="1" smtClean="0"/>
-              <a:t>AppearSimpleControl</a:t>
-            </a:r>
-            <a:endParaRPr lang="ko-KR" altLang="en-US" sz="1000" dirty="0"/>
-          </a:p>
-        </p:txBody>
-      </p:sp>
-      <p:sp>
-        <p:nvSpPr>
           <p:cNvPr id="2" name="제목 1"/>
           <p:cNvSpPr>
             <a:spLocks noGrp="1"/>
@@ -7661,115 +7608,267 @@
         </p:nvSpPr>
         <p:spPr/>
         <p:txBody>
-          <a:bodyPr>
-            <a:normAutofit/>
-          </a:bodyPr>
-          <a:lstStyle/>
-          <a:p>
-            <a:pPr algn="l"/>
-            <a:r>
-              <a:rPr lang="en-US" altLang="ko-KR" sz="3200" dirty="0" smtClean="0"/>
-              <a:t>Appear UX</a:t>
-            </a:r>
-            <a:r>
-              <a:rPr lang="en-US" altLang="ko-KR" sz="3200" dirty="0"/>
-              <a:t> </a:t>
-            </a:r>
-            <a:r>
-              <a:rPr lang="en-US" altLang="ko-KR" sz="3200" dirty="0" smtClean="0"/>
-              <a:t>| </a:t>
-            </a:r>
-            <a:r>
-              <a:rPr lang="en-US" altLang="ko-KR" sz="3200" dirty="0" err="1" smtClean="0"/>
-              <a:t>AppearSimple</a:t>
-            </a:r>
-            <a:r>
-              <a:rPr lang="en-US" altLang="ko-KR" sz="3200" dirty="0" err="1" smtClean="0"/>
+          <a:bodyPr/>
+          <a:lstStyle/>
+          <a:p>
+            <a:r>
+              <a:rPr lang="en-US" altLang="ko-KR" dirty="0" smtClean="0"/>
+              <a:t>Appear UX | Layout</a:t>
+            </a:r>
+            <a:endParaRPr lang="ko-KR" altLang="en-US" dirty="0"/>
+          </a:p>
+        </p:txBody>
+      </p:sp>
+      <p:sp>
+        <p:nvSpPr>
+          <p:cNvPr id="4" name="모서리가 둥근 직사각형 3"/>
+          <p:cNvSpPr/>
+          <p:nvPr/>
+        </p:nvSpPr>
+        <p:spPr>
+          <a:xfrm>
+            <a:off x="611560" y="1577788"/>
+            <a:ext cx="3456383" cy="2571292"/>
+          </a:xfrm>
+          <a:prstGeom prst="roundRect">
+            <a:avLst>
+              <a:gd name="adj" fmla="val 5900"/>
+            </a:avLst>
+          </a:prstGeom>
+        </p:spPr>
+        <p:style>
+          <a:lnRef idx="2">
+            <a:schemeClr val="accent1"/>
+          </a:lnRef>
+          <a:fillRef idx="1">
+            <a:schemeClr val="lt1"/>
+          </a:fillRef>
+          <a:effectRef idx="0">
+            <a:schemeClr val="accent1"/>
+          </a:effectRef>
+          <a:fontRef idx="minor">
+            <a:schemeClr val="dk1"/>
+          </a:fontRef>
+        </p:style>
+        <p:txBody>
+          <a:bodyPr rtlCol="0" anchor="t"/>
+          <a:lstStyle/>
+          <a:p>
+            <a:r>
+              <a:rPr lang="en-US" altLang="ko-KR" sz="1000" dirty="0" smtClean="0"/>
+              <a:t>Controls</a:t>
+            </a:r>
+            <a:endParaRPr lang="ko-KR" altLang="en-US" sz="1000" dirty="0"/>
+          </a:p>
+        </p:txBody>
+      </p:sp>
+      <p:sp>
+        <p:nvSpPr>
+          <p:cNvPr id="5" name="모서리가 둥근 직사각형 4"/>
+          <p:cNvSpPr/>
+          <p:nvPr/>
+        </p:nvSpPr>
+        <p:spPr>
+          <a:xfrm>
+            <a:off x="852388" y="1906613"/>
+            <a:ext cx="1151102" cy="432048"/>
+          </a:xfrm>
+          <a:prstGeom prst="roundRect">
+            <a:avLst/>
+          </a:prstGeom>
+        </p:spPr>
+        <p:style>
+          <a:lnRef idx="1">
+            <a:schemeClr val="accent1"/>
+          </a:lnRef>
+          <a:fillRef idx="2">
+            <a:schemeClr val="accent1"/>
+          </a:fillRef>
+          <a:effectRef idx="1">
+            <a:schemeClr val="accent1"/>
+          </a:effectRef>
+          <a:fontRef idx="minor">
+            <a:schemeClr val="dk1"/>
+          </a:fontRef>
+        </p:style>
+        <p:txBody>
+          <a:bodyPr rtlCol="0" anchor="ctr"/>
+          <a:lstStyle/>
+          <a:p>
+            <a:pPr algn="ctr"/>
+            <a:r>
+              <a:rPr lang="en-US" altLang="ko-KR" sz="1000" dirty="0" err="1" smtClean="0"/>
+              <a:t>LayoutManager</a:t>
+            </a:r>
+            <a:endParaRPr lang="ko-KR" altLang="en-US" sz="1000" dirty="0"/>
+          </a:p>
+        </p:txBody>
+      </p:sp>
+      <p:sp>
+        <p:nvSpPr>
+          <p:cNvPr id="6" name="모서리가 둥근 직사각형 5"/>
+          <p:cNvSpPr/>
+          <p:nvPr/>
+        </p:nvSpPr>
+        <p:spPr>
+          <a:xfrm>
+            <a:off x="838476" y="3068960"/>
+            <a:ext cx="1418375" cy="936104"/>
+          </a:xfrm>
+          <a:prstGeom prst="roundRect">
+            <a:avLst>
+              <a:gd name="adj" fmla="val 5900"/>
+            </a:avLst>
+          </a:prstGeom>
+        </p:spPr>
+        <p:style>
+          <a:lnRef idx="2">
+            <a:schemeClr val="accent1"/>
+          </a:lnRef>
+          <a:fillRef idx="1">
+            <a:schemeClr val="lt1"/>
+          </a:fillRef>
+          <a:effectRef idx="0">
+            <a:schemeClr val="accent1"/>
+          </a:effectRef>
+          <a:fontRef idx="minor">
+            <a:schemeClr val="dk1"/>
+          </a:fontRef>
+        </p:style>
+        <p:txBody>
+          <a:bodyPr rtlCol="0" anchor="t"/>
+          <a:lstStyle/>
+          <a:p>
+            <a:r>
+              <a:rPr lang="en-US" altLang="ko-KR" sz="1000" dirty="0" err="1" smtClean="0"/>
+              <a:t>RenderModel</a:t>
+            </a:r>
+            <a:endParaRPr lang="ko-KR" altLang="en-US" sz="1000" dirty="0"/>
+          </a:p>
+        </p:txBody>
+      </p:sp>
+      <p:sp>
+        <p:nvSpPr>
+          <p:cNvPr id="7" name="모서리가 둥근 직사각형 6"/>
+          <p:cNvSpPr/>
+          <p:nvPr/>
+        </p:nvSpPr>
+        <p:spPr>
+          <a:xfrm>
+            <a:off x="955002" y="3450771"/>
+            <a:ext cx="1151102" cy="432048"/>
+          </a:xfrm>
+          <a:prstGeom prst="roundRect">
+            <a:avLst/>
+          </a:prstGeom>
+        </p:spPr>
+        <p:style>
+          <a:lnRef idx="1">
+            <a:schemeClr val="accent1"/>
+          </a:lnRef>
+          <a:fillRef idx="2">
+            <a:schemeClr val="accent1"/>
+          </a:fillRef>
+          <a:effectRef idx="1">
+            <a:schemeClr val="accent1"/>
+          </a:effectRef>
+          <a:fontRef idx="minor">
+            <a:schemeClr val="dk1"/>
+          </a:fontRef>
+        </p:style>
+        <p:txBody>
+          <a:bodyPr rtlCol="0" anchor="ctr"/>
+          <a:lstStyle/>
+          <a:p>
+            <a:pPr algn="ctr"/>
+            <a:r>
+              <a:rPr lang="en-US" altLang="ko-KR" sz="1000" dirty="0" err="1" smtClean="0"/>
+              <a:t>LayoutItem</a:t>
+            </a:r>
+            <a:endParaRPr lang="ko-KR" altLang="en-US" sz="1000" dirty="0"/>
+          </a:p>
+        </p:txBody>
+      </p:sp>
+      <p:sp>
+        <p:nvSpPr>
+          <p:cNvPr id="8" name="모서리가 둥근 직사각형 7"/>
+          <p:cNvSpPr/>
+          <p:nvPr/>
+        </p:nvSpPr>
+        <p:spPr>
+          <a:xfrm>
+            <a:off x="2395162" y="3068960"/>
+            <a:ext cx="1418375" cy="936104"/>
+          </a:xfrm>
+          <a:prstGeom prst="roundRect">
+            <a:avLst>
+              <a:gd name="adj" fmla="val 5900"/>
+            </a:avLst>
+          </a:prstGeom>
+        </p:spPr>
+        <p:style>
+          <a:lnRef idx="2">
+            <a:schemeClr val="accent1"/>
+          </a:lnRef>
+          <a:fillRef idx="1">
+            <a:schemeClr val="lt1"/>
+          </a:fillRef>
+          <a:effectRef idx="0">
+            <a:schemeClr val="accent1"/>
+          </a:effectRef>
+          <a:fontRef idx="minor">
+            <a:schemeClr val="dk1"/>
+          </a:fontRef>
+        </p:style>
+        <p:txBody>
+          <a:bodyPr rtlCol="0" anchor="t"/>
+          <a:lstStyle/>
+          <a:p>
+            <a:r>
+              <a:rPr lang="en-US" altLang="ko-KR" sz="1000" dirty="0" smtClean="0"/>
               <a:t>Control</a:t>
             </a:r>
-            <a:endParaRPr lang="ko-KR" altLang="en-US" sz="3200" dirty="0"/>
-          </a:p>
-        </p:txBody>
-      </p:sp>
-      <p:sp>
-        <p:nvSpPr>
-          <p:cNvPr id="70" name="모서리가 둥근 직사각형 69"/>
-          <p:cNvSpPr/>
-          <p:nvPr/>
-        </p:nvSpPr>
-        <p:spPr>
-          <a:xfrm>
-            <a:off x="3703319" y="1916832"/>
-            <a:ext cx="1368152" cy="648072"/>
-          </a:xfrm>
-          <a:prstGeom prst="roundRect">
-            <a:avLst/>
-          </a:prstGeom>
-        </p:spPr>
-        <p:style>
-          <a:lnRef idx="1">
-            <a:schemeClr val="accent1"/>
-          </a:lnRef>
-          <a:fillRef idx="2">
-            <a:schemeClr val="accent1"/>
-          </a:fillRef>
-          <a:effectRef idx="1">
-            <a:schemeClr val="accent1"/>
-          </a:effectRef>
-          <a:fontRef idx="minor">
-            <a:schemeClr val="dk1"/>
-          </a:fontRef>
-        </p:style>
-        <p:txBody>
-          <a:bodyPr rtlCol="0" anchor="ctr"/>
-          <a:lstStyle/>
-          <a:p>
-            <a:pPr algn="ctr"/>
-            <a:r>
-              <a:rPr lang="en-US" altLang="ko-KR" sz="1000" dirty="0" err="1" smtClean="0"/>
-              <a:t>AppearControl</a:t>
-            </a:r>
             <a:endParaRPr lang="ko-KR" altLang="en-US" sz="1000" dirty="0"/>
           </a:p>
         </p:txBody>
       </p:sp>
       <p:sp>
         <p:nvSpPr>
-          <p:cNvPr id="13" name="모서리가 둥근 직사각형 12"/>
-          <p:cNvSpPr/>
-          <p:nvPr/>
-        </p:nvSpPr>
-        <p:spPr>
-          <a:xfrm>
-            <a:off x="2852192" y="3650372"/>
-            <a:ext cx="1368152" cy="648072"/>
-          </a:xfrm>
-          <a:prstGeom prst="roundRect">
-            <a:avLst/>
-          </a:prstGeom>
-        </p:spPr>
-        <p:style>
-          <a:lnRef idx="1">
-            <a:schemeClr val="accent1"/>
-          </a:lnRef>
-          <a:fillRef idx="2">
-            <a:schemeClr val="accent1"/>
-          </a:fillRef>
-          <a:effectRef idx="1">
-            <a:schemeClr val="accent1"/>
-          </a:effectRef>
-          <a:fontRef idx="minor">
-            <a:schemeClr val="dk1"/>
-          </a:fontRef>
-        </p:style>
-        <p:txBody>
-          <a:bodyPr rtlCol="0" anchor="ctr"/>
-          <a:lstStyle/>
-          <a:p>
-            <a:pPr algn="ctr"/>
-            <a:r>
-              <a:rPr lang="en-US" altLang="ko-KR" sz="1000" dirty="0" err="1" smtClean="0"/>
-              <a:t>GestureHandler</a:t>
+          <p:cNvPr id="9" name="모서리가 둥근 직사각형 8"/>
+          <p:cNvSpPr/>
+          <p:nvPr/>
+        </p:nvSpPr>
+        <p:spPr>
+          <a:xfrm>
+            <a:off x="2511688" y="3450771"/>
+            <a:ext cx="1151102" cy="432048"/>
+          </a:xfrm>
+          <a:prstGeom prst="roundRect">
+            <a:avLst/>
+          </a:prstGeom>
+        </p:spPr>
+        <p:style>
+          <a:lnRef idx="1">
+            <a:schemeClr val="accent1"/>
+          </a:lnRef>
+          <a:fillRef idx="2">
+            <a:schemeClr val="accent1"/>
+          </a:fillRef>
+          <a:effectRef idx="1">
+            <a:schemeClr val="accent1"/>
+          </a:effectRef>
+          <a:fontRef idx="minor">
+            <a:schemeClr val="dk1"/>
+          </a:fontRef>
+        </p:style>
+        <p:txBody>
+          <a:bodyPr rtlCol="0" anchor="ctr"/>
+          <a:lstStyle/>
+          <a:p>
+            <a:pPr algn="ctr"/>
+            <a:r>
+              <a:rPr lang="en-US" altLang="ko-KR" sz="1000" dirty="0" err="1"/>
+              <a:t>LayoutItem</a:t>
             </a:r>
             <a:endParaRPr lang="ko-KR" altLang="en-US" sz="1000" dirty="0"/>
           </a:p>
@@ -7777,246 +7876,41 @@
       </p:sp>
       <p:sp>
         <p:nvSpPr>
-          <p:cNvPr id="14" name="모서리가 둥근 직사각형 13"/>
-          <p:cNvSpPr/>
-          <p:nvPr/>
-        </p:nvSpPr>
-        <p:spPr>
-          <a:xfrm>
-            <a:off x="4543832" y="3645024"/>
-            <a:ext cx="1368152" cy="648072"/>
-          </a:xfrm>
-          <a:prstGeom prst="roundRect">
-            <a:avLst/>
-          </a:prstGeom>
-        </p:spPr>
-        <p:style>
-          <a:lnRef idx="1">
-            <a:schemeClr val="accent1"/>
-          </a:lnRef>
-          <a:fillRef idx="2">
-            <a:schemeClr val="accent1"/>
-          </a:fillRef>
-          <a:effectRef idx="1">
-            <a:schemeClr val="accent1"/>
-          </a:effectRef>
-          <a:fontRef idx="minor">
-            <a:schemeClr val="dk1"/>
-          </a:fontRef>
-        </p:style>
-        <p:txBody>
-          <a:bodyPr rtlCol="0" anchor="ctr"/>
-          <a:lstStyle/>
-          <a:p>
-            <a:pPr algn="ctr"/>
-            <a:r>
-              <a:rPr lang="en-US" altLang="ko-KR" sz="1000" dirty="0" err="1" smtClean="0"/>
-              <a:t>DnDSource</a:t>
-            </a:r>
-            <a:endParaRPr lang="ko-KR" altLang="en-US" sz="1000" dirty="0"/>
-          </a:p>
-        </p:txBody>
-      </p:sp>
-      <p:sp>
-        <p:nvSpPr>
-          <p:cNvPr id="15" name="모서리가 둥근 직사각형 14"/>
-          <p:cNvSpPr/>
-          <p:nvPr/>
-        </p:nvSpPr>
-        <p:spPr>
-          <a:xfrm>
-            <a:off x="6064384" y="3645024"/>
-            <a:ext cx="1368152" cy="648072"/>
-          </a:xfrm>
-          <a:prstGeom prst="roundRect">
-            <a:avLst/>
-          </a:prstGeom>
-        </p:spPr>
-        <p:style>
-          <a:lnRef idx="1">
-            <a:schemeClr val="accent1"/>
-          </a:lnRef>
-          <a:fillRef idx="2">
-            <a:schemeClr val="accent1"/>
-          </a:fillRef>
-          <a:effectRef idx="1">
-            <a:schemeClr val="accent1"/>
-          </a:effectRef>
-          <a:fontRef idx="minor">
-            <a:schemeClr val="dk1"/>
-          </a:fontRef>
-        </p:style>
-        <p:txBody>
-          <a:bodyPr rtlCol="0" anchor="ctr"/>
-          <a:lstStyle/>
-          <a:p>
-            <a:pPr algn="ctr"/>
-            <a:r>
-              <a:rPr lang="en-US" altLang="ko-KR" sz="1000" dirty="0" err="1" smtClean="0"/>
-              <a:t>DnDTarget</a:t>
-            </a:r>
-            <a:endParaRPr lang="ko-KR" altLang="en-US" sz="1000" dirty="0"/>
-          </a:p>
-        </p:txBody>
-      </p:sp>
-      <p:cxnSp>
-        <p:nvCxnSpPr>
-          <p:cNvPr id="5" name="꺾인 연결선 4"/>
-          <p:cNvCxnSpPr>
-            <a:stCxn id="16" idx="0"/>
-            <a:endCxn id="70" idx="2"/>
-          </p:cNvCxnSpPr>
-          <p:nvPr/>
-        </p:nvCxnSpPr>
-        <p:spPr>
-          <a:xfrm rot="16200000" flipV="1">
-            <a:off x="4029648" y="2922651"/>
-            <a:ext cx="720080" cy="4585"/>
-          </a:xfrm>
-          <a:prstGeom prst="bentConnector3">
-            <a:avLst/>
-          </a:prstGeom>
-          <a:ln>
-            <a:headEnd type="none" w="med" len="med"/>
-            <a:tailEnd type="triangle" w="med" len="med"/>
-          </a:ln>
-        </p:spPr>
-        <p:style>
-          <a:lnRef idx="1">
-            <a:schemeClr val="accent1"/>
-          </a:lnRef>
-          <a:fillRef idx="0">
-            <a:schemeClr val="accent1"/>
-          </a:fillRef>
-          <a:effectRef idx="0">
-            <a:schemeClr val="accent1"/>
-          </a:effectRef>
-          <a:fontRef idx="minor">
-            <a:schemeClr val="tx1"/>
-          </a:fontRef>
-        </p:style>
-      </p:cxnSp>
-      <p:sp>
-        <p:nvSpPr>
-          <p:cNvPr id="20" name="모서리가 둥근 직사각형 19"/>
-          <p:cNvSpPr/>
-          <p:nvPr/>
-        </p:nvSpPr>
-        <p:spPr>
-          <a:xfrm>
-            <a:off x="1331640" y="3650372"/>
-            <a:ext cx="1368152" cy="648072"/>
-          </a:xfrm>
-          <a:prstGeom prst="roundRect">
-            <a:avLst/>
-          </a:prstGeom>
-        </p:spPr>
-        <p:style>
-          <a:lnRef idx="1">
-            <a:schemeClr val="accent1"/>
-          </a:lnRef>
-          <a:fillRef idx="2">
-            <a:schemeClr val="accent1"/>
-          </a:fillRef>
-          <a:effectRef idx="1">
-            <a:schemeClr val="accent1"/>
-          </a:effectRef>
-          <a:fontRef idx="minor">
-            <a:schemeClr val="dk1"/>
-          </a:fontRef>
-        </p:style>
-        <p:txBody>
-          <a:bodyPr rtlCol="0" anchor="ctr"/>
-          <a:lstStyle/>
-          <a:p>
-            <a:pPr algn="ctr"/>
-            <a:r>
-              <a:rPr lang="en-US" altLang="ko-KR" sz="1000" dirty="0" err="1" smtClean="0"/>
-              <a:t>TouchHandler</a:t>
-            </a:r>
-            <a:endParaRPr lang="ko-KR" altLang="en-US" sz="1000" dirty="0"/>
-          </a:p>
-        </p:txBody>
-      </p:sp>
-      <p:sp>
-        <p:nvSpPr>
-          <p:cNvPr id="22" name="모서리가 둥근 직사각형 21"/>
-          <p:cNvSpPr/>
-          <p:nvPr/>
-        </p:nvSpPr>
-        <p:spPr>
-          <a:xfrm>
-            <a:off x="2935051" y="3717032"/>
-            <a:ext cx="1368152" cy="648072"/>
-          </a:xfrm>
-          <a:prstGeom prst="roundRect">
-            <a:avLst/>
-          </a:prstGeom>
-        </p:spPr>
-        <p:style>
-          <a:lnRef idx="1">
-            <a:schemeClr val="accent1"/>
-          </a:lnRef>
-          <a:fillRef idx="2">
-            <a:schemeClr val="accent1"/>
-          </a:fillRef>
-          <a:effectRef idx="1">
-            <a:schemeClr val="accent1"/>
-          </a:effectRef>
-          <a:fontRef idx="minor">
-            <a:schemeClr val="dk1"/>
-          </a:fontRef>
-        </p:style>
-        <p:txBody>
-          <a:bodyPr rtlCol="0" anchor="ctr"/>
-          <a:lstStyle/>
-          <a:p>
-            <a:pPr algn="ctr"/>
-            <a:r>
-              <a:rPr lang="en-US" altLang="ko-KR" sz="1000" dirty="0" err="1" smtClean="0"/>
-              <a:t>GestureHandler</a:t>
-            </a:r>
-            <a:endParaRPr lang="ko-KR" altLang="en-US" sz="1000" dirty="0"/>
-          </a:p>
-        </p:txBody>
-      </p:sp>
-      <p:sp>
-        <p:nvSpPr>
-          <p:cNvPr id="23" name="모서리가 둥근 직사각형 22"/>
-          <p:cNvSpPr/>
-          <p:nvPr/>
-        </p:nvSpPr>
-        <p:spPr>
-          <a:xfrm>
-            <a:off x="3023280" y="3789040"/>
-            <a:ext cx="1368152" cy="648072"/>
-          </a:xfrm>
-          <a:prstGeom prst="roundRect">
-            <a:avLst/>
-          </a:prstGeom>
-        </p:spPr>
-        <p:style>
-          <a:lnRef idx="1">
-            <a:schemeClr val="accent1"/>
-          </a:lnRef>
-          <a:fillRef idx="2">
-            <a:schemeClr val="accent1"/>
-          </a:fillRef>
-          <a:effectRef idx="1">
-            <a:schemeClr val="accent1"/>
-          </a:effectRef>
-          <a:fontRef idx="minor">
-            <a:schemeClr val="dk1"/>
-          </a:fontRef>
-        </p:style>
-        <p:txBody>
-          <a:bodyPr rtlCol="0" anchor="ctr"/>
-          <a:lstStyle/>
-          <a:p>
-            <a:pPr algn="ctr"/>
-            <a:r>
-              <a:rPr lang="en-US" altLang="ko-KR" sz="1000" dirty="0" err="1" smtClean="0"/>
-              <a:t>GestureHandler</a:t>
+          <p:cNvPr id="10" name="모서리가 둥근 직사각형 9"/>
+          <p:cNvSpPr/>
+          <p:nvPr/>
+        </p:nvSpPr>
+        <p:spPr>
+          <a:xfrm>
+            <a:off x="838476" y="2420888"/>
+            <a:ext cx="1151102" cy="432048"/>
+          </a:xfrm>
+          <a:prstGeom prst="roundRect">
+            <a:avLst/>
+          </a:prstGeom>
+        </p:spPr>
+        <p:style>
+          <a:lnRef idx="1">
+            <a:schemeClr val="accent1"/>
+          </a:lnRef>
+          <a:fillRef idx="2">
+            <a:schemeClr val="accent1"/>
+          </a:fillRef>
+          <a:effectRef idx="1">
+            <a:schemeClr val="accent1"/>
+          </a:effectRef>
+          <a:fontRef idx="minor">
+            <a:schemeClr val="dk1"/>
+          </a:fontRef>
+        </p:style>
+        <p:txBody>
+          <a:bodyPr rtlCol="0" anchor="ctr"/>
+          <a:lstStyle/>
+          <a:p>
+            <a:pPr algn="ctr"/>
+            <a:r>
+              <a:rPr lang="en-US" altLang="ko-KR" sz="1000" dirty="0" err="1"/>
+              <a:t>LayoutItem</a:t>
             </a:r>
             <a:endParaRPr lang="ko-KR" altLang="en-US" sz="1000" dirty="0"/>
           </a:p>
@@ -8025,20 +7919,13 @@
     </p:spTree>
     <p:extLst>
       <p:ext uri="{BB962C8B-B14F-4D97-AF65-F5344CB8AC3E}">
-        <p14:creationId xmlns:p14="http://schemas.microsoft.com/office/powerpoint/2010/main" val="353387718"/>
+        <p14:creationId xmlns:p14="http://schemas.microsoft.com/office/powerpoint/2010/main" val="3820692233"/>
       </p:ext>
     </p:extLst>
   </p:cSld>
   <p:clrMapOvr>
     <a:masterClrMapping/>
   </p:clrMapOvr>
-  <p:timing>
-    <p:tnLst>
-      <p:par>
-        <p:cTn id="1" dur="indefinite" restart="never" nodeType="tmRoot"/>
-      </p:par>
-    </p:tnLst>
-  </p:timing>
 </p:sld>
 </file>
 
@@ -8061,6 +7948,48 @@
       </p:grpSpPr>
       <p:sp>
         <p:nvSpPr>
+          <p:cNvPr id="16" name="모서리가 둥근 직사각형 15"/>
+          <p:cNvSpPr/>
+          <p:nvPr/>
+        </p:nvSpPr>
+        <p:spPr>
+          <a:xfrm>
+            <a:off x="1187624" y="3284984"/>
+            <a:ext cx="6408712" cy="1224136"/>
+          </a:xfrm>
+          <a:prstGeom prst="roundRect">
+            <a:avLst/>
+          </a:prstGeom>
+        </p:spPr>
+        <p:style>
+          <a:lnRef idx="1">
+            <a:schemeClr val="accent2"/>
+          </a:lnRef>
+          <a:fillRef idx="2">
+            <a:schemeClr val="accent2"/>
+          </a:fillRef>
+          <a:effectRef idx="1">
+            <a:schemeClr val="accent2"/>
+          </a:effectRef>
+          <a:fontRef idx="minor">
+            <a:schemeClr val="dk1"/>
+          </a:fontRef>
+        </p:style>
+        <p:txBody>
+          <a:bodyPr rtlCol="0" anchor="t"/>
+          <a:lstStyle/>
+          <a:p>
+            <a:pPr algn="ctr"/>
+            <a:r>
+              <a:rPr lang="en-US" altLang="ko-KR" sz="1000" dirty="0" err="1" smtClean="0"/>
+              <a:t>AppearSimpleControl</a:t>
+            </a:r>
+            <a:endParaRPr lang="ko-KR" altLang="en-US" sz="1000" dirty="0"/>
+          </a:p>
+        </p:txBody>
+      </p:sp>
+      <p:sp>
+        <p:nvSpPr>
           <p:cNvPr id="2" name="제목 1"/>
           <p:cNvSpPr>
             <a:spLocks noGrp="1"/>
@@ -8087,7 +8016,11 @@
             </a:r>
             <a:r>
               <a:rPr lang="en-US" altLang="ko-KR" sz="3200" dirty="0" smtClean="0"/>
-              <a:t>| Plug-in Concept</a:t>
+              <a:t>| </a:t>
+            </a:r>
+            <a:r>
+              <a:rPr lang="en-US" altLang="ko-KR" sz="3200" dirty="0" err="1" smtClean="0"/>
+              <a:t>AppearSimpleControl</a:t>
             </a:r>
             <a:endParaRPr lang="ko-KR" altLang="en-US" sz="3200" dirty="0"/>
           </a:p>
@@ -8095,240 +8028,339 @@
       </p:sp>
       <p:sp>
         <p:nvSpPr>
-          <p:cNvPr id="3" name="내용 개체 틀 2"/>
-          <p:cNvSpPr>
-            <a:spLocks noGrp="1"/>
-          </p:cNvSpPr>
-          <p:nvPr>
-            <p:ph idx="1"/>
-          </p:nvPr>
-        </p:nvSpPr>
-        <p:spPr/>
-        <p:txBody>
-          <a:bodyPr>
-            <a:noAutofit/>
-          </a:bodyPr>
-          <a:lstStyle/>
-          <a:p>
-            <a:r>
-              <a:rPr lang="en-US" altLang="ko-KR" sz="1800" dirty="0" err="1" smtClean="0"/>
-              <a:t>MainView</a:t>
-            </a:r>
-            <a:endParaRPr lang="en-US" altLang="ko-KR" sz="1800" dirty="0" smtClean="0"/>
-          </a:p>
-          <a:p>
-            <a:pPr lvl="1"/>
-            <a:r>
-              <a:rPr lang="en-US" altLang="ko-KR" sz="1400" dirty="0" err="1" smtClean="0"/>
-              <a:t>PlugPanel</a:t>
-            </a:r>
-            <a:r>
-              <a:rPr lang="ko-KR" altLang="en-US" sz="1400" dirty="0" smtClean="0"/>
-              <a:t>과 각 </a:t>
-            </a:r>
-            <a:r>
-              <a:rPr lang="en-US" altLang="ko-KR" sz="1400" dirty="0"/>
-              <a:t>P</a:t>
-            </a:r>
-            <a:r>
-              <a:rPr lang="en-US" altLang="ko-KR" sz="1400" dirty="0" smtClean="0"/>
-              <a:t>lug</a:t>
-            </a:r>
-            <a:r>
-              <a:rPr lang="ko-KR" altLang="en-US" sz="1400" dirty="0" smtClean="0"/>
-              <a:t>에 대한 </a:t>
-            </a:r>
-            <a:r>
-              <a:rPr lang="en-US" altLang="ko-KR" sz="1400" dirty="0" smtClean="0"/>
-              <a:t>UX</a:t>
-            </a:r>
-            <a:r>
-              <a:rPr lang="ko-KR" altLang="en-US" sz="1400" dirty="0"/>
-              <a:t> </a:t>
-            </a:r>
-            <a:r>
-              <a:rPr lang="ko-KR" altLang="en-US" sz="1400" dirty="0" smtClean="0"/>
-              <a:t>관리 및 중계</a:t>
-            </a:r>
-            <a:endParaRPr lang="en-US" altLang="ko-KR" sz="1400" dirty="0" smtClean="0"/>
-          </a:p>
-          <a:p>
-            <a:endParaRPr lang="en-US" altLang="ko-KR" sz="1800" dirty="0" smtClean="0"/>
-          </a:p>
-          <a:p>
-            <a:r>
-              <a:rPr lang="en-US" altLang="ko-KR" sz="1800" dirty="0" err="1" smtClean="0"/>
-              <a:t>PlugPanel</a:t>
-            </a:r>
-            <a:endParaRPr lang="en-US" altLang="ko-KR" sz="1800" dirty="0" smtClean="0"/>
-          </a:p>
-          <a:p>
-            <a:pPr lvl="1"/>
-            <a:r>
-              <a:rPr lang="en-US" altLang="ko-KR" sz="1400" dirty="0" smtClean="0"/>
-              <a:t>Plug </a:t>
-            </a:r>
-            <a:r>
-              <a:rPr lang="ko-KR" altLang="en-US" sz="1400" dirty="0" smtClean="0"/>
-              <a:t>추가</a:t>
-            </a:r>
-            <a:r>
-              <a:rPr lang="en-US" altLang="ko-KR" sz="1400" dirty="0" smtClean="0"/>
-              <a:t>, </a:t>
-            </a:r>
-            <a:r>
-              <a:rPr lang="ko-KR" altLang="en-US" sz="1400" dirty="0" smtClean="0"/>
-              <a:t>삭제</a:t>
-            </a:r>
-            <a:r>
-              <a:rPr lang="en-US" altLang="ko-KR" sz="1400" dirty="0" smtClean="0"/>
-              <a:t>, </a:t>
-            </a:r>
-            <a:r>
-              <a:rPr lang="ko-KR" altLang="en-US" sz="1400" dirty="0" smtClean="0"/>
-              <a:t>실행</a:t>
-            </a:r>
-            <a:r>
-              <a:rPr lang="en-US" altLang="ko-KR" sz="1400" dirty="0" smtClean="0"/>
-              <a:t>, </a:t>
-            </a:r>
-            <a:r>
-              <a:rPr lang="ko-KR" altLang="en-US" sz="1400" dirty="0" smtClean="0"/>
-              <a:t>중지할 수 있는 </a:t>
-            </a:r>
-            <a:r>
-              <a:rPr lang="en-US" altLang="ko-KR" sz="1400" dirty="0"/>
-              <a:t>P</a:t>
-            </a:r>
-            <a:r>
-              <a:rPr lang="en-US" altLang="ko-KR" sz="1400" dirty="0" smtClean="0"/>
-              <a:t>lug container</a:t>
-            </a:r>
-          </a:p>
-          <a:p>
-            <a:pPr lvl="1"/>
-            <a:r>
-              <a:rPr lang="ko-KR" altLang="en-US" sz="1400" dirty="0" smtClean="0"/>
-              <a:t>특정 </a:t>
-            </a:r>
-            <a:r>
-              <a:rPr lang="en-US" altLang="ko-KR" sz="1400" dirty="0" smtClean="0"/>
-              <a:t>Plug</a:t>
-            </a:r>
-            <a:r>
-              <a:rPr lang="ko-KR" altLang="en-US" sz="1400" dirty="0" smtClean="0"/>
-              <a:t>에 의해 가공된 </a:t>
-            </a:r>
-            <a:r>
-              <a:rPr lang="en-US" altLang="ko-KR" sz="1400" dirty="0" smtClean="0"/>
-              <a:t>contents</a:t>
-            </a:r>
-            <a:r>
-              <a:rPr lang="ko-KR" altLang="en-US" sz="1400" dirty="0" smtClean="0"/>
-              <a:t>도 하나의 </a:t>
-            </a:r>
-            <a:r>
-              <a:rPr lang="en-US" altLang="ko-KR" sz="1400" dirty="0" smtClean="0"/>
-              <a:t>Plug</a:t>
-            </a:r>
-            <a:r>
-              <a:rPr lang="ko-KR" altLang="en-US" sz="1400" dirty="0" smtClean="0"/>
-              <a:t>형태로 관리할 수 있음</a:t>
-            </a:r>
-            <a:r>
-              <a:rPr lang="en-US" altLang="ko-KR" sz="1400" dirty="0" smtClean="0"/>
-              <a:t>(short-cut file </a:t>
-            </a:r>
-            <a:r>
-              <a:rPr lang="ko-KR" altLang="en-US" sz="1400" dirty="0" smtClean="0"/>
-              <a:t>개념</a:t>
-            </a:r>
-            <a:r>
-              <a:rPr lang="en-US" altLang="ko-KR" sz="1400" dirty="0" smtClean="0"/>
-              <a:t>)</a:t>
-            </a:r>
-          </a:p>
-          <a:p>
-            <a:endParaRPr lang="en-US" altLang="ko-KR" sz="1800" dirty="0" smtClean="0"/>
-          </a:p>
-          <a:p>
-            <a:r>
-              <a:rPr lang="en-US" altLang="ko-KR" sz="1800" dirty="0" smtClean="0"/>
-              <a:t>Plug</a:t>
-            </a:r>
-            <a:endParaRPr lang="en-US" altLang="ko-KR" sz="1400" dirty="0" smtClean="0"/>
-          </a:p>
-          <a:p>
-            <a:pPr lvl="1"/>
-            <a:r>
-              <a:rPr lang="ko-KR" altLang="en-US" sz="1400" dirty="0" smtClean="0"/>
-              <a:t>유연하고 확장이 쉬운 사용자 환경을 지원하기 위해 정해진 </a:t>
-            </a:r>
-            <a:r>
-              <a:rPr lang="en-US" altLang="ko-KR" sz="1400" dirty="0" smtClean="0"/>
-              <a:t>plug interface</a:t>
-            </a:r>
-            <a:r>
-              <a:rPr lang="ko-KR" altLang="en-US" sz="1400" dirty="0" smtClean="0"/>
-              <a:t>로 구현된 </a:t>
-            </a:r>
-            <a:r>
-              <a:rPr lang="en-US" altLang="ko-KR" sz="1400" dirty="0" smtClean="0"/>
-              <a:t>UX module(</a:t>
-            </a:r>
-            <a:r>
-              <a:rPr lang="ko-KR" altLang="en-US" sz="1400" dirty="0" smtClean="0"/>
-              <a:t>가능하면 별도의 </a:t>
-            </a:r>
-            <a:r>
-              <a:rPr lang="en-US" altLang="ko-KR" sz="1400" dirty="0" err="1" smtClean="0"/>
-              <a:t>apk</a:t>
-            </a:r>
-            <a:r>
-              <a:rPr lang="ko-KR" altLang="en-US" sz="1400" dirty="0" smtClean="0"/>
-              <a:t>형태</a:t>
-            </a:r>
-            <a:r>
-              <a:rPr lang="en-US" altLang="ko-KR" sz="1400" dirty="0" smtClean="0"/>
-              <a:t>)</a:t>
-            </a:r>
-          </a:p>
-          <a:p>
-            <a:pPr lvl="1"/>
-            <a:r>
-              <a:rPr lang="ko-KR" altLang="en-US" sz="1400" dirty="0" smtClean="0"/>
-              <a:t> </a:t>
-            </a:r>
-            <a:r>
-              <a:rPr lang="en-US" altLang="ko-KR" sz="1400" dirty="0" smtClean="0"/>
-              <a:t>Plug interface</a:t>
-            </a:r>
-            <a:r>
-              <a:rPr lang="ko-KR" altLang="en-US" sz="1400" dirty="0" smtClean="0"/>
-              <a:t>를 공개하여 일반개발자들로 하여금 다양한 </a:t>
-            </a:r>
-            <a:r>
-              <a:rPr lang="en-US" altLang="ko-KR" sz="1400" dirty="0" smtClean="0"/>
-              <a:t>UX plug</a:t>
-            </a:r>
-            <a:r>
-              <a:rPr lang="ko-KR" altLang="en-US" sz="1400" dirty="0" smtClean="0"/>
-              <a:t>를 개발할 수 있도록 지원</a:t>
-            </a:r>
-            <a:r>
-              <a:rPr lang="en-US" altLang="ko-KR" sz="1400" dirty="0" smtClean="0"/>
-              <a:t>.</a:t>
-            </a:r>
-          </a:p>
-          <a:p>
-            <a:endParaRPr lang="ko-KR" altLang="en-US" sz="1800" dirty="0"/>
+          <p:cNvPr id="70" name="모서리가 둥근 직사각형 69"/>
+          <p:cNvSpPr/>
+          <p:nvPr/>
+        </p:nvSpPr>
+        <p:spPr>
+          <a:xfrm>
+            <a:off x="3703319" y="1916832"/>
+            <a:ext cx="1368152" cy="648072"/>
+          </a:xfrm>
+          <a:prstGeom prst="roundRect">
+            <a:avLst/>
+          </a:prstGeom>
+        </p:spPr>
+        <p:style>
+          <a:lnRef idx="1">
+            <a:schemeClr val="accent1"/>
+          </a:lnRef>
+          <a:fillRef idx="2">
+            <a:schemeClr val="accent1"/>
+          </a:fillRef>
+          <a:effectRef idx="1">
+            <a:schemeClr val="accent1"/>
+          </a:effectRef>
+          <a:fontRef idx="minor">
+            <a:schemeClr val="dk1"/>
+          </a:fontRef>
+        </p:style>
+        <p:txBody>
+          <a:bodyPr rtlCol="0" anchor="ctr"/>
+          <a:lstStyle/>
+          <a:p>
+            <a:pPr algn="ctr"/>
+            <a:r>
+              <a:rPr lang="en-US" altLang="ko-KR" sz="1000" dirty="0" err="1" smtClean="0"/>
+              <a:t>AppearControl</a:t>
+            </a:r>
+            <a:endParaRPr lang="ko-KR" altLang="en-US" sz="1000" dirty="0"/>
+          </a:p>
+        </p:txBody>
+      </p:sp>
+      <p:sp>
+        <p:nvSpPr>
+          <p:cNvPr id="13" name="모서리가 둥근 직사각형 12"/>
+          <p:cNvSpPr/>
+          <p:nvPr/>
+        </p:nvSpPr>
+        <p:spPr>
+          <a:xfrm>
+            <a:off x="2852192" y="3650372"/>
+            <a:ext cx="1368152" cy="648072"/>
+          </a:xfrm>
+          <a:prstGeom prst="roundRect">
+            <a:avLst/>
+          </a:prstGeom>
+        </p:spPr>
+        <p:style>
+          <a:lnRef idx="1">
+            <a:schemeClr val="accent1"/>
+          </a:lnRef>
+          <a:fillRef idx="2">
+            <a:schemeClr val="accent1"/>
+          </a:fillRef>
+          <a:effectRef idx="1">
+            <a:schemeClr val="accent1"/>
+          </a:effectRef>
+          <a:fontRef idx="minor">
+            <a:schemeClr val="dk1"/>
+          </a:fontRef>
+        </p:style>
+        <p:txBody>
+          <a:bodyPr rtlCol="0" anchor="ctr"/>
+          <a:lstStyle/>
+          <a:p>
+            <a:pPr algn="ctr"/>
+            <a:r>
+              <a:rPr lang="en-US" altLang="ko-KR" sz="1000" dirty="0" err="1" smtClean="0"/>
+              <a:t>GestureHandler</a:t>
+            </a:r>
+            <a:endParaRPr lang="ko-KR" altLang="en-US" sz="1000" dirty="0"/>
+          </a:p>
+        </p:txBody>
+      </p:sp>
+      <p:sp>
+        <p:nvSpPr>
+          <p:cNvPr id="14" name="모서리가 둥근 직사각형 13"/>
+          <p:cNvSpPr/>
+          <p:nvPr/>
+        </p:nvSpPr>
+        <p:spPr>
+          <a:xfrm>
+            <a:off x="4543832" y="3645024"/>
+            <a:ext cx="1368152" cy="648072"/>
+          </a:xfrm>
+          <a:prstGeom prst="roundRect">
+            <a:avLst/>
+          </a:prstGeom>
+        </p:spPr>
+        <p:style>
+          <a:lnRef idx="1">
+            <a:schemeClr val="accent1"/>
+          </a:lnRef>
+          <a:fillRef idx="2">
+            <a:schemeClr val="accent1"/>
+          </a:fillRef>
+          <a:effectRef idx="1">
+            <a:schemeClr val="accent1"/>
+          </a:effectRef>
+          <a:fontRef idx="minor">
+            <a:schemeClr val="dk1"/>
+          </a:fontRef>
+        </p:style>
+        <p:txBody>
+          <a:bodyPr rtlCol="0" anchor="ctr"/>
+          <a:lstStyle/>
+          <a:p>
+            <a:pPr algn="ctr"/>
+            <a:r>
+              <a:rPr lang="en-US" altLang="ko-KR" sz="1000" dirty="0" err="1" smtClean="0"/>
+              <a:t>DnDSource</a:t>
+            </a:r>
+            <a:endParaRPr lang="ko-KR" altLang="en-US" sz="1000" dirty="0"/>
+          </a:p>
+        </p:txBody>
+      </p:sp>
+      <p:sp>
+        <p:nvSpPr>
+          <p:cNvPr id="15" name="모서리가 둥근 직사각형 14"/>
+          <p:cNvSpPr/>
+          <p:nvPr/>
+        </p:nvSpPr>
+        <p:spPr>
+          <a:xfrm>
+            <a:off x="6064384" y="3645024"/>
+            <a:ext cx="1368152" cy="648072"/>
+          </a:xfrm>
+          <a:prstGeom prst="roundRect">
+            <a:avLst/>
+          </a:prstGeom>
+        </p:spPr>
+        <p:style>
+          <a:lnRef idx="1">
+            <a:schemeClr val="accent1"/>
+          </a:lnRef>
+          <a:fillRef idx="2">
+            <a:schemeClr val="accent1"/>
+          </a:fillRef>
+          <a:effectRef idx="1">
+            <a:schemeClr val="accent1"/>
+          </a:effectRef>
+          <a:fontRef idx="minor">
+            <a:schemeClr val="dk1"/>
+          </a:fontRef>
+        </p:style>
+        <p:txBody>
+          <a:bodyPr rtlCol="0" anchor="ctr"/>
+          <a:lstStyle/>
+          <a:p>
+            <a:pPr algn="ctr"/>
+            <a:r>
+              <a:rPr lang="en-US" altLang="ko-KR" sz="1000" dirty="0" err="1" smtClean="0"/>
+              <a:t>DnDTarget</a:t>
+            </a:r>
+            <a:endParaRPr lang="ko-KR" altLang="en-US" sz="1000" dirty="0"/>
+          </a:p>
+        </p:txBody>
+      </p:sp>
+      <p:cxnSp>
+        <p:nvCxnSpPr>
+          <p:cNvPr id="5" name="꺾인 연결선 4"/>
+          <p:cNvCxnSpPr>
+            <a:stCxn id="16" idx="0"/>
+            <a:endCxn id="70" idx="2"/>
+          </p:cNvCxnSpPr>
+          <p:nvPr/>
+        </p:nvCxnSpPr>
+        <p:spPr>
+          <a:xfrm rot="16200000" flipV="1">
+            <a:off x="4029648" y="2922651"/>
+            <a:ext cx="720080" cy="4585"/>
+          </a:xfrm>
+          <a:prstGeom prst="bentConnector3">
+            <a:avLst/>
+          </a:prstGeom>
+          <a:ln>
+            <a:headEnd type="none" w="med" len="med"/>
+            <a:tailEnd type="triangle" w="med" len="med"/>
+          </a:ln>
+        </p:spPr>
+        <p:style>
+          <a:lnRef idx="1">
+            <a:schemeClr val="accent1"/>
+          </a:lnRef>
+          <a:fillRef idx="0">
+            <a:schemeClr val="accent1"/>
+          </a:fillRef>
+          <a:effectRef idx="0">
+            <a:schemeClr val="accent1"/>
+          </a:effectRef>
+          <a:fontRef idx="minor">
+            <a:schemeClr val="tx1"/>
+          </a:fontRef>
+        </p:style>
+      </p:cxnSp>
+      <p:sp>
+        <p:nvSpPr>
+          <p:cNvPr id="20" name="모서리가 둥근 직사각형 19"/>
+          <p:cNvSpPr/>
+          <p:nvPr/>
+        </p:nvSpPr>
+        <p:spPr>
+          <a:xfrm>
+            <a:off x="1331640" y="3650372"/>
+            <a:ext cx="1368152" cy="648072"/>
+          </a:xfrm>
+          <a:prstGeom prst="roundRect">
+            <a:avLst/>
+          </a:prstGeom>
+        </p:spPr>
+        <p:style>
+          <a:lnRef idx="1">
+            <a:schemeClr val="accent1"/>
+          </a:lnRef>
+          <a:fillRef idx="2">
+            <a:schemeClr val="accent1"/>
+          </a:fillRef>
+          <a:effectRef idx="1">
+            <a:schemeClr val="accent1"/>
+          </a:effectRef>
+          <a:fontRef idx="minor">
+            <a:schemeClr val="dk1"/>
+          </a:fontRef>
+        </p:style>
+        <p:txBody>
+          <a:bodyPr rtlCol="0" anchor="ctr"/>
+          <a:lstStyle/>
+          <a:p>
+            <a:pPr algn="ctr"/>
+            <a:r>
+              <a:rPr lang="en-US" altLang="ko-KR" sz="1000" dirty="0" err="1" smtClean="0"/>
+              <a:t>TouchHandler</a:t>
+            </a:r>
+            <a:endParaRPr lang="ko-KR" altLang="en-US" sz="1000" dirty="0"/>
+          </a:p>
+        </p:txBody>
+      </p:sp>
+      <p:sp>
+        <p:nvSpPr>
+          <p:cNvPr id="22" name="모서리가 둥근 직사각형 21"/>
+          <p:cNvSpPr/>
+          <p:nvPr/>
+        </p:nvSpPr>
+        <p:spPr>
+          <a:xfrm>
+            <a:off x="2935051" y="3717032"/>
+            <a:ext cx="1368152" cy="648072"/>
+          </a:xfrm>
+          <a:prstGeom prst="roundRect">
+            <a:avLst/>
+          </a:prstGeom>
+        </p:spPr>
+        <p:style>
+          <a:lnRef idx="1">
+            <a:schemeClr val="accent1"/>
+          </a:lnRef>
+          <a:fillRef idx="2">
+            <a:schemeClr val="accent1"/>
+          </a:fillRef>
+          <a:effectRef idx="1">
+            <a:schemeClr val="accent1"/>
+          </a:effectRef>
+          <a:fontRef idx="minor">
+            <a:schemeClr val="dk1"/>
+          </a:fontRef>
+        </p:style>
+        <p:txBody>
+          <a:bodyPr rtlCol="0" anchor="ctr"/>
+          <a:lstStyle/>
+          <a:p>
+            <a:pPr algn="ctr"/>
+            <a:r>
+              <a:rPr lang="en-US" altLang="ko-KR" sz="1000" dirty="0" err="1" smtClean="0"/>
+              <a:t>GestureHandler</a:t>
+            </a:r>
+            <a:endParaRPr lang="ko-KR" altLang="en-US" sz="1000" dirty="0"/>
+          </a:p>
+        </p:txBody>
+      </p:sp>
+      <p:sp>
+        <p:nvSpPr>
+          <p:cNvPr id="23" name="모서리가 둥근 직사각형 22"/>
+          <p:cNvSpPr/>
+          <p:nvPr/>
+        </p:nvSpPr>
+        <p:spPr>
+          <a:xfrm>
+            <a:off x="3023280" y="3789040"/>
+            <a:ext cx="1368152" cy="648072"/>
+          </a:xfrm>
+          <a:prstGeom prst="roundRect">
+            <a:avLst/>
+          </a:prstGeom>
+        </p:spPr>
+        <p:style>
+          <a:lnRef idx="1">
+            <a:schemeClr val="accent1"/>
+          </a:lnRef>
+          <a:fillRef idx="2">
+            <a:schemeClr val="accent1"/>
+          </a:fillRef>
+          <a:effectRef idx="1">
+            <a:schemeClr val="accent1"/>
+          </a:effectRef>
+          <a:fontRef idx="minor">
+            <a:schemeClr val="dk1"/>
+          </a:fontRef>
+        </p:style>
+        <p:txBody>
+          <a:bodyPr rtlCol="0" anchor="ctr"/>
+          <a:lstStyle/>
+          <a:p>
+            <a:pPr algn="ctr"/>
+            <a:r>
+              <a:rPr lang="en-US" altLang="ko-KR" sz="1000" dirty="0" err="1" smtClean="0"/>
+              <a:t>GestureHandler</a:t>
+            </a:r>
+            <a:endParaRPr lang="ko-KR" altLang="en-US" sz="1000" dirty="0"/>
           </a:p>
         </p:txBody>
       </p:sp>
     </p:spTree>
     <p:extLst>
       <p:ext uri="{BB962C8B-B14F-4D97-AF65-F5344CB8AC3E}">
-        <p14:creationId xmlns:p14="http://schemas.microsoft.com/office/powerpoint/2010/main" val="579352315"/>
+        <p14:creationId xmlns:p14="http://schemas.microsoft.com/office/powerpoint/2010/main" val="353387718"/>
       </p:ext>
     </p:extLst>
   </p:cSld>
@@ -8979,6 +9011,309 @@
           <a:chExt cx="0" cy="0"/>
         </a:xfrm>
       </p:grpSpPr>
+      <p:sp>
+        <p:nvSpPr>
+          <p:cNvPr id="2" name="제목 1"/>
+          <p:cNvSpPr>
+            <a:spLocks noGrp="1"/>
+          </p:cNvSpPr>
+          <p:nvPr>
+            <p:ph type="title"/>
+          </p:nvPr>
+        </p:nvSpPr>
+        <p:spPr/>
+        <p:txBody>
+          <a:bodyPr>
+            <a:normAutofit/>
+          </a:bodyPr>
+          <a:lstStyle/>
+          <a:p>
+            <a:pPr algn="l"/>
+            <a:r>
+              <a:rPr lang="en-US" altLang="ko-KR" sz="3200" dirty="0" smtClean="0"/>
+              <a:t>Appear UX</a:t>
+            </a:r>
+            <a:r>
+              <a:rPr lang="en-US" altLang="ko-KR" sz="3200" dirty="0"/>
+              <a:t> </a:t>
+            </a:r>
+            <a:r>
+              <a:rPr lang="en-US" altLang="ko-KR" sz="3200" dirty="0" smtClean="0"/>
+              <a:t>| Plug-in Concept</a:t>
+            </a:r>
+            <a:endParaRPr lang="ko-KR" altLang="en-US" sz="3200" dirty="0"/>
+          </a:p>
+        </p:txBody>
+      </p:sp>
+      <p:sp>
+        <p:nvSpPr>
+          <p:cNvPr id="3" name="내용 개체 틀 2"/>
+          <p:cNvSpPr>
+            <a:spLocks noGrp="1"/>
+          </p:cNvSpPr>
+          <p:nvPr>
+            <p:ph idx="1"/>
+          </p:nvPr>
+        </p:nvSpPr>
+        <p:spPr/>
+        <p:txBody>
+          <a:bodyPr>
+            <a:noAutofit/>
+          </a:bodyPr>
+          <a:lstStyle/>
+          <a:p>
+            <a:r>
+              <a:rPr lang="en-US" altLang="ko-KR" sz="1800" dirty="0" err="1" smtClean="0"/>
+              <a:t>MainView</a:t>
+            </a:r>
+            <a:endParaRPr lang="en-US" altLang="ko-KR" sz="1800" dirty="0" smtClean="0"/>
+          </a:p>
+          <a:p>
+            <a:pPr lvl="1"/>
+            <a:r>
+              <a:rPr lang="en-US" altLang="ko-KR" sz="1400" dirty="0" err="1" smtClean="0"/>
+              <a:t>PlugPanel</a:t>
+            </a:r>
+            <a:r>
+              <a:rPr lang="ko-KR" altLang="en-US" sz="1400" dirty="0" smtClean="0"/>
+              <a:t>과 각 </a:t>
+            </a:r>
+            <a:r>
+              <a:rPr lang="en-US" altLang="ko-KR" sz="1400" dirty="0"/>
+              <a:t>P</a:t>
+            </a:r>
+            <a:r>
+              <a:rPr lang="en-US" altLang="ko-KR" sz="1400" dirty="0" smtClean="0"/>
+              <a:t>lug</a:t>
+            </a:r>
+            <a:r>
+              <a:rPr lang="ko-KR" altLang="en-US" sz="1400" dirty="0" smtClean="0"/>
+              <a:t>에 대한 </a:t>
+            </a:r>
+            <a:r>
+              <a:rPr lang="en-US" altLang="ko-KR" sz="1400" dirty="0" smtClean="0"/>
+              <a:t>UX</a:t>
+            </a:r>
+            <a:r>
+              <a:rPr lang="ko-KR" altLang="en-US" sz="1400" dirty="0"/>
+              <a:t> </a:t>
+            </a:r>
+            <a:r>
+              <a:rPr lang="ko-KR" altLang="en-US" sz="1400" dirty="0" smtClean="0"/>
+              <a:t>관리 및 중계</a:t>
+            </a:r>
+            <a:endParaRPr lang="en-US" altLang="ko-KR" sz="1400" dirty="0" smtClean="0"/>
+          </a:p>
+          <a:p>
+            <a:endParaRPr lang="en-US" altLang="ko-KR" sz="1800" dirty="0" smtClean="0"/>
+          </a:p>
+          <a:p>
+            <a:r>
+              <a:rPr lang="en-US" altLang="ko-KR" sz="1800" dirty="0" err="1" smtClean="0"/>
+              <a:t>PlugPanel</a:t>
+            </a:r>
+            <a:endParaRPr lang="en-US" altLang="ko-KR" sz="1800" dirty="0" smtClean="0"/>
+          </a:p>
+          <a:p>
+            <a:pPr lvl="1"/>
+            <a:r>
+              <a:rPr lang="en-US" altLang="ko-KR" sz="1400" dirty="0" smtClean="0"/>
+              <a:t>Plug </a:t>
+            </a:r>
+            <a:r>
+              <a:rPr lang="ko-KR" altLang="en-US" sz="1400" dirty="0" smtClean="0"/>
+              <a:t>추가</a:t>
+            </a:r>
+            <a:r>
+              <a:rPr lang="en-US" altLang="ko-KR" sz="1400" dirty="0" smtClean="0"/>
+              <a:t>, </a:t>
+            </a:r>
+            <a:r>
+              <a:rPr lang="ko-KR" altLang="en-US" sz="1400" dirty="0" smtClean="0"/>
+              <a:t>삭제</a:t>
+            </a:r>
+            <a:r>
+              <a:rPr lang="en-US" altLang="ko-KR" sz="1400" dirty="0" smtClean="0"/>
+              <a:t>, </a:t>
+            </a:r>
+            <a:r>
+              <a:rPr lang="ko-KR" altLang="en-US" sz="1400" dirty="0" smtClean="0"/>
+              <a:t>실행</a:t>
+            </a:r>
+            <a:r>
+              <a:rPr lang="en-US" altLang="ko-KR" sz="1400" dirty="0" smtClean="0"/>
+              <a:t>, </a:t>
+            </a:r>
+            <a:r>
+              <a:rPr lang="ko-KR" altLang="en-US" sz="1400" dirty="0" smtClean="0"/>
+              <a:t>중지할 수 있는 </a:t>
+            </a:r>
+            <a:r>
+              <a:rPr lang="en-US" altLang="ko-KR" sz="1400" dirty="0"/>
+              <a:t>P</a:t>
+            </a:r>
+            <a:r>
+              <a:rPr lang="en-US" altLang="ko-KR" sz="1400" dirty="0" smtClean="0"/>
+              <a:t>lug container</a:t>
+            </a:r>
+          </a:p>
+          <a:p>
+            <a:pPr lvl="1"/>
+            <a:r>
+              <a:rPr lang="ko-KR" altLang="en-US" sz="1400" dirty="0" smtClean="0"/>
+              <a:t>특정 </a:t>
+            </a:r>
+            <a:r>
+              <a:rPr lang="en-US" altLang="ko-KR" sz="1400" dirty="0" smtClean="0"/>
+              <a:t>Plug</a:t>
+            </a:r>
+            <a:r>
+              <a:rPr lang="ko-KR" altLang="en-US" sz="1400" dirty="0" smtClean="0"/>
+              <a:t>에 의해 가공된 </a:t>
+            </a:r>
+            <a:r>
+              <a:rPr lang="en-US" altLang="ko-KR" sz="1400" dirty="0" smtClean="0"/>
+              <a:t>contents</a:t>
+            </a:r>
+            <a:r>
+              <a:rPr lang="ko-KR" altLang="en-US" sz="1400" dirty="0" smtClean="0"/>
+              <a:t>도 하나의 </a:t>
+            </a:r>
+            <a:r>
+              <a:rPr lang="en-US" altLang="ko-KR" sz="1400" dirty="0" smtClean="0"/>
+              <a:t>Plug</a:t>
+            </a:r>
+            <a:r>
+              <a:rPr lang="ko-KR" altLang="en-US" sz="1400" dirty="0" smtClean="0"/>
+              <a:t>형태로 관리할 수 있음</a:t>
+            </a:r>
+            <a:r>
+              <a:rPr lang="en-US" altLang="ko-KR" sz="1400" dirty="0" smtClean="0"/>
+              <a:t>(short-cut file </a:t>
+            </a:r>
+            <a:r>
+              <a:rPr lang="ko-KR" altLang="en-US" sz="1400" dirty="0" smtClean="0"/>
+              <a:t>개념</a:t>
+            </a:r>
+            <a:r>
+              <a:rPr lang="en-US" altLang="ko-KR" sz="1400" dirty="0" smtClean="0"/>
+              <a:t>)</a:t>
+            </a:r>
+          </a:p>
+          <a:p>
+            <a:endParaRPr lang="en-US" altLang="ko-KR" sz="1800" dirty="0" smtClean="0"/>
+          </a:p>
+          <a:p>
+            <a:r>
+              <a:rPr lang="en-US" altLang="ko-KR" sz="1800" dirty="0" smtClean="0"/>
+              <a:t>Plug</a:t>
+            </a:r>
+            <a:endParaRPr lang="en-US" altLang="ko-KR" sz="1400" dirty="0" smtClean="0"/>
+          </a:p>
+          <a:p>
+            <a:pPr lvl="1"/>
+            <a:r>
+              <a:rPr lang="ko-KR" altLang="en-US" sz="1400" dirty="0" smtClean="0"/>
+              <a:t>유연하고 확장이 쉬운 사용자 환경을 지원하기 위해 정해진 </a:t>
+            </a:r>
+            <a:r>
+              <a:rPr lang="en-US" altLang="ko-KR" sz="1400" dirty="0" smtClean="0"/>
+              <a:t>plug interface</a:t>
+            </a:r>
+            <a:r>
+              <a:rPr lang="ko-KR" altLang="en-US" sz="1400" dirty="0" smtClean="0"/>
+              <a:t>로 구현된 </a:t>
+            </a:r>
+            <a:r>
+              <a:rPr lang="en-US" altLang="ko-KR" sz="1400" dirty="0" smtClean="0"/>
+              <a:t>UX module(</a:t>
+            </a:r>
+            <a:r>
+              <a:rPr lang="ko-KR" altLang="en-US" sz="1400" dirty="0" smtClean="0"/>
+              <a:t>가능하면 별도의 </a:t>
+            </a:r>
+            <a:r>
+              <a:rPr lang="en-US" altLang="ko-KR" sz="1400" dirty="0" err="1" smtClean="0"/>
+              <a:t>apk</a:t>
+            </a:r>
+            <a:r>
+              <a:rPr lang="ko-KR" altLang="en-US" sz="1400" dirty="0" smtClean="0"/>
+              <a:t>형태</a:t>
+            </a:r>
+            <a:r>
+              <a:rPr lang="en-US" altLang="ko-KR" sz="1400" dirty="0" smtClean="0"/>
+              <a:t>)</a:t>
+            </a:r>
+          </a:p>
+          <a:p>
+            <a:pPr lvl="1"/>
+            <a:r>
+              <a:rPr lang="ko-KR" altLang="en-US" sz="1400" dirty="0" smtClean="0"/>
+              <a:t> </a:t>
+            </a:r>
+            <a:r>
+              <a:rPr lang="en-US" altLang="ko-KR" sz="1400" dirty="0" smtClean="0"/>
+              <a:t>Plug interface</a:t>
+            </a:r>
+            <a:r>
+              <a:rPr lang="ko-KR" altLang="en-US" sz="1400" dirty="0" smtClean="0"/>
+              <a:t>를 공개하여 일반개발자들로 하여금 다양한 </a:t>
+            </a:r>
+            <a:r>
+              <a:rPr lang="en-US" altLang="ko-KR" sz="1400" dirty="0" smtClean="0"/>
+              <a:t>UX plug</a:t>
+            </a:r>
+            <a:r>
+              <a:rPr lang="ko-KR" altLang="en-US" sz="1400" dirty="0" smtClean="0"/>
+              <a:t>를 개발할 수 있도록 지원</a:t>
+            </a:r>
+            <a:r>
+              <a:rPr lang="en-US" altLang="ko-KR" sz="1400" dirty="0" smtClean="0"/>
+              <a:t>.</a:t>
+            </a:r>
+          </a:p>
+          <a:p>
+            <a:endParaRPr lang="ko-KR" altLang="en-US" sz="1800" dirty="0"/>
+          </a:p>
+        </p:txBody>
+      </p:sp>
+    </p:spTree>
+    <p:extLst>
+      <p:ext uri="{BB962C8B-B14F-4D97-AF65-F5344CB8AC3E}">
+        <p14:creationId xmlns:p14="http://schemas.microsoft.com/office/powerpoint/2010/main" val="579352315"/>
+      </p:ext>
+    </p:extLst>
+  </p:cSld>
+  <p:clrMapOvr>
+    <a:masterClrMapping/>
+  </p:clrMapOvr>
+  <p:timing>
+    <p:tnLst>
+      <p:par>
+        <p:cTn id="1" dur="indefinite" restart="never" nodeType="tmRoot"/>
+      </p:par>
+    </p:tnLst>
+  </p:timing>
+</p:sld>
+</file>
+
+<file path=ppt/slides/slide21.xml><?xml version="1.0" encoding="utf-8"?>
+<p:sld xmlns:a="http://schemas.openxmlformats.org/drawingml/2006/main" xmlns:r="http://schemas.openxmlformats.org/officeDocument/2006/relationships" xmlns:p="http://schemas.openxmlformats.org/presentationml/2006/main">
+  <p:cSld>
+    <p:spTree>
+      <p:nvGrpSpPr>
+        <p:cNvPr id="1" name=""/>
+        <p:cNvGrpSpPr/>
+        <p:nvPr/>
+      </p:nvGrpSpPr>
+      <p:grpSpPr>
+        <a:xfrm>
+          <a:off x="0" y="0"/>
+          <a:ext cx="0" cy="0"/>
+          <a:chOff x="0" y="0"/>
+          <a:chExt cx="0" cy="0"/>
+        </a:xfrm>
+      </p:grpSpPr>
       <p:grpSp>
         <p:nvGrpSpPr>
           <p:cNvPr id="35" name="그룹 34"/>
@@ -9783,7 +10118,7 @@
 </p:sld>
 </file>
 
-<file path=ppt/slides/slide21.xml><?xml version="1.0" encoding="utf-8"?>
+<file path=ppt/slides/slide22.xml><?xml version="1.0" encoding="utf-8"?>
 <p:sld xmlns:a="http://schemas.openxmlformats.org/drawingml/2006/main" xmlns:r="http://schemas.openxmlformats.org/officeDocument/2006/relationships" xmlns:p="http://schemas.openxmlformats.org/presentationml/2006/main">
   <p:cSld>
     <p:spTree>
@@ -10722,7 +11057,7 @@
 </p:sld>
 </file>
 
-<file path=ppt/slides/slide22.xml><?xml version="1.0" encoding="utf-8"?>
+<file path=ppt/slides/slide23.xml><?xml version="1.0" encoding="utf-8"?>
 <p:sld xmlns:a="http://schemas.openxmlformats.org/drawingml/2006/main" xmlns:r="http://schemas.openxmlformats.org/officeDocument/2006/relationships" xmlns:p="http://schemas.openxmlformats.org/presentationml/2006/main">
   <p:cSld>
     <p:spTree>
@@ -11758,7 +12093,7 @@
 </p:sld>
 </file>
 
-<file path=ppt/slides/slide23.xml><?xml version="1.0" encoding="utf-8"?>
+<file path=ppt/slides/slide24.xml><?xml version="1.0" encoding="utf-8"?>
 <p:sld xmlns:a="http://schemas.openxmlformats.org/drawingml/2006/main" xmlns:r="http://schemas.openxmlformats.org/officeDocument/2006/relationships" xmlns:p="http://schemas.openxmlformats.org/presentationml/2006/main">
   <p:cSld>
     <p:spTree>
@@ -13017,187 +13352,6 @@
               <a:t>Appear UX | Plug sample UX  </a:t>
             </a:r>
             <a:endParaRPr lang="ko-KR" altLang="en-US" sz="3200" dirty="0"/>
-          </a:p>
-        </p:txBody>
-      </p:sp>
-    </p:spTree>
-  </p:cSld>
-  <p:clrMapOvr>
-    <a:masterClrMapping/>
-  </p:clrMapOvr>
-  <p:timing>
-    <p:tnLst>
-      <p:par>
-        <p:cTn id="1" dur="indefinite" restart="never" nodeType="tmRoot"/>
-      </p:par>
-    </p:tnLst>
-  </p:timing>
-</p:sld>
-</file>
-
-<file path=ppt/slides/slide24.xml><?xml version="1.0" encoding="utf-8"?>
-<p:sld xmlns:a="http://schemas.openxmlformats.org/drawingml/2006/main" xmlns:r="http://schemas.openxmlformats.org/officeDocument/2006/relationships" xmlns:p="http://schemas.openxmlformats.org/presentationml/2006/main">
-  <p:cSld>
-    <p:spTree>
-      <p:nvGrpSpPr>
-        <p:cNvPr id="1" name=""/>
-        <p:cNvGrpSpPr/>
-        <p:nvPr/>
-      </p:nvGrpSpPr>
-      <p:grpSpPr>
-        <a:xfrm>
-          <a:off x="0" y="0"/>
-          <a:ext cx="0" cy="0"/>
-          <a:chOff x="0" y="0"/>
-          <a:chExt cx="0" cy="0"/>
-        </a:xfrm>
-      </p:grpSpPr>
-      <p:sp>
-        <p:nvSpPr>
-          <p:cNvPr id="2" name="제목 1"/>
-          <p:cNvSpPr>
-            <a:spLocks noGrp="1"/>
-          </p:cNvSpPr>
-          <p:nvPr>
-            <p:ph type="title"/>
-          </p:nvPr>
-        </p:nvSpPr>
-        <p:spPr/>
-        <p:txBody>
-          <a:bodyPr>
-            <a:normAutofit/>
-          </a:bodyPr>
-          <a:lstStyle/>
-          <a:p>
-            <a:pPr algn="l"/>
-            <a:r>
-              <a:rPr lang="en-US" altLang="ko-KR" sz="3200" dirty="0" err="1" smtClean="0"/>
-              <a:t>Storygraph</a:t>
-            </a:r>
-            <a:r>
-              <a:rPr lang="en-US" altLang="ko-KR" sz="3200" dirty="0" smtClean="0"/>
-              <a:t> | Concept</a:t>
-            </a:r>
-            <a:endParaRPr lang="ko-KR" altLang="en-US" sz="3200" dirty="0"/>
-          </a:p>
-        </p:txBody>
-      </p:sp>
-      <p:sp>
-        <p:nvSpPr>
-          <p:cNvPr id="3" name="내용 개체 틀 2"/>
-          <p:cNvSpPr>
-            <a:spLocks noGrp="1"/>
-          </p:cNvSpPr>
-          <p:nvPr>
-            <p:ph idx="1"/>
-          </p:nvPr>
-        </p:nvSpPr>
-        <p:spPr/>
-        <p:txBody>
-          <a:bodyPr>
-            <a:noAutofit/>
-          </a:bodyPr>
-          <a:lstStyle/>
-          <a:p>
-            <a:r>
-              <a:rPr lang="en-US" altLang="ko-KR" sz="1400" dirty="0" err="1" smtClean="0"/>
-              <a:t>Storygraph</a:t>
-            </a:r>
-            <a:r>
-              <a:rPr lang="ko-KR" altLang="en-US" sz="1400" dirty="0" smtClean="0"/>
-              <a:t>는 </a:t>
-            </a:r>
-            <a:r>
-              <a:rPr lang="en-US" altLang="ko-KR" sz="1400" dirty="0" smtClean="0"/>
-              <a:t>Story </a:t>
-            </a:r>
-            <a:r>
-              <a:rPr lang="ko-KR" altLang="en-US" sz="1400" dirty="0" smtClean="0"/>
-              <a:t>와 </a:t>
-            </a:r>
-            <a:r>
-              <a:rPr lang="en-US" altLang="ko-KR" sz="1400" dirty="0" smtClean="0"/>
-              <a:t>Graph</a:t>
-            </a:r>
-            <a:r>
-              <a:rPr lang="ko-KR" altLang="en-US" sz="1400" dirty="0" smtClean="0"/>
-              <a:t>의 합성어 즉</a:t>
-            </a:r>
-            <a:r>
-              <a:rPr lang="en-US" altLang="ko-KR" sz="1400" dirty="0" smtClean="0"/>
-              <a:t> </a:t>
-            </a:r>
-            <a:r>
-              <a:rPr lang="ko-KR" altLang="en-US" sz="1400" dirty="0" smtClean="0"/>
-              <a:t>이야기 </a:t>
-            </a:r>
-            <a:r>
-              <a:rPr lang="ko-KR" altLang="en-US" sz="1400" dirty="0" err="1" smtClean="0"/>
-              <a:t>꺼리에</a:t>
-            </a:r>
-            <a:r>
-              <a:rPr lang="ko-KR" altLang="en-US" sz="1400" dirty="0" smtClean="0"/>
-              <a:t> 대한 연결고리를 의미합니다</a:t>
-            </a:r>
-            <a:r>
-              <a:rPr lang="en-US" altLang="ko-KR" sz="1400" dirty="0" smtClean="0"/>
-              <a:t>. </a:t>
-            </a:r>
-          </a:p>
-          <a:p>
-            <a:pPr>
-              <a:buNone/>
-            </a:pPr>
-            <a:r>
-              <a:rPr lang="en-US" altLang="ko-KR" sz="1400" dirty="0"/>
-              <a:t>	</a:t>
-            </a:r>
-            <a:endParaRPr lang="en-US" altLang="ko-KR" sz="1400" dirty="0" smtClean="0"/>
-          </a:p>
-          <a:p>
-            <a:pPr>
-              <a:buNone/>
-            </a:pPr>
-            <a:r>
-              <a:rPr lang="en-US" altLang="ko-KR" sz="1400" dirty="0"/>
-              <a:t>	</a:t>
-            </a:r>
-            <a:r>
-              <a:rPr lang="ko-KR" altLang="en-US" sz="1400" dirty="0" smtClean="0"/>
-              <a:t>작은 의미에서는 장면 하나하나를 잘 꾸미고 엮어 흥미롭고 새로운 이야기를 창작해내는 활동이라 할 수 있습니다</a:t>
-            </a:r>
-            <a:r>
-              <a:rPr lang="en-US" altLang="ko-KR" sz="1400" dirty="0" smtClean="0"/>
-              <a:t>. </a:t>
-            </a:r>
-          </a:p>
-          <a:p>
-            <a:pPr>
-              <a:buNone/>
-            </a:pPr>
-            <a:r>
-              <a:rPr lang="en-US" altLang="ko-KR" sz="1400" dirty="0"/>
-              <a:t>	</a:t>
-            </a:r>
-            <a:endParaRPr lang="en-US" altLang="ko-KR" sz="1400" dirty="0" smtClean="0"/>
-          </a:p>
-          <a:p>
-            <a:pPr>
-              <a:buNone/>
-            </a:pPr>
-            <a:r>
-              <a:rPr lang="en-US" altLang="ko-KR" sz="1400" dirty="0"/>
-              <a:t>	</a:t>
-            </a:r>
-            <a:r>
-              <a:rPr lang="ko-KR" altLang="en-US" sz="1400" dirty="0" smtClean="0"/>
-              <a:t>그리고 크게 봐서는 내가 만든 아주 재미난 이야기와 장면들을 다른 사람들에게 공유하고 이렇게 공유된 이야기는 또 다른 사람의 이야기와 합쳐져 새로운 가치와 의미를 가지는 이야기로 재창조하는 활동을 지향합니다</a:t>
-            </a:r>
-            <a:r>
-              <a:rPr lang="en-US" altLang="ko-KR" sz="1400" dirty="0" smtClean="0"/>
-              <a:t>.</a:t>
-            </a:r>
-            <a:endParaRPr lang="ko-KR" altLang="en-US" sz="1400" dirty="0"/>
           </a:p>
         </p:txBody>
       </p:sp>
@@ -13257,7 +13411,7 @@
             </a:r>
             <a:r>
               <a:rPr lang="en-US" altLang="ko-KR" sz="3200" dirty="0" smtClean="0"/>
-              <a:t> | Plugs</a:t>
+              <a:t> | Concept</a:t>
             </a:r>
             <a:endParaRPr lang="ko-KR" altLang="en-US" sz="3200" dirty="0"/>
           </a:p>
@@ -13281,10 +13435,49 @@
           <a:lstStyle/>
           <a:p>
             <a:r>
-              <a:rPr lang="en-US" altLang="ko-KR" sz="1800" dirty="0" err="1" smtClean="0"/>
-              <a:t>SceneBrowser</a:t>
-            </a:r>
-            <a:endParaRPr lang="en-US" altLang="ko-KR" sz="1800" dirty="0" smtClean="0"/>
+              <a:rPr lang="en-US" altLang="ko-KR" sz="1400" dirty="0" err="1" smtClean="0"/>
+              <a:t>Storygraph</a:t>
+            </a:r>
+            <a:r>
+              <a:rPr lang="ko-KR" altLang="en-US" sz="1400" dirty="0" smtClean="0"/>
+              <a:t>는 </a:t>
+            </a:r>
+            <a:r>
+              <a:rPr lang="en-US" altLang="ko-KR" sz="1400" dirty="0" smtClean="0"/>
+              <a:t>Story </a:t>
+            </a:r>
+            <a:r>
+              <a:rPr lang="ko-KR" altLang="en-US" sz="1400" dirty="0" smtClean="0"/>
+              <a:t>와 </a:t>
+            </a:r>
+            <a:r>
+              <a:rPr lang="en-US" altLang="ko-KR" sz="1400" dirty="0" smtClean="0"/>
+              <a:t>Graph</a:t>
+            </a:r>
+            <a:r>
+              <a:rPr lang="ko-KR" altLang="en-US" sz="1400" dirty="0" smtClean="0"/>
+              <a:t>의 합성어 즉</a:t>
+            </a:r>
+            <a:r>
+              <a:rPr lang="en-US" altLang="ko-KR" sz="1400" dirty="0" smtClean="0"/>
+              <a:t> </a:t>
+            </a:r>
+            <a:r>
+              <a:rPr lang="ko-KR" altLang="en-US" sz="1400" dirty="0" smtClean="0"/>
+              <a:t>이야기 </a:t>
+            </a:r>
+            <a:r>
+              <a:rPr lang="ko-KR" altLang="en-US" sz="1400" dirty="0" err="1" smtClean="0"/>
+              <a:t>꺼리에</a:t>
+            </a:r>
+            <a:r>
+              <a:rPr lang="ko-KR" altLang="en-US" sz="1400" dirty="0" smtClean="0"/>
+              <a:t> 대한 연결고리를 의미합니다</a:t>
+            </a:r>
+            <a:r>
+              <a:rPr lang="en-US" altLang="ko-KR" sz="1400" dirty="0" smtClean="0"/>
+              <a:t>. </a:t>
+            </a:r>
           </a:p>
           <a:p>
             <a:pPr>
@@ -13294,55 +13487,24 @@
               <a:rPr lang="en-US" altLang="ko-KR" sz="1400" dirty="0"/>
               <a:t>	</a:t>
             </a:r>
-            <a:r>
-              <a:rPr lang="ko-KR" altLang="en-US" sz="1400" dirty="0" smtClean="0"/>
-              <a:t>지정된 </a:t>
-            </a:r>
-            <a:r>
-              <a:rPr lang="en-US" altLang="ko-KR" sz="1400" dirty="0" smtClean="0"/>
-              <a:t>URL</a:t>
-            </a:r>
-            <a:r>
-              <a:rPr lang="ko-KR" altLang="en-US" sz="1400" dirty="0" smtClean="0"/>
-              <a:t>을 기준으로 장면 파일을 살펴볼 수 있도록 지원하는 </a:t>
-            </a:r>
-            <a:r>
-              <a:rPr lang="en-US" altLang="ko-KR" sz="1400" dirty="0" smtClean="0"/>
-              <a:t>UX plug</a:t>
-            </a:r>
-            <a:endParaRPr lang="en-US" altLang="ko-KR" sz="1800" dirty="0" smtClean="0"/>
-          </a:p>
-          <a:p>
-            <a:r>
-              <a:rPr lang="en-US" altLang="ko-KR" sz="1800" dirty="0" err="1" smtClean="0"/>
-              <a:t>SceneClipper</a:t>
-            </a:r>
-            <a:endParaRPr lang="en-US" altLang="ko-KR" sz="1800" dirty="0"/>
+            <a:endParaRPr lang="en-US" altLang="ko-KR" sz="1400" dirty="0" smtClean="0"/>
           </a:p>
           <a:p>
             <a:pPr>
               <a:buNone/>
             </a:pPr>
             <a:r>
+              <a:rPr lang="en-US" altLang="ko-KR" sz="1400" dirty="0"/>
+              <a:t>	</a:t>
+            </a:r>
+            <a:r>
+              <a:rPr lang="ko-KR" altLang="en-US" sz="1400" dirty="0" smtClean="0"/>
+              <a:t>작은 의미에서는 장면 하나하나를 잘 꾸미고 엮어 흥미롭고 새로운 이야기를 창작해내는 활동이라 할 수 있습니다</a:t>
+            </a:r>
+            <a:r>
               <a:rPr lang="en-US" altLang="ko-KR" sz="1400" dirty="0" smtClean="0"/>
-              <a:t>    </a:t>
-            </a:r>
-            <a:r>
-              <a:rPr lang="ko-KR" altLang="en-US" sz="1400" dirty="0" smtClean="0"/>
-              <a:t>현재 보여주고 있는 장면에서 일부 영역을 지정하여 자를 수 있도록 지원하는 </a:t>
-            </a:r>
-            <a:r>
-              <a:rPr lang="en-US" altLang="ko-KR" sz="1400" dirty="0" smtClean="0"/>
-              <a:t>UX plug</a:t>
-            </a:r>
-            <a:endParaRPr lang="en-US" altLang="ko-KR" sz="1800" dirty="0" smtClean="0"/>
-          </a:p>
-          <a:p>
-            <a:r>
-              <a:rPr lang="en-US" altLang="ko-KR" sz="1800" dirty="0" err="1" smtClean="0"/>
-              <a:t>SceneEditor</a:t>
-            </a:r>
-            <a:endParaRPr lang="en-US" altLang="ko-KR" sz="1800" dirty="0" smtClean="0"/>
+              <a:t>. </a:t>
+            </a:r>
           </a:p>
           <a:p>
             <a:pPr>
@@ -13352,14 +13514,7 @@
               <a:rPr lang="en-US" altLang="ko-KR" sz="1400" dirty="0"/>
               <a:t>	</a:t>
             </a:r>
-            <a:r>
-              <a:rPr lang="ko-KR" altLang="en-US" sz="1400" dirty="0" smtClean="0"/>
-              <a:t>현재 보여주고 있는 장면을 수정할 수 있도록 지원하는 </a:t>
-            </a:r>
-            <a:r>
-              <a:rPr lang="en-US" altLang="ko-KR" sz="1400" dirty="0" smtClean="0"/>
-              <a:t>UX plug</a:t>
-            </a:r>
+            <a:endParaRPr lang="en-US" altLang="ko-KR" sz="1400" dirty="0" smtClean="0"/>
           </a:p>
           <a:p>
             <a:pPr>
@@ -13370,136 +13525,14 @@
               <a:t>	</a:t>
             </a:r>
             <a:r>
+              <a:rPr lang="ko-KR" altLang="en-US" sz="1400" dirty="0" smtClean="0"/>
+              <a:t>그리고 크게 봐서는 내가 만든 아주 재미난 이야기와 장면들을 다른 사람들에게 공유하고 이렇게 공유된 이야기는 또 다른 사람의 이야기와 합쳐져 새로운 가치와 의미를 가지는 이야기로 재창조하는 활동을 지향합니다</a:t>
+            </a:r>
+            <a:r>
               <a:rPr lang="en-US" altLang="ko-KR" sz="1400" dirty="0" smtClean="0"/>
-              <a:t>(</a:t>
-            </a:r>
-            <a:r>
-              <a:rPr lang="ko-KR" altLang="en-US" sz="1400" dirty="0" smtClean="0"/>
-              <a:t>문구 추가</a:t>
-            </a:r>
-            <a:r>
-              <a:rPr lang="en-US" altLang="ko-KR" sz="1400" dirty="0" smtClean="0"/>
-              <a:t>, </a:t>
-            </a:r>
-            <a:r>
-              <a:rPr lang="ko-KR" altLang="en-US" sz="1400" dirty="0" smtClean="0"/>
-              <a:t>그리기</a:t>
-            </a:r>
-            <a:r>
-              <a:rPr lang="en-US" altLang="ko-KR" sz="1400" dirty="0" smtClean="0"/>
-              <a:t>, </a:t>
-            </a:r>
-            <a:r>
-              <a:rPr lang="ko-KR" altLang="en-US" sz="1400" dirty="0" smtClean="0"/>
-              <a:t>지우기 등</a:t>
-            </a:r>
-            <a:r>
-              <a:rPr lang="en-US" altLang="ko-KR" sz="1400" dirty="0" smtClean="0"/>
-              <a:t>)</a:t>
-            </a:r>
-            <a:endParaRPr lang="en-US" altLang="ko-KR" sz="1800" dirty="0" smtClean="0"/>
-          </a:p>
-          <a:p>
-            <a:endParaRPr lang="en-US" altLang="ko-KR" sz="1800" dirty="0" smtClean="0"/>
-          </a:p>
-          <a:p>
-            <a:r>
-              <a:rPr lang="en-US" altLang="ko-KR" sz="1800" dirty="0" err="1" smtClean="0"/>
-              <a:t>StoryEditor</a:t>
-            </a:r>
-            <a:endParaRPr lang="en-US" altLang="ko-KR" sz="1800" dirty="0" smtClean="0"/>
-          </a:p>
-          <a:p>
-            <a:pPr>
-              <a:buNone/>
-            </a:pPr>
-            <a:r>
-              <a:rPr lang="en-US" altLang="ko-KR" sz="1400" dirty="0" smtClean="0"/>
-              <a:t>	</a:t>
-            </a:r>
-            <a:r>
-              <a:rPr lang="ko-KR" altLang="en-US" sz="1400" dirty="0" smtClean="0"/>
-              <a:t>이야기 중 특정 장면을 제거하거나 추가할 수 있고</a:t>
-            </a:r>
-            <a:r>
-              <a:rPr lang="en-US" altLang="ko-KR" sz="1400" dirty="0"/>
-              <a:t> </a:t>
-            </a:r>
-            <a:r>
-              <a:rPr lang="ko-KR" altLang="en-US" sz="1400" dirty="0" smtClean="0"/>
-              <a:t>순서를 변경할 수 있도록 지원하는 </a:t>
-            </a:r>
-            <a:r>
-              <a:rPr lang="en-US" altLang="ko-KR" sz="1400" dirty="0" smtClean="0"/>
-              <a:t>UX plug</a:t>
-            </a:r>
-            <a:r>
-              <a:rPr lang="ko-KR" altLang="en-US" sz="1400" dirty="0" smtClean="0"/>
-              <a:t> </a:t>
-            </a:r>
-            <a:endParaRPr lang="en-US" altLang="ko-KR" sz="1800" dirty="0" smtClean="0"/>
-          </a:p>
-          <a:p>
-            <a:r>
-              <a:rPr lang="en-US" altLang="ko-KR" sz="1800" dirty="0" err="1" smtClean="0"/>
-              <a:t>StoryPlayer</a:t>
-            </a:r>
-            <a:endParaRPr lang="en-US" altLang="ko-KR" sz="1800" dirty="0" smtClean="0"/>
-          </a:p>
-          <a:p>
-            <a:pPr>
-              <a:buNone/>
-            </a:pPr>
-            <a:r>
-              <a:rPr lang="en-US" altLang="ko-KR" sz="1400" dirty="0" smtClean="0"/>
-              <a:t>	</a:t>
-            </a:r>
-            <a:r>
-              <a:rPr lang="ko-KR" altLang="en-US" sz="1400" dirty="0" err="1" smtClean="0"/>
-              <a:t>이야기안의</a:t>
-            </a:r>
-            <a:r>
-              <a:rPr lang="ko-KR" altLang="en-US" sz="1400" dirty="0" smtClean="0"/>
-              <a:t> 장면들을 설정에 맞게 연속적으로 재생해서 보여주는 </a:t>
-            </a:r>
-            <a:r>
-              <a:rPr lang="en-US" altLang="ko-KR" sz="1400" dirty="0" smtClean="0"/>
-              <a:t>UX plug</a:t>
-            </a:r>
-            <a:endParaRPr lang="en-US" altLang="ko-KR" sz="1800" dirty="0" smtClean="0"/>
-          </a:p>
-          <a:p>
-            <a:r>
-              <a:rPr lang="en-US" altLang="ko-KR" sz="1800" dirty="0" err="1" smtClean="0"/>
-              <a:t>StoryBoard</a:t>
-            </a:r>
-            <a:endParaRPr lang="en-US" altLang="ko-KR" sz="1800" dirty="0" smtClean="0"/>
-          </a:p>
-          <a:p>
-            <a:pPr>
-              <a:buNone/>
-            </a:pPr>
-            <a:r>
-              <a:rPr lang="en-US" altLang="ko-KR" sz="1400" dirty="0"/>
-              <a:t>	</a:t>
-            </a:r>
-            <a:r>
-              <a:rPr lang="ko-KR" altLang="en-US" sz="1400" dirty="0" smtClean="0"/>
-              <a:t>이야기를 검색하거나 공유할 수 있도록 지원해주는 </a:t>
-            </a:r>
-            <a:r>
-              <a:rPr lang="en-US" altLang="ko-KR" sz="1400" dirty="0" smtClean="0"/>
-              <a:t>UX plug</a:t>
-            </a:r>
-          </a:p>
-          <a:p>
-            <a:endParaRPr lang="en-US" altLang="ko-KR" sz="1800" dirty="0" smtClean="0"/>
-          </a:p>
-          <a:p>
-            <a:endParaRPr lang="en-US" altLang="ko-KR" sz="1800" dirty="0" smtClean="0"/>
-          </a:p>
-          <a:p>
-            <a:endParaRPr lang="ko-KR" altLang="en-US" sz="1800" dirty="0"/>
+              <a:t>.</a:t>
+            </a:r>
+            <a:endParaRPr lang="ko-KR" altLang="en-US" sz="1400" dirty="0"/>
           </a:p>
         </p:txBody>
       </p:sp>
@@ -13537,384 +13570,7 @@
       </p:grpSpPr>
       <p:sp>
         <p:nvSpPr>
-          <p:cNvPr id="59" name="직사각형 58"/>
-          <p:cNvSpPr/>
-          <p:nvPr/>
-        </p:nvSpPr>
-        <p:spPr>
-          <a:xfrm>
-            <a:off x="6485751" y="1916832"/>
-            <a:ext cx="2118697" cy="3600400"/>
-          </a:xfrm>
-          <a:prstGeom prst="rect">
-            <a:avLst/>
-          </a:prstGeom>
-        </p:spPr>
-        <p:style>
-          <a:lnRef idx="1">
-            <a:schemeClr val="dk1"/>
-          </a:lnRef>
-          <a:fillRef idx="2">
-            <a:schemeClr val="dk1"/>
-          </a:fillRef>
-          <a:effectRef idx="1">
-            <a:schemeClr val="dk1"/>
-          </a:effectRef>
-          <a:fontRef idx="minor">
-            <a:schemeClr val="dk1"/>
-          </a:fontRef>
-        </p:style>
-        <p:txBody>
-          <a:bodyPr rtlCol="0" anchor="ctr"/>
-          <a:lstStyle/>
-          <a:p>
-            <a:pPr algn="ctr"/>
-            <a:endParaRPr lang="ko-KR" altLang="en-US"/>
-          </a:p>
-        </p:txBody>
-      </p:sp>
-      <p:sp>
-        <p:nvSpPr>
-          <p:cNvPr id="45" name="직사각형 44"/>
-          <p:cNvSpPr/>
-          <p:nvPr/>
-        </p:nvSpPr>
-        <p:spPr>
-          <a:xfrm>
-            <a:off x="1115616" y="1916832"/>
-            <a:ext cx="2088232" cy="3600400"/>
-          </a:xfrm>
-          <a:prstGeom prst="rect">
-            <a:avLst/>
-          </a:prstGeom>
-        </p:spPr>
-        <p:style>
-          <a:lnRef idx="1">
-            <a:schemeClr val="dk1"/>
-          </a:lnRef>
-          <a:fillRef idx="2">
-            <a:schemeClr val="dk1"/>
-          </a:fillRef>
-          <a:effectRef idx="1">
-            <a:schemeClr val="dk1"/>
-          </a:effectRef>
-          <a:fontRef idx="minor">
-            <a:schemeClr val="dk1"/>
-          </a:fontRef>
-        </p:style>
-        <p:txBody>
-          <a:bodyPr rtlCol="0" anchor="ctr"/>
-          <a:lstStyle/>
-          <a:p>
-            <a:pPr algn="ctr"/>
-            <a:endParaRPr lang="ko-KR" altLang="en-US"/>
-          </a:p>
-        </p:txBody>
-      </p:sp>
-      <p:sp>
-        <p:nvSpPr>
-          <p:cNvPr id="46" name="직사각형 45"/>
-          <p:cNvSpPr/>
-          <p:nvPr/>
-        </p:nvSpPr>
-        <p:spPr>
-          <a:xfrm>
-            <a:off x="1115616" y="1916832"/>
-            <a:ext cx="510457" cy="3600400"/>
-          </a:xfrm>
-          <a:prstGeom prst="rect">
-            <a:avLst/>
-          </a:prstGeom>
-          <a:solidFill>
-            <a:schemeClr val="accent1">
-              <a:alpha val="20000"/>
-            </a:schemeClr>
-          </a:solidFill>
-        </p:spPr>
-        <p:style>
-          <a:lnRef idx="1">
-            <a:schemeClr val="accent1"/>
-          </a:lnRef>
-          <a:fillRef idx="2">
-            <a:schemeClr val="accent1"/>
-          </a:fillRef>
-          <a:effectRef idx="1">
-            <a:schemeClr val="accent1"/>
-          </a:effectRef>
-          <a:fontRef idx="minor">
-            <a:schemeClr val="dk1"/>
-          </a:fontRef>
-        </p:style>
-        <p:txBody>
-          <a:bodyPr rtlCol="0" anchor="ctr"/>
-          <a:lstStyle/>
-          <a:p>
-            <a:pPr algn="ctr"/>
-            <a:endParaRPr lang="ko-KR" altLang="en-US"/>
-          </a:p>
-        </p:txBody>
-      </p:sp>
-      <p:sp>
-        <p:nvSpPr>
-          <p:cNvPr id="47" name="모서리가 둥근 직사각형 46"/>
-          <p:cNvSpPr/>
-          <p:nvPr/>
-        </p:nvSpPr>
-        <p:spPr>
-          <a:xfrm>
-            <a:off x="1162021" y="2007981"/>
-            <a:ext cx="417646" cy="319023"/>
-          </a:xfrm>
-          <a:prstGeom prst="roundRect">
-            <a:avLst/>
-          </a:prstGeom>
-        </p:spPr>
-        <p:style>
-          <a:lnRef idx="1">
-            <a:schemeClr val="accent2"/>
-          </a:lnRef>
-          <a:fillRef idx="2">
-            <a:schemeClr val="accent2"/>
-          </a:fillRef>
-          <a:effectRef idx="1">
-            <a:schemeClr val="accent2"/>
-          </a:effectRef>
-          <a:fontRef idx="minor">
-            <a:schemeClr val="dk1"/>
-          </a:fontRef>
-        </p:style>
-        <p:txBody>
-          <a:bodyPr rtlCol="0" anchor="ctr"/>
-          <a:lstStyle/>
-          <a:p>
-            <a:pPr algn="ctr"/>
-            <a:r>
-              <a:rPr lang="en-US" altLang="ko-KR" sz="1000" dirty="0" err="1" smtClean="0"/>
-              <a:t>Sc.Bro</a:t>
-            </a:r>
-            <a:endParaRPr lang="en-US" altLang="ko-KR" sz="1000" dirty="0" smtClean="0"/>
-          </a:p>
-        </p:txBody>
-      </p:sp>
-      <p:sp>
-        <p:nvSpPr>
-          <p:cNvPr id="49" name="모서리가 둥근 직사각형 48"/>
-          <p:cNvSpPr/>
-          <p:nvPr/>
-        </p:nvSpPr>
-        <p:spPr>
-          <a:xfrm>
-            <a:off x="1162021" y="2737176"/>
-            <a:ext cx="417646" cy="319023"/>
-          </a:xfrm>
-          <a:prstGeom prst="roundRect">
-            <a:avLst/>
-          </a:prstGeom>
-          <a:solidFill>
-            <a:schemeClr val="accent1">
-              <a:alpha val="20000"/>
-            </a:schemeClr>
-          </a:solidFill>
-        </p:spPr>
-        <p:style>
-          <a:lnRef idx="1">
-            <a:schemeClr val="accent1"/>
-          </a:lnRef>
-          <a:fillRef idx="2">
-            <a:schemeClr val="accent1"/>
-          </a:fillRef>
-          <a:effectRef idx="1">
-            <a:schemeClr val="accent1"/>
-          </a:effectRef>
-          <a:fontRef idx="minor">
-            <a:schemeClr val="dk1"/>
-          </a:fontRef>
-        </p:style>
-        <p:txBody>
-          <a:bodyPr rtlCol="0" anchor="ctr"/>
-          <a:lstStyle/>
-          <a:p>
-            <a:pPr algn="ctr"/>
-            <a:r>
-              <a:rPr lang="en-US" altLang="ko-KR" sz="1000" dirty="0" smtClean="0"/>
-              <a:t>Sc.</a:t>
-            </a:r>
-          </a:p>
-          <a:p>
-            <a:pPr algn="ctr"/>
-            <a:r>
-              <a:rPr lang="en-US" altLang="ko-KR" sz="1000" dirty="0" err="1" smtClean="0"/>
-              <a:t>Edt</a:t>
-            </a:r>
-            <a:endParaRPr lang="ko-KR" altLang="en-US" sz="1000" dirty="0"/>
-          </a:p>
-        </p:txBody>
-      </p:sp>
-      <p:sp>
-        <p:nvSpPr>
-          <p:cNvPr id="50" name="모서리가 둥근 직사각형 49"/>
-          <p:cNvSpPr/>
-          <p:nvPr/>
-        </p:nvSpPr>
-        <p:spPr>
-          <a:xfrm>
-            <a:off x="1162021" y="3101774"/>
-            <a:ext cx="417646" cy="319023"/>
-          </a:xfrm>
-          <a:prstGeom prst="roundRect">
-            <a:avLst/>
-          </a:prstGeom>
-          <a:solidFill>
-            <a:schemeClr val="accent1">
-              <a:alpha val="20000"/>
-            </a:schemeClr>
-          </a:solidFill>
-        </p:spPr>
-        <p:style>
-          <a:lnRef idx="1">
-            <a:schemeClr val="accent1"/>
-          </a:lnRef>
-          <a:fillRef idx="2">
-            <a:schemeClr val="accent1"/>
-          </a:fillRef>
-          <a:effectRef idx="1">
-            <a:schemeClr val="accent1"/>
-          </a:effectRef>
-          <a:fontRef idx="minor">
-            <a:schemeClr val="dk1"/>
-          </a:fontRef>
-        </p:style>
-        <p:txBody>
-          <a:bodyPr rtlCol="0" anchor="ctr"/>
-          <a:lstStyle/>
-          <a:p>
-            <a:pPr algn="ctr"/>
-            <a:r>
-              <a:rPr lang="en-US" altLang="ko-KR" sz="1000" dirty="0" smtClean="0"/>
-              <a:t>St.</a:t>
-            </a:r>
-          </a:p>
-          <a:p>
-            <a:pPr algn="ctr"/>
-            <a:r>
-              <a:rPr lang="en-US" altLang="ko-KR" sz="1000" dirty="0" err="1" smtClean="0"/>
-              <a:t>Edt</a:t>
-            </a:r>
-            <a:endParaRPr lang="ko-KR" altLang="en-US" sz="1000" dirty="0"/>
-          </a:p>
-        </p:txBody>
-      </p:sp>
-      <p:sp>
-        <p:nvSpPr>
-          <p:cNvPr id="51" name="모서리가 둥근 직사각형 50"/>
-          <p:cNvSpPr/>
-          <p:nvPr/>
-        </p:nvSpPr>
-        <p:spPr>
-          <a:xfrm>
-            <a:off x="1162021" y="3466371"/>
-            <a:ext cx="417646" cy="319023"/>
-          </a:xfrm>
-          <a:prstGeom prst="roundRect">
-            <a:avLst/>
-          </a:prstGeom>
-          <a:solidFill>
-            <a:schemeClr val="accent1">
-              <a:alpha val="20000"/>
-            </a:schemeClr>
-          </a:solidFill>
-        </p:spPr>
-        <p:style>
-          <a:lnRef idx="1">
-            <a:schemeClr val="accent1"/>
-          </a:lnRef>
-          <a:fillRef idx="2">
-            <a:schemeClr val="accent1"/>
-          </a:fillRef>
-          <a:effectRef idx="1">
-            <a:schemeClr val="accent1"/>
-          </a:effectRef>
-          <a:fontRef idx="minor">
-            <a:schemeClr val="dk1"/>
-          </a:fontRef>
-        </p:style>
-        <p:txBody>
-          <a:bodyPr rtlCol="0" anchor="ctr"/>
-          <a:lstStyle/>
-          <a:p>
-            <a:pPr algn="ctr"/>
-            <a:r>
-              <a:rPr lang="en-US" altLang="ko-KR" sz="1000" dirty="0" smtClean="0"/>
-              <a:t>St.</a:t>
-            </a:r>
-          </a:p>
-          <a:p>
-            <a:pPr algn="ctr"/>
-            <a:r>
-              <a:rPr lang="en-US" altLang="ko-KR" sz="1000" dirty="0" smtClean="0"/>
-              <a:t>Ply</a:t>
-            </a:r>
-            <a:endParaRPr lang="ko-KR" altLang="en-US" sz="1000" dirty="0"/>
-          </a:p>
-        </p:txBody>
-      </p:sp>
-      <p:sp>
-        <p:nvSpPr>
-          <p:cNvPr id="52" name="모서리가 둥근 직사각형 51"/>
-          <p:cNvSpPr/>
-          <p:nvPr/>
-        </p:nvSpPr>
-        <p:spPr>
-          <a:xfrm>
-            <a:off x="1162021" y="3830969"/>
-            <a:ext cx="417646" cy="319023"/>
-          </a:xfrm>
-          <a:prstGeom prst="roundRect">
-            <a:avLst/>
-          </a:prstGeom>
-          <a:solidFill>
-            <a:schemeClr val="accent1">
-              <a:alpha val="20000"/>
-            </a:schemeClr>
-          </a:solidFill>
-        </p:spPr>
-        <p:style>
-          <a:lnRef idx="1">
-            <a:schemeClr val="accent1"/>
-          </a:lnRef>
-          <a:fillRef idx="2">
-            <a:schemeClr val="accent1"/>
-          </a:fillRef>
-          <a:effectRef idx="1">
-            <a:schemeClr val="accent1"/>
-          </a:effectRef>
-          <a:fontRef idx="minor">
-            <a:schemeClr val="dk1"/>
-          </a:fontRef>
-        </p:style>
-        <p:txBody>
-          <a:bodyPr rtlCol="0" anchor="ctr"/>
-          <a:lstStyle/>
-          <a:p>
-            <a:pPr algn="ctr"/>
-            <a:r>
-              <a:rPr lang="en-US" altLang="ko-KR" sz="1000" dirty="0" smtClean="0"/>
-              <a:t>St.</a:t>
-            </a:r>
-          </a:p>
-          <a:p>
-            <a:pPr algn="ctr"/>
-            <a:r>
-              <a:rPr lang="en-US" altLang="ko-KR" sz="1000" dirty="0" err="1" smtClean="0"/>
-              <a:t>Brd</a:t>
-            </a:r>
-            <a:endParaRPr lang="ko-KR" altLang="en-US" sz="1000" dirty="0"/>
-          </a:p>
-        </p:txBody>
-      </p:sp>
-      <p:sp>
-        <p:nvSpPr>
-          <p:cNvPr id="53" name="제목 1"/>
+          <p:cNvPr id="2" name="제목 1"/>
           <p:cNvSpPr>
             <a:spLocks noGrp="1"/>
           </p:cNvSpPr>
@@ -13922,12 +13578,7 @@
             <p:ph type="title"/>
           </p:nvPr>
         </p:nvSpPr>
-        <p:spPr>
-          <a:xfrm>
-            <a:off x="457200" y="274638"/>
-            <a:ext cx="8229600" cy="1143000"/>
-          </a:xfrm>
-        </p:spPr>
+        <p:spPr/>
         <p:txBody>
           <a:bodyPr>
             <a:normAutofit/>
@@ -13941,739 +13592,249 @@
             </a:r>
             <a:r>
               <a:rPr lang="en-US" altLang="ko-KR" sz="3200" dirty="0" smtClean="0"/>
-              <a:t> | </a:t>
-            </a:r>
-            <a:r>
-              <a:rPr lang="en-US" altLang="ko-KR" sz="3200" dirty="0" err="1" smtClean="0"/>
+              <a:t> | Plugs</a:t>
+            </a:r>
+            <a:endParaRPr lang="ko-KR" altLang="en-US" sz="3200" dirty="0"/>
+          </a:p>
+        </p:txBody>
+      </p:sp>
+      <p:sp>
+        <p:nvSpPr>
+          <p:cNvPr id="3" name="내용 개체 틀 2"/>
+          <p:cNvSpPr>
+            <a:spLocks noGrp="1"/>
+          </p:cNvSpPr>
+          <p:nvPr>
+            <p:ph idx="1"/>
+          </p:nvPr>
+        </p:nvSpPr>
+        <p:spPr/>
+        <p:txBody>
+          <a:bodyPr>
+            <a:noAutofit/>
+          </a:bodyPr>
+          <a:lstStyle/>
+          <a:p>
+            <a:r>
+              <a:rPr lang="en-US" altLang="ko-KR" sz="1800" dirty="0" err="1" smtClean="0"/>
               <a:t>SceneBrowser</a:t>
             </a:r>
-            <a:endParaRPr lang="ko-KR" altLang="en-US" sz="3200" dirty="0"/>
-          </a:p>
-        </p:txBody>
-      </p:sp>
-      <p:sp>
-        <p:nvSpPr>
-          <p:cNvPr id="21" name="모서리가 둥근 직사각형 20"/>
-          <p:cNvSpPr/>
-          <p:nvPr/>
-        </p:nvSpPr>
-        <p:spPr>
-          <a:xfrm>
-            <a:off x="1168574" y="2358405"/>
-            <a:ext cx="417646" cy="319023"/>
-          </a:xfrm>
-          <a:prstGeom prst="roundRect">
-            <a:avLst/>
-          </a:prstGeom>
-          <a:solidFill>
-            <a:schemeClr val="accent1">
-              <a:alpha val="20000"/>
-            </a:schemeClr>
-          </a:solidFill>
-        </p:spPr>
-        <p:style>
-          <a:lnRef idx="1">
-            <a:schemeClr val="accent1"/>
-          </a:lnRef>
-          <a:fillRef idx="2">
-            <a:schemeClr val="accent1"/>
-          </a:fillRef>
-          <a:effectRef idx="1">
-            <a:schemeClr val="accent1"/>
-          </a:effectRef>
-          <a:fontRef idx="minor">
-            <a:schemeClr val="dk1"/>
-          </a:fontRef>
-        </p:style>
-        <p:txBody>
-          <a:bodyPr rtlCol="0" anchor="ctr"/>
-          <a:lstStyle/>
-          <a:p>
-            <a:pPr algn="ctr"/>
-            <a:r>
-              <a:rPr lang="en-US" altLang="ko-KR" sz="1000" dirty="0" smtClean="0"/>
-              <a:t>Sc.</a:t>
-            </a:r>
-          </a:p>
-          <a:p>
-            <a:pPr algn="ctr"/>
-            <a:r>
-              <a:rPr lang="en-US" altLang="ko-KR" sz="1000" dirty="0" err="1" smtClean="0"/>
-              <a:t>Clp</a:t>
-            </a:r>
-            <a:endParaRPr lang="ko-KR" altLang="en-US" sz="1000" dirty="0"/>
-          </a:p>
-        </p:txBody>
-      </p:sp>
-      <p:sp>
-        <p:nvSpPr>
-          <p:cNvPr id="22" name="모서리가 둥근 직사각형 21"/>
-          <p:cNvSpPr/>
-          <p:nvPr/>
-        </p:nvSpPr>
-        <p:spPr>
-          <a:xfrm>
-            <a:off x="1763688" y="2852936"/>
-            <a:ext cx="1224136" cy="1656184"/>
-          </a:xfrm>
-          <a:prstGeom prst="roundRect">
-            <a:avLst>
-              <a:gd name="adj" fmla="val 10442"/>
-            </a:avLst>
-          </a:prstGeom>
-        </p:spPr>
-        <p:style>
-          <a:lnRef idx="1">
-            <a:schemeClr val="accent2"/>
-          </a:lnRef>
-          <a:fillRef idx="2">
-            <a:schemeClr val="accent2"/>
-          </a:fillRef>
-          <a:effectRef idx="1">
-            <a:schemeClr val="accent2"/>
-          </a:effectRef>
-          <a:fontRef idx="minor">
-            <a:schemeClr val="dk1"/>
-          </a:fontRef>
-        </p:style>
-        <p:txBody>
-          <a:bodyPr rtlCol="0" anchor="ctr"/>
-          <a:lstStyle/>
-          <a:p>
-            <a:pPr algn="ctr"/>
-            <a:r>
-              <a:rPr lang="en-US" altLang="ko-KR" dirty="0" smtClean="0"/>
-              <a:t>File Browser</a:t>
-            </a:r>
-            <a:endParaRPr lang="ko-KR" altLang="en-US" dirty="0"/>
-          </a:p>
-        </p:txBody>
-      </p:sp>
-      <p:sp>
-        <p:nvSpPr>
-          <p:cNvPr id="23" name="직사각형 22"/>
-          <p:cNvSpPr/>
-          <p:nvPr/>
-        </p:nvSpPr>
-        <p:spPr>
-          <a:xfrm>
-            <a:off x="3635896" y="1916832"/>
-            <a:ext cx="2088232" cy="3600400"/>
-          </a:xfrm>
-          <a:prstGeom prst="rect">
-            <a:avLst/>
-          </a:prstGeom>
-        </p:spPr>
-        <p:style>
-          <a:lnRef idx="1">
-            <a:schemeClr val="dk1"/>
-          </a:lnRef>
-          <a:fillRef idx="2">
-            <a:schemeClr val="dk1"/>
-          </a:fillRef>
-          <a:effectRef idx="1">
-            <a:schemeClr val="dk1"/>
-          </a:effectRef>
-          <a:fontRef idx="minor">
-            <a:schemeClr val="dk1"/>
-          </a:fontRef>
-        </p:style>
-        <p:txBody>
-          <a:bodyPr rtlCol="0" anchor="ctr"/>
-          <a:lstStyle/>
-          <a:p>
-            <a:pPr algn="ctr"/>
-            <a:endParaRPr lang="ko-KR" altLang="en-US"/>
-          </a:p>
-        </p:txBody>
-      </p:sp>
-      <p:sp>
-        <p:nvSpPr>
-          <p:cNvPr id="72" name="직사각형 71"/>
-          <p:cNvSpPr/>
-          <p:nvPr/>
-        </p:nvSpPr>
-        <p:spPr>
-          <a:xfrm>
-            <a:off x="6660232" y="2204864"/>
-            <a:ext cx="1800200" cy="3024336"/>
-          </a:xfrm>
-          <a:prstGeom prst="rect">
-            <a:avLst/>
-          </a:prstGeom>
-        </p:spPr>
-        <p:style>
-          <a:lnRef idx="1">
-            <a:schemeClr val="accent5"/>
-          </a:lnRef>
-          <a:fillRef idx="2">
-            <a:schemeClr val="accent5"/>
-          </a:fillRef>
-          <a:effectRef idx="1">
-            <a:schemeClr val="accent5"/>
-          </a:effectRef>
-          <a:fontRef idx="minor">
-            <a:schemeClr val="dk1"/>
-          </a:fontRef>
-        </p:style>
-        <p:txBody>
-          <a:bodyPr rtlCol="0" anchor="ctr"/>
-          <a:lstStyle/>
-          <a:p>
-            <a:pPr algn="ctr"/>
-            <a:endParaRPr lang="ko-KR" altLang="en-US"/>
-          </a:p>
-        </p:txBody>
-      </p:sp>
-      <p:sp>
-        <p:nvSpPr>
-          <p:cNvPr id="70" name="직사각형 69"/>
-          <p:cNvSpPr/>
-          <p:nvPr/>
-        </p:nvSpPr>
-        <p:spPr>
-          <a:xfrm>
-            <a:off x="3635896" y="2204864"/>
-            <a:ext cx="1584176" cy="3024336"/>
-          </a:xfrm>
-          <a:prstGeom prst="rect">
-            <a:avLst/>
-          </a:prstGeom>
-        </p:spPr>
-        <p:style>
-          <a:lnRef idx="1">
-            <a:schemeClr val="accent5"/>
-          </a:lnRef>
-          <a:fillRef idx="2">
-            <a:schemeClr val="accent5"/>
-          </a:fillRef>
-          <a:effectRef idx="1">
-            <a:schemeClr val="accent5"/>
-          </a:effectRef>
-          <a:fontRef idx="minor">
-            <a:schemeClr val="dk1"/>
-          </a:fontRef>
-        </p:style>
-        <p:txBody>
-          <a:bodyPr rtlCol="0" anchor="ctr"/>
-          <a:lstStyle/>
-          <a:p>
-            <a:pPr algn="ctr"/>
-            <a:endParaRPr lang="ko-KR" altLang="en-US"/>
-          </a:p>
-        </p:txBody>
-      </p:sp>
-      <p:cxnSp>
-        <p:nvCxnSpPr>
-          <p:cNvPr id="68" name="직선 화살표 연결선 67"/>
-          <p:cNvCxnSpPr/>
-          <p:nvPr/>
-        </p:nvCxnSpPr>
-        <p:spPr>
-          <a:xfrm>
-            <a:off x="4355976" y="3573016"/>
-            <a:ext cx="720080" cy="0"/>
-          </a:xfrm>
-          <a:prstGeom prst="straightConnector1">
-            <a:avLst/>
-          </a:prstGeom>
-          <a:ln>
-            <a:headEnd type="triangle" w="med" len="med"/>
-            <a:tailEnd type="triangle" w="med" len="med"/>
-          </a:ln>
-        </p:spPr>
-        <p:style>
-          <a:lnRef idx="3">
-            <a:schemeClr val="accent1"/>
-          </a:lnRef>
-          <a:fillRef idx="0">
-            <a:schemeClr val="accent1"/>
-          </a:fillRef>
-          <a:effectRef idx="2">
-            <a:schemeClr val="accent1"/>
-          </a:effectRef>
-          <a:fontRef idx="minor">
-            <a:schemeClr val="tx1"/>
-          </a:fontRef>
-        </p:style>
-      </p:cxnSp>
-      <p:cxnSp>
-        <p:nvCxnSpPr>
-          <p:cNvPr id="69" name="직선 화살표 연결선 68"/>
-          <p:cNvCxnSpPr/>
-          <p:nvPr/>
-        </p:nvCxnSpPr>
-        <p:spPr>
-          <a:xfrm>
-            <a:off x="6228184" y="4581128"/>
-            <a:ext cx="720080" cy="0"/>
-          </a:xfrm>
-          <a:prstGeom prst="straightConnector1">
-            <a:avLst/>
-          </a:prstGeom>
-          <a:ln>
-            <a:headEnd type="triangle" w="med" len="med"/>
-            <a:tailEnd type="triangle" w="med" len="med"/>
-          </a:ln>
-        </p:spPr>
-        <p:style>
-          <a:lnRef idx="3">
-            <a:schemeClr val="accent1"/>
-          </a:lnRef>
-          <a:fillRef idx="0">
-            <a:schemeClr val="accent1"/>
-          </a:fillRef>
-          <a:effectRef idx="2">
-            <a:schemeClr val="accent1"/>
-          </a:effectRef>
-          <a:fontRef idx="minor">
-            <a:schemeClr val="tx1"/>
-          </a:fontRef>
-        </p:style>
-      </p:cxnSp>
-      <p:sp>
-        <p:nvSpPr>
-          <p:cNvPr id="71" name="직사각형 70"/>
-          <p:cNvSpPr/>
-          <p:nvPr/>
-        </p:nvSpPr>
-        <p:spPr>
-          <a:xfrm>
-            <a:off x="5364088" y="2204864"/>
-            <a:ext cx="360040" cy="3024336"/>
-          </a:xfrm>
-          <a:prstGeom prst="rect">
-            <a:avLst/>
-          </a:prstGeom>
-        </p:spPr>
-        <p:style>
-          <a:lnRef idx="1">
-            <a:schemeClr val="accent5"/>
-          </a:lnRef>
-          <a:fillRef idx="2">
-            <a:schemeClr val="accent5"/>
-          </a:fillRef>
-          <a:effectRef idx="1">
-            <a:schemeClr val="accent5"/>
-          </a:effectRef>
-          <a:fontRef idx="minor">
-            <a:schemeClr val="dk1"/>
-          </a:fontRef>
-        </p:style>
-        <p:txBody>
-          <a:bodyPr rtlCol="0" anchor="ctr"/>
-          <a:lstStyle/>
-          <a:p>
-            <a:pPr algn="ctr"/>
-            <a:endParaRPr lang="ko-KR" altLang="en-US"/>
-          </a:p>
-        </p:txBody>
-      </p:sp>
-      <p:sp>
-        <p:nvSpPr>
-          <p:cNvPr id="73" name="직사각형 72"/>
-          <p:cNvSpPr/>
-          <p:nvPr/>
-        </p:nvSpPr>
-        <p:spPr>
-          <a:xfrm>
-            <a:off x="6077767" y="1916832"/>
-            <a:ext cx="510457" cy="3600400"/>
-          </a:xfrm>
-          <a:prstGeom prst="rect">
-            <a:avLst/>
-          </a:prstGeom>
-          <a:solidFill>
-            <a:schemeClr val="accent1">
-              <a:alpha val="20000"/>
-            </a:schemeClr>
-          </a:solidFill>
-        </p:spPr>
-        <p:style>
-          <a:lnRef idx="1">
-            <a:schemeClr val="accent1"/>
-          </a:lnRef>
-          <a:fillRef idx="2">
-            <a:schemeClr val="accent1"/>
-          </a:fillRef>
-          <a:effectRef idx="1">
-            <a:schemeClr val="accent1"/>
-          </a:effectRef>
-          <a:fontRef idx="minor">
-            <a:schemeClr val="dk1"/>
-          </a:fontRef>
-        </p:style>
-        <p:txBody>
-          <a:bodyPr rtlCol="0" anchor="ctr"/>
-          <a:lstStyle/>
-          <a:p>
-            <a:pPr algn="ctr"/>
-            <a:endParaRPr lang="ko-KR" altLang="en-US"/>
-          </a:p>
-        </p:txBody>
-      </p:sp>
-      <p:sp>
-        <p:nvSpPr>
-          <p:cNvPr id="74" name="모서리가 둥근 직사각형 73"/>
-          <p:cNvSpPr/>
-          <p:nvPr/>
-        </p:nvSpPr>
-        <p:spPr>
-          <a:xfrm>
-            <a:off x="6124172" y="2007981"/>
-            <a:ext cx="417646" cy="319023"/>
-          </a:xfrm>
-          <a:prstGeom prst="roundRect">
-            <a:avLst/>
-          </a:prstGeom>
-        </p:spPr>
-        <p:style>
-          <a:lnRef idx="1">
-            <a:schemeClr val="accent2"/>
-          </a:lnRef>
-          <a:fillRef idx="2">
-            <a:schemeClr val="accent2"/>
-          </a:fillRef>
-          <a:effectRef idx="1">
-            <a:schemeClr val="accent2"/>
-          </a:effectRef>
-          <a:fontRef idx="minor">
-            <a:schemeClr val="dk1"/>
-          </a:fontRef>
-        </p:style>
-        <p:txBody>
-          <a:bodyPr rtlCol="0" anchor="ctr"/>
-          <a:lstStyle/>
-          <a:p>
-            <a:pPr algn="ctr"/>
-            <a:r>
-              <a:rPr lang="en-US" altLang="ko-KR" sz="1000" dirty="0" err="1" smtClean="0"/>
-              <a:t>Sc.Bro</a:t>
-            </a:r>
-            <a:endParaRPr lang="en-US" altLang="ko-KR" sz="1000" dirty="0" smtClean="0"/>
-          </a:p>
-        </p:txBody>
-      </p:sp>
-      <p:sp>
-        <p:nvSpPr>
-          <p:cNvPr id="75" name="모서리가 둥근 직사각형 74"/>
-          <p:cNvSpPr/>
-          <p:nvPr/>
-        </p:nvSpPr>
-        <p:spPr>
-          <a:xfrm>
-            <a:off x="6124172" y="2737176"/>
-            <a:ext cx="417646" cy="319023"/>
-          </a:xfrm>
-          <a:prstGeom prst="roundRect">
-            <a:avLst/>
-          </a:prstGeom>
-          <a:solidFill>
-            <a:schemeClr val="accent1">
-              <a:alpha val="20000"/>
-            </a:schemeClr>
-          </a:solidFill>
-        </p:spPr>
-        <p:style>
-          <a:lnRef idx="1">
-            <a:schemeClr val="accent1"/>
-          </a:lnRef>
-          <a:fillRef idx="2">
-            <a:schemeClr val="accent1"/>
-          </a:fillRef>
-          <a:effectRef idx="1">
-            <a:schemeClr val="accent1"/>
-          </a:effectRef>
-          <a:fontRef idx="minor">
-            <a:schemeClr val="dk1"/>
-          </a:fontRef>
-        </p:style>
-        <p:txBody>
-          <a:bodyPr rtlCol="0" anchor="ctr"/>
-          <a:lstStyle/>
-          <a:p>
-            <a:pPr algn="ctr"/>
-            <a:r>
-              <a:rPr lang="en-US" altLang="ko-KR" sz="1000" dirty="0" smtClean="0"/>
-              <a:t>Sc.</a:t>
-            </a:r>
-          </a:p>
-          <a:p>
-            <a:pPr algn="ctr"/>
-            <a:r>
-              <a:rPr lang="en-US" altLang="ko-KR" sz="1000" dirty="0" err="1" smtClean="0"/>
-              <a:t>Edt</a:t>
-            </a:r>
-            <a:endParaRPr lang="ko-KR" altLang="en-US" sz="1000" dirty="0"/>
-          </a:p>
-        </p:txBody>
-      </p:sp>
-      <p:sp>
-        <p:nvSpPr>
-          <p:cNvPr id="76" name="모서리가 둥근 직사각형 75"/>
-          <p:cNvSpPr/>
-          <p:nvPr/>
-        </p:nvSpPr>
-        <p:spPr>
-          <a:xfrm>
-            <a:off x="6124172" y="3101774"/>
-            <a:ext cx="417646" cy="319023"/>
-          </a:xfrm>
-          <a:prstGeom prst="roundRect">
-            <a:avLst/>
-          </a:prstGeom>
-          <a:solidFill>
-            <a:schemeClr val="accent1">
-              <a:alpha val="20000"/>
-            </a:schemeClr>
-          </a:solidFill>
-        </p:spPr>
-        <p:style>
-          <a:lnRef idx="1">
-            <a:schemeClr val="accent1"/>
-          </a:lnRef>
-          <a:fillRef idx="2">
-            <a:schemeClr val="accent1"/>
-          </a:fillRef>
-          <a:effectRef idx="1">
-            <a:schemeClr val="accent1"/>
-          </a:effectRef>
-          <a:fontRef idx="minor">
-            <a:schemeClr val="dk1"/>
-          </a:fontRef>
-        </p:style>
-        <p:txBody>
-          <a:bodyPr rtlCol="0" anchor="ctr"/>
-          <a:lstStyle/>
-          <a:p>
-            <a:pPr algn="ctr"/>
-            <a:r>
-              <a:rPr lang="en-US" altLang="ko-KR" sz="1000" dirty="0" smtClean="0"/>
-              <a:t>St.</a:t>
-            </a:r>
-          </a:p>
-          <a:p>
-            <a:pPr algn="ctr"/>
-            <a:r>
-              <a:rPr lang="en-US" altLang="ko-KR" sz="1000" dirty="0" err="1" smtClean="0"/>
-              <a:t>Edt</a:t>
-            </a:r>
-            <a:endParaRPr lang="ko-KR" altLang="en-US" sz="1000" dirty="0"/>
-          </a:p>
-        </p:txBody>
-      </p:sp>
-      <p:sp>
-        <p:nvSpPr>
-          <p:cNvPr id="77" name="모서리가 둥근 직사각형 76"/>
-          <p:cNvSpPr/>
-          <p:nvPr/>
-        </p:nvSpPr>
-        <p:spPr>
-          <a:xfrm>
-            <a:off x="6124172" y="3466371"/>
-            <a:ext cx="417646" cy="319023"/>
-          </a:xfrm>
-          <a:prstGeom prst="roundRect">
-            <a:avLst/>
-          </a:prstGeom>
-          <a:solidFill>
-            <a:schemeClr val="accent1">
-              <a:alpha val="20000"/>
-            </a:schemeClr>
-          </a:solidFill>
-        </p:spPr>
-        <p:style>
-          <a:lnRef idx="1">
-            <a:schemeClr val="accent1"/>
-          </a:lnRef>
-          <a:fillRef idx="2">
-            <a:schemeClr val="accent1"/>
-          </a:fillRef>
-          <a:effectRef idx="1">
-            <a:schemeClr val="accent1"/>
-          </a:effectRef>
-          <a:fontRef idx="minor">
-            <a:schemeClr val="dk1"/>
-          </a:fontRef>
-        </p:style>
-        <p:txBody>
-          <a:bodyPr rtlCol="0" anchor="ctr"/>
-          <a:lstStyle/>
-          <a:p>
-            <a:pPr algn="ctr"/>
-            <a:r>
-              <a:rPr lang="en-US" altLang="ko-KR" sz="1000" dirty="0" smtClean="0"/>
-              <a:t>St.</a:t>
-            </a:r>
-          </a:p>
-          <a:p>
-            <a:pPr algn="ctr"/>
-            <a:r>
-              <a:rPr lang="en-US" altLang="ko-KR" sz="1000" dirty="0" smtClean="0"/>
-              <a:t>Ply</a:t>
-            </a:r>
-            <a:endParaRPr lang="ko-KR" altLang="en-US" sz="1000" dirty="0"/>
-          </a:p>
-        </p:txBody>
-      </p:sp>
-      <p:sp>
-        <p:nvSpPr>
-          <p:cNvPr id="78" name="모서리가 둥근 직사각형 77"/>
-          <p:cNvSpPr/>
-          <p:nvPr/>
-        </p:nvSpPr>
-        <p:spPr>
-          <a:xfrm>
-            <a:off x="6124172" y="3830969"/>
-            <a:ext cx="417646" cy="319023"/>
-          </a:xfrm>
-          <a:prstGeom prst="roundRect">
-            <a:avLst/>
-          </a:prstGeom>
-          <a:solidFill>
-            <a:schemeClr val="accent1">
-              <a:alpha val="20000"/>
-            </a:schemeClr>
-          </a:solidFill>
-        </p:spPr>
-        <p:style>
-          <a:lnRef idx="1">
-            <a:schemeClr val="accent1"/>
-          </a:lnRef>
-          <a:fillRef idx="2">
-            <a:schemeClr val="accent1"/>
-          </a:fillRef>
-          <a:effectRef idx="1">
-            <a:schemeClr val="accent1"/>
-          </a:effectRef>
-          <a:fontRef idx="minor">
-            <a:schemeClr val="dk1"/>
-          </a:fontRef>
-        </p:style>
-        <p:txBody>
-          <a:bodyPr rtlCol="0" anchor="ctr"/>
-          <a:lstStyle/>
-          <a:p>
-            <a:pPr algn="ctr"/>
-            <a:r>
-              <a:rPr lang="en-US" altLang="ko-KR" sz="1000" dirty="0" smtClean="0"/>
-              <a:t>St.</a:t>
-            </a:r>
-          </a:p>
-          <a:p>
-            <a:pPr algn="ctr"/>
-            <a:r>
-              <a:rPr lang="en-US" altLang="ko-KR" sz="1000" dirty="0" err="1" smtClean="0"/>
-              <a:t>Brd</a:t>
-            </a:r>
-            <a:endParaRPr lang="ko-KR" altLang="en-US" sz="1000" dirty="0"/>
-          </a:p>
-        </p:txBody>
-      </p:sp>
-      <p:sp>
-        <p:nvSpPr>
-          <p:cNvPr id="79" name="모서리가 둥근 직사각형 78"/>
-          <p:cNvSpPr/>
-          <p:nvPr/>
-        </p:nvSpPr>
-        <p:spPr>
-          <a:xfrm>
-            <a:off x="6130725" y="2358405"/>
-            <a:ext cx="417646" cy="319023"/>
-          </a:xfrm>
-          <a:prstGeom prst="roundRect">
-            <a:avLst/>
-          </a:prstGeom>
-          <a:solidFill>
-            <a:schemeClr val="accent1">
-              <a:alpha val="20000"/>
-            </a:schemeClr>
-          </a:solidFill>
-        </p:spPr>
-        <p:style>
-          <a:lnRef idx="1">
-            <a:schemeClr val="accent1"/>
-          </a:lnRef>
-          <a:fillRef idx="2">
-            <a:schemeClr val="accent1"/>
-          </a:fillRef>
-          <a:effectRef idx="1">
-            <a:schemeClr val="accent1"/>
-          </a:effectRef>
-          <a:fontRef idx="minor">
-            <a:schemeClr val="dk1"/>
-          </a:fontRef>
-        </p:style>
-        <p:txBody>
-          <a:bodyPr rtlCol="0" anchor="ctr"/>
-          <a:lstStyle/>
-          <a:p>
-            <a:pPr algn="ctr"/>
-            <a:r>
-              <a:rPr lang="en-US" altLang="ko-KR" sz="1000" dirty="0" smtClean="0"/>
-              <a:t>Sc.</a:t>
-            </a:r>
-          </a:p>
-          <a:p>
-            <a:pPr algn="ctr"/>
-            <a:r>
-              <a:rPr lang="en-US" altLang="ko-KR" sz="1000" dirty="0" err="1" smtClean="0"/>
-              <a:t>Clp</a:t>
-            </a:r>
-            <a:endParaRPr lang="ko-KR" altLang="en-US" sz="1000" dirty="0"/>
-          </a:p>
-        </p:txBody>
-      </p:sp>
-      <p:sp>
-        <p:nvSpPr>
-          <p:cNvPr id="80" name="타원 79"/>
-          <p:cNvSpPr/>
-          <p:nvPr/>
-        </p:nvSpPr>
-        <p:spPr>
-          <a:xfrm>
-            <a:off x="1403648" y="1988840"/>
-            <a:ext cx="216024" cy="216024"/>
-          </a:xfrm>
-          <a:prstGeom prst="ellipse">
-            <a:avLst/>
-          </a:prstGeom>
-          <a:solidFill>
-            <a:schemeClr val="accent1">
-              <a:alpha val="40000"/>
-            </a:schemeClr>
-          </a:solidFill>
-          <a:ln>
-            <a:solidFill>
-              <a:schemeClr val="accent1">
-                <a:shade val="50000"/>
-                <a:alpha val="40000"/>
-              </a:schemeClr>
-            </a:solidFill>
-          </a:ln>
-        </p:spPr>
-        <p:style>
-          <a:lnRef idx="2">
-            <a:schemeClr val="accent1">
-              <a:shade val="50000"/>
-            </a:schemeClr>
-          </a:lnRef>
-          <a:fillRef idx="1">
-            <a:schemeClr val="accent1"/>
-          </a:fillRef>
-          <a:effectRef idx="0">
-            <a:schemeClr val="accent1"/>
-          </a:effectRef>
-          <a:fontRef idx="minor">
-            <a:schemeClr val="lt1"/>
-          </a:fontRef>
-        </p:style>
-        <p:txBody>
-          <a:bodyPr rtlCol="0" anchor="ctr"/>
-          <a:lstStyle/>
-          <a:p>
-            <a:pPr algn="ctr"/>
-            <a:endParaRPr lang="ko-KR" altLang="en-US"/>
+            <a:endParaRPr lang="en-US" altLang="ko-KR" sz="1800" dirty="0" smtClean="0"/>
+          </a:p>
+          <a:p>
+            <a:pPr>
+              <a:buNone/>
+            </a:pPr>
+            <a:r>
+              <a:rPr lang="en-US" altLang="ko-KR" sz="1400" dirty="0"/>
+              <a:t>	</a:t>
+            </a:r>
+            <a:r>
+              <a:rPr lang="ko-KR" altLang="en-US" sz="1400" dirty="0" smtClean="0"/>
+              <a:t>지정된 </a:t>
+            </a:r>
+            <a:r>
+              <a:rPr lang="en-US" altLang="ko-KR" sz="1400" dirty="0" smtClean="0"/>
+              <a:t>URL</a:t>
+            </a:r>
+            <a:r>
+              <a:rPr lang="ko-KR" altLang="en-US" sz="1400" dirty="0" smtClean="0"/>
+              <a:t>을 기준으로 장면 파일을 살펴볼 수 있도록 지원하는 </a:t>
+            </a:r>
+            <a:r>
+              <a:rPr lang="en-US" altLang="ko-KR" sz="1400" dirty="0" smtClean="0"/>
+              <a:t>UX plug</a:t>
+            </a:r>
+            <a:endParaRPr lang="en-US" altLang="ko-KR" sz="1800" dirty="0" smtClean="0"/>
+          </a:p>
+          <a:p>
+            <a:r>
+              <a:rPr lang="en-US" altLang="ko-KR" sz="1800" dirty="0" err="1" smtClean="0"/>
+              <a:t>SceneClipper</a:t>
+            </a:r>
+            <a:endParaRPr lang="en-US" altLang="ko-KR" sz="1800" dirty="0"/>
+          </a:p>
+          <a:p>
+            <a:pPr>
+              <a:buNone/>
+            </a:pPr>
+            <a:r>
+              <a:rPr lang="en-US" altLang="ko-KR" sz="1400" dirty="0" smtClean="0"/>
+              <a:t>    </a:t>
+            </a:r>
+            <a:r>
+              <a:rPr lang="ko-KR" altLang="en-US" sz="1400" dirty="0" smtClean="0"/>
+              <a:t>현재 보여주고 있는 장면에서 일부 영역을 지정하여 자를 수 있도록 지원하는 </a:t>
+            </a:r>
+            <a:r>
+              <a:rPr lang="en-US" altLang="ko-KR" sz="1400" dirty="0" smtClean="0"/>
+              <a:t>UX plug</a:t>
+            </a:r>
+            <a:endParaRPr lang="en-US" altLang="ko-KR" sz="1800" dirty="0" smtClean="0"/>
+          </a:p>
+          <a:p>
+            <a:r>
+              <a:rPr lang="en-US" altLang="ko-KR" sz="1800" dirty="0" err="1" smtClean="0"/>
+              <a:t>SceneEditor</a:t>
+            </a:r>
+            <a:endParaRPr lang="en-US" altLang="ko-KR" sz="1800" dirty="0" smtClean="0"/>
+          </a:p>
+          <a:p>
+            <a:pPr>
+              <a:buNone/>
+            </a:pPr>
+            <a:r>
+              <a:rPr lang="en-US" altLang="ko-KR" sz="1400" dirty="0"/>
+              <a:t>	</a:t>
+            </a:r>
+            <a:r>
+              <a:rPr lang="ko-KR" altLang="en-US" sz="1400" dirty="0" smtClean="0"/>
+              <a:t>현재 보여주고 있는 장면을 수정할 수 있도록 지원하는 </a:t>
+            </a:r>
+            <a:r>
+              <a:rPr lang="en-US" altLang="ko-KR" sz="1400" dirty="0" smtClean="0"/>
+              <a:t>UX plug</a:t>
+            </a:r>
+          </a:p>
+          <a:p>
+            <a:pPr>
+              <a:buNone/>
+            </a:pPr>
+            <a:r>
+              <a:rPr lang="en-US" altLang="ko-KR" sz="1400" dirty="0"/>
+              <a:t>	</a:t>
+            </a:r>
+            <a:r>
+              <a:rPr lang="en-US" altLang="ko-KR" sz="1400" dirty="0" smtClean="0"/>
+              <a:t>(</a:t>
+            </a:r>
+            <a:r>
+              <a:rPr lang="ko-KR" altLang="en-US" sz="1400" dirty="0" smtClean="0"/>
+              <a:t>문구 추가</a:t>
+            </a:r>
+            <a:r>
+              <a:rPr lang="en-US" altLang="ko-KR" sz="1400" dirty="0" smtClean="0"/>
+              <a:t>, </a:t>
+            </a:r>
+            <a:r>
+              <a:rPr lang="ko-KR" altLang="en-US" sz="1400" dirty="0" smtClean="0"/>
+              <a:t>그리기</a:t>
+            </a:r>
+            <a:r>
+              <a:rPr lang="en-US" altLang="ko-KR" sz="1400" dirty="0" smtClean="0"/>
+              <a:t>, </a:t>
+            </a:r>
+            <a:r>
+              <a:rPr lang="ko-KR" altLang="en-US" sz="1400" dirty="0" smtClean="0"/>
+              <a:t>지우기 등</a:t>
+            </a:r>
+            <a:r>
+              <a:rPr lang="en-US" altLang="ko-KR" sz="1400" dirty="0" smtClean="0"/>
+              <a:t>)</a:t>
+            </a:r>
+            <a:endParaRPr lang="en-US" altLang="ko-KR" sz="1800" dirty="0" smtClean="0"/>
+          </a:p>
+          <a:p>
+            <a:endParaRPr lang="en-US" altLang="ko-KR" sz="1800" dirty="0" smtClean="0"/>
+          </a:p>
+          <a:p>
+            <a:r>
+              <a:rPr lang="en-US" altLang="ko-KR" sz="1800" dirty="0" err="1" smtClean="0"/>
+              <a:t>StoryEditor</a:t>
+            </a:r>
+            <a:endParaRPr lang="en-US" altLang="ko-KR" sz="1800" dirty="0" smtClean="0"/>
+          </a:p>
+          <a:p>
+            <a:pPr>
+              <a:buNone/>
+            </a:pPr>
+            <a:r>
+              <a:rPr lang="en-US" altLang="ko-KR" sz="1400" dirty="0" smtClean="0"/>
+              <a:t>	</a:t>
+            </a:r>
+            <a:r>
+              <a:rPr lang="ko-KR" altLang="en-US" sz="1400" dirty="0" smtClean="0"/>
+              <a:t>이야기 중 특정 장면을 제거하거나 추가할 수 있고</a:t>
+            </a:r>
+            <a:r>
+              <a:rPr lang="en-US" altLang="ko-KR" sz="1400" dirty="0"/>
+              <a:t> </a:t>
+            </a:r>
+            <a:r>
+              <a:rPr lang="ko-KR" altLang="en-US" sz="1400" dirty="0" smtClean="0"/>
+              <a:t>순서를 변경할 수 있도록 지원하는 </a:t>
+            </a:r>
+            <a:r>
+              <a:rPr lang="en-US" altLang="ko-KR" sz="1400" dirty="0" smtClean="0"/>
+              <a:t>UX plug</a:t>
+            </a:r>
+            <a:r>
+              <a:rPr lang="ko-KR" altLang="en-US" sz="1400" dirty="0" smtClean="0"/>
+              <a:t> </a:t>
+            </a:r>
+            <a:endParaRPr lang="en-US" altLang="ko-KR" sz="1800" dirty="0" smtClean="0"/>
+          </a:p>
+          <a:p>
+            <a:r>
+              <a:rPr lang="en-US" altLang="ko-KR" sz="1800" dirty="0" err="1" smtClean="0"/>
+              <a:t>StoryPlayer</a:t>
+            </a:r>
+            <a:endParaRPr lang="en-US" altLang="ko-KR" sz="1800" dirty="0" smtClean="0"/>
+          </a:p>
+          <a:p>
+            <a:pPr>
+              <a:buNone/>
+            </a:pPr>
+            <a:r>
+              <a:rPr lang="en-US" altLang="ko-KR" sz="1400" dirty="0" smtClean="0"/>
+              <a:t>	</a:t>
+            </a:r>
+            <a:r>
+              <a:rPr lang="ko-KR" altLang="en-US" sz="1400" dirty="0" err="1" smtClean="0"/>
+              <a:t>이야기안의</a:t>
+            </a:r>
+            <a:r>
+              <a:rPr lang="ko-KR" altLang="en-US" sz="1400" dirty="0" smtClean="0"/>
+              <a:t> 장면들을 설정에 맞게 연속적으로 재생해서 보여주는 </a:t>
+            </a:r>
+            <a:r>
+              <a:rPr lang="en-US" altLang="ko-KR" sz="1400" dirty="0" smtClean="0"/>
+              <a:t>UX plug</a:t>
+            </a:r>
+            <a:endParaRPr lang="en-US" altLang="ko-KR" sz="1800" dirty="0" smtClean="0"/>
+          </a:p>
+          <a:p>
+            <a:r>
+              <a:rPr lang="en-US" altLang="ko-KR" sz="1800" dirty="0" err="1" smtClean="0"/>
+              <a:t>StoryBoard</a:t>
+            </a:r>
+            <a:endParaRPr lang="en-US" altLang="ko-KR" sz="1800" dirty="0" smtClean="0"/>
+          </a:p>
+          <a:p>
+            <a:pPr>
+              <a:buNone/>
+            </a:pPr>
+            <a:r>
+              <a:rPr lang="en-US" altLang="ko-KR" sz="1400" dirty="0"/>
+              <a:t>	</a:t>
+            </a:r>
+            <a:r>
+              <a:rPr lang="ko-KR" altLang="en-US" sz="1400" dirty="0" smtClean="0"/>
+              <a:t>이야기를 검색하거나 공유할 수 있도록 지원해주는 </a:t>
+            </a:r>
+            <a:r>
+              <a:rPr lang="en-US" altLang="ko-KR" sz="1400" dirty="0" smtClean="0"/>
+              <a:t>UX plug</a:t>
+            </a:r>
+          </a:p>
+          <a:p>
+            <a:endParaRPr lang="en-US" altLang="ko-KR" sz="1800" dirty="0" smtClean="0"/>
+          </a:p>
+          <a:p>
+            <a:endParaRPr lang="en-US" altLang="ko-KR" sz="1800" dirty="0" smtClean="0"/>
+          </a:p>
+          <a:p>
+            <a:endParaRPr lang="ko-KR" altLang="en-US" sz="1800" dirty="0"/>
           </a:p>
         </p:txBody>
       </p:sp>
@@ -14711,6 +13872,44 @@
       </p:grpSpPr>
       <p:sp>
         <p:nvSpPr>
+          <p:cNvPr id="59" name="직사각형 58"/>
+          <p:cNvSpPr/>
+          <p:nvPr/>
+        </p:nvSpPr>
+        <p:spPr>
+          <a:xfrm>
+            <a:off x="6485751" y="1916832"/>
+            <a:ext cx="2118697" cy="3600400"/>
+          </a:xfrm>
+          <a:prstGeom prst="rect">
+            <a:avLst/>
+          </a:prstGeom>
+        </p:spPr>
+        <p:style>
+          <a:lnRef idx="1">
+            <a:schemeClr val="dk1"/>
+          </a:lnRef>
+          <a:fillRef idx="2">
+            <a:schemeClr val="dk1"/>
+          </a:fillRef>
+          <a:effectRef idx="1">
+            <a:schemeClr val="dk1"/>
+          </a:effectRef>
+          <a:fontRef idx="minor">
+            <a:schemeClr val="dk1"/>
+          </a:fontRef>
+        </p:style>
+        <p:txBody>
+          <a:bodyPr rtlCol="0" anchor="ctr"/>
+          <a:lstStyle/>
+          <a:p>
+            <a:pPr algn="ctr"/>
+            <a:endParaRPr lang="ko-KR" altLang="en-US"/>
+          </a:p>
+        </p:txBody>
+      </p:sp>
+      <p:sp>
+        <p:nvSpPr>
           <p:cNvPr id="45" name="직사각형 44"/>
           <p:cNvSpPr/>
           <p:nvPr/>
@@ -14719,82 +13918,6 @@
           <a:xfrm>
             <a:off x="1115616" y="1916832"/>
             <a:ext cx="2088232" cy="3600400"/>
-          </a:xfrm>
-          <a:prstGeom prst="rect">
-            <a:avLst/>
-          </a:prstGeom>
-        </p:spPr>
-        <p:style>
-          <a:lnRef idx="1">
-            <a:schemeClr val="dk1"/>
-          </a:lnRef>
-          <a:fillRef idx="2">
-            <a:schemeClr val="dk1"/>
-          </a:fillRef>
-          <a:effectRef idx="1">
-            <a:schemeClr val="dk1"/>
-          </a:effectRef>
-          <a:fontRef idx="minor">
-            <a:schemeClr val="dk1"/>
-          </a:fontRef>
-        </p:style>
-        <p:txBody>
-          <a:bodyPr rtlCol="0" anchor="ctr"/>
-          <a:lstStyle/>
-          <a:p>
-            <a:pPr algn="ctr"/>
-            <a:endParaRPr lang="ko-KR" altLang="en-US"/>
-          </a:p>
-        </p:txBody>
-      </p:sp>
-      <p:sp>
-        <p:nvSpPr>
-          <p:cNvPr id="31" name="직사각형 30"/>
-          <p:cNvSpPr/>
-          <p:nvPr/>
-        </p:nvSpPr>
-        <p:spPr>
-          <a:xfrm>
-            <a:off x="1259632" y="2204864"/>
-            <a:ext cx="1800200" cy="3024336"/>
-          </a:xfrm>
-          <a:prstGeom prst="rect">
-            <a:avLst/>
-          </a:prstGeom>
-        </p:spPr>
-        <p:style>
-          <a:lnRef idx="1">
-            <a:schemeClr val="accent5"/>
-          </a:lnRef>
-          <a:fillRef idx="2">
-            <a:schemeClr val="accent5"/>
-          </a:fillRef>
-          <a:effectRef idx="1">
-            <a:schemeClr val="accent5"/>
-          </a:effectRef>
-          <a:fontRef idx="minor">
-            <a:schemeClr val="dk1"/>
-          </a:fontRef>
-        </p:style>
-        <p:txBody>
-          <a:bodyPr rtlCol="0" anchor="ctr"/>
-          <a:lstStyle/>
-          <a:p>
-            <a:pPr algn="ctr"/>
-            <a:endParaRPr lang="ko-KR" altLang="en-US"/>
-          </a:p>
-        </p:txBody>
-      </p:sp>
-      <p:sp>
-        <p:nvSpPr>
-          <p:cNvPr id="59" name="직사각형 58"/>
-          <p:cNvSpPr/>
-          <p:nvPr/>
-        </p:nvSpPr>
-        <p:spPr>
-          <a:xfrm>
-            <a:off x="6228184" y="1916832"/>
-            <a:ext cx="2118697" cy="3600400"/>
           </a:xfrm>
           <a:prstGeom prst="rect">
             <a:avLst/>
@@ -14880,29 +14003,16 @@
           <a:prstGeom prst="roundRect">
             <a:avLst/>
           </a:prstGeom>
-          <a:solidFill>
-            <a:schemeClr val="accent1">
-              <a:alpha val="20000"/>
-            </a:schemeClr>
-          </a:solidFill>
-          <a:ln>
-            <a:solidFill>
-              <a:schemeClr val="accent1">
-                <a:shade val="95000"/>
-                <a:satMod val="105000"/>
-              </a:schemeClr>
-            </a:solidFill>
-          </a:ln>
-        </p:spPr>
-        <p:style>
-          <a:lnRef idx="1">
-            <a:schemeClr val="accent1"/>
-          </a:lnRef>
-          <a:fillRef idx="2">
-            <a:schemeClr val="accent1"/>
-          </a:fillRef>
-          <a:effectRef idx="1">
-            <a:schemeClr val="accent1"/>
+        </p:spPr>
+        <p:style>
+          <a:lnRef idx="1">
+            <a:schemeClr val="accent2"/>
+          </a:lnRef>
+          <a:fillRef idx="2">
+            <a:schemeClr val="accent2"/>
+          </a:fillRef>
+          <a:effectRef idx="1">
+            <a:schemeClr val="accent2"/>
           </a:effectRef>
           <a:fontRef idx="minor">
             <a:schemeClr val="dk1"/>
@@ -15170,7 +14280,7 @@
             </a:r>
             <a:r>
               <a:rPr lang="en-US" altLang="ko-KR" sz="3200" dirty="0" err="1" smtClean="0"/>
-              <a:t>SceneClipper</a:t>
+              <a:t>SceneBrowser</a:t>
             </a:r>
             <a:endParaRPr lang="ko-KR" altLang="en-US" sz="3200" dirty="0"/>
           </a:p>
@@ -15190,16 +14300,21 @@
           <a:prstGeom prst="roundRect">
             <a:avLst/>
           </a:prstGeom>
-        </p:spPr>
-        <p:style>
-          <a:lnRef idx="1">
-            <a:schemeClr val="accent2"/>
-          </a:lnRef>
-          <a:fillRef idx="2">
-            <a:schemeClr val="accent2"/>
-          </a:fillRef>
-          <a:effectRef idx="1">
-            <a:schemeClr val="accent2"/>
+          <a:solidFill>
+            <a:schemeClr val="accent1">
+              <a:alpha val="20000"/>
+            </a:schemeClr>
+          </a:solidFill>
+        </p:spPr>
+        <p:style>
+          <a:lnRef idx="1">
+            <a:schemeClr val="accent1"/>
+          </a:lnRef>
+          <a:fillRef idx="2">
+            <a:schemeClr val="accent1"/>
+          </a:fillRef>
+          <a:effectRef idx="1">
+            <a:schemeClr val="accent1"/>
           </a:effectRef>
           <a:fontRef idx="minor">
             <a:schemeClr val="dk1"/>
@@ -15227,6 +14342,50 @@
       </p:sp>
       <p:sp>
         <p:nvSpPr>
+          <p:cNvPr id="22" name="모서리가 둥근 직사각형 21"/>
+          <p:cNvSpPr/>
+          <p:nvPr/>
+        </p:nvSpPr>
+        <p:spPr>
+          <a:xfrm>
+            <a:off x="1763688" y="2852936"/>
+            <a:ext cx="1224136" cy="1656184"/>
+          </a:xfrm>
+          <a:prstGeom prst="roundRect">
+            <a:avLst>
+              <a:gd name="adj" fmla="val 10442"/>
+            </a:avLst>
+          </a:prstGeom>
+        </p:spPr>
+        <p:style>
+          <a:lnRef idx="1">
+            <a:schemeClr val="accent2"/>
+          </a:lnRef>
+          <a:fillRef idx="2">
+            <a:schemeClr val="accent2"/>
+          </a:fillRef>
+          <a:effectRef idx="1">
+            <a:schemeClr val="accent2"/>
+          </a:effectRef>
+          <a:fontRef idx="minor">
+            <a:schemeClr val="dk1"/>
+          </a:fontRef>
+        </p:style>
+        <p:txBody>
+          <a:bodyPr rtlCol="0" anchor="ctr"/>
+          <a:lstStyle/>
+          <a:p>
+            <a:pPr algn="ctr"/>
+            <a:r>
+              <a:rPr lang="en-US" altLang="ko-KR" dirty="0" smtClean="0"/>
+              <a:t>File Browser</a:t>
+            </a:r>
+            <a:endParaRPr lang="ko-KR" altLang="en-US" dirty="0"/>
+          </a:p>
+        </p:txBody>
+      </p:sp>
+      <p:sp>
+        <p:nvSpPr>
           <p:cNvPr id="23" name="직사각형 22"/>
           <p:cNvSpPr/>
           <p:nvPr/>
@@ -15271,7 +14430,7 @@
         </p:nvSpPr>
         <p:spPr>
           <a:xfrm>
-            <a:off x="6402665" y="2204864"/>
+            <a:off x="6660232" y="2204864"/>
             <a:ext cx="1800200" cy="3024336"/>
           </a:xfrm>
           <a:prstGeom prst="rect">
@@ -15303,31 +14462,28 @@
       </p:sp>
       <p:sp>
         <p:nvSpPr>
-          <p:cNvPr id="26" name="직사각형 25"/>
-          <p:cNvSpPr/>
-          <p:nvPr/>
-        </p:nvSpPr>
-        <p:spPr>
-          <a:xfrm>
-            <a:off x="1907704" y="2708920"/>
-            <a:ext cx="936104" cy="1728192"/>
+          <p:cNvPr id="70" name="직사각형 69"/>
+          <p:cNvSpPr/>
+          <p:nvPr/>
+        </p:nvSpPr>
+        <p:spPr>
+          <a:xfrm>
+            <a:off x="3635896" y="2204864"/>
+            <a:ext cx="1584176" cy="3024336"/>
           </a:xfrm>
           <a:prstGeom prst="rect">
             <a:avLst/>
           </a:prstGeom>
-          <a:ln w="12700">
-            <a:prstDash val="lgDash"/>
-          </a:ln>
-        </p:spPr>
-        <p:style>
-          <a:lnRef idx="1">
-            <a:schemeClr val="accent2"/>
-          </a:lnRef>
-          <a:fillRef idx="2">
-            <a:schemeClr val="accent2"/>
-          </a:fillRef>
-          <a:effectRef idx="1">
-            <a:schemeClr val="accent2"/>
+        </p:spPr>
+        <p:style>
+          <a:lnRef idx="1">
+            <a:schemeClr val="accent5"/>
+          </a:lnRef>
+          <a:fillRef idx="2">
+            <a:schemeClr val="accent5"/>
+          </a:fillRef>
+          <a:effectRef idx="1">
+            <a:schemeClr val="accent5"/>
           </a:effectRef>
           <a:fontRef idx="minor">
             <a:schemeClr val="dk1"/>
@@ -15344,34 +14500,32 @@
       </p:sp>
       <p:cxnSp>
         <p:nvCxnSpPr>
-          <p:cNvPr id="28" name="직선 연결선 27"/>
-          <p:cNvCxnSpPr>
-            <a:stCxn id="26" idx="1"/>
-            <a:endCxn id="26" idx="3"/>
-          </p:cNvCxnSpPr>
+          <p:cNvPr id="68" name="직선 화살표 연결선 67"/>
+          <p:cNvCxnSpPr/>
           <p:nvPr/>
         </p:nvCxnSpPr>
         <p:spPr>
           <a:xfrm>
-            <a:off x="1907704" y="3573016"/>
-            <a:ext cx="936104" cy="0"/>
-          </a:xfrm>
-          <a:prstGeom prst="line">
+            <a:off x="4355976" y="3573016"/>
+            <a:ext cx="720080" cy="0"/>
+          </a:xfrm>
+          <a:prstGeom prst="straightConnector1">
             <a:avLst/>
           </a:prstGeom>
           <a:ln>
-            <a:prstDash val="dash"/>
+            <a:headEnd type="triangle" w="med" len="med"/>
+            <a:tailEnd type="triangle" w="med" len="med"/>
           </a:ln>
         </p:spPr>
         <p:style>
-          <a:lnRef idx="1">
-            <a:schemeClr val="accent2"/>
+          <a:lnRef idx="3">
+            <a:schemeClr val="accent1"/>
           </a:lnRef>
           <a:fillRef idx="0">
-            <a:schemeClr val="accent2"/>
-          </a:fillRef>
-          <a:effectRef idx="0">
-            <a:schemeClr val="accent2"/>
+            <a:schemeClr val="accent1"/>
+          </a:fillRef>
+          <a:effectRef idx="2">
+            <a:schemeClr val="accent1"/>
           </a:effectRef>
           <a:fontRef idx="minor">
             <a:schemeClr val="tx1"/>
@@ -15380,207 +14534,20 @@
       </p:cxnSp>
       <p:cxnSp>
         <p:nvCxnSpPr>
-          <p:cNvPr id="30" name="직선 연결선 29"/>
-          <p:cNvCxnSpPr>
-            <a:stCxn id="26" idx="0"/>
-            <a:endCxn id="26" idx="2"/>
-          </p:cNvCxnSpPr>
+          <p:cNvPr id="69" name="직선 화살표 연결선 68"/>
+          <p:cNvCxnSpPr/>
           <p:nvPr/>
         </p:nvCxnSpPr>
         <p:spPr>
           <a:xfrm>
-            <a:off x="2375756" y="2708920"/>
-            <a:ext cx="0" cy="1728192"/>
-          </a:xfrm>
-          <a:prstGeom prst="line">
+            <a:off x="6228184" y="4581128"/>
+            <a:ext cx="720080" cy="0"/>
+          </a:xfrm>
+          <a:prstGeom prst="straightConnector1">
             <a:avLst/>
           </a:prstGeom>
           <a:ln>
-            <a:prstDash val="dash"/>
-          </a:ln>
-        </p:spPr>
-        <p:style>
-          <a:lnRef idx="1">
-            <a:schemeClr val="accent2"/>
-          </a:lnRef>
-          <a:fillRef idx="0">
-            <a:schemeClr val="accent2"/>
-          </a:fillRef>
-          <a:effectRef idx="0">
-            <a:schemeClr val="accent2"/>
-          </a:effectRef>
-          <a:fontRef idx="minor">
-            <a:schemeClr val="tx1"/>
-          </a:fontRef>
-        </p:style>
-      </p:cxnSp>
-      <p:sp>
-        <p:nvSpPr>
-          <p:cNvPr id="32" name="직사각형 31"/>
-          <p:cNvSpPr/>
-          <p:nvPr/>
-        </p:nvSpPr>
-        <p:spPr>
-          <a:xfrm>
-            <a:off x="3779912" y="2204864"/>
-            <a:ext cx="1800200" cy="3024336"/>
-          </a:xfrm>
-          <a:prstGeom prst="rect">
-            <a:avLst/>
-          </a:prstGeom>
-        </p:spPr>
-        <p:style>
-          <a:lnRef idx="1">
-            <a:schemeClr val="accent5"/>
-          </a:lnRef>
-          <a:fillRef idx="2">
-            <a:schemeClr val="accent5"/>
-          </a:fillRef>
-          <a:effectRef idx="1">
-            <a:schemeClr val="accent5"/>
-          </a:effectRef>
-          <a:fontRef idx="minor">
-            <a:schemeClr val="dk1"/>
-          </a:fontRef>
-        </p:style>
-        <p:txBody>
-          <a:bodyPr rtlCol="0" anchor="ctr"/>
-          <a:lstStyle/>
-          <a:p>
-            <a:pPr algn="ctr"/>
-            <a:endParaRPr lang="ko-KR" altLang="en-US"/>
-          </a:p>
-        </p:txBody>
-      </p:sp>
-      <p:sp>
-        <p:nvSpPr>
-          <p:cNvPr id="33" name="직사각형 32"/>
-          <p:cNvSpPr/>
-          <p:nvPr/>
-        </p:nvSpPr>
-        <p:spPr>
-          <a:xfrm>
-            <a:off x="3923928" y="2420888"/>
-            <a:ext cx="936104" cy="1728192"/>
-          </a:xfrm>
-          <a:prstGeom prst="rect">
-            <a:avLst/>
-          </a:prstGeom>
-          <a:ln w="12700">
-            <a:prstDash val="lgDash"/>
-          </a:ln>
-        </p:spPr>
-        <p:style>
-          <a:lnRef idx="1">
-            <a:schemeClr val="accent2"/>
-          </a:lnRef>
-          <a:fillRef idx="2">
-            <a:schemeClr val="accent2"/>
-          </a:fillRef>
-          <a:effectRef idx="1">
-            <a:schemeClr val="accent2"/>
-          </a:effectRef>
-          <a:fontRef idx="minor">
-            <a:schemeClr val="dk1"/>
-          </a:fontRef>
-        </p:style>
-        <p:txBody>
-          <a:bodyPr rtlCol="0" anchor="ctr"/>
-          <a:lstStyle/>
-          <a:p>
-            <a:pPr algn="ctr"/>
-            <a:endParaRPr lang="ko-KR" altLang="en-US"/>
-          </a:p>
-        </p:txBody>
-      </p:sp>
-      <p:cxnSp>
-        <p:nvCxnSpPr>
-          <p:cNvPr id="34" name="직선 연결선 33"/>
-          <p:cNvCxnSpPr>
-            <a:stCxn id="33" idx="1"/>
-            <a:endCxn id="33" idx="3"/>
-          </p:cNvCxnSpPr>
-          <p:nvPr/>
-        </p:nvCxnSpPr>
-        <p:spPr>
-          <a:xfrm>
-            <a:off x="3923928" y="3284984"/>
-            <a:ext cx="936104" cy="0"/>
-          </a:xfrm>
-          <a:prstGeom prst="line">
-            <a:avLst/>
-          </a:prstGeom>
-          <a:ln>
-            <a:prstDash val="dash"/>
-          </a:ln>
-        </p:spPr>
-        <p:style>
-          <a:lnRef idx="1">
-            <a:schemeClr val="accent2"/>
-          </a:lnRef>
-          <a:fillRef idx="0">
-            <a:schemeClr val="accent2"/>
-          </a:fillRef>
-          <a:effectRef idx="0">
-            <a:schemeClr val="accent2"/>
-          </a:effectRef>
-          <a:fontRef idx="minor">
-            <a:schemeClr val="tx1"/>
-          </a:fontRef>
-        </p:style>
-      </p:cxnSp>
-      <p:cxnSp>
-        <p:nvCxnSpPr>
-          <p:cNvPr id="35" name="직선 연결선 34"/>
-          <p:cNvCxnSpPr>
-            <a:stCxn id="33" idx="0"/>
-            <a:endCxn id="33" idx="2"/>
-          </p:cNvCxnSpPr>
-          <p:nvPr/>
-        </p:nvCxnSpPr>
-        <p:spPr>
-          <a:xfrm>
-            <a:off x="4391980" y="2420888"/>
-            <a:ext cx="0" cy="1728192"/>
-          </a:xfrm>
-          <a:prstGeom prst="line">
-            <a:avLst/>
-          </a:prstGeom>
-          <a:ln>
-            <a:prstDash val="dash"/>
-          </a:ln>
-        </p:spPr>
-        <p:style>
-          <a:lnRef idx="1">
-            <a:schemeClr val="accent2"/>
-          </a:lnRef>
-          <a:fillRef idx="0">
-            <a:schemeClr val="accent2"/>
-          </a:fillRef>
-          <a:effectRef idx="0">
-            <a:schemeClr val="accent2"/>
-          </a:effectRef>
-          <a:fontRef idx="minor">
-            <a:schemeClr val="tx1"/>
-          </a:fontRef>
-        </p:style>
-      </p:cxnSp>
-      <p:cxnSp>
-        <p:nvCxnSpPr>
-          <p:cNvPr id="37" name="직선 화살표 연결선 36"/>
-          <p:cNvCxnSpPr/>
-          <p:nvPr/>
-        </p:nvCxnSpPr>
-        <p:spPr>
-          <a:xfrm flipH="1" flipV="1">
-            <a:off x="4644008" y="3717032"/>
-            <a:ext cx="432048" cy="720080"/>
-          </a:xfrm>
-          <a:prstGeom prst="straightConnector1">
-            <a:avLst/>
-          </a:prstGeom>
-          <a:ln>
-            <a:headEnd type="oval" w="med" len="med"/>
+            <a:headEnd type="triangle" w="med" len="med"/>
             <a:tailEnd type="triangle" w="med" len="med"/>
           </a:ln>
         </p:spPr>
@@ -15601,34 +14568,439 @@
       </p:cxnSp>
       <p:sp>
         <p:nvSpPr>
-          <p:cNvPr id="40" name="직사각형 39"/>
-          <p:cNvSpPr/>
-          <p:nvPr/>
-        </p:nvSpPr>
-        <p:spPr>
-          <a:xfrm>
-            <a:off x="6546681" y="2420888"/>
-            <a:ext cx="576064" cy="1080120"/>
+          <p:cNvPr id="71" name="직사각형 70"/>
+          <p:cNvSpPr/>
+          <p:nvPr/>
+        </p:nvSpPr>
+        <p:spPr>
+          <a:xfrm>
+            <a:off x="5364088" y="2204864"/>
+            <a:ext cx="360040" cy="3024336"/>
           </a:xfrm>
           <a:prstGeom prst="rect">
             <a:avLst/>
           </a:prstGeom>
-          <a:ln w="12700">
-            <a:prstDash val="lgDash"/>
+        </p:spPr>
+        <p:style>
+          <a:lnRef idx="1">
+            <a:schemeClr val="accent5"/>
+          </a:lnRef>
+          <a:fillRef idx="2">
+            <a:schemeClr val="accent5"/>
+          </a:fillRef>
+          <a:effectRef idx="1">
+            <a:schemeClr val="accent5"/>
+          </a:effectRef>
+          <a:fontRef idx="minor">
+            <a:schemeClr val="dk1"/>
+          </a:fontRef>
+        </p:style>
+        <p:txBody>
+          <a:bodyPr rtlCol="0" anchor="ctr"/>
+          <a:lstStyle/>
+          <a:p>
+            <a:pPr algn="ctr"/>
+            <a:endParaRPr lang="ko-KR" altLang="en-US"/>
+          </a:p>
+        </p:txBody>
+      </p:sp>
+      <p:sp>
+        <p:nvSpPr>
+          <p:cNvPr id="73" name="직사각형 72"/>
+          <p:cNvSpPr/>
+          <p:nvPr/>
+        </p:nvSpPr>
+        <p:spPr>
+          <a:xfrm>
+            <a:off x="6077767" y="1916832"/>
+            <a:ext cx="510457" cy="3600400"/>
+          </a:xfrm>
+          <a:prstGeom prst="rect">
+            <a:avLst/>
+          </a:prstGeom>
+          <a:solidFill>
+            <a:schemeClr val="accent1">
+              <a:alpha val="20000"/>
+            </a:schemeClr>
+          </a:solidFill>
+        </p:spPr>
+        <p:style>
+          <a:lnRef idx="1">
+            <a:schemeClr val="accent1"/>
+          </a:lnRef>
+          <a:fillRef idx="2">
+            <a:schemeClr val="accent1"/>
+          </a:fillRef>
+          <a:effectRef idx="1">
+            <a:schemeClr val="accent1"/>
+          </a:effectRef>
+          <a:fontRef idx="minor">
+            <a:schemeClr val="dk1"/>
+          </a:fontRef>
+        </p:style>
+        <p:txBody>
+          <a:bodyPr rtlCol="0" anchor="ctr"/>
+          <a:lstStyle/>
+          <a:p>
+            <a:pPr algn="ctr"/>
+            <a:endParaRPr lang="ko-KR" altLang="en-US"/>
+          </a:p>
+        </p:txBody>
+      </p:sp>
+      <p:sp>
+        <p:nvSpPr>
+          <p:cNvPr id="74" name="모서리가 둥근 직사각형 73"/>
+          <p:cNvSpPr/>
+          <p:nvPr/>
+        </p:nvSpPr>
+        <p:spPr>
+          <a:xfrm>
+            <a:off x="6124172" y="2007981"/>
+            <a:ext cx="417646" cy="319023"/>
+          </a:xfrm>
+          <a:prstGeom prst="roundRect">
+            <a:avLst/>
+          </a:prstGeom>
+        </p:spPr>
+        <p:style>
+          <a:lnRef idx="1">
+            <a:schemeClr val="accent2"/>
+          </a:lnRef>
+          <a:fillRef idx="2">
+            <a:schemeClr val="accent2"/>
+          </a:fillRef>
+          <a:effectRef idx="1">
+            <a:schemeClr val="accent2"/>
+          </a:effectRef>
+          <a:fontRef idx="minor">
+            <a:schemeClr val="dk1"/>
+          </a:fontRef>
+        </p:style>
+        <p:txBody>
+          <a:bodyPr rtlCol="0" anchor="ctr"/>
+          <a:lstStyle/>
+          <a:p>
+            <a:pPr algn="ctr"/>
+            <a:r>
+              <a:rPr lang="en-US" altLang="ko-KR" sz="1000" dirty="0" err="1" smtClean="0"/>
+              <a:t>Sc.Bro</a:t>
+            </a:r>
+            <a:endParaRPr lang="en-US" altLang="ko-KR" sz="1000" dirty="0" smtClean="0"/>
+          </a:p>
+        </p:txBody>
+      </p:sp>
+      <p:sp>
+        <p:nvSpPr>
+          <p:cNvPr id="75" name="모서리가 둥근 직사각형 74"/>
+          <p:cNvSpPr/>
+          <p:nvPr/>
+        </p:nvSpPr>
+        <p:spPr>
+          <a:xfrm>
+            <a:off x="6124172" y="2737176"/>
+            <a:ext cx="417646" cy="319023"/>
+          </a:xfrm>
+          <a:prstGeom prst="roundRect">
+            <a:avLst/>
+          </a:prstGeom>
+          <a:solidFill>
+            <a:schemeClr val="accent1">
+              <a:alpha val="20000"/>
+            </a:schemeClr>
+          </a:solidFill>
+        </p:spPr>
+        <p:style>
+          <a:lnRef idx="1">
+            <a:schemeClr val="accent1"/>
+          </a:lnRef>
+          <a:fillRef idx="2">
+            <a:schemeClr val="accent1"/>
+          </a:fillRef>
+          <a:effectRef idx="1">
+            <a:schemeClr val="accent1"/>
+          </a:effectRef>
+          <a:fontRef idx="minor">
+            <a:schemeClr val="dk1"/>
+          </a:fontRef>
+        </p:style>
+        <p:txBody>
+          <a:bodyPr rtlCol="0" anchor="ctr"/>
+          <a:lstStyle/>
+          <a:p>
+            <a:pPr algn="ctr"/>
+            <a:r>
+              <a:rPr lang="en-US" altLang="ko-KR" sz="1000" dirty="0" smtClean="0"/>
+              <a:t>Sc.</a:t>
+            </a:r>
+          </a:p>
+          <a:p>
+            <a:pPr algn="ctr"/>
+            <a:r>
+              <a:rPr lang="en-US" altLang="ko-KR" sz="1000" dirty="0" err="1" smtClean="0"/>
+              <a:t>Edt</a:t>
+            </a:r>
+            <a:endParaRPr lang="ko-KR" altLang="en-US" sz="1000" dirty="0"/>
+          </a:p>
+        </p:txBody>
+      </p:sp>
+      <p:sp>
+        <p:nvSpPr>
+          <p:cNvPr id="76" name="모서리가 둥근 직사각형 75"/>
+          <p:cNvSpPr/>
+          <p:nvPr/>
+        </p:nvSpPr>
+        <p:spPr>
+          <a:xfrm>
+            <a:off x="6124172" y="3101774"/>
+            <a:ext cx="417646" cy="319023"/>
+          </a:xfrm>
+          <a:prstGeom prst="roundRect">
+            <a:avLst/>
+          </a:prstGeom>
+          <a:solidFill>
+            <a:schemeClr val="accent1">
+              <a:alpha val="20000"/>
+            </a:schemeClr>
+          </a:solidFill>
+        </p:spPr>
+        <p:style>
+          <a:lnRef idx="1">
+            <a:schemeClr val="accent1"/>
+          </a:lnRef>
+          <a:fillRef idx="2">
+            <a:schemeClr val="accent1"/>
+          </a:fillRef>
+          <a:effectRef idx="1">
+            <a:schemeClr val="accent1"/>
+          </a:effectRef>
+          <a:fontRef idx="minor">
+            <a:schemeClr val="dk1"/>
+          </a:fontRef>
+        </p:style>
+        <p:txBody>
+          <a:bodyPr rtlCol="0" anchor="ctr"/>
+          <a:lstStyle/>
+          <a:p>
+            <a:pPr algn="ctr"/>
+            <a:r>
+              <a:rPr lang="en-US" altLang="ko-KR" sz="1000" dirty="0" smtClean="0"/>
+              <a:t>St.</a:t>
+            </a:r>
+          </a:p>
+          <a:p>
+            <a:pPr algn="ctr"/>
+            <a:r>
+              <a:rPr lang="en-US" altLang="ko-KR" sz="1000" dirty="0" err="1" smtClean="0"/>
+              <a:t>Edt</a:t>
+            </a:r>
+            <a:endParaRPr lang="ko-KR" altLang="en-US" sz="1000" dirty="0"/>
+          </a:p>
+        </p:txBody>
+      </p:sp>
+      <p:sp>
+        <p:nvSpPr>
+          <p:cNvPr id="77" name="모서리가 둥근 직사각형 76"/>
+          <p:cNvSpPr/>
+          <p:nvPr/>
+        </p:nvSpPr>
+        <p:spPr>
+          <a:xfrm>
+            <a:off x="6124172" y="3466371"/>
+            <a:ext cx="417646" cy="319023"/>
+          </a:xfrm>
+          <a:prstGeom prst="roundRect">
+            <a:avLst/>
+          </a:prstGeom>
+          <a:solidFill>
+            <a:schemeClr val="accent1">
+              <a:alpha val="20000"/>
+            </a:schemeClr>
+          </a:solidFill>
+        </p:spPr>
+        <p:style>
+          <a:lnRef idx="1">
+            <a:schemeClr val="accent1"/>
+          </a:lnRef>
+          <a:fillRef idx="2">
+            <a:schemeClr val="accent1"/>
+          </a:fillRef>
+          <a:effectRef idx="1">
+            <a:schemeClr val="accent1"/>
+          </a:effectRef>
+          <a:fontRef idx="minor">
+            <a:schemeClr val="dk1"/>
+          </a:fontRef>
+        </p:style>
+        <p:txBody>
+          <a:bodyPr rtlCol="0" anchor="ctr"/>
+          <a:lstStyle/>
+          <a:p>
+            <a:pPr algn="ctr"/>
+            <a:r>
+              <a:rPr lang="en-US" altLang="ko-KR" sz="1000" dirty="0" smtClean="0"/>
+              <a:t>St.</a:t>
+            </a:r>
+          </a:p>
+          <a:p>
+            <a:pPr algn="ctr"/>
+            <a:r>
+              <a:rPr lang="en-US" altLang="ko-KR" sz="1000" dirty="0" smtClean="0"/>
+              <a:t>Ply</a:t>
+            </a:r>
+            <a:endParaRPr lang="ko-KR" altLang="en-US" sz="1000" dirty="0"/>
+          </a:p>
+        </p:txBody>
+      </p:sp>
+      <p:sp>
+        <p:nvSpPr>
+          <p:cNvPr id="78" name="모서리가 둥근 직사각형 77"/>
+          <p:cNvSpPr/>
+          <p:nvPr/>
+        </p:nvSpPr>
+        <p:spPr>
+          <a:xfrm>
+            <a:off x="6124172" y="3830969"/>
+            <a:ext cx="417646" cy="319023"/>
+          </a:xfrm>
+          <a:prstGeom prst="roundRect">
+            <a:avLst/>
+          </a:prstGeom>
+          <a:solidFill>
+            <a:schemeClr val="accent1">
+              <a:alpha val="20000"/>
+            </a:schemeClr>
+          </a:solidFill>
+        </p:spPr>
+        <p:style>
+          <a:lnRef idx="1">
+            <a:schemeClr val="accent1"/>
+          </a:lnRef>
+          <a:fillRef idx="2">
+            <a:schemeClr val="accent1"/>
+          </a:fillRef>
+          <a:effectRef idx="1">
+            <a:schemeClr val="accent1"/>
+          </a:effectRef>
+          <a:fontRef idx="minor">
+            <a:schemeClr val="dk1"/>
+          </a:fontRef>
+        </p:style>
+        <p:txBody>
+          <a:bodyPr rtlCol="0" anchor="ctr"/>
+          <a:lstStyle/>
+          <a:p>
+            <a:pPr algn="ctr"/>
+            <a:r>
+              <a:rPr lang="en-US" altLang="ko-KR" sz="1000" dirty="0" smtClean="0"/>
+              <a:t>St.</a:t>
+            </a:r>
+          </a:p>
+          <a:p>
+            <a:pPr algn="ctr"/>
+            <a:r>
+              <a:rPr lang="en-US" altLang="ko-KR" sz="1000" dirty="0" err="1" smtClean="0"/>
+              <a:t>Brd</a:t>
+            </a:r>
+            <a:endParaRPr lang="ko-KR" altLang="en-US" sz="1000" dirty="0"/>
+          </a:p>
+        </p:txBody>
+      </p:sp>
+      <p:sp>
+        <p:nvSpPr>
+          <p:cNvPr id="79" name="모서리가 둥근 직사각형 78"/>
+          <p:cNvSpPr/>
+          <p:nvPr/>
+        </p:nvSpPr>
+        <p:spPr>
+          <a:xfrm>
+            <a:off x="6130725" y="2358405"/>
+            <a:ext cx="417646" cy="319023"/>
+          </a:xfrm>
+          <a:prstGeom prst="roundRect">
+            <a:avLst/>
+          </a:prstGeom>
+          <a:solidFill>
+            <a:schemeClr val="accent1">
+              <a:alpha val="20000"/>
+            </a:schemeClr>
+          </a:solidFill>
+        </p:spPr>
+        <p:style>
+          <a:lnRef idx="1">
+            <a:schemeClr val="accent1"/>
+          </a:lnRef>
+          <a:fillRef idx="2">
+            <a:schemeClr val="accent1"/>
+          </a:fillRef>
+          <a:effectRef idx="1">
+            <a:schemeClr val="accent1"/>
+          </a:effectRef>
+          <a:fontRef idx="minor">
+            <a:schemeClr val="dk1"/>
+          </a:fontRef>
+        </p:style>
+        <p:txBody>
+          <a:bodyPr rtlCol="0" anchor="ctr"/>
+          <a:lstStyle/>
+          <a:p>
+            <a:pPr algn="ctr"/>
+            <a:r>
+              <a:rPr lang="en-US" altLang="ko-KR" sz="1000" dirty="0" smtClean="0"/>
+              <a:t>Sc.</a:t>
+            </a:r>
+          </a:p>
+          <a:p>
+            <a:pPr algn="ctr"/>
+            <a:r>
+              <a:rPr lang="en-US" altLang="ko-KR" sz="1000" dirty="0" err="1" smtClean="0"/>
+              <a:t>Clp</a:t>
+            </a:r>
+            <a:endParaRPr lang="ko-KR" altLang="en-US" sz="1000" dirty="0"/>
+          </a:p>
+        </p:txBody>
+      </p:sp>
+      <p:sp>
+        <p:nvSpPr>
+          <p:cNvPr id="80" name="타원 79"/>
+          <p:cNvSpPr/>
+          <p:nvPr/>
+        </p:nvSpPr>
+        <p:spPr>
+          <a:xfrm>
+            <a:off x="1403648" y="1988840"/>
+            <a:ext cx="216024" cy="216024"/>
+          </a:xfrm>
+          <a:prstGeom prst="ellipse">
+            <a:avLst/>
+          </a:prstGeom>
+          <a:solidFill>
+            <a:schemeClr val="accent1">
+              <a:alpha val="40000"/>
+            </a:schemeClr>
+          </a:solidFill>
+          <a:ln>
+            <a:solidFill>
+              <a:schemeClr val="accent1">
+                <a:shade val="50000"/>
+                <a:alpha val="40000"/>
+              </a:schemeClr>
+            </a:solidFill>
           </a:ln>
         </p:spPr>
         <p:style>
-          <a:lnRef idx="1">
-            <a:schemeClr val="accent2"/>
-          </a:lnRef>
-          <a:fillRef idx="2">
-            <a:schemeClr val="accent2"/>
-          </a:fillRef>
-          <a:effectRef idx="1">
-            <a:schemeClr val="accent2"/>
-          </a:effectRef>
-          <a:fontRef idx="minor">
-            <a:schemeClr val="dk1"/>
+          <a:lnRef idx="2">
+            <a:schemeClr val="accent1">
+              <a:shade val="50000"/>
+            </a:schemeClr>
+          </a:lnRef>
+          <a:fillRef idx="1">
+            <a:schemeClr val="accent1"/>
+          </a:fillRef>
+          <a:effectRef idx="0">
+            <a:schemeClr val="accent1"/>
+          </a:effectRef>
+          <a:fontRef idx="minor">
+            <a:schemeClr val="lt1"/>
           </a:fontRef>
         </p:style>
         <p:txBody>
@@ -15640,148 +15012,6 @@
           </a:p>
         </p:txBody>
       </p:sp>
-      <p:cxnSp>
-        <p:nvCxnSpPr>
-          <p:cNvPr id="41" name="직선 연결선 40"/>
-          <p:cNvCxnSpPr>
-            <a:stCxn id="40" idx="1"/>
-            <a:endCxn id="40" idx="3"/>
-          </p:cNvCxnSpPr>
-          <p:nvPr/>
-        </p:nvCxnSpPr>
-        <p:spPr>
-          <a:xfrm>
-            <a:off x="6546681" y="2960948"/>
-            <a:ext cx="576064" cy="0"/>
-          </a:xfrm>
-          <a:prstGeom prst="line">
-            <a:avLst/>
-          </a:prstGeom>
-          <a:ln>
-            <a:prstDash val="dash"/>
-          </a:ln>
-        </p:spPr>
-        <p:style>
-          <a:lnRef idx="1">
-            <a:schemeClr val="accent2"/>
-          </a:lnRef>
-          <a:fillRef idx="0">
-            <a:schemeClr val="accent2"/>
-          </a:fillRef>
-          <a:effectRef idx="0">
-            <a:schemeClr val="accent2"/>
-          </a:effectRef>
-          <a:fontRef idx="minor">
-            <a:schemeClr val="tx1"/>
-          </a:fontRef>
-        </p:style>
-      </p:cxnSp>
-      <p:cxnSp>
-        <p:nvCxnSpPr>
-          <p:cNvPr id="42" name="직선 연결선 41"/>
-          <p:cNvCxnSpPr>
-            <a:stCxn id="40" idx="0"/>
-            <a:endCxn id="40" idx="2"/>
-          </p:cNvCxnSpPr>
-          <p:nvPr/>
-        </p:nvCxnSpPr>
-        <p:spPr>
-          <a:xfrm>
-            <a:off x="6834713" y="2420888"/>
-            <a:ext cx="0" cy="1080120"/>
-          </a:xfrm>
-          <a:prstGeom prst="line">
-            <a:avLst/>
-          </a:prstGeom>
-          <a:ln>
-            <a:prstDash val="dash"/>
-          </a:ln>
-        </p:spPr>
-        <p:style>
-          <a:lnRef idx="1">
-            <a:schemeClr val="accent2"/>
-          </a:lnRef>
-          <a:fillRef idx="0">
-            <a:schemeClr val="accent2"/>
-          </a:fillRef>
-          <a:effectRef idx="0">
-            <a:schemeClr val="accent2"/>
-          </a:effectRef>
-          <a:fontRef idx="minor">
-            <a:schemeClr val="tx1"/>
-          </a:fontRef>
-        </p:style>
-      </p:cxnSp>
-      <p:cxnSp>
-        <p:nvCxnSpPr>
-          <p:cNvPr id="43" name="직선 화살표 연결선 42"/>
-          <p:cNvCxnSpPr/>
-          <p:nvPr/>
-        </p:nvCxnSpPr>
-        <p:spPr>
-          <a:xfrm flipH="1" flipV="1">
-            <a:off x="6906721" y="3140968"/>
-            <a:ext cx="216024" cy="360040"/>
-          </a:xfrm>
-          <a:prstGeom prst="straightConnector1">
-            <a:avLst/>
-          </a:prstGeom>
-          <a:ln>
-            <a:headEnd type="oval" w="med" len="med"/>
-            <a:tailEnd type="triangle" w="med" len="med"/>
-          </a:ln>
-        </p:spPr>
-        <p:style>
-          <a:lnRef idx="3">
-            <a:schemeClr val="accent1"/>
-          </a:lnRef>
-          <a:fillRef idx="0">
-            <a:schemeClr val="accent1"/>
-          </a:fillRef>
-          <a:effectRef idx="2">
-            <a:schemeClr val="accent1"/>
-          </a:effectRef>
-          <a:fontRef idx="minor">
-            <a:schemeClr val="tx1"/>
-          </a:fontRef>
-        </p:style>
-      </p:cxnSp>
-      <p:cxnSp>
-        <p:nvCxnSpPr>
-          <p:cNvPr id="48" name="Shape 47"/>
-          <p:cNvCxnSpPr>
-            <a:stCxn id="21" idx="3"/>
-          </p:cNvCxnSpPr>
-          <p:nvPr/>
-        </p:nvCxnSpPr>
-        <p:spPr>
-          <a:xfrm>
-            <a:off x="1586220" y="2517917"/>
-            <a:ext cx="753532" cy="1055099"/>
-          </a:xfrm>
-          <a:prstGeom prst="curvedConnector2">
-            <a:avLst/>
-          </a:prstGeom>
-          <a:ln>
-            <a:headEnd type="oval" w="med" len="med"/>
-            <a:tailEnd type="triangle" w="med" len="med"/>
-          </a:ln>
-        </p:spPr>
-        <p:style>
-          <a:lnRef idx="3">
-            <a:schemeClr val="accent1"/>
-          </a:lnRef>
-          <a:fillRef idx="0">
-            <a:schemeClr val="accent1"/>
-          </a:fillRef>
-          <a:effectRef idx="2">
-            <a:schemeClr val="accent1"/>
-          </a:effectRef>
-          <a:fontRef idx="minor">
-            <a:schemeClr val="tx1"/>
-          </a:fontRef>
-        </p:style>
-      </p:cxnSp>
     </p:spTree>
   </p:cSld>
   <p:clrMapOvr>
@@ -16040,16 +15270,21 @@
           <a:prstGeom prst="roundRect">
             <a:avLst/>
           </a:prstGeom>
-        </p:spPr>
-        <p:style>
-          <a:lnRef idx="1">
-            <a:schemeClr val="accent2"/>
-          </a:lnRef>
-          <a:fillRef idx="2">
-            <a:schemeClr val="accent2"/>
-          </a:fillRef>
-          <a:effectRef idx="1">
-            <a:schemeClr val="accent2"/>
+          <a:solidFill>
+            <a:schemeClr val="accent1">
+              <a:alpha val="20000"/>
+            </a:schemeClr>
+          </a:solidFill>
+        </p:spPr>
+        <p:style>
+          <a:lnRef idx="1">
+            <a:schemeClr val="accent1"/>
+          </a:lnRef>
+          <a:fillRef idx="2">
+            <a:schemeClr val="accent1"/>
+          </a:fillRef>
+          <a:effectRef idx="1">
+            <a:schemeClr val="accent1"/>
           </a:effectRef>
           <a:fontRef idx="minor">
             <a:schemeClr val="dk1"/>
@@ -16062,16 +15297,16 @@
             <a:pPr algn="ctr"/>
             <a:r>
               <a:rPr lang="en-US" altLang="ko-KR" sz="1000" dirty="0" smtClean="0"/>
-              <a:t>Bb.</a:t>
+              <a:t>Sc.</a:t>
             </a:r>
           </a:p>
           <a:p>
             <a:pPr algn="ctr"/>
             <a:r>
               <a:rPr lang="en-US" altLang="ko-KR" sz="1000" dirty="0" err="1" smtClean="0"/>
-              <a:t>Fnt</a:t>
-            </a:r>
-            <a:endParaRPr lang="en-US" altLang="ko-KR" sz="1000" dirty="0" smtClean="0"/>
+              <a:t>Edt</a:t>
+            </a:r>
+            <a:endParaRPr lang="ko-KR" altLang="en-US" sz="1000" dirty="0"/>
           </a:p>
         </p:txBody>
       </p:sp>
@@ -16270,19 +15505,7 @@
             </a:r>
             <a:r>
               <a:rPr lang="en-US" altLang="ko-KR" sz="3200" dirty="0" err="1" smtClean="0"/>
-              <a:t>BubbleFont</a:t>
-            </a:r>
-            <a:r>
-              <a:rPr lang="en-US" altLang="ko-KR" sz="3200" dirty="0" smtClean="0"/>
-              <a:t>(</a:t>
-            </a:r>
-            <a:r>
-              <a:rPr lang="en-US" altLang="ko-KR" sz="3200" dirty="0" err="1" smtClean="0"/>
-              <a:t>SceneEditor</a:t>
-            </a:r>
-            <a:r>
-              <a:rPr lang="en-US" altLang="ko-KR" sz="3200" dirty="0" smtClean="0"/>
-              <a:t>)</a:t>
+              <a:t>SceneClipper</a:t>
             </a:r>
             <a:endParaRPr lang="ko-KR" altLang="en-US" sz="3200" dirty="0"/>
           </a:p>
@@ -16302,21 +15525,16 @@
           <a:prstGeom prst="roundRect">
             <a:avLst/>
           </a:prstGeom>
-          <a:solidFill>
-            <a:schemeClr val="accent1">
-              <a:alpha val="20000"/>
-            </a:schemeClr>
-          </a:solidFill>
-        </p:spPr>
-        <p:style>
-          <a:lnRef idx="1">
-            <a:schemeClr val="accent1"/>
-          </a:lnRef>
-          <a:fillRef idx="2">
-            <a:schemeClr val="accent1"/>
-          </a:fillRef>
-          <a:effectRef idx="1">
-            <a:schemeClr val="accent1"/>
+        </p:spPr>
+        <p:style>
+          <a:lnRef idx="1">
+            <a:schemeClr val="accent2"/>
+          </a:lnRef>
+          <a:fillRef idx="2">
+            <a:schemeClr val="accent2"/>
+          </a:fillRef>
+          <a:effectRef idx="1">
+            <a:schemeClr val="accent2"/>
           </a:effectRef>
           <a:fontRef idx="minor">
             <a:schemeClr val="dk1"/>
@@ -16420,52 +15638,14 @@
       </p:sp>
       <p:sp>
         <p:nvSpPr>
-          <p:cNvPr id="32" name="직사각형 31"/>
-          <p:cNvSpPr/>
-          <p:nvPr/>
-        </p:nvSpPr>
-        <p:spPr>
-          <a:xfrm>
-            <a:off x="3779912" y="2204864"/>
-            <a:ext cx="1800200" cy="3024336"/>
-          </a:xfrm>
-          <a:prstGeom prst="rect">
-            <a:avLst/>
-          </a:prstGeom>
-        </p:spPr>
-        <p:style>
-          <a:lnRef idx="1">
-            <a:schemeClr val="accent5"/>
-          </a:lnRef>
-          <a:fillRef idx="2">
-            <a:schemeClr val="accent5"/>
-          </a:fillRef>
-          <a:effectRef idx="1">
-            <a:schemeClr val="accent5"/>
-          </a:effectRef>
-          <a:fontRef idx="minor">
-            <a:schemeClr val="dk1"/>
-          </a:fontRef>
-        </p:style>
-        <p:txBody>
-          <a:bodyPr rtlCol="0" anchor="ctr"/>
-          <a:lstStyle/>
-          <a:p>
-            <a:pPr algn="ctr"/>
-            <a:endParaRPr lang="ko-KR" altLang="en-US"/>
-          </a:p>
-        </p:txBody>
-      </p:sp>
-      <p:sp>
-        <p:nvSpPr>
-          <p:cNvPr id="27" name="직사각형 26"/>
-          <p:cNvSpPr/>
-          <p:nvPr/>
-        </p:nvSpPr>
-        <p:spPr>
-          <a:xfrm>
-            <a:off x="2051720" y="2996952"/>
-            <a:ext cx="936104" cy="288032"/>
+          <p:cNvPr id="26" name="직사각형 25"/>
+          <p:cNvSpPr/>
+          <p:nvPr/>
+        </p:nvSpPr>
+        <p:spPr>
+          <a:xfrm>
+            <a:off x="1907704" y="2708920"/>
+            <a:ext cx="936104" cy="1728192"/>
           </a:xfrm>
           <a:prstGeom prst="rect">
             <a:avLst/>
@@ -16492,24 +15672,131 @@
           <a:bodyPr rtlCol="0" anchor="ctr"/>
           <a:lstStyle/>
           <a:p>
-            <a:r>
-              <a:rPr lang="en-US" altLang="ko-KR" dirty="0" smtClean="0"/>
-              <a:t>I</a:t>
-            </a:r>
-            <a:endParaRPr lang="ko-KR" altLang="en-US" dirty="0"/>
-          </a:p>
-        </p:txBody>
-      </p:sp>
-      <p:sp>
-        <p:nvSpPr>
-          <p:cNvPr id="44" name="직사각형 43"/>
-          <p:cNvSpPr/>
-          <p:nvPr/>
-        </p:nvSpPr>
-        <p:spPr>
-          <a:xfrm>
-            <a:off x="4499992" y="2996952"/>
-            <a:ext cx="936104" cy="288032"/>
+            <a:pPr algn="ctr"/>
+            <a:endParaRPr lang="ko-KR" altLang="en-US"/>
+          </a:p>
+        </p:txBody>
+      </p:sp>
+      <p:cxnSp>
+        <p:nvCxnSpPr>
+          <p:cNvPr id="28" name="직선 연결선 27"/>
+          <p:cNvCxnSpPr>
+            <a:stCxn id="26" idx="1"/>
+            <a:endCxn id="26" idx="3"/>
+          </p:cNvCxnSpPr>
+          <p:nvPr/>
+        </p:nvCxnSpPr>
+        <p:spPr>
+          <a:xfrm>
+            <a:off x="1907704" y="3573016"/>
+            <a:ext cx="936104" cy="0"/>
+          </a:xfrm>
+          <a:prstGeom prst="line">
+            <a:avLst/>
+          </a:prstGeom>
+          <a:ln>
+            <a:prstDash val="dash"/>
+          </a:ln>
+        </p:spPr>
+        <p:style>
+          <a:lnRef idx="1">
+            <a:schemeClr val="accent2"/>
+          </a:lnRef>
+          <a:fillRef idx="0">
+            <a:schemeClr val="accent2"/>
+          </a:fillRef>
+          <a:effectRef idx="0">
+            <a:schemeClr val="accent2"/>
+          </a:effectRef>
+          <a:fontRef idx="minor">
+            <a:schemeClr val="tx1"/>
+          </a:fontRef>
+        </p:style>
+      </p:cxnSp>
+      <p:cxnSp>
+        <p:nvCxnSpPr>
+          <p:cNvPr id="30" name="직선 연결선 29"/>
+          <p:cNvCxnSpPr>
+            <a:stCxn id="26" idx="0"/>
+            <a:endCxn id="26" idx="2"/>
+          </p:cNvCxnSpPr>
+          <p:nvPr/>
+        </p:nvCxnSpPr>
+        <p:spPr>
+          <a:xfrm>
+            <a:off x="2375756" y="2708920"/>
+            <a:ext cx="0" cy="1728192"/>
+          </a:xfrm>
+          <a:prstGeom prst="line">
+            <a:avLst/>
+          </a:prstGeom>
+          <a:ln>
+            <a:prstDash val="dash"/>
+          </a:ln>
+        </p:spPr>
+        <p:style>
+          <a:lnRef idx="1">
+            <a:schemeClr val="accent2"/>
+          </a:lnRef>
+          <a:fillRef idx="0">
+            <a:schemeClr val="accent2"/>
+          </a:fillRef>
+          <a:effectRef idx="0">
+            <a:schemeClr val="accent2"/>
+          </a:effectRef>
+          <a:fontRef idx="minor">
+            <a:schemeClr val="tx1"/>
+          </a:fontRef>
+        </p:style>
+      </p:cxnSp>
+      <p:sp>
+        <p:nvSpPr>
+          <p:cNvPr id="32" name="직사각형 31"/>
+          <p:cNvSpPr/>
+          <p:nvPr/>
+        </p:nvSpPr>
+        <p:spPr>
+          <a:xfrm>
+            <a:off x="3779912" y="2204864"/>
+            <a:ext cx="1800200" cy="3024336"/>
+          </a:xfrm>
+          <a:prstGeom prst="rect">
+            <a:avLst/>
+          </a:prstGeom>
+        </p:spPr>
+        <p:style>
+          <a:lnRef idx="1">
+            <a:schemeClr val="accent5"/>
+          </a:lnRef>
+          <a:fillRef idx="2">
+            <a:schemeClr val="accent5"/>
+          </a:fillRef>
+          <a:effectRef idx="1">
+            <a:schemeClr val="accent5"/>
+          </a:effectRef>
+          <a:fontRef idx="minor">
+            <a:schemeClr val="dk1"/>
+          </a:fontRef>
+        </p:style>
+        <p:txBody>
+          <a:bodyPr rtlCol="0" anchor="ctr"/>
+          <a:lstStyle/>
+          <a:p>
+            <a:pPr algn="ctr"/>
+            <a:endParaRPr lang="ko-KR" altLang="en-US"/>
+          </a:p>
+        </p:txBody>
+      </p:sp>
+      <p:sp>
+        <p:nvSpPr>
+          <p:cNvPr id="33" name="직사각형 32"/>
+          <p:cNvSpPr/>
+          <p:nvPr/>
+        </p:nvSpPr>
+        <p:spPr>
+          <a:xfrm>
+            <a:off x="3923928" y="2420888"/>
+            <a:ext cx="936104" cy="1728192"/>
           </a:xfrm>
           <a:prstGeom prst="rect">
             <a:avLst/>
@@ -16537,172 +15824,277 @@
           <a:lstStyle/>
           <a:p>
             <a:pPr algn="ctr"/>
-            <a:r>
-              <a:rPr lang="en-US" altLang="ko-KR" dirty="0" err="1" smtClean="0">
-                <a:latin typeface="Tempus Sans ITC" pitchFamily="82" charset="0"/>
-              </a:rPr>
-              <a:t>Zzz</a:t>
-            </a:r>
-            <a:r>
-              <a:rPr lang="en-US" altLang="ko-KR" dirty="0" smtClean="0">
-                <a:latin typeface="Tempus Sans ITC" pitchFamily="82" charset="0"/>
-              </a:rPr>
-              <a:t>..</a:t>
-            </a:r>
-            <a:endParaRPr lang="ko-KR" altLang="en-US" dirty="0">
-              <a:latin typeface="Tempus Sans ITC" pitchFamily="82" charset="0"/>
-            </a:endParaRPr>
-          </a:p>
-        </p:txBody>
-      </p:sp>
+            <a:endParaRPr lang="ko-KR" altLang="en-US"/>
+          </a:p>
+        </p:txBody>
+      </p:sp>
+      <p:cxnSp>
+        <p:nvCxnSpPr>
+          <p:cNvPr id="34" name="직선 연결선 33"/>
+          <p:cNvCxnSpPr>
+            <a:stCxn id="33" idx="1"/>
+            <a:endCxn id="33" idx="3"/>
+          </p:cNvCxnSpPr>
+          <p:nvPr/>
+        </p:nvCxnSpPr>
+        <p:spPr>
+          <a:xfrm>
+            <a:off x="3923928" y="3284984"/>
+            <a:ext cx="936104" cy="0"/>
+          </a:xfrm>
+          <a:prstGeom prst="line">
+            <a:avLst/>
+          </a:prstGeom>
+          <a:ln>
+            <a:prstDash val="dash"/>
+          </a:ln>
+        </p:spPr>
+        <p:style>
+          <a:lnRef idx="1">
+            <a:schemeClr val="accent2"/>
+          </a:lnRef>
+          <a:fillRef idx="0">
+            <a:schemeClr val="accent2"/>
+          </a:fillRef>
+          <a:effectRef idx="0">
+            <a:schemeClr val="accent2"/>
+          </a:effectRef>
+          <a:fontRef idx="minor">
+            <a:schemeClr val="tx1"/>
+          </a:fontRef>
+        </p:style>
+      </p:cxnSp>
+      <p:cxnSp>
+        <p:nvCxnSpPr>
+          <p:cNvPr id="35" name="직선 연결선 34"/>
+          <p:cNvCxnSpPr>
+            <a:stCxn id="33" idx="0"/>
+            <a:endCxn id="33" idx="2"/>
+          </p:cNvCxnSpPr>
+          <p:nvPr/>
+        </p:nvCxnSpPr>
+        <p:spPr>
+          <a:xfrm>
+            <a:off x="4391980" y="2420888"/>
+            <a:ext cx="0" cy="1728192"/>
+          </a:xfrm>
+          <a:prstGeom prst="line">
+            <a:avLst/>
+          </a:prstGeom>
+          <a:ln>
+            <a:prstDash val="dash"/>
+          </a:ln>
+        </p:spPr>
+        <p:style>
+          <a:lnRef idx="1">
+            <a:schemeClr val="accent2"/>
+          </a:lnRef>
+          <a:fillRef idx="0">
+            <a:schemeClr val="accent2"/>
+          </a:fillRef>
+          <a:effectRef idx="0">
+            <a:schemeClr val="accent2"/>
+          </a:effectRef>
+          <a:fontRef idx="minor">
+            <a:schemeClr val="tx1"/>
+          </a:fontRef>
+        </p:style>
+      </p:cxnSp>
+      <p:cxnSp>
+        <p:nvCxnSpPr>
+          <p:cNvPr id="37" name="직선 화살표 연결선 36"/>
+          <p:cNvCxnSpPr/>
+          <p:nvPr/>
+        </p:nvCxnSpPr>
+        <p:spPr>
+          <a:xfrm flipH="1" flipV="1">
+            <a:off x="4644008" y="3717032"/>
+            <a:ext cx="432048" cy="720080"/>
+          </a:xfrm>
+          <a:prstGeom prst="straightConnector1">
+            <a:avLst/>
+          </a:prstGeom>
+          <a:ln>
+            <a:headEnd type="oval" w="med" len="med"/>
+            <a:tailEnd type="triangle" w="med" len="med"/>
+          </a:ln>
+        </p:spPr>
+        <p:style>
+          <a:lnRef idx="3">
+            <a:schemeClr val="accent1"/>
+          </a:lnRef>
+          <a:fillRef idx="0">
+            <a:schemeClr val="accent1"/>
+          </a:fillRef>
+          <a:effectRef idx="2">
+            <a:schemeClr val="accent1"/>
+          </a:effectRef>
+          <a:fontRef idx="minor">
+            <a:schemeClr val="tx1"/>
+          </a:fontRef>
+        </p:style>
+      </p:cxnSp>
+      <p:sp>
+        <p:nvSpPr>
+          <p:cNvPr id="40" name="직사각형 39"/>
+          <p:cNvSpPr/>
+          <p:nvPr/>
+        </p:nvSpPr>
+        <p:spPr>
+          <a:xfrm>
+            <a:off x="6546681" y="2420888"/>
+            <a:ext cx="576064" cy="1080120"/>
+          </a:xfrm>
+          <a:prstGeom prst="rect">
+            <a:avLst/>
+          </a:prstGeom>
+          <a:ln w="12700">
+            <a:prstDash val="lgDash"/>
+          </a:ln>
+        </p:spPr>
+        <p:style>
+          <a:lnRef idx="1">
+            <a:schemeClr val="accent2"/>
+          </a:lnRef>
+          <a:fillRef idx="2">
+            <a:schemeClr val="accent2"/>
+          </a:fillRef>
+          <a:effectRef idx="1">
+            <a:schemeClr val="accent2"/>
+          </a:effectRef>
+          <a:fontRef idx="minor">
+            <a:schemeClr val="dk1"/>
+          </a:fontRef>
+        </p:style>
+        <p:txBody>
+          <a:bodyPr rtlCol="0" anchor="ctr"/>
+          <a:lstStyle/>
+          <a:p>
+            <a:pPr algn="ctr"/>
+            <a:endParaRPr lang="ko-KR" altLang="en-US"/>
+          </a:p>
+        </p:txBody>
+      </p:sp>
+      <p:cxnSp>
+        <p:nvCxnSpPr>
+          <p:cNvPr id="41" name="직선 연결선 40"/>
+          <p:cNvCxnSpPr>
+            <a:stCxn id="40" idx="1"/>
+            <a:endCxn id="40" idx="3"/>
+          </p:cNvCxnSpPr>
+          <p:nvPr/>
+        </p:nvCxnSpPr>
+        <p:spPr>
+          <a:xfrm>
+            <a:off x="6546681" y="2960948"/>
+            <a:ext cx="576064" cy="0"/>
+          </a:xfrm>
+          <a:prstGeom prst="line">
+            <a:avLst/>
+          </a:prstGeom>
+          <a:ln>
+            <a:prstDash val="dash"/>
+          </a:ln>
+        </p:spPr>
+        <p:style>
+          <a:lnRef idx="1">
+            <a:schemeClr val="accent2"/>
+          </a:lnRef>
+          <a:fillRef idx="0">
+            <a:schemeClr val="accent2"/>
+          </a:fillRef>
+          <a:effectRef idx="0">
+            <a:schemeClr val="accent2"/>
+          </a:effectRef>
+          <a:fontRef idx="minor">
+            <a:schemeClr val="tx1"/>
+          </a:fontRef>
+        </p:style>
+      </p:cxnSp>
+      <p:cxnSp>
+        <p:nvCxnSpPr>
+          <p:cNvPr id="42" name="직선 연결선 41"/>
+          <p:cNvCxnSpPr>
+            <a:stCxn id="40" idx="0"/>
+            <a:endCxn id="40" idx="2"/>
+          </p:cNvCxnSpPr>
+          <p:nvPr/>
+        </p:nvCxnSpPr>
+        <p:spPr>
+          <a:xfrm>
+            <a:off x="6834713" y="2420888"/>
+            <a:ext cx="0" cy="1080120"/>
+          </a:xfrm>
+          <a:prstGeom prst="line">
+            <a:avLst/>
+          </a:prstGeom>
+          <a:ln>
+            <a:prstDash val="dash"/>
+          </a:ln>
+        </p:spPr>
+        <p:style>
+          <a:lnRef idx="1">
+            <a:schemeClr val="accent2"/>
+          </a:lnRef>
+          <a:fillRef idx="0">
+            <a:schemeClr val="accent2"/>
+          </a:fillRef>
+          <a:effectRef idx="0">
+            <a:schemeClr val="accent2"/>
+          </a:effectRef>
+          <a:fontRef idx="minor">
+            <a:schemeClr val="tx1"/>
+          </a:fontRef>
+        </p:style>
+      </p:cxnSp>
+      <p:cxnSp>
+        <p:nvCxnSpPr>
+          <p:cNvPr id="43" name="직선 화살표 연결선 42"/>
+          <p:cNvCxnSpPr/>
+          <p:nvPr/>
+        </p:nvCxnSpPr>
+        <p:spPr>
+          <a:xfrm flipH="1" flipV="1">
+            <a:off x="6906721" y="3140968"/>
+            <a:ext cx="216024" cy="360040"/>
+          </a:xfrm>
+          <a:prstGeom prst="straightConnector1">
+            <a:avLst/>
+          </a:prstGeom>
+          <a:ln>
+            <a:headEnd type="oval" w="med" len="med"/>
+            <a:tailEnd type="triangle" w="med" len="med"/>
+          </a:ln>
+        </p:spPr>
+        <p:style>
+          <a:lnRef idx="3">
+            <a:schemeClr val="accent1"/>
+          </a:lnRef>
+          <a:fillRef idx="0">
+            <a:schemeClr val="accent1"/>
+          </a:fillRef>
+          <a:effectRef idx="2">
+            <a:schemeClr val="accent1"/>
+          </a:effectRef>
+          <a:fontRef idx="minor">
+            <a:schemeClr val="tx1"/>
+          </a:fontRef>
+        </p:style>
+      </p:cxnSp>
       <p:cxnSp>
         <p:nvCxnSpPr>
           <p:cNvPr id="48" name="Shape 47"/>
           <p:cNvCxnSpPr>
-            <a:stCxn id="49" idx="3"/>
-            <a:endCxn id="27" idx="1"/>
+            <a:stCxn id="21" idx="3"/>
           </p:cNvCxnSpPr>
           <p:nvPr/>
         </p:nvCxnSpPr>
         <p:spPr>
           <a:xfrm>
-            <a:off x="1579667" y="2896688"/>
-            <a:ext cx="472053" cy="244280"/>
-          </a:xfrm>
-          <a:prstGeom prst="curvedConnector3">
-            <a:avLst>
-              <a:gd name="adj1" fmla="val 50000"/>
-            </a:avLst>
-          </a:prstGeom>
-          <a:ln>
-            <a:headEnd type="oval" w="med" len="med"/>
-            <a:tailEnd type="triangle" w="med" len="med"/>
-          </a:ln>
-        </p:spPr>
-        <p:style>
-          <a:lnRef idx="3">
-            <a:schemeClr val="accent1"/>
-          </a:lnRef>
-          <a:fillRef idx="0">
-            <a:schemeClr val="accent1"/>
-          </a:fillRef>
-          <a:effectRef idx="2">
-            <a:schemeClr val="accent1"/>
-          </a:effectRef>
-          <a:fontRef idx="minor">
-            <a:schemeClr val="tx1"/>
-          </a:fontRef>
-        </p:style>
-      </p:cxnSp>
-      <p:sp>
-        <p:nvSpPr>
-          <p:cNvPr id="56" name="직사각형 55"/>
-          <p:cNvSpPr/>
-          <p:nvPr/>
-        </p:nvSpPr>
-        <p:spPr>
-          <a:xfrm>
-            <a:off x="3635896" y="3933056"/>
-            <a:ext cx="2088232" cy="1584176"/>
-          </a:xfrm>
-          <a:prstGeom prst="rect">
-            <a:avLst/>
-          </a:prstGeom>
-        </p:spPr>
-        <p:style>
-          <a:lnRef idx="0">
-            <a:schemeClr val="accent4"/>
-          </a:lnRef>
-          <a:fillRef idx="3">
-            <a:schemeClr val="accent4"/>
-          </a:fillRef>
-          <a:effectRef idx="3">
-            <a:schemeClr val="accent4"/>
-          </a:effectRef>
-          <a:fontRef idx="minor">
-            <a:schemeClr val="lt1"/>
-          </a:fontRef>
-        </p:style>
-        <p:txBody>
-          <a:bodyPr rtlCol="0" anchor="ctr"/>
-          <a:lstStyle/>
-          <a:p>
-            <a:pPr algn="ctr"/>
-            <a:r>
-              <a:rPr lang="en-US" altLang="ko-KR" sz="1000" dirty="0" smtClean="0"/>
-              <a:t>Overlay Keypad</a:t>
-            </a:r>
-            <a:endParaRPr lang="ko-KR" altLang="en-US" sz="1000" dirty="0"/>
-          </a:p>
-        </p:txBody>
-      </p:sp>
-      <p:sp>
-        <p:nvSpPr>
-          <p:cNvPr id="57" name="직사각형 56"/>
-          <p:cNvSpPr/>
-          <p:nvPr/>
-        </p:nvSpPr>
-        <p:spPr>
-          <a:xfrm>
-            <a:off x="6588224" y="3933056"/>
-            <a:ext cx="936104" cy="288032"/>
-          </a:xfrm>
-          <a:prstGeom prst="rect">
-            <a:avLst/>
-          </a:prstGeom>
-          <a:ln w="12700">
-            <a:prstDash val="lgDash"/>
-          </a:ln>
-        </p:spPr>
-        <p:style>
-          <a:lnRef idx="1">
-            <a:schemeClr val="accent2"/>
-          </a:lnRef>
-          <a:fillRef idx="2">
-            <a:schemeClr val="accent2"/>
-          </a:fillRef>
-          <a:effectRef idx="1">
-            <a:schemeClr val="accent2"/>
-          </a:effectRef>
-          <a:fontRef idx="minor">
-            <a:schemeClr val="dk1"/>
-          </a:fontRef>
-        </p:style>
-        <p:txBody>
-          <a:bodyPr rtlCol="0" anchor="ctr"/>
-          <a:lstStyle/>
-          <a:p>
-            <a:pPr algn="ctr"/>
-            <a:r>
-              <a:rPr lang="en-US" altLang="ko-KR" dirty="0" err="1" smtClean="0">
-                <a:latin typeface="Tempus Sans ITC" pitchFamily="82" charset="0"/>
-              </a:rPr>
-              <a:t>Zzz</a:t>
-            </a:r>
-            <a:r>
-              <a:rPr lang="en-US" altLang="ko-KR" dirty="0" smtClean="0">
-                <a:latin typeface="Tempus Sans ITC" pitchFamily="82" charset="0"/>
-              </a:rPr>
-              <a:t>..</a:t>
-            </a:r>
-            <a:endParaRPr lang="ko-KR" altLang="en-US" dirty="0">
-              <a:latin typeface="Tempus Sans ITC" pitchFamily="82" charset="0"/>
-            </a:endParaRPr>
-          </a:p>
-        </p:txBody>
-      </p:sp>
-      <p:cxnSp>
-        <p:nvCxnSpPr>
-          <p:cNvPr id="58" name="직선 화살표 연결선 57"/>
-          <p:cNvCxnSpPr/>
-          <p:nvPr/>
-        </p:nvCxnSpPr>
-        <p:spPr>
-          <a:xfrm flipH="1">
-            <a:off x="7236296" y="3068960"/>
-            <a:ext cx="504056" cy="1008112"/>
-          </a:xfrm>
-          <a:prstGeom prst="straightConnector1">
+            <a:off x="1586220" y="2517917"/>
+            <a:ext cx="753532" cy="1055099"/>
+          </a:xfrm>
+          <a:prstGeom prst="curvedConnector2">
             <a:avLst/>
           </a:prstGeom>
           <a:ln>
@@ -16765,7 +16157,7 @@
         </p:nvSpPr>
         <p:spPr>
           <a:xfrm>
-            <a:off x="611560" y="1916832"/>
+            <a:off x="1115616" y="1916832"/>
             <a:ext cx="2088232" cy="3600400"/>
           </a:xfrm>
           <a:prstGeom prst="rect">
@@ -16803,7 +16195,7 @@
         </p:nvSpPr>
         <p:spPr>
           <a:xfrm>
-            <a:off x="755576" y="2204864"/>
+            <a:off x="1259632" y="2204864"/>
             <a:ext cx="1800200" cy="3024336"/>
           </a:xfrm>
           <a:prstGeom prst="rect">
@@ -16841,8 +16233,8 @@
         </p:nvSpPr>
         <p:spPr>
           <a:xfrm>
-            <a:off x="6228185" y="1916832"/>
-            <a:ext cx="2088232" cy="3600400"/>
+            <a:off x="6228184" y="1916832"/>
+            <a:ext cx="2118697" cy="3600400"/>
           </a:xfrm>
           <a:prstGeom prst="rect">
             <a:avLst/>
@@ -16879,7 +16271,7 @@
         </p:nvSpPr>
         <p:spPr>
           <a:xfrm>
-            <a:off x="611560" y="1916832"/>
+            <a:off x="1115616" y="1916832"/>
             <a:ext cx="510457" cy="3600400"/>
           </a:xfrm>
           <a:prstGeom prst="rect">
@@ -16922,7 +16314,7 @@
         </p:nvSpPr>
         <p:spPr>
           <a:xfrm>
-            <a:off x="657965" y="2007981"/>
+            <a:off x="1162021" y="2007981"/>
             <a:ext cx="417646" cy="319023"/>
           </a:xfrm>
           <a:prstGeom prst="roundRect">
@@ -16977,7 +16369,56 @@
         </p:nvSpPr>
         <p:spPr>
           <a:xfrm>
-            <a:off x="657965" y="2737176"/>
+            <a:off x="1162021" y="2737176"/>
+            <a:ext cx="417646" cy="319023"/>
+          </a:xfrm>
+          <a:prstGeom prst="roundRect">
+            <a:avLst/>
+          </a:prstGeom>
+        </p:spPr>
+        <p:style>
+          <a:lnRef idx="1">
+            <a:schemeClr val="accent2"/>
+          </a:lnRef>
+          <a:fillRef idx="2">
+            <a:schemeClr val="accent2"/>
+          </a:fillRef>
+          <a:effectRef idx="1">
+            <a:schemeClr val="accent2"/>
+          </a:effectRef>
+          <a:fontRef idx="minor">
+            <a:schemeClr val="dk1"/>
+          </a:fontRef>
+        </p:style>
+        <p:txBody>
+          <a:bodyPr rtlCol="0" anchor="ctr"/>
+          <a:lstStyle/>
+          <a:p>
+            <a:pPr algn="ctr"/>
+            <a:r>
+              <a:rPr lang="en-US" altLang="ko-KR" sz="1000" dirty="0" smtClean="0"/>
+              <a:t>Bb.</a:t>
+            </a:r>
+          </a:p>
+          <a:p>
+            <a:pPr algn="ctr"/>
+            <a:r>
+              <a:rPr lang="en-US" altLang="ko-KR" sz="1000" dirty="0" err="1" smtClean="0"/>
+              <a:t>Fnt</a:t>
+            </a:r>
+            <a:endParaRPr lang="en-US" altLang="ko-KR" sz="1000" dirty="0" smtClean="0"/>
+          </a:p>
+        </p:txBody>
+      </p:sp>
+      <p:sp>
+        <p:nvSpPr>
+          <p:cNvPr id="50" name="모서리가 둥근 직사각형 49"/>
+          <p:cNvSpPr/>
+          <p:nvPr/>
+        </p:nvSpPr>
+        <p:spPr>
+          <a:xfrm>
+            <a:off x="1162021" y="3101774"/>
             <a:ext cx="417646" cy="319023"/>
           </a:xfrm>
           <a:prstGeom prst="roundRect">
@@ -16988,66 +16429,16 @@
               <a:alpha val="20000"/>
             </a:schemeClr>
           </a:solidFill>
-          <a:ln/>
-        </p:spPr>
-        <p:style>
-          <a:lnRef idx="1">
-            <a:schemeClr val="accent1"/>
-          </a:lnRef>
-          <a:fillRef idx="2">
-            <a:schemeClr val="accent1"/>
-          </a:fillRef>
-          <a:effectRef idx="1">
-            <a:schemeClr val="accent1"/>
-          </a:effectRef>
-          <a:fontRef idx="minor">
-            <a:schemeClr val="dk1"/>
-          </a:fontRef>
-        </p:style>
-        <p:txBody>
-          <a:bodyPr rtlCol="0" anchor="ctr"/>
-          <a:lstStyle/>
-          <a:p>
-            <a:pPr algn="ctr"/>
-            <a:r>
-              <a:rPr lang="en-US" altLang="ko-KR" sz="1000" dirty="0" smtClean="0"/>
-              <a:t>Bb.</a:t>
-            </a:r>
-          </a:p>
-          <a:p>
-            <a:pPr algn="ctr"/>
-            <a:r>
-              <a:rPr lang="en-US" altLang="ko-KR" sz="1000" dirty="0" err="1" smtClean="0"/>
-              <a:t>Fnt</a:t>
-            </a:r>
-            <a:endParaRPr lang="en-US" altLang="ko-KR" sz="1000" dirty="0" smtClean="0"/>
-          </a:p>
-        </p:txBody>
-      </p:sp>
-      <p:sp>
-        <p:nvSpPr>
-          <p:cNvPr id="50" name="모서리가 둥근 직사각형 49"/>
-          <p:cNvSpPr/>
-          <p:nvPr/>
-        </p:nvSpPr>
-        <p:spPr>
-          <a:xfrm>
-            <a:off x="657965" y="3101774"/>
-            <a:ext cx="417646" cy="319023"/>
-          </a:xfrm>
-          <a:prstGeom prst="roundRect">
-            <a:avLst/>
-          </a:prstGeom>
-        </p:spPr>
-        <p:style>
-          <a:lnRef idx="1">
-            <a:schemeClr val="accent2"/>
-          </a:lnRef>
-          <a:fillRef idx="2">
-            <a:schemeClr val="accent2"/>
-          </a:fillRef>
-          <a:effectRef idx="1">
-            <a:schemeClr val="accent2"/>
+        </p:spPr>
+        <p:style>
+          <a:lnRef idx="1">
+            <a:schemeClr val="accent1"/>
+          </a:lnRef>
+          <a:fillRef idx="2">
+            <a:schemeClr val="accent1"/>
+          </a:fillRef>
+          <a:effectRef idx="1">
+            <a:schemeClr val="accent1"/>
           </a:effectRef>
           <a:fontRef idx="minor">
             <a:schemeClr val="dk1"/>
@@ -17081,7 +16472,7 @@
         </p:nvSpPr>
         <p:spPr>
           <a:xfrm>
-            <a:off x="657965" y="3466371"/>
+            <a:off x="1162021" y="3466371"/>
             <a:ext cx="417646" cy="319023"/>
           </a:xfrm>
           <a:prstGeom prst="roundRect">
@@ -17135,7 +16526,7 @@
         </p:nvSpPr>
         <p:spPr>
           <a:xfrm>
-            <a:off x="657965" y="3830969"/>
+            <a:off x="1162021" y="3830969"/>
             <a:ext cx="417646" cy="319023"/>
           </a:xfrm>
           <a:prstGeom prst="roundRect">
@@ -17214,7 +16605,19 @@
             </a:r>
             <a:r>
               <a:rPr lang="en-US" altLang="ko-KR" sz="3200" dirty="0" err="1" smtClean="0"/>
-              <a:t>StoryEditor</a:t>
+              <a:t>BubbleFont</a:t>
+            </a:r>
+            <a:r>
+              <a:rPr lang="en-US" altLang="ko-KR" sz="3200" dirty="0" smtClean="0"/>
+              <a:t>(</a:t>
+            </a:r>
+            <a:r>
+              <a:rPr lang="en-US" altLang="ko-KR" sz="3200" dirty="0" err="1" smtClean="0"/>
+              <a:t>SceneEditor</a:t>
+            </a:r>
+            <a:r>
+              <a:rPr lang="en-US" altLang="ko-KR" sz="3200" dirty="0" smtClean="0"/>
+              <a:t>)</a:t>
             </a:r>
             <a:endParaRPr lang="ko-KR" altLang="en-US" sz="3200" dirty="0"/>
           </a:p>
@@ -17228,7 +16631,7 @@
         </p:nvSpPr>
         <p:spPr>
           <a:xfrm>
-            <a:off x="664518" y="2358405"/>
+            <a:off x="1168574" y="2358405"/>
             <a:ext cx="417646" cy="319023"/>
           </a:xfrm>
           <a:prstGeom prst="roundRect">
@@ -17388,22 +16791,123 @@
           </a:p>
         </p:txBody>
       </p:sp>
+      <p:sp>
+        <p:nvSpPr>
+          <p:cNvPr id="27" name="직사각형 26"/>
+          <p:cNvSpPr/>
+          <p:nvPr/>
+        </p:nvSpPr>
+        <p:spPr>
+          <a:xfrm>
+            <a:off x="2051720" y="2996952"/>
+            <a:ext cx="936104" cy="288032"/>
+          </a:xfrm>
+          <a:prstGeom prst="rect">
+            <a:avLst/>
+          </a:prstGeom>
+          <a:ln w="12700">
+            <a:prstDash val="lgDash"/>
+          </a:ln>
+        </p:spPr>
+        <p:style>
+          <a:lnRef idx="1">
+            <a:schemeClr val="accent2"/>
+          </a:lnRef>
+          <a:fillRef idx="2">
+            <a:schemeClr val="accent2"/>
+          </a:fillRef>
+          <a:effectRef idx="1">
+            <a:schemeClr val="accent2"/>
+          </a:effectRef>
+          <a:fontRef idx="minor">
+            <a:schemeClr val="dk1"/>
+          </a:fontRef>
+        </p:style>
+        <p:txBody>
+          <a:bodyPr rtlCol="0" anchor="ctr"/>
+          <a:lstStyle/>
+          <a:p>
+            <a:r>
+              <a:rPr lang="en-US" altLang="ko-KR" dirty="0" smtClean="0"/>
+              <a:t>I</a:t>
+            </a:r>
+            <a:endParaRPr lang="ko-KR" altLang="en-US" dirty="0"/>
+          </a:p>
+        </p:txBody>
+      </p:sp>
+      <p:sp>
+        <p:nvSpPr>
+          <p:cNvPr id="44" name="직사각형 43"/>
+          <p:cNvSpPr/>
+          <p:nvPr/>
+        </p:nvSpPr>
+        <p:spPr>
+          <a:xfrm>
+            <a:off x="4499992" y="2996952"/>
+            <a:ext cx="936104" cy="288032"/>
+          </a:xfrm>
+          <a:prstGeom prst="rect">
+            <a:avLst/>
+          </a:prstGeom>
+          <a:ln w="12700">
+            <a:prstDash val="lgDash"/>
+          </a:ln>
+        </p:spPr>
+        <p:style>
+          <a:lnRef idx="1">
+            <a:schemeClr val="accent2"/>
+          </a:lnRef>
+          <a:fillRef idx="2">
+            <a:schemeClr val="accent2"/>
+          </a:fillRef>
+          <a:effectRef idx="1">
+            <a:schemeClr val="accent2"/>
+          </a:effectRef>
+          <a:fontRef idx="minor">
+            <a:schemeClr val="dk1"/>
+          </a:fontRef>
+        </p:style>
+        <p:txBody>
+          <a:bodyPr rtlCol="0" anchor="ctr"/>
+          <a:lstStyle/>
+          <a:p>
+            <a:pPr algn="ctr"/>
+            <a:r>
+              <a:rPr lang="en-US" altLang="ko-KR" dirty="0" err="1" smtClean="0">
+                <a:latin typeface="Tempus Sans ITC" pitchFamily="82" charset="0"/>
+              </a:rPr>
+              <a:t>Zzz</a:t>
+            </a:r>
+            <a:r>
+              <a:rPr lang="en-US" altLang="ko-KR" dirty="0" smtClean="0">
+                <a:latin typeface="Tempus Sans ITC" pitchFamily="82" charset="0"/>
+              </a:rPr>
+              <a:t>..</a:t>
+            </a:r>
+            <a:endParaRPr lang="ko-KR" altLang="en-US" dirty="0">
+              <a:latin typeface="Tempus Sans ITC" pitchFamily="82" charset="0"/>
+            </a:endParaRPr>
+          </a:p>
+        </p:txBody>
+      </p:sp>
       <p:cxnSp>
         <p:nvCxnSpPr>
           <p:cNvPr id="48" name="Shape 47"/>
           <p:cNvCxnSpPr>
-            <a:stCxn id="50" idx="3"/>
-            <a:endCxn id="26" idx="0"/>
+            <a:stCxn id="49" idx="3"/>
+            <a:endCxn id="27" idx="1"/>
           </p:cNvCxnSpPr>
           <p:nvPr/>
         </p:nvCxnSpPr>
         <p:spPr>
           <a:xfrm>
-            <a:off x="1075611" y="3261286"/>
-            <a:ext cx="832093" cy="1679882"/>
-          </a:xfrm>
-          <a:prstGeom prst="curvedConnector2">
-            <a:avLst/>
+            <a:off x="1579667" y="2896688"/>
+            <a:ext cx="472053" cy="244280"/>
+          </a:xfrm>
+          <a:prstGeom prst="curvedConnector3">
+            <a:avLst>
+              <a:gd name="adj1" fmla="val 50000"/>
+            </a:avLst>
           </a:prstGeom>
           <a:ln>
             <a:headEnd type="oval" w="med" len="med"/>
@@ -17427,20 +16931,65 @@
       </p:cxnSp>
       <p:sp>
         <p:nvSpPr>
-          <p:cNvPr id="26" name="직사각형 25"/>
-          <p:cNvSpPr/>
-          <p:nvPr/>
-        </p:nvSpPr>
-        <p:spPr>
-          <a:xfrm>
-            <a:off x="1115616" y="4941168"/>
-            <a:ext cx="1584176" cy="576064"/>
+          <p:cNvPr id="56" name="직사각형 55"/>
+          <p:cNvSpPr/>
+          <p:nvPr/>
+        </p:nvSpPr>
+        <p:spPr>
+          <a:xfrm>
+            <a:off x="3635896" y="3933056"/>
+            <a:ext cx="2088232" cy="1584176"/>
           </a:xfrm>
           <a:prstGeom prst="rect">
             <a:avLst/>
           </a:prstGeom>
         </p:spPr>
         <p:style>
+          <a:lnRef idx="0">
+            <a:schemeClr val="accent4"/>
+          </a:lnRef>
+          <a:fillRef idx="3">
+            <a:schemeClr val="accent4"/>
+          </a:fillRef>
+          <a:effectRef idx="3">
+            <a:schemeClr val="accent4"/>
+          </a:effectRef>
+          <a:fontRef idx="minor">
+            <a:schemeClr val="lt1"/>
+          </a:fontRef>
+        </p:style>
+        <p:txBody>
+          <a:bodyPr rtlCol="0" anchor="ctr"/>
+          <a:lstStyle/>
+          <a:p>
+            <a:pPr algn="ctr"/>
+            <a:r>
+              <a:rPr lang="en-US" altLang="ko-KR" sz="1000" dirty="0" smtClean="0"/>
+              <a:t>Overlay Keypad</a:t>
+            </a:r>
+            <a:endParaRPr lang="ko-KR" altLang="en-US" sz="1000" dirty="0"/>
+          </a:p>
+        </p:txBody>
+      </p:sp>
+      <p:sp>
+        <p:nvSpPr>
+          <p:cNvPr id="57" name="직사각형 56"/>
+          <p:cNvSpPr/>
+          <p:nvPr/>
+        </p:nvSpPr>
+        <p:spPr>
+          <a:xfrm>
+            <a:off x="6588224" y="3933056"/>
+            <a:ext cx="936104" cy="288032"/>
+          </a:xfrm>
+          <a:prstGeom prst="rect">
+            <a:avLst/>
+          </a:prstGeom>
+          <a:ln w="12700">
+            <a:prstDash val="lgDash"/>
+          </a:ln>
+        </p:spPr>
+        <p:style>
           <a:lnRef idx="1">
             <a:schemeClr val="accent2"/>
           </a:lnRef>
@@ -17459,445 +17008,34 @@
           <a:lstStyle/>
           <a:p>
             <a:pPr algn="ctr"/>
-            <a:endParaRPr lang="ko-KR" altLang="en-US"/>
-          </a:p>
-        </p:txBody>
-      </p:sp>
-      <p:sp>
-        <p:nvSpPr>
-          <p:cNvPr id="29" name="직사각형 28"/>
-          <p:cNvSpPr/>
-          <p:nvPr/>
-        </p:nvSpPr>
-        <p:spPr>
-          <a:xfrm>
-            <a:off x="3635896" y="4941168"/>
-            <a:ext cx="2088232" cy="576064"/>
-          </a:xfrm>
-          <a:prstGeom prst="rect">
-            <a:avLst/>
-          </a:prstGeom>
-        </p:spPr>
-        <p:style>
-          <a:lnRef idx="1">
-            <a:schemeClr val="accent2"/>
-          </a:lnRef>
-          <a:fillRef idx="2">
-            <a:schemeClr val="accent2"/>
-          </a:fillRef>
-          <a:effectRef idx="1">
-            <a:schemeClr val="accent2"/>
-          </a:effectRef>
-          <a:fontRef idx="minor">
-            <a:schemeClr val="dk1"/>
-          </a:fontRef>
-        </p:style>
-        <p:txBody>
-          <a:bodyPr rtlCol="0" anchor="ctr"/>
-          <a:lstStyle/>
-          <a:p>
-            <a:pPr algn="ctr"/>
-            <a:endParaRPr lang="ko-KR" altLang="en-US"/>
-          </a:p>
-        </p:txBody>
-      </p:sp>
-      <p:sp>
-        <p:nvSpPr>
-          <p:cNvPr id="30" name="직사각형 29"/>
-          <p:cNvSpPr/>
-          <p:nvPr/>
-        </p:nvSpPr>
-        <p:spPr>
-          <a:xfrm>
-            <a:off x="3059832" y="1916832"/>
-            <a:ext cx="510457" cy="3600400"/>
-          </a:xfrm>
-          <a:prstGeom prst="rect">
-            <a:avLst/>
-          </a:prstGeom>
-          <a:solidFill>
-            <a:schemeClr val="accent1">
-              <a:alpha val="20000"/>
-            </a:schemeClr>
-          </a:solidFill>
-          <a:ln>
-            <a:prstDash val="dash"/>
-          </a:ln>
-        </p:spPr>
-        <p:style>
-          <a:lnRef idx="1">
-            <a:schemeClr val="accent1"/>
-          </a:lnRef>
-          <a:fillRef idx="2">
-            <a:schemeClr val="accent1"/>
-          </a:fillRef>
-          <a:effectRef idx="1">
-            <a:schemeClr val="accent1"/>
-          </a:effectRef>
-          <a:fontRef idx="minor">
-            <a:schemeClr val="dk1"/>
-          </a:fontRef>
-        </p:style>
-        <p:txBody>
-          <a:bodyPr rtlCol="0" anchor="ctr"/>
-          <a:lstStyle/>
-          <a:p>
-            <a:pPr algn="ctr"/>
-            <a:endParaRPr lang="ko-KR" altLang="en-US"/>
-          </a:p>
-        </p:txBody>
-      </p:sp>
-      <p:sp>
-        <p:nvSpPr>
-          <p:cNvPr id="33" name="모서리가 둥근 직사각형 32"/>
-          <p:cNvSpPr/>
-          <p:nvPr/>
-        </p:nvSpPr>
-        <p:spPr>
-          <a:xfrm>
-            <a:off x="3106237" y="2007981"/>
-            <a:ext cx="417646" cy="319023"/>
-          </a:xfrm>
-          <a:prstGeom prst="roundRect">
-            <a:avLst/>
-          </a:prstGeom>
-          <a:solidFill>
-            <a:schemeClr val="accent1">
-              <a:alpha val="20000"/>
-            </a:schemeClr>
-          </a:solidFill>
-          <a:ln>
-            <a:solidFill>
-              <a:schemeClr val="accent1">
-                <a:shade val="95000"/>
-                <a:satMod val="105000"/>
-              </a:schemeClr>
-            </a:solidFill>
-            <a:prstDash val="dash"/>
-          </a:ln>
-        </p:spPr>
-        <p:style>
-          <a:lnRef idx="1">
-            <a:schemeClr val="accent1"/>
-          </a:lnRef>
-          <a:fillRef idx="2">
-            <a:schemeClr val="accent1"/>
-          </a:fillRef>
-          <a:effectRef idx="1">
-            <a:schemeClr val="accent1"/>
-          </a:effectRef>
-          <a:fontRef idx="minor">
-            <a:schemeClr val="dk1"/>
-          </a:fontRef>
-        </p:style>
-        <p:txBody>
-          <a:bodyPr rtlCol="0" anchor="ctr"/>
-          <a:lstStyle/>
-          <a:p>
-            <a:pPr algn="ctr"/>
-            <a:r>
-              <a:rPr lang="en-US" altLang="ko-KR" sz="1000" dirty="0" err="1" smtClean="0"/>
-              <a:t>Sc.Bro</a:t>
-            </a:r>
-            <a:endParaRPr lang="en-US" altLang="ko-KR" sz="1000" dirty="0" smtClean="0"/>
-          </a:p>
-        </p:txBody>
-      </p:sp>
-      <p:sp>
-        <p:nvSpPr>
-          <p:cNvPr id="34" name="모서리가 둥근 직사각형 33"/>
-          <p:cNvSpPr/>
-          <p:nvPr/>
-        </p:nvSpPr>
-        <p:spPr>
-          <a:xfrm>
-            <a:off x="3106237" y="2737176"/>
-            <a:ext cx="417646" cy="319023"/>
-          </a:xfrm>
-          <a:prstGeom prst="roundRect">
-            <a:avLst/>
-          </a:prstGeom>
-          <a:solidFill>
-            <a:schemeClr val="accent1">
-              <a:alpha val="20000"/>
-            </a:schemeClr>
-          </a:solidFill>
-          <a:ln>
-            <a:prstDash val="dash"/>
-          </a:ln>
-        </p:spPr>
-        <p:style>
-          <a:lnRef idx="1">
-            <a:schemeClr val="accent1"/>
-          </a:lnRef>
-          <a:fillRef idx="2">
-            <a:schemeClr val="accent1"/>
-          </a:fillRef>
-          <a:effectRef idx="1">
-            <a:schemeClr val="accent1"/>
-          </a:effectRef>
-          <a:fontRef idx="minor">
-            <a:schemeClr val="dk1"/>
-          </a:fontRef>
-        </p:style>
-        <p:txBody>
-          <a:bodyPr rtlCol="0" anchor="ctr"/>
-          <a:lstStyle/>
-          <a:p>
-            <a:pPr algn="ctr"/>
-            <a:r>
-              <a:rPr lang="en-US" altLang="ko-KR" sz="1000" dirty="0" smtClean="0"/>
-              <a:t>Bb.</a:t>
-            </a:r>
-          </a:p>
-          <a:p>
-            <a:pPr algn="ctr"/>
-            <a:r>
-              <a:rPr lang="en-US" altLang="ko-KR" sz="1000" dirty="0" err="1" smtClean="0"/>
-              <a:t>Fnt</a:t>
-            </a:r>
-            <a:endParaRPr lang="en-US" altLang="ko-KR" sz="1000" dirty="0" smtClean="0"/>
-          </a:p>
-        </p:txBody>
-      </p:sp>
-      <p:sp>
-        <p:nvSpPr>
-          <p:cNvPr id="35" name="모서리가 둥근 직사각형 34"/>
-          <p:cNvSpPr/>
-          <p:nvPr/>
-        </p:nvSpPr>
-        <p:spPr>
-          <a:xfrm>
-            <a:off x="3106237" y="3101774"/>
-            <a:ext cx="417646" cy="319023"/>
-          </a:xfrm>
-          <a:prstGeom prst="roundRect">
-            <a:avLst/>
-          </a:prstGeom>
-          <a:solidFill>
-            <a:schemeClr val="accent1">
-              <a:alpha val="20000"/>
-            </a:schemeClr>
-          </a:solidFill>
-          <a:ln>
-            <a:prstDash val="dash"/>
-          </a:ln>
-        </p:spPr>
-        <p:style>
-          <a:lnRef idx="1">
-            <a:schemeClr val="accent1"/>
-          </a:lnRef>
-          <a:fillRef idx="2">
-            <a:schemeClr val="accent1"/>
-          </a:fillRef>
-          <a:effectRef idx="1">
-            <a:schemeClr val="accent1"/>
-          </a:effectRef>
-          <a:fontRef idx="minor">
-            <a:schemeClr val="dk1"/>
-          </a:fontRef>
-        </p:style>
-        <p:txBody>
-          <a:bodyPr rtlCol="0" anchor="ctr"/>
-          <a:lstStyle/>
-          <a:p>
-            <a:pPr algn="ctr"/>
-            <a:r>
-              <a:rPr lang="en-US" altLang="ko-KR" sz="1000" dirty="0" smtClean="0"/>
-              <a:t>St.</a:t>
-            </a:r>
-          </a:p>
-          <a:p>
-            <a:pPr algn="ctr"/>
-            <a:r>
-              <a:rPr lang="en-US" altLang="ko-KR" sz="1000" dirty="0" err="1" smtClean="0"/>
-              <a:t>Edt</a:t>
-            </a:r>
-            <a:endParaRPr lang="ko-KR" altLang="en-US" sz="1000" dirty="0"/>
-          </a:p>
-        </p:txBody>
-      </p:sp>
-      <p:sp>
-        <p:nvSpPr>
-          <p:cNvPr id="36" name="모서리가 둥근 직사각형 35"/>
-          <p:cNvSpPr/>
-          <p:nvPr/>
-        </p:nvSpPr>
-        <p:spPr>
-          <a:xfrm>
-            <a:off x="3106237" y="3466371"/>
-            <a:ext cx="417646" cy="319023"/>
-          </a:xfrm>
-          <a:prstGeom prst="roundRect">
-            <a:avLst/>
-          </a:prstGeom>
-          <a:solidFill>
-            <a:schemeClr val="accent1">
-              <a:alpha val="20000"/>
-            </a:schemeClr>
-          </a:solidFill>
-          <a:ln>
-            <a:prstDash val="dash"/>
-          </a:ln>
-        </p:spPr>
-        <p:style>
-          <a:lnRef idx="1">
-            <a:schemeClr val="accent1"/>
-          </a:lnRef>
-          <a:fillRef idx="2">
-            <a:schemeClr val="accent1"/>
-          </a:fillRef>
-          <a:effectRef idx="1">
-            <a:schemeClr val="accent1"/>
-          </a:effectRef>
-          <a:fontRef idx="minor">
-            <a:schemeClr val="dk1"/>
-          </a:fontRef>
-        </p:style>
-        <p:txBody>
-          <a:bodyPr rtlCol="0" anchor="ctr"/>
-          <a:lstStyle/>
-          <a:p>
-            <a:pPr algn="ctr"/>
-            <a:r>
-              <a:rPr lang="en-US" altLang="ko-KR" sz="1000" dirty="0" smtClean="0"/>
-              <a:t>St.</a:t>
-            </a:r>
-          </a:p>
-          <a:p>
-            <a:pPr algn="ctr"/>
-            <a:r>
-              <a:rPr lang="en-US" altLang="ko-KR" sz="1000" dirty="0" smtClean="0"/>
-              <a:t>Ply</a:t>
-            </a:r>
-            <a:endParaRPr lang="ko-KR" altLang="en-US" sz="1000" dirty="0"/>
-          </a:p>
-        </p:txBody>
-      </p:sp>
-      <p:sp>
-        <p:nvSpPr>
-          <p:cNvPr id="37" name="모서리가 둥근 직사각형 36"/>
-          <p:cNvSpPr/>
-          <p:nvPr/>
-        </p:nvSpPr>
-        <p:spPr>
-          <a:xfrm>
-            <a:off x="3106237" y="3830969"/>
-            <a:ext cx="417646" cy="319023"/>
-          </a:xfrm>
-          <a:prstGeom prst="roundRect">
-            <a:avLst/>
-          </a:prstGeom>
-          <a:solidFill>
-            <a:schemeClr val="accent1">
-              <a:alpha val="20000"/>
-            </a:schemeClr>
-          </a:solidFill>
-          <a:ln>
-            <a:prstDash val="dash"/>
-          </a:ln>
-        </p:spPr>
-        <p:style>
-          <a:lnRef idx="1">
-            <a:schemeClr val="accent1"/>
-          </a:lnRef>
-          <a:fillRef idx="2">
-            <a:schemeClr val="accent1"/>
-          </a:fillRef>
-          <a:effectRef idx="1">
-            <a:schemeClr val="accent1"/>
-          </a:effectRef>
-          <a:fontRef idx="minor">
-            <a:schemeClr val="dk1"/>
-          </a:fontRef>
-        </p:style>
-        <p:txBody>
-          <a:bodyPr rtlCol="0" anchor="ctr"/>
-          <a:lstStyle/>
-          <a:p>
-            <a:pPr algn="ctr"/>
-            <a:r>
-              <a:rPr lang="en-US" altLang="ko-KR" sz="1000" dirty="0" smtClean="0"/>
-              <a:t>St.</a:t>
-            </a:r>
-          </a:p>
-          <a:p>
-            <a:pPr algn="ctr"/>
-            <a:r>
-              <a:rPr lang="en-US" altLang="ko-KR" sz="1000" dirty="0" err="1" smtClean="0"/>
-              <a:t>Brd</a:t>
-            </a:r>
-            <a:endParaRPr lang="ko-KR" altLang="en-US" sz="1000" dirty="0"/>
-          </a:p>
-        </p:txBody>
-      </p:sp>
-      <p:sp>
-        <p:nvSpPr>
-          <p:cNvPr id="38" name="모서리가 둥근 직사각형 37"/>
-          <p:cNvSpPr/>
-          <p:nvPr/>
-        </p:nvSpPr>
-        <p:spPr>
-          <a:xfrm>
-            <a:off x="3112790" y="2358405"/>
-            <a:ext cx="417646" cy="319023"/>
-          </a:xfrm>
-          <a:prstGeom prst="roundRect">
-            <a:avLst/>
-          </a:prstGeom>
-          <a:solidFill>
-            <a:schemeClr val="accent1">
-              <a:alpha val="20000"/>
-            </a:schemeClr>
-          </a:solidFill>
-          <a:ln>
-            <a:prstDash val="dash"/>
-          </a:ln>
-        </p:spPr>
-        <p:style>
-          <a:lnRef idx="1">
-            <a:schemeClr val="accent1"/>
-          </a:lnRef>
-          <a:fillRef idx="2">
-            <a:schemeClr val="accent1"/>
-          </a:fillRef>
-          <a:effectRef idx="1">
-            <a:schemeClr val="accent1"/>
-          </a:effectRef>
-          <a:fontRef idx="minor">
-            <a:schemeClr val="dk1"/>
-          </a:fontRef>
-        </p:style>
-        <p:txBody>
-          <a:bodyPr rtlCol="0" anchor="ctr"/>
-          <a:lstStyle/>
-          <a:p>
-            <a:pPr algn="ctr"/>
-            <a:r>
-              <a:rPr lang="en-US" altLang="ko-KR" sz="1000" dirty="0" smtClean="0"/>
-              <a:t>Sc.</a:t>
-            </a:r>
-          </a:p>
-          <a:p>
-            <a:pPr algn="ctr"/>
-            <a:r>
-              <a:rPr lang="en-US" altLang="ko-KR" sz="1000" dirty="0" err="1" smtClean="0"/>
-              <a:t>Clp</a:t>
-            </a:r>
-            <a:endParaRPr lang="ko-KR" altLang="en-US" sz="1000" dirty="0"/>
+            <a:r>
+              <a:rPr lang="en-US" altLang="ko-KR" dirty="0" err="1" smtClean="0">
+                <a:latin typeface="Tempus Sans ITC" pitchFamily="82" charset="0"/>
+              </a:rPr>
+              <a:t>Zzz</a:t>
+            </a:r>
+            <a:r>
+              <a:rPr lang="en-US" altLang="ko-KR" dirty="0" smtClean="0">
+                <a:latin typeface="Tempus Sans ITC" pitchFamily="82" charset="0"/>
+              </a:rPr>
+              <a:t>..</a:t>
+            </a:r>
+            <a:endParaRPr lang="ko-KR" altLang="en-US" dirty="0">
+              <a:latin typeface="Tempus Sans ITC" pitchFamily="82" charset="0"/>
+            </a:endParaRPr>
           </a:p>
         </p:txBody>
       </p:sp>
       <p:cxnSp>
         <p:nvCxnSpPr>
-          <p:cNvPr id="39" name="직선 화살표 연결선 38"/>
+          <p:cNvPr id="58" name="직선 화살표 연결선 57"/>
           <p:cNvCxnSpPr/>
           <p:nvPr/>
         </p:nvCxnSpPr>
         <p:spPr>
           <a:xfrm flipH="1">
-            <a:off x="3419872" y="4365104"/>
-            <a:ext cx="504056" cy="0"/>
+            <a:off x="7236296" y="3068960"/>
+            <a:ext cx="504056" cy="1008112"/>
           </a:xfrm>
           <a:prstGeom prst="straightConnector1">
             <a:avLst/>
@@ -17922,852 +17060,6 @@
           </a:fontRef>
         </p:style>
       </p:cxnSp>
-      <p:sp>
-        <p:nvSpPr>
-          <p:cNvPr id="42" name="모서리가 둥근 직사각형 41"/>
-          <p:cNvSpPr/>
-          <p:nvPr/>
-        </p:nvSpPr>
-        <p:spPr>
-          <a:xfrm>
-            <a:off x="3923928" y="5013176"/>
-            <a:ext cx="216024" cy="432048"/>
-          </a:xfrm>
-          <a:prstGeom prst="roundRect">
-            <a:avLst/>
-          </a:prstGeom>
-        </p:spPr>
-        <p:style>
-          <a:lnRef idx="1">
-            <a:schemeClr val="accent2"/>
-          </a:lnRef>
-          <a:fillRef idx="2">
-            <a:schemeClr val="accent2"/>
-          </a:fillRef>
-          <a:effectRef idx="1">
-            <a:schemeClr val="accent2"/>
-          </a:effectRef>
-          <a:fontRef idx="minor">
-            <a:schemeClr val="dk1"/>
-          </a:fontRef>
-        </p:style>
-        <p:txBody>
-          <a:bodyPr rtlCol="0" anchor="ctr"/>
-          <a:lstStyle/>
-          <a:p>
-            <a:pPr algn="ctr"/>
-            <a:endParaRPr lang="ko-KR" altLang="en-US"/>
-          </a:p>
-        </p:txBody>
-      </p:sp>
-      <p:sp>
-        <p:nvSpPr>
-          <p:cNvPr id="43" name="이등변 삼각형 42"/>
-          <p:cNvSpPr/>
-          <p:nvPr/>
-        </p:nvSpPr>
-        <p:spPr>
-          <a:xfrm rot="5400000">
-            <a:off x="3563888" y="5157192"/>
-            <a:ext cx="432048" cy="144016"/>
-          </a:xfrm>
-          <a:prstGeom prst="triangle">
-            <a:avLst/>
-          </a:prstGeom>
-        </p:spPr>
-        <p:style>
-          <a:lnRef idx="1">
-            <a:schemeClr val="accent2"/>
-          </a:lnRef>
-          <a:fillRef idx="2">
-            <a:schemeClr val="accent2"/>
-          </a:fillRef>
-          <a:effectRef idx="1">
-            <a:schemeClr val="accent2"/>
-          </a:effectRef>
-          <a:fontRef idx="minor">
-            <a:schemeClr val="dk1"/>
-          </a:fontRef>
-        </p:style>
-        <p:txBody>
-          <a:bodyPr rtlCol="0" anchor="ctr"/>
-          <a:lstStyle/>
-          <a:p>
-            <a:pPr algn="ctr"/>
-            <a:endParaRPr lang="ko-KR" altLang="en-US"/>
-          </a:p>
-        </p:txBody>
-      </p:sp>
-      <p:sp>
-        <p:nvSpPr>
-          <p:cNvPr id="54" name="모서리가 둥근 직사각형 53"/>
-          <p:cNvSpPr/>
-          <p:nvPr/>
-        </p:nvSpPr>
-        <p:spPr>
-          <a:xfrm>
-            <a:off x="4211960" y="5013176"/>
-            <a:ext cx="216024" cy="432048"/>
-          </a:xfrm>
-          <a:prstGeom prst="roundRect">
-            <a:avLst/>
-          </a:prstGeom>
-        </p:spPr>
-        <p:style>
-          <a:lnRef idx="1">
-            <a:schemeClr val="accent2"/>
-          </a:lnRef>
-          <a:fillRef idx="2">
-            <a:schemeClr val="accent2"/>
-          </a:fillRef>
-          <a:effectRef idx="1">
-            <a:schemeClr val="accent2"/>
-          </a:effectRef>
-          <a:fontRef idx="minor">
-            <a:schemeClr val="dk1"/>
-          </a:fontRef>
-        </p:style>
-        <p:txBody>
-          <a:bodyPr rtlCol="0" anchor="ctr"/>
-          <a:lstStyle/>
-          <a:p>
-            <a:pPr algn="ctr"/>
-            <a:endParaRPr lang="ko-KR" altLang="en-US"/>
-          </a:p>
-        </p:txBody>
-      </p:sp>
-      <p:sp>
-        <p:nvSpPr>
-          <p:cNvPr id="55" name="모서리가 둥근 직사각형 54"/>
-          <p:cNvSpPr/>
-          <p:nvPr/>
-        </p:nvSpPr>
-        <p:spPr>
-          <a:xfrm>
-            <a:off x="4499992" y="5013176"/>
-            <a:ext cx="216024" cy="432048"/>
-          </a:xfrm>
-          <a:prstGeom prst="roundRect">
-            <a:avLst/>
-          </a:prstGeom>
-        </p:spPr>
-        <p:style>
-          <a:lnRef idx="1">
-            <a:schemeClr val="accent2"/>
-          </a:lnRef>
-          <a:fillRef idx="2">
-            <a:schemeClr val="accent2"/>
-          </a:fillRef>
-          <a:effectRef idx="1">
-            <a:schemeClr val="accent2"/>
-          </a:effectRef>
-          <a:fontRef idx="minor">
-            <a:schemeClr val="dk1"/>
-          </a:fontRef>
-        </p:style>
-        <p:txBody>
-          <a:bodyPr rtlCol="0" anchor="ctr"/>
-          <a:lstStyle/>
-          <a:p>
-            <a:pPr algn="ctr"/>
-            <a:endParaRPr lang="ko-KR" altLang="en-US"/>
-          </a:p>
-        </p:txBody>
-      </p:sp>
-      <p:sp>
-        <p:nvSpPr>
-          <p:cNvPr id="60" name="모서리가 둥근 직사각형 59"/>
-          <p:cNvSpPr/>
-          <p:nvPr/>
-        </p:nvSpPr>
-        <p:spPr>
-          <a:xfrm>
-            <a:off x="4788024" y="5013176"/>
-            <a:ext cx="216024" cy="432048"/>
-          </a:xfrm>
-          <a:prstGeom prst="roundRect">
-            <a:avLst/>
-          </a:prstGeom>
-        </p:spPr>
-        <p:style>
-          <a:lnRef idx="1">
-            <a:schemeClr val="accent2"/>
-          </a:lnRef>
-          <a:fillRef idx="2">
-            <a:schemeClr val="accent2"/>
-          </a:fillRef>
-          <a:effectRef idx="1">
-            <a:schemeClr val="accent2"/>
-          </a:effectRef>
-          <a:fontRef idx="minor">
-            <a:schemeClr val="dk1"/>
-          </a:fontRef>
-        </p:style>
-        <p:txBody>
-          <a:bodyPr rtlCol="0" anchor="ctr"/>
-          <a:lstStyle/>
-          <a:p>
-            <a:pPr algn="ctr"/>
-            <a:endParaRPr lang="ko-KR" altLang="en-US"/>
-          </a:p>
-        </p:txBody>
-      </p:sp>
-      <p:sp>
-        <p:nvSpPr>
-          <p:cNvPr id="61" name="모서리가 둥근 직사각형 60"/>
-          <p:cNvSpPr/>
-          <p:nvPr/>
-        </p:nvSpPr>
-        <p:spPr>
-          <a:xfrm>
-            <a:off x="5076056" y="5013176"/>
-            <a:ext cx="216024" cy="432048"/>
-          </a:xfrm>
-          <a:prstGeom prst="roundRect">
-            <a:avLst/>
-          </a:prstGeom>
-        </p:spPr>
-        <p:style>
-          <a:lnRef idx="1">
-            <a:schemeClr val="accent2"/>
-          </a:lnRef>
-          <a:fillRef idx="2">
-            <a:schemeClr val="accent2"/>
-          </a:fillRef>
-          <a:effectRef idx="1">
-            <a:schemeClr val="accent2"/>
-          </a:effectRef>
-          <a:fontRef idx="minor">
-            <a:schemeClr val="dk1"/>
-          </a:fontRef>
-        </p:style>
-        <p:txBody>
-          <a:bodyPr rtlCol="0" anchor="ctr"/>
-          <a:lstStyle/>
-          <a:p>
-            <a:pPr algn="ctr"/>
-            <a:endParaRPr lang="ko-KR" altLang="en-US"/>
-          </a:p>
-        </p:txBody>
-      </p:sp>
-      <p:sp>
-        <p:nvSpPr>
-          <p:cNvPr id="62" name="모서리가 둥근 직사각형 61"/>
-          <p:cNvSpPr/>
-          <p:nvPr/>
-        </p:nvSpPr>
-        <p:spPr>
-          <a:xfrm>
-            <a:off x="5364088" y="5013176"/>
-            <a:ext cx="216024" cy="432048"/>
-          </a:xfrm>
-          <a:prstGeom prst="roundRect">
-            <a:avLst/>
-          </a:prstGeom>
-        </p:spPr>
-        <p:style>
-          <a:lnRef idx="1">
-            <a:schemeClr val="accent2"/>
-          </a:lnRef>
-          <a:fillRef idx="2">
-            <a:schemeClr val="accent2"/>
-          </a:fillRef>
-          <a:effectRef idx="1">
-            <a:schemeClr val="accent2"/>
-          </a:effectRef>
-          <a:fontRef idx="minor">
-            <a:schemeClr val="dk1"/>
-          </a:fontRef>
-        </p:style>
-        <p:txBody>
-          <a:bodyPr rtlCol="0" anchor="ctr"/>
-          <a:lstStyle/>
-          <a:p>
-            <a:pPr algn="ctr"/>
-            <a:endParaRPr lang="ko-KR" altLang="en-US"/>
-          </a:p>
-        </p:txBody>
-      </p:sp>
-      <p:sp>
-        <p:nvSpPr>
-          <p:cNvPr id="63" name="직사각형 62"/>
-          <p:cNvSpPr/>
-          <p:nvPr/>
-        </p:nvSpPr>
-        <p:spPr>
-          <a:xfrm>
-            <a:off x="6228184" y="4941168"/>
-            <a:ext cx="2088232" cy="576064"/>
-          </a:xfrm>
-          <a:prstGeom prst="rect">
-            <a:avLst/>
-          </a:prstGeom>
-        </p:spPr>
-        <p:style>
-          <a:lnRef idx="1">
-            <a:schemeClr val="accent2"/>
-          </a:lnRef>
-          <a:fillRef idx="2">
-            <a:schemeClr val="accent2"/>
-          </a:fillRef>
-          <a:effectRef idx="1">
-            <a:schemeClr val="accent2"/>
-          </a:effectRef>
-          <a:fontRef idx="minor">
-            <a:schemeClr val="dk1"/>
-          </a:fontRef>
-        </p:style>
-        <p:txBody>
-          <a:bodyPr rtlCol="0" anchor="ctr"/>
-          <a:lstStyle/>
-          <a:p>
-            <a:pPr algn="ctr"/>
-            <a:endParaRPr lang="ko-KR" altLang="en-US"/>
-          </a:p>
-        </p:txBody>
-      </p:sp>
-      <p:sp>
-        <p:nvSpPr>
-          <p:cNvPr id="64" name="모서리가 둥근 직사각형 63"/>
-          <p:cNvSpPr/>
-          <p:nvPr/>
-        </p:nvSpPr>
-        <p:spPr>
-          <a:xfrm>
-            <a:off x="6516216" y="5013176"/>
-            <a:ext cx="216024" cy="432048"/>
-          </a:xfrm>
-          <a:prstGeom prst="roundRect">
-            <a:avLst/>
-          </a:prstGeom>
-        </p:spPr>
-        <p:style>
-          <a:lnRef idx="1">
-            <a:schemeClr val="accent2"/>
-          </a:lnRef>
-          <a:fillRef idx="2">
-            <a:schemeClr val="accent2"/>
-          </a:fillRef>
-          <a:effectRef idx="1">
-            <a:schemeClr val="accent2"/>
-          </a:effectRef>
-          <a:fontRef idx="minor">
-            <a:schemeClr val="dk1"/>
-          </a:fontRef>
-        </p:style>
-        <p:txBody>
-          <a:bodyPr rtlCol="0" anchor="ctr"/>
-          <a:lstStyle/>
-          <a:p>
-            <a:pPr algn="ctr"/>
-            <a:endParaRPr lang="ko-KR" altLang="en-US"/>
-          </a:p>
-        </p:txBody>
-      </p:sp>
-      <p:sp>
-        <p:nvSpPr>
-          <p:cNvPr id="65" name="이등변 삼각형 64"/>
-          <p:cNvSpPr/>
-          <p:nvPr/>
-        </p:nvSpPr>
-        <p:spPr>
-          <a:xfrm rot="5400000">
-            <a:off x="6156176" y="5157192"/>
-            <a:ext cx="432048" cy="144016"/>
-          </a:xfrm>
-          <a:prstGeom prst="triangle">
-            <a:avLst/>
-          </a:prstGeom>
-        </p:spPr>
-        <p:style>
-          <a:lnRef idx="1">
-            <a:schemeClr val="accent2"/>
-          </a:lnRef>
-          <a:fillRef idx="2">
-            <a:schemeClr val="accent2"/>
-          </a:fillRef>
-          <a:effectRef idx="1">
-            <a:schemeClr val="accent2"/>
-          </a:effectRef>
-          <a:fontRef idx="minor">
-            <a:schemeClr val="dk1"/>
-          </a:fontRef>
-        </p:style>
-        <p:txBody>
-          <a:bodyPr rtlCol="0" anchor="ctr"/>
-          <a:lstStyle/>
-          <a:p>
-            <a:pPr algn="ctr"/>
-            <a:endParaRPr lang="ko-KR" altLang="en-US"/>
-          </a:p>
-        </p:txBody>
-      </p:sp>
-      <p:sp>
-        <p:nvSpPr>
-          <p:cNvPr id="66" name="모서리가 둥근 직사각형 65"/>
-          <p:cNvSpPr/>
-          <p:nvPr/>
-        </p:nvSpPr>
-        <p:spPr>
-          <a:xfrm>
-            <a:off x="6804248" y="5013176"/>
-            <a:ext cx="216024" cy="432048"/>
-          </a:xfrm>
-          <a:prstGeom prst="roundRect">
-            <a:avLst/>
-          </a:prstGeom>
-        </p:spPr>
-        <p:style>
-          <a:lnRef idx="1">
-            <a:schemeClr val="accent2"/>
-          </a:lnRef>
-          <a:fillRef idx="2">
-            <a:schemeClr val="accent2"/>
-          </a:fillRef>
-          <a:effectRef idx="1">
-            <a:schemeClr val="accent2"/>
-          </a:effectRef>
-          <a:fontRef idx="minor">
-            <a:schemeClr val="dk1"/>
-          </a:fontRef>
-        </p:style>
-        <p:txBody>
-          <a:bodyPr rtlCol="0" anchor="ctr"/>
-          <a:lstStyle/>
-          <a:p>
-            <a:pPr algn="ctr"/>
-            <a:endParaRPr lang="ko-KR" altLang="en-US"/>
-          </a:p>
-        </p:txBody>
-      </p:sp>
-      <p:sp>
-        <p:nvSpPr>
-          <p:cNvPr id="67" name="모서리가 둥근 직사각형 66"/>
-          <p:cNvSpPr/>
-          <p:nvPr/>
-        </p:nvSpPr>
-        <p:spPr>
-          <a:xfrm>
-            <a:off x="7092280" y="5013176"/>
-            <a:ext cx="216024" cy="432048"/>
-          </a:xfrm>
-          <a:prstGeom prst="roundRect">
-            <a:avLst/>
-          </a:prstGeom>
-        </p:spPr>
-        <p:style>
-          <a:lnRef idx="1">
-            <a:schemeClr val="accent2"/>
-          </a:lnRef>
-          <a:fillRef idx="2">
-            <a:schemeClr val="accent2"/>
-          </a:fillRef>
-          <a:effectRef idx="1">
-            <a:schemeClr val="accent2"/>
-          </a:effectRef>
-          <a:fontRef idx="minor">
-            <a:schemeClr val="dk1"/>
-          </a:fontRef>
-        </p:style>
-        <p:txBody>
-          <a:bodyPr rtlCol="0" anchor="ctr"/>
-          <a:lstStyle/>
-          <a:p>
-            <a:pPr algn="ctr"/>
-            <a:endParaRPr lang="ko-KR" altLang="en-US"/>
-          </a:p>
-        </p:txBody>
-      </p:sp>
-      <p:sp>
-        <p:nvSpPr>
-          <p:cNvPr id="68" name="모서리가 둥근 직사각형 67"/>
-          <p:cNvSpPr/>
-          <p:nvPr/>
-        </p:nvSpPr>
-        <p:spPr>
-          <a:xfrm>
-            <a:off x="7380312" y="5013176"/>
-            <a:ext cx="216024" cy="432048"/>
-          </a:xfrm>
-          <a:prstGeom prst="roundRect">
-            <a:avLst/>
-          </a:prstGeom>
-        </p:spPr>
-        <p:style>
-          <a:lnRef idx="1">
-            <a:schemeClr val="accent2"/>
-          </a:lnRef>
-          <a:fillRef idx="2">
-            <a:schemeClr val="accent2"/>
-          </a:fillRef>
-          <a:effectRef idx="1">
-            <a:schemeClr val="accent2"/>
-          </a:effectRef>
-          <a:fontRef idx="minor">
-            <a:schemeClr val="dk1"/>
-          </a:fontRef>
-        </p:style>
-        <p:txBody>
-          <a:bodyPr rtlCol="0" anchor="ctr"/>
-          <a:lstStyle/>
-          <a:p>
-            <a:pPr algn="ctr"/>
-            <a:endParaRPr lang="ko-KR" altLang="en-US"/>
-          </a:p>
-        </p:txBody>
-      </p:sp>
-      <p:sp>
-        <p:nvSpPr>
-          <p:cNvPr id="69" name="모서리가 둥근 직사각형 68"/>
-          <p:cNvSpPr/>
-          <p:nvPr/>
-        </p:nvSpPr>
-        <p:spPr>
-          <a:xfrm>
-            <a:off x="7668344" y="5013176"/>
-            <a:ext cx="216024" cy="432048"/>
-          </a:xfrm>
-          <a:prstGeom prst="roundRect">
-            <a:avLst/>
-          </a:prstGeom>
-        </p:spPr>
-        <p:style>
-          <a:lnRef idx="1">
-            <a:schemeClr val="accent2"/>
-          </a:lnRef>
-          <a:fillRef idx="2">
-            <a:schemeClr val="accent2"/>
-          </a:fillRef>
-          <a:effectRef idx="1">
-            <a:schemeClr val="accent2"/>
-          </a:effectRef>
-          <a:fontRef idx="minor">
-            <a:schemeClr val="dk1"/>
-          </a:fontRef>
-        </p:style>
-        <p:txBody>
-          <a:bodyPr rtlCol="0" anchor="ctr"/>
-          <a:lstStyle/>
-          <a:p>
-            <a:pPr algn="ctr"/>
-            <a:endParaRPr lang="ko-KR" altLang="en-US"/>
-          </a:p>
-        </p:txBody>
-      </p:sp>
-      <p:sp>
-        <p:nvSpPr>
-          <p:cNvPr id="70" name="모서리가 둥근 직사각형 69"/>
-          <p:cNvSpPr/>
-          <p:nvPr/>
-        </p:nvSpPr>
-        <p:spPr>
-          <a:xfrm>
-            <a:off x="7956376" y="5013176"/>
-            <a:ext cx="216024" cy="432048"/>
-          </a:xfrm>
-          <a:prstGeom prst="roundRect">
-            <a:avLst/>
-          </a:prstGeom>
-        </p:spPr>
-        <p:style>
-          <a:lnRef idx="1">
-            <a:schemeClr val="accent2"/>
-          </a:lnRef>
-          <a:fillRef idx="2">
-            <a:schemeClr val="accent2"/>
-          </a:fillRef>
-          <a:effectRef idx="1">
-            <a:schemeClr val="accent2"/>
-          </a:effectRef>
-          <a:fontRef idx="minor">
-            <a:schemeClr val="dk1"/>
-          </a:fontRef>
-        </p:style>
-        <p:txBody>
-          <a:bodyPr rtlCol="0" anchor="ctr"/>
-          <a:lstStyle/>
-          <a:p>
-            <a:pPr algn="ctr"/>
-            <a:endParaRPr lang="ko-KR" altLang="en-US"/>
-          </a:p>
-        </p:txBody>
-      </p:sp>
-      <p:cxnSp>
-        <p:nvCxnSpPr>
-          <p:cNvPr id="71" name="구부러진 연결선 25"/>
-          <p:cNvCxnSpPr>
-            <a:endCxn id="54" idx="1"/>
-          </p:cNvCxnSpPr>
-          <p:nvPr/>
-        </p:nvCxnSpPr>
-        <p:spPr>
-          <a:xfrm rot="5400000">
-            <a:off x="3599892" y="4185084"/>
-            <a:ext cx="1656184" cy="432048"/>
-          </a:xfrm>
-          <a:prstGeom prst="curvedConnector4">
-            <a:avLst>
-              <a:gd name="adj1" fmla="val 43478"/>
-              <a:gd name="adj2" fmla="val 152911"/>
-            </a:avLst>
-          </a:prstGeom>
-          <a:ln>
-            <a:headEnd type="oval" w="med" len="med"/>
-            <a:tailEnd type="triangle" w="med" len="med"/>
-          </a:ln>
-        </p:spPr>
-        <p:style>
-          <a:lnRef idx="3">
-            <a:schemeClr val="accent1"/>
-          </a:lnRef>
-          <a:fillRef idx="0">
-            <a:schemeClr val="accent1"/>
-          </a:fillRef>
-          <a:effectRef idx="2">
-            <a:schemeClr val="accent1"/>
-          </a:effectRef>
-          <a:fontRef idx="minor">
-            <a:schemeClr val="tx1"/>
-          </a:fontRef>
-        </p:style>
-      </p:cxnSp>
-      <p:cxnSp>
-        <p:nvCxnSpPr>
-          <p:cNvPr id="73" name="구부러진 연결선 25"/>
-          <p:cNvCxnSpPr>
-            <a:stCxn id="55" idx="3"/>
-            <a:endCxn id="61" idx="3"/>
-          </p:cNvCxnSpPr>
-          <p:nvPr/>
-        </p:nvCxnSpPr>
-        <p:spPr>
-          <a:xfrm>
-            <a:off x="4716016" y="5229200"/>
-            <a:ext cx="576064" cy="12700"/>
-          </a:xfrm>
-          <a:prstGeom prst="curvedConnector5">
-            <a:avLst>
-              <a:gd name="adj1" fmla="val 31250"/>
-              <a:gd name="adj2" fmla="val 3500976"/>
-              <a:gd name="adj3" fmla="val 139683"/>
-            </a:avLst>
-          </a:prstGeom>
-          <a:ln>
-            <a:headEnd type="oval" w="med" len="med"/>
-            <a:tailEnd type="triangle" w="med" len="med"/>
-          </a:ln>
-        </p:spPr>
-        <p:style>
-          <a:lnRef idx="3">
-            <a:schemeClr val="accent1"/>
-          </a:lnRef>
-          <a:fillRef idx="0">
-            <a:schemeClr val="accent1"/>
-          </a:fillRef>
-          <a:effectRef idx="2">
-            <a:schemeClr val="accent1"/>
-          </a:effectRef>
-          <a:fontRef idx="minor">
-            <a:schemeClr val="tx1"/>
-          </a:fontRef>
-        </p:style>
-      </p:cxnSp>
-      <p:sp>
-        <p:nvSpPr>
-          <p:cNvPr id="84" name="타원 83"/>
-          <p:cNvSpPr/>
-          <p:nvPr/>
-        </p:nvSpPr>
-        <p:spPr>
-          <a:xfrm>
-            <a:off x="6300192" y="5085184"/>
-            <a:ext cx="216024" cy="216024"/>
-          </a:xfrm>
-          <a:prstGeom prst="ellipse">
-            <a:avLst/>
-          </a:prstGeom>
-          <a:solidFill>
-            <a:schemeClr val="accent1">
-              <a:alpha val="40000"/>
-            </a:schemeClr>
-          </a:solidFill>
-          <a:ln>
-            <a:solidFill>
-              <a:schemeClr val="accent1">
-                <a:shade val="50000"/>
-                <a:alpha val="40000"/>
-              </a:schemeClr>
-            </a:solidFill>
-          </a:ln>
-        </p:spPr>
-        <p:style>
-          <a:lnRef idx="2">
-            <a:schemeClr val="accent1">
-              <a:shade val="50000"/>
-            </a:schemeClr>
-          </a:lnRef>
-          <a:fillRef idx="1">
-            <a:schemeClr val="accent1"/>
-          </a:fillRef>
-          <a:effectRef idx="0">
-            <a:schemeClr val="accent1"/>
-          </a:effectRef>
-          <a:fontRef idx="minor">
-            <a:schemeClr val="lt1"/>
-          </a:fontRef>
-        </p:style>
-        <p:txBody>
-          <a:bodyPr rtlCol="0" anchor="ctr"/>
-          <a:lstStyle/>
-          <a:p>
-            <a:pPr algn="ctr"/>
-            <a:endParaRPr lang="ko-KR" altLang="en-US"/>
-          </a:p>
-        </p:txBody>
-      </p:sp>
-      <p:sp>
-        <p:nvSpPr>
-          <p:cNvPr id="85" name="직각 삼각형 84"/>
-          <p:cNvSpPr/>
-          <p:nvPr/>
-        </p:nvSpPr>
-        <p:spPr>
-          <a:xfrm rot="5400000">
-            <a:off x="6620374" y="4404962"/>
-            <a:ext cx="727788" cy="648072"/>
-          </a:xfrm>
-          <a:prstGeom prst="rtTriangle">
-            <a:avLst/>
-          </a:prstGeom>
-          <a:solidFill>
-            <a:schemeClr val="accent2">
-              <a:lumMod val="20000"/>
-              <a:lumOff val="80000"/>
-            </a:schemeClr>
-          </a:solidFill>
-          <a:ln/>
-          <a:effectLst>
-            <a:glow rad="139700">
-              <a:schemeClr val="accent2">
-                <a:satMod val="175000"/>
-                <a:alpha val="40000"/>
-              </a:schemeClr>
-            </a:glow>
-            <a:outerShdw blurRad="40000" dist="20000" dir="5400000" rotWithShape="0">
-              <a:srgbClr val="000000">
-                <a:alpha val="38000"/>
-              </a:srgbClr>
-            </a:outerShdw>
-            <a:softEdge rad="12700"/>
-          </a:effectLst>
-        </p:spPr>
-        <p:style>
-          <a:lnRef idx="1">
-            <a:schemeClr val="accent2"/>
-          </a:lnRef>
-          <a:fillRef idx="2">
-            <a:schemeClr val="accent2"/>
-          </a:fillRef>
-          <a:effectRef idx="1">
-            <a:schemeClr val="accent2"/>
-          </a:effectRef>
-          <a:fontRef idx="minor">
-            <a:schemeClr val="dk1"/>
-          </a:fontRef>
-        </p:style>
-        <p:txBody>
-          <a:bodyPr rtlCol="0" anchor="ctr"/>
-          <a:lstStyle/>
-          <a:p>
-            <a:pPr algn="ctr"/>
-            <a:endParaRPr lang="ko-KR" altLang="en-US"/>
-          </a:p>
-        </p:txBody>
-      </p:sp>
-      <p:sp>
-        <p:nvSpPr>
-          <p:cNvPr id="86" name="직사각형 85"/>
-          <p:cNvSpPr/>
-          <p:nvPr/>
-        </p:nvSpPr>
-        <p:spPr>
-          <a:xfrm>
-            <a:off x="6660231" y="3429000"/>
-            <a:ext cx="648073" cy="936104"/>
-          </a:xfrm>
-          <a:prstGeom prst="rect">
-            <a:avLst/>
-          </a:prstGeom>
-          <a:solidFill>
-            <a:schemeClr val="accent2">
-              <a:lumMod val="20000"/>
-              <a:lumOff val="80000"/>
-            </a:schemeClr>
-          </a:solidFill>
-        </p:spPr>
-        <p:style>
-          <a:lnRef idx="1">
-            <a:schemeClr val="accent2"/>
-          </a:lnRef>
-          <a:fillRef idx="2">
-            <a:schemeClr val="accent2"/>
-          </a:fillRef>
-          <a:effectRef idx="1">
-            <a:schemeClr val="accent2"/>
-          </a:effectRef>
-          <a:fontRef idx="minor">
-            <a:schemeClr val="dk1"/>
-          </a:fontRef>
-        </p:style>
-        <p:txBody>
-          <a:bodyPr rtlCol="0" anchor="ctr"/>
-          <a:lstStyle/>
-          <a:p>
-            <a:pPr algn="ctr"/>
-            <a:endParaRPr lang="ko-KR" altLang="en-US"/>
-          </a:p>
-        </p:txBody>
-      </p:sp>
-      <p:sp>
-        <p:nvSpPr>
-          <p:cNvPr id="56" name="곱셈 기호 55"/>
-          <p:cNvSpPr/>
-          <p:nvPr/>
-        </p:nvSpPr>
-        <p:spPr>
-          <a:xfrm>
-            <a:off x="4325496" y="4967456"/>
-            <a:ext cx="144016" cy="144016"/>
-          </a:xfrm>
-          <a:prstGeom prst="mathMultiply">
-            <a:avLst/>
-          </a:prstGeom>
-        </p:spPr>
-        <p:style>
-          <a:lnRef idx="2">
-            <a:schemeClr val="accent1">
-              <a:shade val="50000"/>
-            </a:schemeClr>
-          </a:lnRef>
-          <a:fillRef idx="1">
-            <a:schemeClr val="accent1"/>
-          </a:fillRef>
-          <a:effectRef idx="0">
-            <a:schemeClr val="accent1"/>
-          </a:effectRef>
-          <a:fontRef idx="minor">
-            <a:schemeClr val="lt1"/>
-          </a:fontRef>
-        </p:style>
-        <p:txBody>
-          <a:bodyPr rtlCol="0" anchor="ctr"/>
-          <a:lstStyle/>
-          <a:p>
-            <a:pPr algn="ctr"/>
-            <a:endParaRPr lang="ko-KR" altLang="en-US"/>
-          </a:p>
-        </p:txBody>
-      </p:sp>
     </p:spTree>
   </p:cSld>
   <p:clrMapOvr>
@@ -20966,6 +19258,2049 @@
         <p14:creationId xmlns:p14="http://schemas.microsoft.com/office/powerpoint/2010/main" val="2303894784"/>
       </p:ext>
     </p:extLst>
+  </p:cSld>
+  <p:clrMapOvr>
+    <a:masterClrMapping/>
+  </p:clrMapOvr>
+  <p:timing>
+    <p:tnLst>
+      <p:par>
+        <p:cTn id="1" dur="indefinite" restart="never" nodeType="tmRoot"/>
+      </p:par>
+    </p:tnLst>
+  </p:timing>
+</p:sld>
+</file>
+
+<file path=ppt/slides/slide30.xml><?xml version="1.0" encoding="utf-8"?>
+<p:sld xmlns:a="http://schemas.openxmlformats.org/drawingml/2006/main" xmlns:r="http://schemas.openxmlformats.org/officeDocument/2006/relationships" xmlns:p="http://schemas.openxmlformats.org/presentationml/2006/main">
+  <p:cSld>
+    <p:spTree>
+      <p:nvGrpSpPr>
+        <p:cNvPr id="1" name=""/>
+        <p:cNvGrpSpPr/>
+        <p:nvPr/>
+      </p:nvGrpSpPr>
+      <p:grpSpPr>
+        <a:xfrm>
+          <a:off x="0" y="0"/>
+          <a:ext cx="0" cy="0"/>
+          <a:chOff x="0" y="0"/>
+          <a:chExt cx="0" cy="0"/>
+        </a:xfrm>
+      </p:grpSpPr>
+      <p:sp>
+        <p:nvSpPr>
+          <p:cNvPr id="45" name="직사각형 44"/>
+          <p:cNvSpPr/>
+          <p:nvPr/>
+        </p:nvSpPr>
+        <p:spPr>
+          <a:xfrm>
+            <a:off x="611560" y="1916832"/>
+            <a:ext cx="2088232" cy="3600400"/>
+          </a:xfrm>
+          <a:prstGeom prst="rect">
+            <a:avLst/>
+          </a:prstGeom>
+        </p:spPr>
+        <p:style>
+          <a:lnRef idx="1">
+            <a:schemeClr val="dk1"/>
+          </a:lnRef>
+          <a:fillRef idx="2">
+            <a:schemeClr val="dk1"/>
+          </a:fillRef>
+          <a:effectRef idx="1">
+            <a:schemeClr val="dk1"/>
+          </a:effectRef>
+          <a:fontRef idx="minor">
+            <a:schemeClr val="dk1"/>
+          </a:fontRef>
+        </p:style>
+        <p:txBody>
+          <a:bodyPr rtlCol="0" anchor="ctr"/>
+          <a:lstStyle/>
+          <a:p>
+            <a:pPr algn="ctr"/>
+            <a:endParaRPr lang="ko-KR" altLang="en-US"/>
+          </a:p>
+        </p:txBody>
+      </p:sp>
+      <p:sp>
+        <p:nvSpPr>
+          <p:cNvPr id="31" name="직사각형 30"/>
+          <p:cNvSpPr/>
+          <p:nvPr/>
+        </p:nvSpPr>
+        <p:spPr>
+          <a:xfrm>
+            <a:off x="755576" y="2204864"/>
+            <a:ext cx="1800200" cy="3024336"/>
+          </a:xfrm>
+          <a:prstGeom prst="rect">
+            <a:avLst/>
+          </a:prstGeom>
+        </p:spPr>
+        <p:style>
+          <a:lnRef idx="1">
+            <a:schemeClr val="accent5"/>
+          </a:lnRef>
+          <a:fillRef idx="2">
+            <a:schemeClr val="accent5"/>
+          </a:fillRef>
+          <a:effectRef idx="1">
+            <a:schemeClr val="accent5"/>
+          </a:effectRef>
+          <a:fontRef idx="minor">
+            <a:schemeClr val="dk1"/>
+          </a:fontRef>
+        </p:style>
+        <p:txBody>
+          <a:bodyPr rtlCol="0" anchor="ctr"/>
+          <a:lstStyle/>
+          <a:p>
+            <a:pPr algn="ctr"/>
+            <a:endParaRPr lang="ko-KR" altLang="en-US"/>
+          </a:p>
+        </p:txBody>
+      </p:sp>
+      <p:sp>
+        <p:nvSpPr>
+          <p:cNvPr id="59" name="직사각형 58"/>
+          <p:cNvSpPr/>
+          <p:nvPr/>
+        </p:nvSpPr>
+        <p:spPr>
+          <a:xfrm>
+            <a:off x="6228185" y="1916832"/>
+            <a:ext cx="2088232" cy="3600400"/>
+          </a:xfrm>
+          <a:prstGeom prst="rect">
+            <a:avLst/>
+          </a:prstGeom>
+        </p:spPr>
+        <p:style>
+          <a:lnRef idx="1">
+            <a:schemeClr val="dk1"/>
+          </a:lnRef>
+          <a:fillRef idx="2">
+            <a:schemeClr val="dk1"/>
+          </a:fillRef>
+          <a:effectRef idx="1">
+            <a:schemeClr val="dk1"/>
+          </a:effectRef>
+          <a:fontRef idx="minor">
+            <a:schemeClr val="dk1"/>
+          </a:fontRef>
+        </p:style>
+        <p:txBody>
+          <a:bodyPr rtlCol="0" anchor="ctr"/>
+          <a:lstStyle/>
+          <a:p>
+            <a:pPr algn="ctr"/>
+            <a:endParaRPr lang="ko-KR" altLang="en-US"/>
+          </a:p>
+        </p:txBody>
+      </p:sp>
+      <p:sp>
+        <p:nvSpPr>
+          <p:cNvPr id="46" name="직사각형 45"/>
+          <p:cNvSpPr/>
+          <p:nvPr/>
+        </p:nvSpPr>
+        <p:spPr>
+          <a:xfrm>
+            <a:off x="611560" y="1916832"/>
+            <a:ext cx="510457" cy="3600400"/>
+          </a:xfrm>
+          <a:prstGeom prst="rect">
+            <a:avLst/>
+          </a:prstGeom>
+          <a:solidFill>
+            <a:schemeClr val="accent1">
+              <a:alpha val="20000"/>
+            </a:schemeClr>
+          </a:solidFill>
+        </p:spPr>
+        <p:style>
+          <a:lnRef idx="1">
+            <a:schemeClr val="accent1"/>
+          </a:lnRef>
+          <a:fillRef idx="2">
+            <a:schemeClr val="accent1"/>
+          </a:fillRef>
+          <a:effectRef idx="1">
+            <a:schemeClr val="accent1"/>
+          </a:effectRef>
+          <a:fontRef idx="minor">
+            <a:schemeClr val="dk1"/>
+          </a:fontRef>
+        </p:style>
+        <p:txBody>
+          <a:bodyPr rtlCol="0" anchor="ctr"/>
+          <a:lstStyle/>
+          <a:p>
+            <a:pPr algn="ctr"/>
+            <a:endParaRPr lang="ko-KR" altLang="en-US"/>
+          </a:p>
+        </p:txBody>
+      </p:sp>
+      <p:sp>
+        <p:nvSpPr>
+          <p:cNvPr id="47" name="모서리가 둥근 직사각형 46"/>
+          <p:cNvSpPr/>
+          <p:nvPr/>
+        </p:nvSpPr>
+        <p:spPr>
+          <a:xfrm>
+            <a:off x="657965" y="2007981"/>
+            <a:ext cx="417646" cy="319023"/>
+          </a:xfrm>
+          <a:prstGeom prst="roundRect">
+            <a:avLst/>
+          </a:prstGeom>
+          <a:solidFill>
+            <a:schemeClr val="accent1">
+              <a:alpha val="20000"/>
+            </a:schemeClr>
+          </a:solidFill>
+          <a:ln>
+            <a:solidFill>
+              <a:schemeClr val="accent1">
+                <a:shade val="95000"/>
+                <a:satMod val="105000"/>
+              </a:schemeClr>
+            </a:solidFill>
+          </a:ln>
+        </p:spPr>
+        <p:style>
+          <a:lnRef idx="1">
+            <a:schemeClr val="accent1"/>
+          </a:lnRef>
+          <a:fillRef idx="2">
+            <a:schemeClr val="accent1"/>
+          </a:fillRef>
+          <a:effectRef idx="1">
+            <a:schemeClr val="accent1"/>
+          </a:effectRef>
+          <a:fontRef idx="minor">
+            <a:schemeClr val="dk1"/>
+          </a:fontRef>
+        </p:style>
+        <p:txBody>
+          <a:bodyPr rtlCol="0" anchor="ctr"/>
+          <a:lstStyle/>
+          <a:p>
+            <a:pPr algn="ctr"/>
+            <a:r>
+              <a:rPr lang="en-US" altLang="ko-KR" sz="1000" dirty="0" err="1" smtClean="0"/>
+              <a:t>Sc.Bro</a:t>
+            </a:r>
+            <a:endParaRPr lang="en-US" altLang="ko-KR" sz="1000" dirty="0" smtClean="0"/>
+          </a:p>
+        </p:txBody>
+      </p:sp>
+      <p:sp>
+        <p:nvSpPr>
+          <p:cNvPr id="49" name="모서리가 둥근 직사각형 48"/>
+          <p:cNvSpPr/>
+          <p:nvPr/>
+        </p:nvSpPr>
+        <p:spPr>
+          <a:xfrm>
+            <a:off x="657965" y="2737176"/>
+            <a:ext cx="417646" cy="319023"/>
+          </a:xfrm>
+          <a:prstGeom prst="roundRect">
+            <a:avLst/>
+          </a:prstGeom>
+          <a:solidFill>
+            <a:schemeClr val="accent1">
+              <a:alpha val="20000"/>
+            </a:schemeClr>
+          </a:solidFill>
+          <a:ln/>
+        </p:spPr>
+        <p:style>
+          <a:lnRef idx="1">
+            <a:schemeClr val="accent1"/>
+          </a:lnRef>
+          <a:fillRef idx="2">
+            <a:schemeClr val="accent1"/>
+          </a:fillRef>
+          <a:effectRef idx="1">
+            <a:schemeClr val="accent1"/>
+          </a:effectRef>
+          <a:fontRef idx="minor">
+            <a:schemeClr val="dk1"/>
+          </a:fontRef>
+        </p:style>
+        <p:txBody>
+          <a:bodyPr rtlCol="0" anchor="ctr"/>
+          <a:lstStyle/>
+          <a:p>
+            <a:pPr algn="ctr"/>
+            <a:r>
+              <a:rPr lang="en-US" altLang="ko-KR" sz="1000" dirty="0" smtClean="0"/>
+              <a:t>Bb.</a:t>
+            </a:r>
+          </a:p>
+          <a:p>
+            <a:pPr algn="ctr"/>
+            <a:r>
+              <a:rPr lang="en-US" altLang="ko-KR" sz="1000" dirty="0" err="1" smtClean="0"/>
+              <a:t>Fnt</a:t>
+            </a:r>
+            <a:endParaRPr lang="en-US" altLang="ko-KR" sz="1000" dirty="0" smtClean="0"/>
+          </a:p>
+        </p:txBody>
+      </p:sp>
+      <p:sp>
+        <p:nvSpPr>
+          <p:cNvPr id="50" name="모서리가 둥근 직사각형 49"/>
+          <p:cNvSpPr/>
+          <p:nvPr/>
+        </p:nvSpPr>
+        <p:spPr>
+          <a:xfrm>
+            <a:off x="657965" y="3101774"/>
+            <a:ext cx="417646" cy="319023"/>
+          </a:xfrm>
+          <a:prstGeom prst="roundRect">
+            <a:avLst/>
+          </a:prstGeom>
+        </p:spPr>
+        <p:style>
+          <a:lnRef idx="1">
+            <a:schemeClr val="accent2"/>
+          </a:lnRef>
+          <a:fillRef idx="2">
+            <a:schemeClr val="accent2"/>
+          </a:fillRef>
+          <a:effectRef idx="1">
+            <a:schemeClr val="accent2"/>
+          </a:effectRef>
+          <a:fontRef idx="minor">
+            <a:schemeClr val="dk1"/>
+          </a:fontRef>
+        </p:style>
+        <p:txBody>
+          <a:bodyPr rtlCol="0" anchor="ctr"/>
+          <a:lstStyle/>
+          <a:p>
+            <a:pPr algn="ctr"/>
+            <a:r>
+              <a:rPr lang="en-US" altLang="ko-KR" sz="1000" dirty="0" smtClean="0"/>
+              <a:t>St.</a:t>
+            </a:r>
+          </a:p>
+          <a:p>
+            <a:pPr algn="ctr"/>
+            <a:r>
+              <a:rPr lang="en-US" altLang="ko-KR" sz="1000" dirty="0" err="1" smtClean="0"/>
+              <a:t>Edt</a:t>
+            </a:r>
+            <a:endParaRPr lang="ko-KR" altLang="en-US" sz="1000" dirty="0"/>
+          </a:p>
+        </p:txBody>
+      </p:sp>
+      <p:sp>
+        <p:nvSpPr>
+          <p:cNvPr id="51" name="모서리가 둥근 직사각형 50"/>
+          <p:cNvSpPr/>
+          <p:nvPr/>
+        </p:nvSpPr>
+        <p:spPr>
+          <a:xfrm>
+            <a:off x="657965" y="3466371"/>
+            <a:ext cx="417646" cy="319023"/>
+          </a:xfrm>
+          <a:prstGeom prst="roundRect">
+            <a:avLst/>
+          </a:prstGeom>
+          <a:solidFill>
+            <a:schemeClr val="accent1">
+              <a:alpha val="20000"/>
+            </a:schemeClr>
+          </a:solidFill>
+        </p:spPr>
+        <p:style>
+          <a:lnRef idx="1">
+            <a:schemeClr val="accent1"/>
+          </a:lnRef>
+          <a:fillRef idx="2">
+            <a:schemeClr val="accent1"/>
+          </a:fillRef>
+          <a:effectRef idx="1">
+            <a:schemeClr val="accent1"/>
+          </a:effectRef>
+          <a:fontRef idx="minor">
+            <a:schemeClr val="dk1"/>
+          </a:fontRef>
+        </p:style>
+        <p:txBody>
+          <a:bodyPr rtlCol="0" anchor="ctr"/>
+          <a:lstStyle/>
+          <a:p>
+            <a:pPr algn="ctr"/>
+            <a:r>
+              <a:rPr lang="en-US" altLang="ko-KR" sz="1000" dirty="0" smtClean="0"/>
+              <a:t>St.</a:t>
+            </a:r>
+          </a:p>
+          <a:p>
+            <a:pPr algn="ctr"/>
+            <a:r>
+              <a:rPr lang="en-US" altLang="ko-KR" sz="1000" dirty="0" smtClean="0"/>
+              <a:t>Ply</a:t>
+            </a:r>
+            <a:endParaRPr lang="ko-KR" altLang="en-US" sz="1000" dirty="0"/>
+          </a:p>
+        </p:txBody>
+      </p:sp>
+      <p:sp>
+        <p:nvSpPr>
+          <p:cNvPr id="52" name="모서리가 둥근 직사각형 51"/>
+          <p:cNvSpPr/>
+          <p:nvPr/>
+        </p:nvSpPr>
+        <p:spPr>
+          <a:xfrm>
+            <a:off x="657965" y="3830969"/>
+            <a:ext cx="417646" cy="319023"/>
+          </a:xfrm>
+          <a:prstGeom prst="roundRect">
+            <a:avLst/>
+          </a:prstGeom>
+          <a:solidFill>
+            <a:schemeClr val="accent1">
+              <a:alpha val="20000"/>
+            </a:schemeClr>
+          </a:solidFill>
+        </p:spPr>
+        <p:style>
+          <a:lnRef idx="1">
+            <a:schemeClr val="accent1"/>
+          </a:lnRef>
+          <a:fillRef idx="2">
+            <a:schemeClr val="accent1"/>
+          </a:fillRef>
+          <a:effectRef idx="1">
+            <a:schemeClr val="accent1"/>
+          </a:effectRef>
+          <a:fontRef idx="minor">
+            <a:schemeClr val="dk1"/>
+          </a:fontRef>
+        </p:style>
+        <p:txBody>
+          <a:bodyPr rtlCol="0" anchor="ctr"/>
+          <a:lstStyle/>
+          <a:p>
+            <a:pPr algn="ctr"/>
+            <a:r>
+              <a:rPr lang="en-US" altLang="ko-KR" sz="1000" dirty="0" smtClean="0"/>
+              <a:t>St.</a:t>
+            </a:r>
+          </a:p>
+          <a:p>
+            <a:pPr algn="ctr"/>
+            <a:r>
+              <a:rPr lang="en-US" altLang="ko-KR" sz="1000" dirty="0" err="1" smtClean="0"/>
+              <a:t>Brd</a:t>
+            </a:r>
+            <a:endParaRPr lang="ko-KR" altLang="en-US" sz="1000" dirty="0"/>
+          </a:p>
+        </p:txBody>
+      </p:sp>
+      <p:sp>
+        <p:nvSpPr>
+          <p:cNvPr id="53" name="제목 1"/>
+          <p:cNvSpPr>
+            <a:spLocks noGrp="1"/>
+          </p:cNvSpPr>
+          <p:nvPr>
+            <p:ph type="title"/>
+          </p:nvPr>
+        </p:nvSpPr>
+        <p:spPr>
+          <a:xfrm>
+            <a:off x="457200" y="274638"/>
+            <a:ext cx="8229600" cy="1143000"/>
+          </a:xfrm>
+        </p:spPr>
+        <p:txBody>
+          <a:bodyPr>
+            <a:normAutofit/>
+          </a:bodyPr>
+          <a:lstStyle/>
+          <a:p>
+            <a:pPr algn="l"/>
+            <a:r>
+              <a:rPr lang="en-US" altLang="ko-KR" sz="3200" dirty="0" err="1" smtClean="0"/>
+              <a:t>Storygraph</a:t>
+            </a:r>
+            <a:r>
+              <a:rPr lang="en-US" altLang="ko-KR" sz="3200" dirty="0" smtClean="0"/>
+              <a:t> | </a:t>
+            </a:r>
+            <a:r>
+              <a:rPr lang="en-US" altLang="ko-KR" sz="3200" dirty="0" err="1" smtClean="0"/>
+              <a:t>StoryEditor</a:t>
+            </a:r>
+            <a:endParaRPr lang="ko-KR" altLang="en-US" sz="3200" dirty="0"/>
+          </a:p>
+        </p:txBody>
+      </p:sp>
+      <p:sp>
+        <p:nvSpPr>
+          <p:cNvPr id="21" name="모서리가 둥근 직사각형 20"/>
+          <p:cNvSpPr/>
+          <p:nvPr/>
+        </p:nvSpPr>
+        <p:spPr>
+          <a:xfrm>
+            <a:off x="664518" y="2358405"/>
+            <a:ext cx="417646" cy="319023"/>
+          </a:xfrm>
+          <a:prstGeom prst="roundRect">
+            <a:avLst/>
+          </a:prstGeom>
+          <a:solidFill>
+            <a:schemeClr val="accent1">
+              <a:alpha val="20000"/>
+            </a:schemeClr>
+          </a:solidFill>
+        </p:spPr>
+        <p:style>
+          <a:lnRef idx="1">
+            <a:schemeClr val="accent1"/>
+          </a:lnRef>
+          <a:fillRef idx="2">
+            <a:schemeClr val="accent1"/>
+          </a:fillRef>
+          <a:effectRef idx="1">
+            <a:schemeClr val="accent1"/>
+          </a:effectRef>
+          <a:fontRef idx="minor">
+            <a:schemeClr val="dk1"/>
+          </a:fontRef>
+        </p:style>
+        <p:txBody>
+          <a:bodyPr rtlCol="0" anchor="ctr"/>
+          <a:lstStyle/>
+          <a:p>
+            <a:pPr algn="ctr"/>
+            <a:r>
+              <a:rPr lang="en-US" altLang="ko-KR" sz="1000" dirty="0" smtClean="0"/>
+              <a:t>Sc.</a:t>
+            </a:r>
+          </a:p>
+          <a:p>
+            <a:pPr algn="ctr"/>
+            <a:r>
+              <a:rPr lang="en-US" altLang="ko-KR" sz="1000" dirty="0" err="1" smtClean="0"/>
+              <a:t>Clp</a:t>
+            </a:r>
+            <a:endParaRPr lang="ko-KR" altLang="en-US" sz="1000" dirty="0"/>
+          </a:p>
+        </p:txBody>
+      </p:sp>
+      <p:sp>
+        <p:nvSpPr>
+          <p:cNvPr id="23" name="직사각형 22"/>
+          <p:cNvSpPr/>
+          <p:nvPr/>
+        </p:nvSpPr>
+        <p:spPr>
+          <a:xfrm>
+            <a:off x="3635896" y="1916832"/>
+            <a:ext cx="2088232" cy="3600400"/>
+          </a:xfrm>
+          <a:prstGeom prst="rect">
+            <a:avLst/>
+          </a:prstGeom>
+        </p:spPr>
+        <p:style>
+          <a:lnRef idx="1">
+            <a:schemeClr val="dk1"/>
+          </a:lnRef>
+          <a:fillRef idx="2">
+            <a:schemeClr val="dk1"/>
+          </a:fillRef>
+          <a:effectRef idx="1">
+            <a:schemeClr val="dk1"/>
+          </a:effectRef>
+          <a:fontRef idx="minor">
+            <a:schemeClr val="dk1"/>
+          </a:fontRef>
+        </p:style>
+        <p:txBody>
+          <a:bodyPr rtlCol="0" anchor="ctr"/>
+          <a:lstStyle/>
+          <a:p>
+            <a:pPr algn="ctr"/>
+            <a:endParaRPr lang="ko-KR" altLang="en-US"/>
+          </a:p>
+        </p:txBody>
+      </p:sp>
+      <p:sp>
+        <p:nvSpPr>
+          <p:cNvPr id="72" name="직사각형 71"/>
+          <p:cNvSpPr/>
+          <p:nvPr/>
+        </p:nvSpPr>
+        <p:spPr>
+          <a:xfrm>
+            <a:off x="6402665" y="2204864"/>
+            <a:ext cx="1800200" cy="3024336"/>
+          </a:xfrm>
+          <a:prstGeom prst="rect">
+            <a:avLst/>
+          </a:prstGeom>
+        </p:spPr>
+        <p:style>
+          <a:lnRef idx="1">
+            <a:schemeClr val="accent5"/>
+          </a:lnRef>
+          <a:fillRef idx="2">
+            <a:schemeClr val="accent5"/>
+          </a:fillRef>
+          <a:effectRef idx="1">
+            <a:schemeClr val="accent5"/>
+          </a:effectRef>
+          <a:fontRef idx="minor">
+            <a:schemeClr val="dk1"/>
+          </a:fontRef>
+        </p:style>
+        <p:txBody>
+          <a:bodyPr rtlCol="0" anchor="ctr"/>
+          <a:lstStyle/>
+          <a:p>
+            <a:pPr algn="ctr"/>
+            <a:endParaRPr lang="ko-KR" altLang="en-US"/>
+          </a:p>
+        </p:txBody>
+      </p:sp>
+      <p:sp>
+        <p:nvSpPr>
+          <p:cNvPr id="32" name="직사각형 31"/>
+          <p:cNvSpPr/>
+          <p:nvPr/>
+        </p:nvSpPr>
+        <p:spPr>
+          <a:xfrm>
+            <a:off x="3779912" y="2204864"/>
+            <a:ext cx="1800200" cy="3024336"/>
+          </a:xfrm>
+          <a:prstGeom prst="rect">
+            <a:avLst/>
+          </a:prstGeom>
+        </p:spPr>
+        <p:style>
+          <a:lnRef idx="1">
+            <a:schemeClr val="accent5"/>
+          </a:lnRef>
+          <a:fillRef idx="2">
+            <a:schemeClr val="accent5"/>
+          </a:fillRef>
+          <a:effectRef idx="1">
+            <a:schemeClr val="accent5"/>
+          </a:effectRef>
+          <a:fontRef idx="minor">
+            <a:schemeClr val="dk1"/>
+          </a:fontRef>
+        </p:style>
+        <p:txBody>
+          <a:bodyPr rtlCol="0" anchor="ctr"/>
+          <a:lstStyle/>
+          <a:p>
+            <a:pPr algn="ctr"/>
+            <a:endParaRPr lang="ko-KR" altLang="en-US"/>
+          </a:p>
+        </p:txBody>
+      </p:sp>
+      <p:cxnSp>
+        <p:nvCxnSpPr>
+          <p:cNvPr id="48" name="Shape 47"/>
+          <p:cNvCxnSpPr>
+            <a:stCxn id="50" idx="3"/>
+            <a:endCxn id="26" idx="0"/>
+          </p:cNvCxnSpPr>
+          <p:nvPr/>
+        </p:nvCxnSpPr>
+        <p:spPr>
+          <a:xfrm>
+            <a:off x="1075611" y="3261286"/>
+            <a:ext cx="832093" cy="1679882"/>
+          </a:xfrm>
+          <a:prstGeom prst="curvedConnector2">
+            <a:avLst/>
+          </a:prstGeom>
+          <a:ln>
+            <a:headEnd type="oval" w="med" len="med"/>
+            <a:tailEnd type="triangle" w="med" len="med"/>
+          </a:ln>
+        </p:spPr>
+        <p:style>
+          <a:lnRef idx="3">
+            <a:schemeClr val="accent1"/>
+          </a:lnRef>
+          <a:fillRef idx="0">
+            <a:schemeClr val="accent1"/>
+          </a:fillRef>
+          <a:effectRef idx="2">
+            <a:schemeClr val="accent1"/>
+          </a:effectRef>
+          <a:fontRef idx="minor">
+            <a:schemeClr val="tx1"/>
+          </a:fontRef>
+        </p:style>
+      </p:cxnSp>
+      <p:sp>
+        <p:nvSpPr>
+          <p:cNvPr id="26" name="직사각형 25"/>
+          <p:cNvSpPr/>
+          <p:nvPr/>
+        </p:nvSpPr>
+        <p:spPr>
+          <a:xfrm>
+            <a:off x="1115616" y="4941168"/>
+            <a:ext cx="1584176" cy="576064"/>
+          </a:xfrm>
+          <a:prstGeom prst="rect">
+            <a:avLst/>
+          </a:prstGeom>
+        </p:spPr>
+        <p:style>
+          <a:lnRef idx="1">
+            <a:schemeClr val="accent2"/>
+          </a:lnRef>
+          <a:fillRef idx="2">
+            <a:schemeClr val="accent2"/>
+          </a:fillRef>
+          <a:effectRef idx="1">
+            <a:schemeClr val="accent2"/>
+          </a:effectRef>
+          <a:fontRef idx="minor">
+            <a:schemeClr val="dk1"/>
+          </a:fontRef>
+        </p:style>
+        <p:txBody>
+          <a:bodyPr rtlCol="0" anchor="ctr"/>
+          <a:lstStyle/>
+          <a:p>
+            <a:pPr algn="ctr"/>
+            <a:endParaRPr lang="ko-KR" altLang="en-US"/>
+          </a:p>
+        </p:txBody>
+      </p:sp>
+      <p:sp>
+        <p:nvSpPr>
+          <p:cNvPr id="29" name="직사각형 28"/>
+          <p:cNvSpPr/>
+          <p:nvPr/>
+        </p:nvSpPr>
+        <p:spPr>
+          <a:xfrm>
+            <a:off x="3635896" y="4941168"/>
+            <a:ext cx="2088232" cy="576064"/>
+          </a:xfrm>
+          <a:prstGeom prst="rect">
+            <a:avLst/>
+          </a:prstGeom>
+        </p:spPr>
+        <p:style>
+          <a:lnRef idx="1">
+            <a:schemeClr val="accent2"/>
+          </a:lnRef>
+          <a:fillRef idx="2">
+            <a:schemeClr val="accent2"/>
+          </a:fillRef>
+          <a:effectRef idx="1">
+            <a:schemeClr val="accent2"/>
+          </a:effectRef>
+          <a:fontRef idx="minor">
+            <a:schemeClr val="dk1"/>
+          </a:fontRef>
+        </p:style>
+        <p:txBody>
+          <a:bodyPr rtlCol="0" anchor="ctr"/>
+          <a:lstStyle/>
+          <a:p>
+            <a:pPr algn="ctr"/>
+            <a:endParaRPr lang="ko-KR" altLang="en-US"/>
+          </a:p>
+        </p:txBody>
+      </p:sp>
+      <p:sp>
+        <p:nvSpPr>
+          <p:cNvPr id="30" name="직사각형 29"/>
+          <p:cNvSpPr/>
+          <p:nvPr/>
+        </p:nvSpPr>
+        <p:spPr>
+          <a:xfrm>
+            <a:off x="3059832" y="1916832"/>
+            <a:ext cx="510457" cy="3600400"/>
+          </a:xfrm>
+          <a:prstGeom prst="rect">
+            <a:avLst/>
+          </a:prstGeom>
+          <a:solidFill>
+            <a:schemeClr val="accent1">
+              <a:alpha val="20000"/>
+            </a:schemeClr>
+          </a:solidFill>
+          <a:ln>
+            <a:prstDash val="dash"/>
+          </a:ln>
+        </p:spPr>
+        <p:style>
+          <a:lnRef idx="1">
+            <a:schemeClr val="accent1"/>
+          </a:lnRef>
+          <a:fillRef idx="2">
+            <a:schemeClr val="accent1"/>
+          </a:fillRef>
+          <a:effectRef idx="1">
+            <a:schemeClr val="accent1"/>
+          </a:effectRef>
+          <a:fontRef idx="minor">
+            <a:schemeClr val="dk1"/>
+          </a:fontRef>
+        </p:style>
+        <p:txBody>
+          <a:bodyPr rtlCol="0" anchor="ctr"/>
+          <a:lstStyle/>
+          <a:p>
+            <a:pPr algn="ctr"/>
+            <a:endParaRPr lang="ko-KR" altLang="en-US"/>
+          </a:p>
+        </p:txBody>
+      </p:sp>
+      <p:sp>
+        <p:nvSpPr>
+          <p:cNvPr id="33" name="모서리가 둥근 직사각형 32"/>
+          <p:cNvSpPr/>
+          <p:nvPr/>
+        </p:nvSpPr>
+        <p:spPr>
+          <a:xfrm>
+            <a:off x="3106237" y="2007981"/>
+            <a:ext cx="417646" cy="319023"/>
+          </a:xfrm>
+          <a:prstGeom prst="roundRect">
+            <a:avLst/>
+          </a:prstGeom>
+          <a:solidFill>
+            <a:schemeClr val="accent1">
+              <a:alpha val="20000"/>
+            </a:schemeClr>
+          </a:solidFill>
+          <a:ln>
+            <a:solidFill>
+              <a:schemeClr val="accent1">
+                <a:shade val="95000"/>
+                <a:satMod val="105000"/>
+              </a:schemeClr>
+            </a:solidFill>
+            <a:prstDash val="dash"/>
+          </a:ln>
+        </p:spPr>
+        <p:style>
+          <a:lnRef idx="1">
+            <a:schemeClr val="accent1"/>
+          </a:lnRef>
+          <a:fillRef idx="2">
+            <a:schemeClr val="accent1"/>
+          </a:fillRef>
+          <a:effectRef idx="1">
+            <a:schemeClr val="accent1"/>
+          </a:effectRef>
+          <a:fontRef idx="minor">
+            <a:schemeClr val="dk1"/>
+          </a:fontRef>
+        </p:style>
+        <p:txBody>
+          <a:bodyPr rtlCol="0" anchor="ctr"/>
+          <a:lstStyle/>
+          <a:p>
+            <a:pPr algn="ctr"/>
+            <a:r>
+              <a:rPr lang="en-US" altLang="ko-KR" sz="1000" dirty="0" err="1" smtClean="0"/>
+              <a:t>Sc.Bro</a:t>
+            </a:r>
+            <a:endParaRPr lang="en-US" altLang="ko-KR" sz="1000" dirty="0" smtClean="0"/>
+          </a:p>
+        </p:txBody>
+      </p:sp>
+      <p:sp>
+        <p:nvSpPr>
+          <p:cNvPr id="34" name="모서리가 둥근 직사각형 33"/>
+          <p:cNvSpPr/>
+          <p:nvPr/>
+        </p:nvSpPr>
+        <p:spPr>
+          <a:xfrm>
+            <a:off x="3106237" y="2737176"/>
+            <a:ext cx="417646" cy="319023"/>
+          </a:xfrm>
+          <a:prstGeom prst="roundRect">
+            <a:avLst/>
+          </a:prstGeom>
+          <a:solidFill>
+            <a:schemeClr val="accent1">
+              <a:alpha val="20000"/>
+            </a:schemeClr>
+          </a:solidFill>
+          <a:ln>
+            <a:prstDash val="dash"/>
+          </a:ln>
+        </p:spPr>
+        <p:style>
+          <a:lnRef idx="1">
+            <a:schemeClr val="accent1"/>
+          </a:lnRef>
+          <a:fillRef idx="2">
+            <a:schemeClr val="accent1"/>
+          </a:fillRef>
+          <a:effectRef idx="1">
+            <a:schemeClr val="accent1"/>
+          </a:effectRef>
+          <a:fontRef idx="minor">
+            <a:schemeClr val="dk1"/>
+          </a:fontRef>
+        </p:style>
+        <p:txBody>
+          <a:bodyPr rtlCol="0" anchor="ctr"/>
+          <a:lstStyle/>
+          <a:p>
+            <a:pPr algn="ctr"/>
+            <a:r>
+              <a:rPr lang="en-US" altLang="ko-KR" sz="1000" dirty="0" smtClean="0"/>
+              <a:t>Bb.</a:t>
+            </a:r>
+          </a:p>
+          <a:p>
+            <a:pPr algn="ctr"/>
+            <a:r>
+              <a:rPr lang="en-US" altLang="ko-KR" sz="1000" dirty="0" err="1" smtClean="0"/>
+              <a:t>Fnt</a:t>
+            </a:r>
+            <a:endParaRPr lang="en-US" altLang="ko-KR" sz="1000" dirty="0" smtClean="0"/>
+          </a:p>
+        </p:txBody>
+      </p:sp>
+      <p:sp>
+        <p:nvSpPr>
+          <p:cNvPr id="35" name="모서리가 둥근 직사각형 34"/>
+          <p:cNvSpPr/>
+          <p:nvPr/>
+        </p:nvSpPr>
+        <p:spPr>
+          <a:xfrm>
+            <a:off x="3106237" y="3101774"/>
+            <a:ext cx="417646" cy="319023"/>
+          </a:xfrm>
+          <a:prstGeom prst="roundRect">
+            <a:avLst/>
+          </a:prstGeom>
+          <a:solidFill>
+            <a:schemeClr val="accent1">
+              <a:alpha val="20000"/>
+            </a:schemeClr>
+          </a:solidFill>
+          <a:ln>
+            <a:prstDash val="dash"/>
+          </a:ln>
+        </p:spPr>
+        <p:style>
+          <a:lnRef idx="1">
+            <a:schemeClr val="accent1"/>
+          </a:lnRef>
+          <a:fillRef idx="2">
+            <a:schemeClr val="accent1"/>
+          </a:fillRef>
+          <a:effectRef idx="1">
+            <a:schemeClr val="accent1"/>
+          </a:effectRef>
+          <a:fontRef idx="minor">
+            <a:schemeClr val="dk1"/>
+          </a:fontRef>
+        </p:style>
+        <p:txBody>
+          <a:bodyPr rtlCol="0" anchor="ctr"/>
+          <a:lstStyle/>
+          <a:p>
+            <a:pPr algn="ctr"/>
+            <a:r>
+              <a:rPr lang="en-US" altLang="ko-KR" sz="1000" dirty="0" smtClean="0"/>
+              <a:t>St.</a:t>
+            </a:r>
+          </a:p>
+          <a:p>
+            <a:pPr algn="ctr"/>
+            <a:r>
+              <a:rPr lang="en-US" altLang="ko-KR" sz="1000" dirty="0" err="1" smtClean="0"/>
+              <a:t>Edt</a:t>
+            </a:r>
+            <a:endParaRPr lang="ko-KR" altLang="en-US" sz="1000" dirty="0"/>
+          </a:p>
+        </p:txBody>
+      </p:sp>
+      <p:sp>
+        <p:nvSpPr>
+          <p:cNvPr id="36" name="모서리가 둥근 직사각형 35"/>
+          <p:cNvSpPr/>
+          <p:nvPr/>
+        </p:nvSpPr>
+        <p:spPr>
+          <a:xfrm>
+            <a:off x="3106237" y="3466371"/>
+            <a:ext cx="417646" cy="319023"/>
+          </a:xfrm>
+          <a:prstGeom prst="roundRect">
+            <a:avLst/>
+          </a:prstGeom>
+          <a:solidFill>
+            <a:schemeClr val="accent1">
+              <a:alpha val="20000"/>
+            </a:schemeClr>
+          </a:solidFill>
+          <a:ln>
+            <a:prstDash val="dash"/>
+          </a:ln>
+        </p:spPr>
+        <p:style>
+          <a:lnRef idx="1">
+            <a:schemeClr val="accent1"/>
+          </a:lnRef>
+          <a:fillRef idx="2">
+            <a:schemeClr val="accent1"/>
+          </a:fillRef>
+          <a:effectRef idx="1">
+            <a:schemeClr val="accent1"/>
+          </a:effectRef>
+          <a:fontRef idx="minor">
+            <a:schemeClr val="dk1"/>
+          </a:fontRef>
+        </p:style>
+        <p:txBody>
+          <a:bodyPr rtlCol="0" anchor="ctr"/>
+          <a:lstStyle/>
+          <a:p>
+            <a:pPr algn="ctr"/>
+            <a:r>
+              <a:rPr lang="en-US" altLang="ko-KR" sz="1000" dirty="0" smtClean="0"/>
+              <a:t>St.</a:t>
+            </a:r>
+          </a:p>
+          <a:p>
+            <a:pPr algn="ctr"/>
+            <a:r>
+              <a:rPr lang="en-US" altLang="ko-KR" sz="1000" dirty="0" smtClean="0"/>
+              <a:t>Ply</a:t>
+            </a:r>
+            <a:endParaRPr lang="ko-KR" altLang="en-US" sz="1000" dirty="0"/>
+          </a:p>
+        </p:txBody>
+      </p:sp>
+      <p:sp>
+        <p:nvSpPr>
+          <p:cNvPr id="37" name="모서리가 둥근 직사각형 36"/>
+          <p:cNvSpPr/>
+          <p:nvPr/>
+        </p:nvSpPr>
+        <p:spPr>
+          <a:xfrm>
+            <a:off x="3106237" y="3830969"/>
+            <a:ext cx="417646" cy="319023"/>
+          </a:xfrm>
+          <a:prstGeom prst="roundRect">
+            <a:avLst/>
+          </a:prstGeom>
+          <a:solidFill>
+            <a:schemeClr val="accent1">
+              <a:alpha val="20000"/>
+            </a:schemeClr>
+          </a:solidFill>
+          <a:ln>
+            <a:prstDash val="dash"/>
+          </a:ln>
+        </p:spPr>
+        <p:style>
+          <a:lnRef idx="1">
+            <a:schemeClr val="accent1"/>
+          </a:lnRef>
+          <a:fillRef idx="2">
+            <a:schemeClr val="accent1"/>
+          </a:fillRef>
+          <a:effectRef idx="1">
+            <a:schemeClr val="accent1"/>
+          </a:effectRef>
+          <a:fontRef idx="minor">
+            <a:schemeClr val="dk1"/>
+          </a:fontRef>
+        </p:style>
+        <p:txBody>
+          <a:bodyPr rtlCol="0" anchor="ctr"/>
+          <a:lstStyle/>
+          <a:p>
+            <a:pPr algn="ctr"/>
+            <a:r>
+              <a:rPr lang="en-US" altLang="ko-KR" sz="1000" dirty="0" smtClean="0"/>
+              <a:t>St.</a:t>
+            </a:r>
+          </a:p>
+          <a:p>
+            <a:pPr algn="ctr"/>
+            <a:r>
+              <a:rPr lang="en-US" altLang="ko-KR" sz="1000" dirty="0" err="1" smtClean="0"/>
+              <a:t>Brd</a:t>
+            </a:r>
+            <a:endParaRPr lang="ko-KR" altLang="en-US" sz="1000" dirty="0"/>
+          </a:p>
+        </p:txBody>
+      </p:sp>
+      <p:sp>
+        <p:nvSpPr>
+          <p:cNvPr id="38" name="모서리가 둥근 직사각형 37"/>
+          <p:cNvSpPr/>
+          <p:nvPr/>
+        </p:nvSpPr>
+        <p:spPr>
+          <a:xfrm>
+            <a:off x="3112790" y="2358405"/>
+            <a:ext cx="417646" cy="319023"/>
+          </a:xfrm>
+          <a:prstGeom prst="roundRect">
+            <a:avLst/>
+          </a:prstGeom>
+          <a:solidFill>
+            <a:schemeClr val="accent1">
+              <a:alpha val="20000"/>
+            </a:schemeClr>
+          </a:solidFill>
+          <a:ln>
+            <a:prstDash val="dash"/>
+          </a:ln>
+        </p:spPr>
+        <p:style>
+          <a:lnRef idx="1">
+            <a:schemeClr val="accent1"/>
+          </a:lnRef>
+          <a:fillRef idx="2">
+            <a:schemeClr val="accent1"/>
+          </a:fillRef>
+          <a:effectRef idx="1">
+            <a:schemeClr val="accent1"/>
+          </a:effectRef>
+          <a:fontRef idx="minor">
+            <a:schemeClr val="dk1"/>
+          </a:fontRef>
+        </p:style>
+        <p:txBody>
+          <a:bodyPr rtlCol="0" anchor="ctr"/>
+          <a:lstStyle/>
+          <a:p>
+            <a:pPr algn="ctr"/>
+            <a:r>
+              <a:rPr lang="en-US" altLang="ko-KR" sz="1000" dirty="0" smtClean="0"/>
+              <a:t>Sc.</a:t>
+            </a:r>
+          </a:p>
+          <a:p>
+            <a:pPr algn="ctr"/>
+            <a:r>
+              <a:rPr lang="en-US" altLang="ko-KR" sz="1000" dirty="0" err="1" smtClean="0"/>
+              <a:t>Clp</a:t>
+            </a:r>
+            <a:endParaRPr lang="ko-KR" altLang="en-US" sz="1000" dirty="0"/>
+          </a:p>
+        </p:txBody>
+      </p:sp>
+      <p:cxnSp>
+        <p:nvCxnSpPr>
+          <p:cNvPr id="39" name="직선 화살표 연결선 38"/>
+          <p:cNvCxnSpPr/>
+          <p:nvPr/>
+        </p:nvCxnSpPr>
+        <p:spPr>
+          <a:xfrm flipH="1">
+            <a:off x="3419872" y="4365104"/>
+            <a:ext cx="504056" cy="0"/>
+          </a:xfrm>
+          <a:prstGeom prst="straightConnector1">
+            <a:avLst/>
+          </a:prstGeom>
+          <a:ln>
+            <a:headEnd type="oval" w="med" len="med"/>
+            <a:tailEnd type="triangle" w="med" len="med"/>
+          </a:ln>
+        </p:spPr>
+        <p:style>
+          <a:lnRef idx="3">
+            <a:schemeClr val="accent1"/>
+          </a:lnRef>
+          <a:fillRef idx="0">
+            <a:schemeClr val="accent1"/>
+          </a:fillRef>
+          <a:effectRef idx="2">
+            <a:schemeClr val="accent1"/>
+          </a:effectRef>
+          <a:fontRef idx="minor">
+            <a:schemeClr val="tx1"/>
+          </a:fontRef>
+        </p:style>
+      </p:cxnSp>
+      <p:sp>
+        <p:nvSpPr>
+          <p:cNvPr id="42" name="모서리가 둥근 직사각형 41"/>
+          <p:cNvSpPr/>
+          <p:nvPr/>
+        </p:nvSpPr>
+        <p:spPr>
+          <a:xfrm>
+            <a:off x="3923928" y="5013176"/>
+            <a:ext cx="216024" cy="432048"/>
+          </a:xfrm>
+          <a:prstGeom prst="roundRect">
+            <a:avLst/>
+          </a:prstGeom>
+        </p:spPr>
+        <p:style>
+          <a:lnRef idx="1">
+            <a:schemeClr val="accent2"/>
+          </a:lnRef>
+          <a:fillRef idx="2">
+            <a:schemeClr val="accent2"/>
+          </a:fillRef>
+          <a:effectRef idx="1">
+            <a:schemeClr val="accent2"/>
+          </a:effectRef>
+          <a:fontRef idx="minor">
+            <a:schemeClr val="dk1"/>
+          </a:fontRef>
+        </p:style>
+        <p:txBody>
+          <a:bodyPr rtlCol="0" anchor="ctr"/>
+          <a:lstStyle/>
+          <a:p>
+            <a:pPr algn="ctr"/>
+            <a:endParaRPr lang="ko-KR" altLang="en-US"/>
+          </a:p>
+        </p:txBody>
+      </p:sp>
+      <p:sp>
+        <p:nvSpPr>
+          <p:cNvPr id="43" name="이등변 삼각형 42"/>
+          <p:cNvSpPr/>
+          <p:nvPr/>
+        </p:nvSpPr>
+        <p:spPr>
+          <a:xfrm rot="5400000">
+            <a:off x="3563888" y="5157192"/>
+            <a:ext cx="432048" cy="144016"/>
+          </a:xfrm>
+          <a:prstGeom prst="triangle">
+            <a:avLst/>
+          </a:prstGeom>
+        </p:spPr>
+        <p:style>
+          <a:lnRef idx="1">
+            <a:schemeClr val="accent2"/>
+          </a:lnRef>
+          <a:fillRef idx="2">
+            <a:schemeClr val="accent2"/>
+          </a:fillRef>
+          <a:effectRef idx="1">
+            <a:schemeClr val="accent2"/>
+          </a:effectRef>
+          <a:fontRef idx="minor">
+            <a:schemeClr val="dk1"/>
+          </a:fontRef>
+        </p:style>
+        <p:txBody>
+          <a:bodyPr rtlCol="0" anchor="ctr"/>
+          <a:lstStyle/>
+          <a:p>
+            <a:pPr algn="ctr"/>
+            <a:endParaRPr lang="ko-KR" altLang="en-US"/>
+          </a:p>
+        </p:txBody>
+      </p:sp>
+      <p:sp>
+        <p:nvSpPr>
+          <p:cNvPr id="54" name="모서리가 둥근 직사각형 53"/>
+          <p:cNvSpPr/>
+          <p:nvPr/>
+        </p:nvSpPr>
+        <p:spPr>
+          <a:xfrm>
+            <a:off x="4211960" y="5013176"/>
+            <a:ext cx="216024" cy="432048"/>
+          </a:xfrm>
+          <a:prstGeom prst="roundRect">
+            <a:avLst/>
+          </a:prstGeom>
+        </p:spPr>
+        <p:style>
+          <a:lnRef idx="1">
+            <a:schemeClr val="accent2"/>
+          </a:lnRef>
+          <a:fillRef idx="2">
+            <a:schemeClr val="accent2"/>
+          </a:fillRef>
+          <a:effectRef idx="1">
+            <a:schemeClr val="accent2"/>
+          </a:effectRef>
+          <a:fontRef idx="minor">
+            <a:schemeClr val="dk1"/>
+          </a:fontRef>
+        </p:style>
+        <p:txBody>
+          <a:bodyPr rtlCol="0" anchor="ctr"/>
+          <a:lstStyle/>
+          <a:p>
+            <a:pPr algn="ctr"/>
+            <a:endParaRPr lang="ko-KR" altLang="en-US"/>
+          </a:p>
+        </p:txBody>
+      </p:sp>
+      <p:sp>
+        <p:nvSpPr>
+          <p:cNvPr id="55" name="모서리가 둥근 직사각형 54"/>
+          <p:cNvSpPr/>
+          <p:nvPr/>
+        </p:nvSpPr>
+        <p:spPr>
+          <a:xfrm>
+            <a:off x="4499992" y="5013176"/>
+            <a:ext cx="216024" cy="432048"/>
+          </a:xfrm>
+          <a:prstGeom prst="roundRect">
+            <a:avLst/>
+          </a:prstGeom>
+        </p:spPr>
+        <p:style>
+          <a:lnRef idx="1">
+            <a:schemeClr val="accent2"/>
+          </a:lnRef>
+          <a:fillRef idx="2">
+            <a:schemeClr val="accent2"/>
+          </a:fillRef>
+          <a:effectRef idx="1">
+            <a:schemeClr val="accent2"/>
+          </a:effectRef>
+          <a:fontRef idx="minor">
+            <a:schemeClr val="dk1"/>
+          </a:fontRef>
+        </p:style>
+        <p:txBody>
+          <a:bodyPr rtlCol="0" anchor="ctr"/>
+          <a:lstStyle/>
+          <a:p>
+            <a:pPr algn="ctr"/>
+            <a:endParaRPr lang="ko-KR" altLang="en-US"/>
+          </a:p>
+        </p:txBody>
+      </p:sp>
+      <p:sp>
+        <p:nvSpPr>
+          <p:cNvPr id="60" name="모서리가 둥근 직사각형 59"/>
+          <p:cNvSpPr/>
+          <p:nvPr/>
+        </p:nvSpPr>
+        <p:spPr>
+          <a:xfrm>
+            <a:off x="4788024" y="5013176"/>
+            <a:ext cx="216024" cy="432048"/>
+          </a:xfrm>
+          <a:prstGeom prst="roundRect">
+            <a:avLst/>
+          </a:prstGeom>
+        </p:spPr>
+        <p:style>
+          <a:lnRef idx="1">
+            <a:schemeClr val="accent2"/>
+          </a:lnRef>
+          <a:fillRef idx="2">
+            <a:schemeClr val="accent2"/>
+          </a:fillRef>
+          <a:effectRef idx="1">
+            <a:schemeClr val="accent2"/>
+          </a:effectRef>
+          <a:fontRef idx="minor">
+            <a:schemeClr val="dk1"/>
+          </a:fontRef>
+        </p:style>
+        <p:txBody>
+          <a:bodyPr rtlCol="0" anchor="ctr"/>
+          <a:lstStyle/>
+          <a:p>
+            <a:pPr algn="ctr"/>
+            <a:endParaRPr lang="ko-KR" altLang="en-US"/>
+          </a:p>
+        </p:txBody>
+      </p:sp>
+      <p:sp>
+        <p:nvSpPr>
+          <p:cNvPr id="61" name="모서리가 둥근 직사각형 60"/>
+          <p:cNvSpPr/>
+          <p:nvPr/>
+        </p:nvSpPr>
+        <p:spPr>
+          <a:xfrm>
+            <a:off x="5076056" y="5013176"/>
+            <a:ext cx="216024" cy="432048"/>
+          </a:xfrm>
+          <a:prstGeom prst="roundRect">
+            <a:avLst/>
+          </a:prstGeom>
+        </p:spPr>
+        <p:style>
+          <a:lnRef idx="1">
+            <a:schemeClr val="accent2"/>
+          </a:lnRef>
+          <a:fillRef idx="2">
+            <a:schemeClr val="accent2"/>
+          </a:fillRef>
+          <a:effectRef idx="1">
+            <a:schemeClr val="accent2"/>
+          </a:effectRef>
+          <a:fontRef idx="minor">
+            <a:schemeClr val="dk1"/>
+          </a:fontRef>
+        </p:style>
+        <p:txBody>
+          <a:bodyPr rtlCol="0" anchor="ctr"/>
+          <a:lstStyle/>
+          <a:p>
+            <a:pPr algn="ctr"/>
+            <a:endParaRPr lang="ko-KR" altLang="en-US"/>
+          </a:p>
+        </p:txBody>
+      </p:sp>
+      <p:sp>
+        <p:nvSpPr>
+          <p:cNvPr id="62" name="모서리가 둥근 직사각형 61"/>
+          <p:cNvSpPr/>
+          <p:nvPr/>
+        </p:nvSpPr>
+        <p:spPr>
+          <a:xfrm>
+            <a:off x="5364088" y="5013176"/>
+            <a:ext cx="216024" cy="432048"/>
+          </a:xfrm>
+          <a:prstGeom prst="roundRect">
+            <a:avLst/>
+          </a:prstGeom>
+        </p:spPr>
+        <p:style>
+          <a:lnRef idx="1">
+            <a:schemeClr val="accent2"/>
+          </a:lnRef>
+          <a:fillRef idx="2">
+            <a:schemeClr val="accent2"/>
+          </a:fillRef>
+          <a:effectRef idx="1">
+            <a:schemeClr val="accent2"/>
+          </a:effectRef>
+          <a:fontRef idx="minor">
+            <a:schemeClr val="dk1"/>
+          </a:fontRef>
+        </p:style>
+        <p:txBody>
+          <a:bodyPr rtlCol="0" anchor="ctr"/>
+          <a:lstStyle/>
+          <a:p>
+            <a:pPr algn="ctr"/>
+            <a:endParaRPr lang="ko-KR" altLang="en-US"/>
+          </a:p>
+        </p:txBody>
+      </p:sp>
+      <p:sp>
+        <p:nvSpPr>
+          <p:cNvPr id="63" name="직사각형 62"/>
+          <p:cNvSpPr/>
+          <p:nvPr/>
+        </p:nvSpPr>
+        <p:spPr>
+          <a:xfrm>
+            <a:off x="6228184" y="4941168"/>
+            <a:ext cx="2088232" cy="576064"/>
+          </a:xfrm>
+          <a:prstGeom prst="rect">
+            <a:avLst/>
+          </a:prstGeom>
+        </p:spPr>
+        <p:style>
+          <a:lnRef idx="1">
+            <a:schemeClr val="accent2"/>
+          </a:lnRef>
+          <a:fillRef idx="2">
+            <a:schemeClr val="accent2"/>
+          </a:fillRef>
+          <a:effectRef idx="1">
+            <a:schemeClr val="accent2"/>
+          </a:effectRef>
+          <a:fontRef idx="minor">
+            <a:schemeClr val="dk1"/>
+          </a:fontRef>
+        </p:style>
+        <p:txBody>
+          <a:bodyPr rtlCol="0" anchor="ctr"/>
+          <a:lstStyle/>
+          <a:p>
+            <a:pPr algn="ctr"/>
+            <a:endParaRPr lang="ko-KR" altLang="en-US"/>
+          </a:p>
+        </p:txBody>
+      </p:sp>
+      <p:sp>
+        <p:nvSpPr>
+          <p:cNvPr id="64" name="모서리가 둥근 직사각형 63"/>
+          <p:cNvSpPr/>
+          <p:nvPr/>
+        </p:nvSpPr>
+        <p:spPr>
+          <a:xfrm>
+            <a:off x="6516216" y="5013176"/>
+            <a:ext cx="216024" cy="432048"/>
+          </a:xfrm>
+          <a:prstGeom prst="roundRect">
+            <a:avLst/>
+          </a:prstGeom>
+        </p:spPr>
+        <p:style>
+          <a:lnRef idx="1">
+            <a:schemeClr val="accent2"/>
+          </a:lnRef>
+          <a:fillRef idx="2">
+            <a:schemeClr val="accent2"/>
+          </a:fillRef>
+          <a:effectRef idx="1">
+            <a:schemeClr val="accent2"/>
+          </a:effectRef>
+          <a:fontRef idx="minor">
+            <a:schemeClr val="dk1"/>
+          </a:fontRef>
+        </p:style>
+        <p:txBody>
+          <a:bodyPr rtlCol="0" anchor="ctr"/>
+          <a:lstStyle/>
+          <a:p>
+            <a:pPr algn="ctr"/>
+            <a:endParaRPr lang="ko-KR" altLang="en-US"/>
+          </a:p>
+        </p:txBody>
+      </p:sp>
+      <p:sp>
+        <p:nvSpPr>
+          <p:cNvPr id="65" name="이등변 삼각형 64"/>
+          <p:cNvSpPr/>
+          <p:nvPr/>
+        </p:nvSpPr>
+        <p:spPr>
+          <a:xfrm rot="5400000">
+            <a:off x="6156176" y="5157192"/>
+            <a:ext cx="432048" cy="144016"/>
+          </a:xfrm>
+          <a:prstGeom prst="triangle">
+            <a:avLst/>
+          </a:prstGeom>
+        </p:spPr>
+        <p:style>
+          <a:lnRef idx="1">
+            <a:schemeClr val="accent2"/>
+          </a:lnRef>
+          <a:fillRef idx="2">
+            <a:schemeClr val="accent2"/>
+          </a:fillRef>
+          <a:effectRef idx="1">
+            <a:schemeClr val="accent2"/>
+          </a:effectRef>
+          <a:fontRef idx="minor">
+            <a:schemeClr val="dk1"/>
+          </a:fontRef>
+        </p:style>
+        <p:txBody>
+          <a:bodyPr rtlCol="0" anchor="ctr"/>
+          <a:lstStyle/>
+          <a:p>
+            <a:pPr algn="ctr"/>
+            <a:endParaRPr lang="ko-KR" altLang="en-US"/>
+          </a:p>
+        </p:txBody>
+      </p:sp>
+      <p:sp>
+        <p:nvSpPr>
+          <p:cNvPr id="66" name="모서리가 둥근 직사각형 65"/>
+          <p:cNvSpPr/>
+          <p:nvPr/>
+        </p:nvSpPr>
+        <p:spPr>
+          <a:xfrm>
+            <a:off x="6804248" y="5013176"/>
+            <a:ext cx="216024" cy="432048"/>
+          </a:xfrm>
+          <a:prstGeom prst="roundRect">
+            <a:avLst/>
+          </a:prstGeom>
+        </p:spPr>
+        <p:style>
+          <a:lnRef idx="1">
+            <a:schemeClr val="accent2"/>
+          </a:lnRef>
+          <a:fillRef idx="2">
+            <a:schemeClr val="accent2"/>
+          </a:fillRef>
+          <a:effectRef idx="1">
+            <a:schemeClr val="accent2"/>
+          </a:effectRef>
+          <a:fontRef idx="minor">
+            <a:schemeClr val="dk1"/>
+          </a:fontRef>
+        </p:style>
+        <p:txBody>
+          <a:bodyPr rtlCol="0" anchor="ctr"/>
+          <a:lstStyle/>
+          <a:p>
+            <a:pPr algn="ctr"/>
+            <a:endParaRPr lang="ko-KR" altLang="en-US"/>
+          </a:p>
+        </p:txBody>
+      </p:sp>
+      <p:sp>
+        <p:nvSpPr>
+          <p:cNvPr id="67" name="모서리가 둥근 직사각형 66"/>
+          <p:cNvSpPr/>
+          <p:nvPr/>
+        </p:nvSpPr>
+        <p:spPr>
+          <a:xfrm>
+            <a:off x="7092280" y="5013176"/>
+            <a:ext cx="216024" cy="432048"/>
+          </a:xfrm>
+          <a:prstGeom prst="roundRect">
+            <a:avLst/>
+          </a:prstGeom>
+        </p:spPr>
+        <p:style>
+          <a:lnRef idx="1">
+            <a:schemeClr val="accent2"/>
+          </a:lnRef>
+          <a:fillRef idx="2">
+            <a:schemeClr val="accent2"/>
+          </a:fillRef>
+          <a:effectRef idx="1">
+            <a:schemeClr val="accent2"/>
+          </a:effectRef>
+          <a:fontRef idx="minor">
+            <a:schemeClr val="dk1"/>
+          </a:fontRef>
+        </p:style>
+        <p:txBody>
+          <a:bodyPr rtlCol="0" anchor="ctr"/>
+          <a:lstStyle/>
+          <a:p>
+            <a:pPr algn="ctr"/>
+            <a:endParaRPr lang="ko-KR" altLang="en-US"/>
+          </a:p>
+        </p:txBody>
+      </p:sp>
+      <p:sp>
+        <p:nvSpPr>
+          <p:cNvPr id="68" name="모서리가 둥근 직사각형 67"/>
+          <p:cNvSpPr/>
+          <p:nvPr/>
+        </p:nvSpPr>
+        <p:spPr>
+          <a:xfrm>
+            <a:off x="7380312" y="5013176"/>
+            <a:ext cx="216024" cy="432048"/>
+          </a:xfrm>
+          <a:prstGeom prst="roundRect">
+            <a:avLst/>
+          </a:prstGeom>
+        </p:spPr>
+        <p:style>
+          <a:lnRef idx="1">
+            <a:schemeClr val="accent2"/>
+          </a:lnRef>
+          <a:fillRef idx="2">
+            <a:schemeClr val="accent2"/>
+          </a:fillRef>
+          <a:effectRef idx="1">
+            <a:schemeClr val="accent2"/>
+          </a:effectRef>
+          <a:fontRef idx="minor">
+            <a:schemeClr val="dk1"/>
+          </a:fontRef>
+        </p:style>
+        <p:txBody>
+          <a:bodyPr rtlCol="0" anchor="ctr"/>
+          <a:lstStyle/>
+          <a:p>
+            <a:pPr algn="ctr"/>
+            <a:endParaRPr lang="ko-KR" altLang="en-US"/>
+          </a:p>
+        </p:txBody>
+      </p:sp>
+      <p:sp>
+        <p:nvSpPr>
+          <p:cNvPr id="69" name="모서리가 둥근 직사각형 68"/>
+          <p:cNvSpPr/>
+          <p:nvPr/>
+        </p:nvSpPr>
+        <p:spPr>
+          <a:xfrm>
+            <a:off x="7668344" y="5013176"/>
+            <a:ext cx="216024" cy="432048"/>
+          </a:xfrm>
+          <a:prstGeom prst="roundRect">
+            <a:avLst/>
+          </a:prstGeom>
+        </p:spPr>
+        <p:style>
+          <a:lnRef idx="1">
+            <a:schemeClr val="accent2"/>
+          </a:lnRef>
+          <a:fillRef idx="2">
+            <a:schemeClr val="accent2"/>
+          </a:fillRef>
+          <a:effectRef idx="1">
+            <a:schemeClr val="accent2"/>
+          </a:effectRef>
+          <a:fontRef idx="minor">
+            <a:schemeClr val="dk1"/>
+          </a:fontRef>
+        </p:style>
+        <p:txBody>
+          <a:bodyPr rtlCol="0" anchor="ctr"/>
+          <a:lstStyle/>
+          <a:p>
+            <a:pPr algn="ctr"/>
+            <a:endParaRPr lang="ko-KR" altLang="en-US"/>
+          </a:p>
+        </p:txBody>
+      </p:sp>
+      <p:sp>
+        <p:nvSpPr>
+          <p:cNvPr id="70" name="모서리가 둥근 직사각형 69"/>
+          <p:cNvSpPr/>
+          <p:nvPr/>
+        </p:nvSpPr>
+        <p:spPr>
+          <a:xfrm>
+            <a:off x="7956376" y="5013176"/>
+            <a:ext cx="216024" cy="432048"/>
+          </a:xfrm>
+          <a:prstGeom prst="roundRect">
+            <a:avLst/>
+          </a:prstGeom>
+        </p:spPr>
+        <p:style>
+          <a:lnRef idx="1">
+            <a:schemeClr val="accent2"/>
+          </a:lnRef>
+          <a:fillRef idx="2">
+            <a:schemeClr val="accent2"/>
+          </a:fillRef>
+          <a:effectRef idx="1">
+            <a:schemeClr val="accent2"/>
+          </a:effectRef>
+          <a:fontRef idx="minor">
+            <a:schemeClr val="dk1"/>
+          </a:fontRef>
+        </p:style>
+        <p:txBody>
+          <a:bodyPr rtlCol="0" anchor="ctr"/>
+          <a:lstStyle/>
+          <a:p>
+            <a:pPr algn="ctr"/>
+            <a:endParaRPr lang="ko-KR" altLang="en-US"/>
+          </a:p>
+        </p:txBody>
+      </p:sp>
+      <p:cxnSp>
+        <p:nvCxnSpPr>
+          <p:cNvPr id="71" name="구부러진 연결선 25"/>
+          <p:cNvCxnSpPr>
+            <a:endCxn id="54" idx="1"/>
+          </p:cNvCxnSpPr>
+          <p:nvPr/>
+        </p:nvCxnSpPr>
+        <p:spPr>
+          <a:xfrm rot="5400000">
+            <a:off x="3599892" y="4185084"/>
+            <a:ext cx="1656184" cy="432048"/>
+          </a:xfrm>
+          <a:prstGeom prst="curvedConnector4">
+            <a:avLst>
+              <a:gd name="adj1" fmla="val 43478"/>
+              <a:gd name="adj2" fmla="val 152911"/>
+            </a:avLst>
+          </a:prstGeom>
+          <a:ln>
+            <a:headEnd type="oval" w="med" len="med"/>
+            <a:tailEnd type="triangle" w="med" len="med"/>
+          </a:ln>
+        </p:spPr>
+        <p:style>
+          <a:lnRef idx="3">
+            <a:schemeClr val="accent1"/>
+          </a:lnRef>
+          <a:fillRef idx="0">
+            <a:schemeClr val="accent1"/>
+          </a:fillRef>
+          <a:effectRef idx="2">
+            <a:schemeClr val="accent1"/>
+          </a:effectRef>
+          <a:fontRef idx="minor">
+            <a:schemeClr val="tx1"/>
+          </a:fontRef>
+        </p:style>
+      </p:cxnSp>
+      <p:cxnSp>
+        <p:nvCxnSpPr>
+          <p:cNvPr id="73" name="구부러진 연결선 25"/>
+          <p:cNvCxnSpPr>
+            <a:stCxn id="55" idx="3"/>
+            <a:endCxn id="61" idx="3"/>
+          </p:cNvCxnSpPr>
+          <p:nvPr/>
+        </p:nvCxnSpPr>
+        <p:spPr>
+          <a:xfrm>
+            <a:off x="4716016" y="5229200"/>
+            <a:ext cx="576064" cy="12700"/>
+          </a:xfrm>
+          <a:prstGeom prst="curvedConnector5">
+            <a:avLst>
+              <a:gd name="adj1" fmla="val 31250"/>
+              <a:gd name="adj2" fmla="val 3500976"/>
+              <a:gd name="adj3" fmla="val 139683"/>
+            </a:avLst>
+          </a:prstGeom>
+          <a:ln>
+            <a:headEnd type="oval" w="med" len="med"/>
+            <a:tailEnd type="triangle" w="med" len="med"/>
+          </a:ln>
+        </p:spPr>
+        <p:style>
+          <a:lnRef idx="3">
+            <a:schemeClr val="accent1"/>
+          </a:lnRef>
+          <a:fillRef idx="0">
+            <a:schemeClr val="accent1"/>
+          </a:fillRef>
+          <a:effectRef idx="2">
+            <a:schemeClr val="accent1"/>
+          </a:effectRef>
+          <a:fontRef idx="minor">
+            <a:schemeClr val="tx1"/>
+          </a:fontRef>
+        </p:style>
+      </p:cxnSp>
+      <p:sp>
+        <p:nvSpPr>
+          <p:cNvPr id="84" name="타원 83"/>
+          <p:cNvSpPr/>
+          <p:nvPr/>
+        </p:nvSpPr>
+        <p:spPr>
+          <a:xfrm>
+            <a:off x="6300192" y="5085184"/>
+            <a:ext cx="216024" cy="216024"/>
+          </a:xfrm>
+          <a:prstGeom prst="ellipse">
+            <a:avLst/>
+          </a:prstGeom>
+          <a:solidFill>
+            <a:schemeClr val="accent1">
+              <a:alpha val="40000"/>
+            </a:schemeClr>
+          </a:solidFill>
+          <a:ln>
+            <a:solidFill>
+              <a:schemeClr val="accent1">
+                <a:shade val="50000"/>
+                <a:alpha val="40000"/>
+              </a:schemeClr>
+            </a:solidFill>
+          </a:ln>
+        </p:spPr>
+        <p:style>
+          <a:lnRef idx="2">
+            <a:schemeClr val="accent1">
+              <a:shade val="50000"/>
+            </a:schemeClr>
+          </a:lnRef>
+          <a:fillRef idx="1">
+            <a:schemeClr val="accent1"/>
+          </a:fillRef>
+          <a:effectRef idx="0">
+            <a:schemeClr val="accent1"/>
+          </a:effectRef>
+          <a:fontRef idx="minor">
+            <a:schemeClr val="lt1"/>
+          </a:fontRef>
+        </p:style>
+        <p:txBody>
+          <a:bodyPr rtlCol="0" anchor="ctr"/>
+          <a:lstStyle/>
+          <a:p>
+            <a:pPr algn="ctr"/>
+            <a:endParaRPr lang="ko-KR" altLang="en-US"/>
+          </a:p>
+        </p:txBody>
+      </p:sp>
+      <p:sp>
+        <p:nvSpPr>
+          <p:cNvPr id="85" name="직각 삼각형 84"/>
+          <p:cNvSpPr/>
+          <p:nvPr/>
+        </p:nvSpPr>
+        <p:spPr>
+          <a:xfrm rot="5400000">
+            <a:off x="6620374" y="4404962"/>
+            <a:ext cx="727788" cy="648072"/>
+          </a:xfrm>
+          <a:prstGeom prst="rtTriangle">
+            <a:avLst/>
+          </a:prstGeom>
+          <a:solidFill>
+            <a:schemeClr val="accent2">
+              <a:lumMod val="20000"/>
+              <a:lumOff val="80000"/>
+            </a:schemeClr>
+          </a:solidFill>
+          <a:ln/>
+          <a:effectLst>
+            <a:glow rad="139700">
+              <a:schemeClr val="accent2">
+                <a:satMod val="175000"/>
+                <a:alpha val="40000"/>
+              </a:schemeClr>
+            </a:glow>
+            <a:outerShdw blurRad="40000" dist="20000" dir="5400000" rotWithShape="0">
+              <a:srgbClr val="000000">
+                <a:alpha val="38000"/>
+              </a:srgbClr>
+            </a:outerShdw>
+            <a:softEdge rad="12700"/>
+          </a:effectLst>
+        </p:spPr>
+        <p:style>
+          <a:lnRef idx="1">
+            <a:schemeClr val="accent2"/>
+          </a:lnRef>
+          <a:fillRef idx="2">
+            <a:schemeClr val="accent2"/>
+          </a:fillRef>
+          <a:effectRef idx="1">
+            <a:schemeClr val="accent2"/>
+          </a:effectRef>
+          <a:fontRef idx="minor">
+            <a:schemeClr val="dk1"/>
+          </a:fontRef>
+        </p:style>
+        <p:txBody>
+          <a:bodyPr rtlCol="0" anchor="ctr"/>
+          <a:lstStyle/>
+          <a:p>
+            <a:pPr algn="ctr"/>
+            <a:endParaRPr lang="ko-KR" altLang="en-US"/>
+          </a:p>
+        </p:txBody>
+      </p:sp>
+      <p:sp>
+        <p:nvSpPr>
+          <p:cNvPr id="86" name="직사각형 85"/>
+          <p:cNvSpPr/>
+          <p:nvPr/>
+        </p:nvSpPr>
+        <p:spPr>
+          <a:xfrm>
+            <a:off x="6660231" y="3429000"/>
+            <a:ext cx="648073" cy="936104"/>
+          </a:xfrm>
+          <a:prstGeom prst="rect">
+            <a:avLst/>
+          </a:prstGeom>
+          <a:solidFill>
+            <a:schemeClr val="accent2">
+              <a:lumMod val="20000"/>
+              <a:lumOff val="80000"/>
+            </a:schemeClr>
+          </a:solidFill>
+        </p:spPr>
+        <p:style>
+          <a:lnRef idx="1">
+            <a:schemeClr val="accent2"/>
+          </a:lnRef>
+          <a:fillRef idx="2">
+            <a:schemeClr val="accent2"/>
+          </a:fillRef>
+          <a:effectRef idx="1">
+            <a:schemeClr val="accent2"/>
+          </a:effectRef>
+          <a:fontRef idx="minor">
+            <a:schemeClr val="dk1"/>
+          </a:fontRef>
+        </p:style>
+        <p:txBody>
+          <a:bodyPr rtlCol="0" anchor="ctr"/>
+          <a:lstStyle/>
+          <a:p>
+            <a:pPr algn="ctr"/>
+            <a:endParaRPr lang="ko-KR" altLang="en-US"/>
+          </a:p>
+        </p:txBody>
+      </p:sp>
+      <p:sp>
+        <p:nvSpPr>
+          <p:cNvPr id="56" name="곱셈 기호 55"/>
+          <p:cNvSpPr/>
+          <p:nvPr/>
+        </p:nvSpPr>
+        <p:spPr>
+          <a:xfrm>
+            <a:off x="4325496" y="4967456"/>
+            <a:ext cx="144016" cy="144016"/>
+          </a:xfrm>
+          <a:prstGeom prst="mathMultiply">
+            <a:avLst/>
+          </a:prstGeom>
+        </p:spPr>
+        <p:style>
+          <a:lnRef idx="2">
+            <a:schemeClr val="accent1">
+              <a:shade val="50000"/>
+            </a:schemeClr>
+          </a:lnRef>
+          <a:fillRef idx="1">
+            <a:schemeClr val="accent1"/>
+          </a:fillRef>
+          <a:effectRef idx="0">
+            <a:schemeClr val="accent1"/>
+          </a:effectRef>
+          <a:fontRef idx="minor">
+            <a:schemeClr val="lt1"/>
+          </a:fontRef>
+        </p:style>
+        <p:txBody>
+          <a:bodyPr rtlCol="0" anchor="ctr"/>
+          <a:lstStyle/>
+          <a:p>
+            <a:pPr algn="ctr"/>
+            <a:endParaRPr lang="ko-KR" altLang="en-US"/>
+          </a:p>
+        </p:txBody>
+      </p:sp>
+    </p:spTree>
   </p:cSld>
   <p:clrMapOvr>
     <a:masterClrMapping/>
@@ -31504,11 +31839,7 @@
             </a:r>
             <a:r>
               <a:rPr lang="en-US" altLang="ko-KR" sz="3200" dirty="0" smtClean="0"/>
-              <a:t>| </a:t>
-            </a:r>
-            <a:r>
-              <a:rPr lang="en-US" altLang="ko-KR" sz="3200" dirty="0" smtClean="0"/>
-              <a:t>Touch/</a:t>
+              <a:t>| Touch/</a:t>
             </a:r>
             <a:r>
               <a:rPr lang="en-US" altLang="ko-KR" sz="3200" dirty="0" err="1" smtClean="0"/>
